--- a/trunk/Lab4/diapositivas dp1[1].pptx
+++ b/trunk/Lab4/diapositivas dp1[1].pptx
@@ -17,8 +17,11 @@
     <p:sldId id="258" r:id="rId11"/>
     <p:sldId id="259" r:id="rId12"/>
     <p:sldId id="260" r:id="rId13"/>
-    <p:sldId id="268" r:id="rId14"/>
-    <p:sldId id="269" r:id="rId15"/>
+    <p:sldId id="271" r:id="rId14"/>
+    <p:sldId id="272" r:id="rId15"/>
+    <p:sldId id="270" r:id="rId16"/>
+    <p:sldId id="268" r:id="rId17"/>
+    <p:sldId id="269" r:id="rId18"/>
   </p:sldIdLst>
   <p:sldSz cx="9144000" cy="6858000" type="screen4x3"/>
   <p:notesSz cx="6858000" cy="9144000"/>
@@ -505,7 +508,7 @@
             <a:fld id="{D3B66BDA-2D8D-490E-BDD1-00490F8D0F70}" type="datetimeFigureOut">
               <a:rPr lang="es-ES" smtClean="0"/>
               <a:pPr/>
-              <a:t>13/04/2010</a:t>
+              <a:t>14/04/2010</a:t>
             </a:fld>
             <a:endParaRPr lang="es-ES"/>
           </a:p>
@@ -672,7 +675,7 @@
             <a:fld id="{D3B66BDA-2D8D-490E-BDD1-00490F8D0F70}" type="datetimeFigureOut">
               <a:rPr lang="es-ES" smtClean="0"/>
               <a:pPr/>
-              <a:t>13/04/2010</a:t>
+              <a:t>14/04/2010</a:t>
             </a:fld>
             <a:endParaRPr lang="es-ES"/>
           </a:p>
@@ -849,7 +852,7 @@
             <a:fld id="{D3B66BDA-2D8D-490E-BDD1-00490F8D0F70}" type="datetimeFigureOut">
               <a:rPr lang="es-ES" smtClean="0"/>
               <a:pPr/>
-              <a:t>13/04/2010</a:t>
+              <a:t>14/04/2010</a:t>
             </a:fld>
             <a:endParaRPr lang="es-ES"/>
           </a:p>
@@ -1020,7 +1023,7 @@
             <a:fld id="{D3B66BDA-2D8D-490E-BDD1-00490F8D0F70}" type="datetimeFigureOut">
               <a:rPr lang="es-ES" smtClean="0"/>
               <a:pPr/>
-              <a:t>13/04/2010</a:t>
+              <a:t>14/04/2010</a:t>
             </a:fld>
             <a:endParaRPr lang="es-ES"/>
           </a:p>
@@ -1477,7 +1480,7 @@
             <a:fld id="{D3B66BDA-2D8D-490E-BDD1-00490F8D0F70}" type="datetimeFigureOut">
               <a:rPr lang="es-ES" smtClean="0"/>
               <a:pPr/>
-              <a:t>13/04/2010</a:t>
+              <a:t>14/04/2010</a:t>
             </a:fld>
             <a:endParaRPr lang="es-ES"/>
           </a:p>
@@ -1743,7 +1746,7 @@
             <a:fld id="{D3B66BDA-2D8D-490E-BDD1-00490F8D0F70}" type="datetimeFigureOut">
               <a:rPr lang="es-ES" smtClean="0"/>
               <a:pPr/>
-              <a:t>13/04/2010</a:t>
+              <a:t>14/04/2010</a:t>
             </a:fld>
             <a:endParaRPr lang="es-ES"/>
           </a:p>
@@ -2119,7 +2122,7 @@
             <a:fld id="{D3B66BDA-2D8D-490E-BDD1-00490F8D0F70}" type="datetimeFigureOut">
               <a:rPr lang="es-ES" smtClean="0"/>
               <a:pPr/>
-              <a:t>13/04/2010</a:t>
+              <a:t>14/04/2010</a:t>
             </a:fld>
             <a:endParaRPr lang="es-ES"/>
           </a:p>
@@ -2243,7 +2246,7 @@
             <a:fld id="{D3B66BDA-2D8D-490E-BDD1-00490F8D0F70}" type="datetimeFigureOut">
               <a:rPr lang="es-ES" smtClean="0"/>
               <a:pPr/>
-              <a:t>13/04/2010</a:t>
+              <a:t>14/04/2010</a:t>
             </a:fld>
             <a:endParaRPr lang="es-ES"/>
           </a:p>
@@ -2335,7 +2338,7 @@
             <a:fld id="{D3B66BDA-2D8D-490E-BDD1-00490F8D0F70}" type="datetimeFigureOut">
               <a:rPr lang="es-ES" smtClean="0"/>
               <a:pPr/>
-              <a:t>13/04/2010</a:t>
+              <a:t>14/04/2010</a:t>
             </a:fld>
             <a:endParaRPr lang="es-ES"/>
           </a:p>
@@ -2586,7 +2589,7 @@
             <a:fld id="{D3B66BDA-2D8D-490E-BDD1-00490F8D0F70}" type="datetimeFigureOut">
               <a:rPr lang="es-ES" smtClean="0"/>
               <a:pPr/>
-              <a:t>13/04/2010</a:t>
+              <a:t>14/04/2010</a:t>
             </a:fld>
             <a:endParaRPr lang="es-ES"/>
           </a:p>
@@ -2847,7 +2850,7 @@
             <a:fld id="{D3B66BDA-2D8D-490E-BDD1-00490F8D0F70}" type="datetimeFigureOut">
               <a:rPr lang="es-ES" smtClean="0"/>
               <a:pPr/>
-              <a:t>13/04/2010</a:t>
+              <a:t>14/04/2010</a:t>
             </a:fld>
             <a:endParaRPr lang="es-ES"/>
           </a:p>
@@ -3253,7 +3256,7 @@
             <a:fld id="{D3B66BDA-2D8D-490E-BDD1-00490F8D0F70}" type="datetimeFigureOut">
               <a:rPr lang="es-ES" smtClean="0"/>
               <a:pPr/>
-              <a:t>13/04/2010</a:t>
+              <a:t>14/04/2010</a:t>
             </a:fld>
             <a:endParaRPr lang="es-ES"/>
           </a:p>
@@ -3784,7 +3787,6 @@
               <a:rPr lang="es-ES" dirty="0" smtClean="0"/>
               <a:t>Ejemplo:</a:t>
             </a:r>
-            <a:endParaRPr lang="es-ES" dirty="0" smtClean="0"/>
           </a:p>
           <a:p>
             <a:r>
@@ -4339,11 +4341,7 @@
             </a:pPr>
             <a:r>
               <a:rPr lang="es-ES" dirty="0" smtClean="0"/>
-              <a:t>			06 </a:t>
-            </a:r>
-            <a:r>
-              <a:rPr lang="es-ES" dirty="0" smtClean="0"/>
-              <a:t>36 74 15 15 25</a:t>
+              <a:t>			06 36 74 15 15 25</a:t>
             </a:r>
           </a:p>
           <a:p>
@@ -4384,7 +4382,7 @@
       </p:grpSpPr>
       <p:sp>
         <p:nvSpPr>
-          <p:cNvPr id="4" name="3 Título"/>
+          <p:cNvPr id="2" name="1 Título"/>
           <p:cNvSpPr>
             <a:spLocks noGrp="1"/>
           </p:cNvSpPr>
@@ -4394,16 +4392,43 @@
         </p:nvSpPr>
         <p:spPr/>
         <p:txBody>
-          <a:bodyPr>
-            <a:normAutofit/>
-          </a:bodyPr>
+          <a:bodyPr/>
           <a:lstStyle/>
           <a:p>
-            <a:r>
-              <a:rPr lang="es-PE" sz="4800" dirty="0" smtClean="0"/>
-              <a:t>Conclusiones</a:t>
-            </a:r>
-            <a:endParaRPr lang="es-PE" sz="4800" dirty="0"/>
+            <a:endParaRPr lang="es-PE" dirty="0"/>
+          </a:p>
+        </p:txBody>
+      </p:sp>
+      <p:sp>
+        <p:nvSpPr>
+          <p:cNvPr id="3" name="2 Marcador de contenido"/>
+          <p:cNvSpPr>
+            <a:spLocks noGrp="1"/>
+          </p:cNvSpPr>
+          <p:nvPr>
+            <p:ph idx="1"/>
+          </p:nvPr>
+        </p:nvSpPr>
+        <p:spPr/>
+        <p:txBody>
+          <a:bodyPr/>
+          <a:lstStyle/>
+          <a:p>
+            <a:r>
+              <a:rPr lang="es-PE" dirty="0" smtClean="0"/>
+              <a:t>Requisitos:</a:t>
+            </a:r>
+          </a:p>
+          <a:p>
+            <a:pPr lvl="1"/>
+            <a:r>
+              <a:rPr lang="es-PE" dirty="0" smtClean="0"/>
+              <a:t>Es</a:t>
+            </a:r>
+          </a:p>
+          <a:p>
+            <a:pPr lvl="2"/>
+            <a:endParaRPr lang="es-PE" dirty="0" smtClean="0"/>
           </a:p>
         </p:txBody>
       </p:sp>
@@ -4442,6 +4467,9070 @@
             <p:ph type="title"/>
           </p:nvPr>
         </p:nvSpPr>
+        <p:spPr>
+          <a:xfrm>
+            <a:off x="457200" y="274638"/>
+            <a:ext cx="8186766" cy="1143000"/>
+          </a:xfrm>
+        </p:spPr>
+        <p:txBody>
+          <a:bodyPr/>
+          <a:lstStyle/>
+          <a:p>
+            <a:endParaRPr lang="es-PE" dirty="0"/>
+          </a:p>
+        </p:txBody>
+      </p:sp>
+      <p:sp>
+        <p:nvSpPr>
+          <p:cNvPr id="3" name="2 Marcador de contenido"/>
+          <p:cNvSpPr>
+            <a:spLocks noGrp="1"/>
+          </p:cNvSpPr>
+          <p:nvPr>
+            <p:ph idx="1"/>
+          </p:nvPr>
+        </p:nvSpPr>
+        <p:spPr>
+          <a:xfrm>
+            <a:off x="457200" y="1600200"/>
+            <a:ext cx="8258204" cy="4972072"/>
+          </a:xfrm>
+        </p:spPr>
+        <p:txBody>
+          <a:bodyPr/>
+          <a:lstStyle/>
+          <a:p>
+            <a:r>
+              <a:rPr lang="es-PE" dirty="0" smtClean="0"/>
+              <a:t>Información </a:t>
+            </a:r>
+            <a:r>
+              <a:rPr lang="es-PE" dirty="0" smtClean="0"/>
+              <a:t>relativa a cada palabra</a:t>
+            </a:r>
+          </a:p>
+          <a:p>
+            <a:endParaRPr lang="es-PE" dirty="0" smtClean="0"/>
+          </a:p>
+          <a:p>
+            <a:endParaRPr lang="es-PE" dirty="0" smtClean="0"/>
+          </a:p>
+          <a:p>
+            <a:r>
+              <a:rPr lang="es-PE" dirty="0" smtClean="0"/>
+              <a:t>Nodo palabra</a:t>
+            </a:r>
+          </a:p>
+          <a:p>
+            <a:pPr lvl="1"/>
+            <a:r>
+              <a:rPr lang="es-PE" dirty="0" smtClean="0"/>
+              <a:t>Información de cada palabra respecto a un documento. </a:t>
+            </a:r>
+            <a:endParaRPr lang="es-PE" dirty="0" smtClean="0"/>
+          </a:p>
+        </p:txBody>
+      </p:sp>
+      <p:graphicFrame>
+        <p:nvGraphicFramePr>
+          <p:cNvPr id="4" name="3 Tabla"/>
+          <p:cNvGraphicFramePr>
+            <a:graphicFrameLocks noGrp="1"/>
+          </p:cNvGraphicFramePr>
+          <p:nvPr/>
+        </p:nvGraphicFramePr>
+        <p:xfrm>
+          <a:off x="2500298" y="2500306"/>
+          <a:ext cx="3357586" cy="642942"/>
+        </p:xfrm>
+        <a:graphic>
+          <a:graphicData uri="http://schemas.openxmlformats.org/drawingml/2006/table">
+            <a:tbl>
+              <a:tblPr firstRow="1">
+                <a:tableStyleId>{5C22544A-7EE6-4342-B048-85BDC9FD1C3A}</a:tableStyleId>
+              </a:tblPr>
+              <a:tblGrid>
+                <a:gridCol w="413240"/>
+                <a:gridCol w="1177196"/>
+                <a:gridCol w="1161685"/>
+                <a:gridCol w="605465"/>
+              </a:tblGrid>
+              <a:tr h="321471">
+                <a:tc>
+                  <a:txBody>
+                    <a:bodyPr/>
+                    <a:lstStyle/>
+                    <a:p>
+                      <a:r>
+                        <a:rPr lang="es-PE" sz="1200" dirty="0" smtClean="0"/>
+                        <a:t>ID</a:t>
+                      </a:r>
+                      <a:endParaRPr lang="es-PE" sz="1200" dirty="0"/>
+                    </a:p>
+                  </a:txBody>
+                  <a:tcPr>
+                    <a:lnL w="12700" cap="flat" cmpd="sng" algn="ctr">
+                      <a:solidFill>
+                        <a:schemeClr val="bg1"/>
+                      </a:solidFill>
+                      <a:prstDash val="solid"/>
+                      <a:round/>
+                      <a:headEnd type="none" w="med" len="med"/>
+                      <a:tailEnd type="none" w="med" len="med"/>
+                    </a:lnL>
+                    <a:lnR w="12700" cap="flat" cmpd="sng" algn="ctr">
+                      <a:solidFill>
+                        <a:schemeClr val="bg1"/>
+                      </a:solidFill>
+                      <a:prstDash val="solid"/>
+                      <a:round/>
+                      <a:headEnd type="none" w="med" len="med"/>
+                      <a:tailEnd type="none" w="med" len="med"/>
+                    </a:lnR>
+                    <a:lnT w="12700" cap="flat" cmpd="sng" algn="ctr">
+                      <a:solidFill>
+                        <a:schemeClr val="bg1"/>
+                      </a:solidFill>
+                      <a:prstDash val="solid"/>
+                      <a:round/>
+                      <a:headEnd type="none" w="med" len="med"/>
+                      <a:tailEnd type="none" w="med" len="med"/>
+                    </a:lnT>
+                    <a:lnB w="12700" cap="flat" cmpd="sng" algn="ctr">
+                      <a:solidFill>
+                        <a:schemeClr val="bg1"/>
+                      </a:solidFill>
+                      <a:prstDash val="solid"/>
+                      <a:round/>
+                      <a:headEnd type="none" w="med" len="med"/>
+                      <a:tailEnd type="none" w="med" len="med"/>
+                    </a:lnB>
+                  </a:tcPr>
+                </a:tc>
+                <a:tc>
+                  <a:txBody>
+                    <a:bodyPr/>
+                    <a:lstStyle/>
+                    <a:p>
+                      <a:r>
+                        <a:rPr lang="es-PE" sz="1200" dirty="0" smtClean="0"/>
+                        <a:t>Palabra(w)</a:t>
+                      </a:r>
+                      <a:endParaRPr lang="es-PE" sz="1200" dirty="0"/>
+                    </a:p>
+                  </a:txBody>
+                  <a:tcPr>
+                    <a:lnL w="12700" cap="flat" cmpd="sng" algn="ctr">
+                      <a:solidFill>
+                        <a:schemeClr val="bg1"/>
+                      </a:solidFill>
+                      <a:prstDash val="solid"/>
+                      <a:round/>
+                      <a:headEnd type="none" w="med" len="med"/>
+                      <a:tailEnd type="none" w="med" len="med"/>
+                    </a:lnL>
+                    <a:lnR w="12700" cap="flat" cmpd="sng" algn="ctr">
+                      <a:solidFill>
+                        <a:schemeClr val="bg1"/>
+                      </a:solidFill>
+                      <a:prstDash val="solid"/>
+                      <a:round/>
+                      <a:headEnd type="none" w="med" len="med"/>
+                      <a:tailEnd type="none" w="med" len="med"/>
+                    </a:lnR>
+                    <a:lnT w="12700" cap="flat" cmpd="sng" algn="ctr">
+                      <a:solidFill>
+                        <a:schemeClr val="bg1"/>
+                      </a:solidFill>
+                      <a:prstDash val="solid"/>
+                      <a:round/>
+                      <a:headEnd type="none" w="med" len="med"/>
+                      <a:tailEnd type="none" w="med" len="med"/>
+                    </a:lnT>
+                    <a:lnB w="12700" cap="flat" cmpd="sng" algn="ctr">
+                      <a:solidFill>
+                        <a:schemeClr val="bg1"/>
+                      </a:solidFill>
+                      <a:prstDash val="solid"/>
+                      <a:round/>
+                      <a:headEnd type="none" w="med" len="med"/>
+                      <a:tailEnd type="none" w="med" len="med"/>
+                    </a:lnB>
+                  </a:tcPr>
+                </a:tc>
+                <a:tc>
+                  <a:txBody>
+                    <a:bodyPr/>
+                    <a:lstStyle/>
+                    <a:p>
+                      <a:r>
+                        <a:rPr lang="es-PE" sz="1200" dirty="0" smtClean="0"/>
+                        <a:t>Frecuencia</a:t>
+                      </a:r>
+                      <a:endParaRPr lang="es-PE" sz="1200" dirty="0"/>
+                    </a:p>
+                  </a:txBody>
+                  <a:tcPr>
+                    <a:lnL w="12700" cap="flat" cmpd="sng" algn="ctr">
+                      <a:solidFill>
+                        <a:schemeClr val="bg1"/>
+                      </a:solidFill>
+                      <a:prstDash val="solid"/>
+                      <a:round/>
+                      <a:headEnd type="none" w="med" len="med"/>
+                      <a:tailEnd type="none" w="med" len="med"/>
+                    </a:lnL>
+                    <a:lnR w="12700" cap="flat" cmpd="sng" algn="ctr">
+                      <a:solidFill>
+                        <a:schemeClr val="bg1"/>
+                      </a:solidFill>
+                      <a:prstDash val="solid"/>
+                      <a:round/>
+                      <a:headEnd type="none" w="med" len="med"/>
+                      <a:tailEnd type="none" w="med" len="med"/>
+                    </a:lnR>
+                    <a:lnT w="12700" cap="flat" cmpd="sng" algn="ctr">
+                      <a:solidFill>
+                        <a:schemeClr val="bg1"/>
+                      </a:solidFill>
+                      <a:prstDash val="solid"/>
+                      <a:round/>
+                      <a:headEnd type="none" w="med" len="med"/>
+                      <a:tailEnd type="none" w="med" len="med"/>
+                    </a:lnT>
+                    <a:lnB w="12700" cap="flat" cmpd="sng" algn="ctr">
+                      <a:solidFill>
+                        <a:schemeClr val="bg1"/>
+                      </a:solidFill>
+                      <a:prstDash val="solid"/>
+                      <a:round/>
+                      <a:headEnd type="none" w="med" len="med"/>
+                      <a:tailEnd type="none" w="med" len="med"/>
+                    </a:lnB>
+                  </a:tcPr>
+                </a:tc>
+                <a:tc>
+                  <a:txBody>
+                    <a:bodyPr/>
+                    <a:lstStyle/>
+                    <a:p>
+                      <a:r>
+                        <a:rPr lang="es-PE" sz="1200" dirty="0" smtClean="0"/>
+                        <a:t>Lista</a:t>
+                      </a:r>
+                      <a:endParaRPr lang="es-PE" sz="1200" dirty="0"/>
+                    </a:p>
+                  </a:txBody>
+                  <a:tcPr>
+                    <a:lnL w="12700" cap="flat" cmpd="sng" algn="ctr">
+                      <a:solidFill>
+                        <a:schemeClr val="bg1"/>
+                      </a:solidFill>
+                      <a:prstDash val="solid"/>
+                      <a:round/>
+                      <a:headEnd type="none" w="med" len="med"/>
+                      <a:tailEnd type="none" w="med" len="med"/>
+                    </a:lnL>
+                    <a:lnR w="12700" cap="flat" cmpd="sng" algn="ctr">
+                      <a:solidFill>
+                        <a:schemeClr val="bg1"/>
+                      </a:solidFill>
+                      <a:prstDash val="solid"/>
+                      <a:round/>
+                      <a:headEnd type="none" w="med" len="med"/>
+                      <a:tailEnd type="none" w="med" len="med"/>
+                    </a:lnR>
+                    <a:lnT w="12700" cap="flat" cmpd="sng" algn="ctr">
+                      <a:solidFill>
+                        <a:schemeClr val="bg1"/>
+                      </a:solidFill>
+                      <a:prstDash val="solid"/>
+                      <a:round/>
+                      <a:headEnd type="none" w="med" len="med"/>
+                      <a:tailEnd type="none" w="med" len="med"/>
+                    </a:lnT>
+                    <a:lnB w="12700" cap="flat" cmpd="sng" algn="ctr">
+                      <a:solidFill>
+                        <a:schemeClr val="bg1"/>
+                      </a:solidFill>
+                      <a:prstDash val="solid"/>
+                      <a:round/>
+                      <a:headEnd type="none" w="med" len="med"/>
+                      <a:tailEnd type="none" w="med" len="med"/>
+                    </a:lnB>
+                  </a:tcPr>
+                </a:tc>
+              </a:tr>
+              <a:tr h="321471">
+                <a:tc>
+                  <a:txBody>
+                    <a:bodyPr/>
+                    <a:lstStyle/>
+                    <a:p>
+                      <a:r>
+                        <a:rPr lang="es-PE" sz="1200" dirty="0" smtClean="0"/>
+                        <a:t>1</a:t>
+                      </a:r>
+                      <a:endParaRPr lang="es-PE" sz="1200" dirty="0"/>
+                    </a:p>
+                  </a:txBody>
+                  <a:tcPr>
+                    <a:lnL w="12700" cap="flat" cmpd="sng" algn="ctr">
+                      <a:solidFill>
+                        <a:schemeClr val="bg1"/>
+                      </a:solidFill>
+                      <a:prstDash val="solid"/>
+                      <a:round/>
+                      <a:headEnd type="none" w="med" len="med"/>
+                      <a:tailEnd type="none" w="med" len="med"/>
+                    </a:lnL>
+                    <a:lnR w="12700" cap="flat" cmpd="sng" algn="ctr">
+                      <a:solidFill>
+                        <a:schemeClr val="bg1"/>
+                      </a:solidFill>
+                      <a:prstDash val="solid"/>
+                      <a:round/>
+                      <a:headEnd type="none" w="med" len="med"/>
+                      <a:tailEnd type="none" w="med" len="med"/>
+                    </a:lnR>
+                    <a:lnT w="12700" cap="flat" cmpd="sng" algn="ctr">
+                      <a:solidFill>
+                        <a:schemeClr val="bg1"/>
+                      </a:solidFill>
+                      <a:prstDash val="solid"/>
+                      <a:round/>
+                      <a:headEnd type="none" w="med" len="med"/>
+                      <a:tailEnd type="none" w="med" len="med"/>
+                    </a:lnT>
+                    <a:lnB w="12700" cap="flat" cmpd="sng" algn="ctr">
+                      <a:solidFill>
+                        <a:schemeClr val="bg1"/>
+                      </a:solidFill>
+                      <a:prstDash val="solid"/>
+                      <a:round/>
+                      <a:headEnd type="none" w="med" len="med"/>
+                      <a:tailEnd type="none" w="med" len="med"/>
+                    </a:lnB>
+                  </a:tcPr>
+                </a:tc>
+                <a:tc>
+                  <a:txBody>
+                    <a:bodyPr/>
+                    <a:lstStyle/>
+                    <a:p>
+                      <a:r>
+                        <a:rPr lang="es-PE" sz="1200" dirty="0" smtClean="0"/>
+                        <a:t>En</a:t>
+                      </a:r>
+                      <a:endParaRPr lang="es-PE" sz="1200" dirty="0"/>
+                    </a:p>
+                  </a:txBody>
+                  <a:tcPr>
+                    <a:lnL w="12700" cap="flat" cmpd="sng" algn="ctr">
+                      <a:solidFill>
+                        <a:schemeClr val="bg1"/>
+                      </a:solidFill>
+                      <a:prstDash val="solid"/>
+                      <a:round/>
+                      <a:headEnd type="none" w="med" len="med"/>
+                      <a:tailEnd type="none" w="med" len="med"/>
+                    </a:lnL>
+                    <a:lnR w="12700" cap="flat" cmpd="sng" algn="ctr">
+                      <a:solidFill>
+                        <a:schemeClr val="bg1"/>
+                      </a:solidFill>
+                      <a:prstDash val="solid"/>
+                      <a:round/>
+                      <a:headEnd type="none" w="med" len="med"/>
+                      <a:tailEnd type="none" w="med" len="med"/>
+                    </a:lnR>
+                    <a:lnT w="12700" cap="flat" cmpd="sng" algn="ctr">
+                      <a:solidFill>
+                        <a:schemeClr val="bg1"/>
+                      </a:solidFill>
+                      <a:prstDash val="solid"/>
+                      <a:round/>
+                      <a:headEnd type="none" w="med" len="med"/>
+                      <a:tailEnd type="none" w="med" len="med"/>
+                    </a:lnT>
+                    <a:lnB w="12700" cap="flat" cmpd="sng" algn="ctr">
+                      <a:solidFill>
+                        <a:schemeClr val="bg1"/>
+                      </a:solidFill>
+                      <a:prstDash val="solid"/>
+                      <a:round/>
+                      <a:headEnd type="none" w="med" len="med"/>
+                      <a:tailEnd type="none" w="med" len="med"/>
+                    </a:lnB>
+                  </a:tcPr>
+                </a:tc>
+                <a:tc>
+                  <a:txBody>
+                    <a:bodyPr/>
+                    <a:lstStyle/>
+                    <a:p>
+                      <a:r>
+                        <a:rPr lang="es-PE" sz="1200" dirty="0" err="1" smtClean="0"/>
+                        <a:t>Wf</a:t>
+                      </a:r>
+                      <a:r>
+                        <a:rPr lang="es-PE" sz="1200" dirty="0" smtClean="0"/>
+                        <a:t> = 1</a:t>
+                      </a:r>
+                      <a:endParaRPr lang="es-PE" sz="1200" dirty="0"/>
+                    </a:p>
+                  </a:txBody>
+                  <a:tcPr>
+                    <a:lnL w="12700" cap="flat" cmpd="sng" algn="ctr">
+                      <a:solidFill>
+                        <a:schemeClr val="bg1"/>
+                      </a:solidFill>
+                      <a:prstDash val="solid"/>
+                      <a:round/>
+                      <a:headEnd type="none" w="med" len="med"/>
+                      <a:tailEnd type="none" w="med" len="med"/>
+                    </a:lnL>
+                    <a:lnR w="12700" cap="flat" cmpd="sng" algn="ctr">
+                      <a:solidFill>
+                        <a:schemeClr val="bg1"/>
+                      </a:solidFill>
+                      <a:prstDash val="solid"/>
+                      <a:round/>
+                      <a:headEnd type="none" w="med" len="med"/>
+                      <a:tailEnd type="none" w="med" len="med"/>
+                    </a:lnR>
+                    <a:lnT w="12700" cap="flat" cmpd="sng" algn="ctr">
+                      <a:solidFill>
+                        <a:schemeClr val="bg1"/>
+                      </a:solidFill>
+                      <a:prstDash val="solid"/>
+                      <a:round/>
+                      <a:headEnd type="none" w="med" len="med"/>
+                      <a:tailEnd type="none" w="med" len="med"/>
+                    </a:lnT>
+                    <a:lnB w="12700" cap="flat" cmpd="sng" algn="ctr">
+                      <a:solidFill>
+                        <a:schemeClr val="bg1"/>
+                      </a:solidFill>
+                      <a:prstDash val="solid"/>
+                      <a:round/>
+                      <a:headEnd type="none" w="med" len="med"/>
+                      <a:tailEnd type="none" w="med" len="med"/>
+                    </a:lnB>
+                  </a:tcPr>
+                </a:tc>
+                <a:tc>
+                  <a:txBody>
+                    <a:bodyPr/>
+                    <a:lstStyle/>
+                    <a:p>
+                      <a:endParaRPr lang="es-PE" sz="1200" dirty="0"/>
+                    </a:p>
+                  </a:txBody>
+                  <a:tcPr>
+                    <a:lnL w="12700" cap="flat" cmpd="sng" algn="ctr">
+                      <a:solidFill>
+                        <a:schemeClr val="bg1"/>
+                      </a:solidFill>
+                      <a:prstDash val="solid"/>
+                      <a:round/>
+                      <a:headEnd type="none" w="med" len="med"/>
+                      <a:tailEnd type="none" w="med" len="med"/>
+                    </a:lnL>
+                    <a:lnR w="12700" cap="flat" cmpd="sng" algn="ctr">
+                      <a:solidFill>
+                        <a:schemeClr val="bg1"/>
+                      </a:solidFill>
+                      <a:prstDash val="solid"/>
+                      <a:round/>
+                      <a:headEnd type="none" w="med" len="med"/>
+                      <a:tailEnd type="none" w="med" len="med"/>
+                    </a:lnR>
+                    <a:lnT w="12700" cap="flat" cmpd="sng" algn="ctr">
+                      <a:solidFill>
+                        <a:schemeClr val="bg1"/>
+                      </a:solidFill>
+                      <a:prstDash val="solid"/>
+                      <a:round/>
+                      <a:headEnd type="none" w="med" len="med"/>
+                      <a:tailEnd type="none" w="med" len="med"/>
+                    </a:lnT>
+                    <a:lnB w="12700" cap="flat" cmpd="sng" algn="ctr">
+                      <a:solidFill>
+                        <a:schemeClr val="bg1"/>
+                      </a:solidFill>
+                      <a:prstDash val="solid"/>
+                      <a:round/>
+                      <a:headEnd type="none" w="med" len="med"/>
+                      <a:tailEnd type="none" w="med" len="med"/>
+                    </a:lnB>
+                  </a:tcPr>
+                </a:tc>
+              </a:tr>
+            </a:tbl>
+          </a:graphicData>
+        </a:graphic>
+      </p:graphicFrame>
+      <p:graphicFrame>
+        <p:nvGraphicFramePr>
+          <p:cNvPr id="6" name="5 Tabla"/>
+          <p:cNvGraphicFramePr>
+            <a:graphicFrameLocks noGrp="1"/>
+          </p:cNvGraphicFramePr>
+          <p:nvPr/>
+        </p:nvGraphicFramePr>
+        <p:xfrm>
+          <a:off x="3286117" y="4786322"/>
+          <a:ext cx="2072640" cy="1285884"/>
+        </p:xfrm>
+        <a:graphic>
+          <a:graphicData uri="http://schemas.openxmlformats.org/drawingml/2006/table">
+            <a:tbl>
+              <a:tblPr firstCol="1">
+                <a:tableStyleId>{5C22544A-7EE6-4342-B048-85BDC9FD1C3A}</a:tableStyleId>
+              </a:tblPr>
+              <a:tblGrid>
+                <a:gridCol w="997686"/>
+                <a:gridCol w="232300"/>
+                <a:gridCol w="232300"/>
+                <a:gridCol w="232300"/>
+                <a:gridCol w="378054"/>
+              </a:tblGrid>
+              <a:tr h="321471">
+                <a:tc>
+                  <a:txBody>
+                    <a:bodyPr/>
+                    <a:lstStyle/>
+                    <a:p>
+                      <a:r>
+                        <a:rPr lang="es-PE" sz="1100" dirty="0" smtClean="0"/>
+                        <a:t>ID Pal.</a:t>
+                      </a:r>
+                      <a:endParaRPr lang="es-PE" sz="1100" dirty="0"/>
+                    </a:p>
+                  </a:txBody>
+                  <a:tcPr>
+                    <a:lnL w="12700" cap="flat" cmpd="sng" algn="ctr">
+                      <a:solidFill>
+                        <a:schemeClr val="bg1"/>
+                      </a:solidFill>
+                      <a:prstDash val="solid"/>
+                      <a:round/>
+                      <a:headEnd type="none" w="med" len="med"/>
+                      <a:tailEnd type="none" w="med" len="med"/>
+                    </a:lnL>
+                    <a:lnR w="12700" cap="flat" cmpd="sng" algn="ctr">
+                      <a:solidFill>
+                        <a:schemeClr val="bg1"/>
+                      </a:solidFill>
+                      <a:prstDash val="solid"/>
+                      <a:round/>
+                      <a:headEnd type="none" w="med" len="med"/>
+                      <a:tailEnd type="none" w="med" len="med"/>
+                    </a:lnR>
+                    <a:lnT w="12700" cap="flat" cmpd="sng" algn="ctr">
+                      <a:solidFill>
+                        <a:schemeClr val="bg1"/>
+                      </a:solidFill>
+                      <a:prstDash val="solid"/>
+                      <a:round/>
+                      <a:headEnd type="none" w="med" len="med"/>
+                      <a:tailEnd type="none" w="med" len="med"/>
+                    </a:lnT>
+                    <a:lnB w="12700" cap="flat" cmpd="sng" algn="ctr">
+                      <a:solidFill>
+                        <a:schemeClr val="bg1"/>
+                      </a:solidFill>
+                      <a:prstDash val="solid"/>
+                      <a:round/>
+                      <a:headEnd type="none" w="med" len="med"/>
+                      <a:tailEnd type="none" w="med" len="med"/>
+                    </a:lnB>
+                  </a:tcPr>
+                </a:tc>
+                <a:tc gridSpan="4">
+                  <a:txBody>
+                    <a:bodyPr/>
+                    <a:lstStyle/>
+                    <a:p>
+                      <a:r>
+                        <a:rPr lang="es-PE" sz="1100" dirty="0" smtClean="0"/>
+                        <a:t>1</a:t>
+                      </a:r>
+                      <a:endParaRPr lang="es-PE" sz="1100" dirty="0"/>
+                    </a:p>
+                  </a:txBody>
+                  <a:tcPr>
+                    <a:lnL w="12700" cap="flat" cmpd="sng" algn="ctr">
+                      <a:solidFill>
+                        <a:schemeClr val="bg1"/>
+                      </a:solidFill>
+                      <a:prstDash val="solid"/>
+                      <a:round/>
+                      <a:headEnd type="none" w="med" len="med"/>
+                      <a:tailEnd type="none" w="med" len="med"/>
+                    </a:lnL>
+                    <a:lnR w="12700" cap="flat" cmpd="sng" algn="ctr">
+                      <a:solidFill>
+                        <a:schemeClr val="bg1"/>
+                      </a:solidFill>
+                      <a:prstDash val="solid"/>
+                      <a:round/>
+                      <a:headEnd type="none" w="med" len="med"/>
+                      <a:tailEnd type="none" w="med" len="med"/>
+                    </a:lnR>
+                    <a:lnT w="12700" cap="flat" cmpd="sng" algn="ctr">
+                      <a:solidFill>
+                        <a:schemeClr val="bg1"/>
+                      </a:solidFill>
+                      <a:prstDash val="solid"/>
+                      <a:round/>
+                      <a:headEnd type="none" w="med" len="med"/>
+                      <a:tailEnd type="none" w="med" len="med"/>
+                    </a:lnT>
+                    <a:lnB w="12700" cap="flat" cmpd="sng" algn="ctr">
+                      <a:solidFill>
+                        <a:schemeClr val="bg1"/>
+                      </a:solidFill>
+                      <a:prstDash val="solid"/>
+                      <a:round/>
+                      <a:headEnd type="none" w="med" len="med"/>
+                      <a:tailEnd type="none" w="med" len="med"/>
+                    </a:lnB>
+                  </a:tcPr>
+                </a:tc>
+                <a:tc hMerge="1">
+                  <a:txBody>
+                    <a:bodyPr/>
+                    <a:lstStyle/>
+                    <a:p>
+                      <a:endParaRPr lang="es-PE" dirty="0"/>
+                    </a:p>
+                  </a:txBody>
+                  <a:tcPr/>
+                </a:tc>
+                <a:tc hMerge="1">
+                  <a:txBody>
+                    <a:bodyPr/>
+                    <a:lstStyle/>
+                    <a:p>
+                      <a:endParaRPr lang="es-PE" dirty="0"/>
+                    </a:p>
+                  </a:txBody>
+                  <a:tcPr/>
+                </a:tc>
+                <a:tc hMerge="1">
+                  <a:txBody>
+                    <a:bodyPr/>
+                    <a:lstStyle/>
+                    <a:p>
+                      <a:endParaRPr lang="es-PE" dirty="0"/>
+                    </a:p>
+                  </a:txBody>
+                  <a:tcPr/>
+                </a:tc>
+              </a:tr>
+              <a:tr h="321471">
+                <a:tc>
+                  <a:txBody>
+                    <a:bodyPr/>
+                    <a:lstStyle/>
+                    <a:p>
+                      <a:r>
+                        <a:rPr lang="es-PE" sz="1100" dirty="0" smtClean="0"/>
+                        <a:t>ID Doc.</a:t>
+                      </a:r>
+                      <a:endParaRPr lang="es-PE" sz="1100" dirty="0"/>
+                    </a:p>
+                  </a:txBody>
+                  <a:tcPr>
+                    <a:lnL w="12700" cap="flat" cmpd="sng" algn="ctr">
+                      <a:solidFill>
+                        <a:schemeClr val="bg1"/>
+                      </a:solidFill>
+                      <a:prstDash val="solid"/>
+                      <a:round/>
+                      <a:headEnd type="none" w="med" len="med"/>
+                      <a:tailEnd type="none" w="med" len="med"/>
+                    </a:lnL>
+                    <a:lnR w="12700" cap="flat" cmpd="sng" algn="ctr">
+                      <a:solidFill>
+                        <a:schemeClr val="bg1"/>
+                      </a:solidFill>
+                      <a:prstDash val="solid"/>
+                      <a:round/>
+                      <a:headEnd type="none" w="med" len="med"/>
+                      <a:tailEnd type="none" w="med" len="med"/>
+                    </a:lnR>
+                    <a:lnT w="12700" cap="flat" cmpd="sng" algn="ctr">
+                      <a:solidFill>
+                        <a:schemeClr val="bg1"/>
+                      </a:solidFill>
+                      <a:prstDash val="solid"/>
+                      <a:round/>
+                      <a:headEnd type="none" w="med" len="med"/>
+                      <a:tailEnd type="none" w="med" len="med"/>
+                    </a:lnT>
+                    <a:lnB w="12700" cap="flat" cmpd="sng" algn="ctr">
+                      <a:solidFill>
+                        <a:schemeClr val="bg1"/>
+                      </a:solidFill>
+                      <a:prstDash val="solid"/>
+                      <a:round/>
+                      <a:headEnd type="none" w="med" len="med"/>
+                      <a:tailEnd type="none" w="med" len="med"/>
+                    </a:lnB>
+                  </a:tcPr>
+                </a:tc>
+                <a:tc gridSpan="4">
+                  <a:txBody>
+                    <a:bodyPr/>
+                    <a:lstStyle/>
+                    <a:p>
+                      <a:r>
+                        <a:rPr lang="es-PE" sz="1100" dirty="0" smtClean="0"/>
+                        <a:t>1</a:t>
+                      </a:r>
+                      <a:endParaRPr lang="es-PE" sz="1100" dirty="0"/>
+                    </a:p>
+                  </a:txBody>
+                  <a:tcPr>
+                    <a:lnL w="12700" cap="flat" cmpd="sng" algn="ctr">
+                      <a:solidFill>
+                        <a:schemeClr val="bg1"/>
+                      </a:solidFill>
+                      <a:prstDash val="solid"/>
+                      <a:round/>
+                      <a:headEnd type="none" w="med" len="med"/>
+                      <a:tailEnd type="none" w="med" len="med"/>
+                    </a:lnL>
+                    <a:lnR w="12700" cap="flat" cmpd="sng" algn="ctr">
+                      <a:solidFill>
+                        <a:schemeClr val="bg1"/>
+                      </a:solidFill>
+                      <a:prstDash val="solid"/>
+                      <a:round/>
+                      <a:headEnd type="none" w="med" len="med"/>
+                      <a:tailEnd type="none" w="med" len="med"/>
+                    </a:lnR>
+                    <a:lnT w="12700" cap="flat" cmpd="sng" algn="ctr">
+                      <a:solidFill>
+                        <a:schemeClr val="bg1"/>
+                      </a:solidFill>
+                      <a:prstDash val="solid"/>
+                      <a:round/>
+                      <a:headEnd type="none" w="med" len="med"/>
+                      <a:tailEnd type="none" w="med" len="med"/>
+                    </a:lnT>
+                    <a:lnB w="12700" cap="flat" cmpd="sng" algn="ctr">
+                      <a:solidFill>
+                        <a:schemeClr val="bg1"/>
+                      </a:solidFill>
+                      <a:prstDash val="solid"/>
+                      <a:round/>
+                      <a:headEnd type="none" w="med" len="med"/>
+                      <a:tailEnd type="none" w="med" len="med"/>
+                    </a:lnB>
+                  </a:tcPr>
+                </a:tc>
+                <a:tc hMerge="1">
+                  <a:txBody>
+                    <a:bodyPr/>
+                    <a:lstStyle/>
+                    <a:p>
+                      <a:endParaRPr lang="es-PE" dirty="0"/>
+                    </a:p>
+                  </a:txBody>
+                  <a:tcPr/>
+                </a:tc>
+                <a:tc hMerge="1">
+                  <a:txBody>
+                    <a:bodyPr/>
+                    <a:lstStyle/>
+                    <a:p>
+                      <a:endParaRPr lang="es-PE" dirty="0"/>
+                    </a:p>
+                  </a:txBody>
+                  <a:tcPr/>
+                </a:tc>
+                <a:tc hMerge="1">
+                  <a:txBody>
+                    <a:bodyPr/>
+                    <a:lstStyle/>
+                    <a:p>
+                      <a:endParaRPr lang="es-PE" dirty="0"/>
+                    </a:p>
+                  </a:txBody>
+                  <a:tcPr/>
+                </a:tc>
+              </a:tr>
+              <a:tr h="321471">
+                <a:tc>
+                  <a:txBody>
+                    <a:bodyPr/>
+                    <a:lstStyle/>
+                    <a:p>
+                      <a:r>
+                        <a:rPr lang="es-PE" sz="1100" dirty="0" smtClean="0"/>
+                        <a:t>Posición</a:t>
+                      </a:r>
+                      <a:r>
+                        <a:rPr lang="es-PE" sz="1100" baseline="0" dirty="0" smtClean="0"/>
+                        <a:t> </a:t>
+                      </a:r>
+                      <a:endParaRPr lang="es-PE" sz="1100" dirty="0"/>
+                    </a:p>
+                  </a:txBody>
+                  <a:tcPr>
+                    <a:lnL w="12700" cap="flat" cmpd="sng" algn="ctr">
+                      <a:solidFill>
+                        <a:schemeClr val="bg1"/>
+                      </a:solidFill>
+                      <a:prstDash val="solid"/>
+                      <a:round/>
+                      <a:headEnd type="none" w="med" len="med"/>
+                      <a:tailEnd type="none" w="med" len="med"/>
+                    </a:lnL>
+                    <a:lnR w="12700" cap="flat" cmpd="sng" algn="ctr">
+                      <a:solidFill>
+                        <a:schemeClr val="bg1"/>
+                      </a:solidFill>
+                      <a:prstDash val="solid"/>
+                      <a:round/>
+                      <a:headEnd type="none" w="med" len="med"/>
+                      <a:tailEnd type="none" w="med" len="med"/>
+                    </a:lnR>
+                    <a:lnT w="12700" cap="flat" cmpd="sng" algn="ctr">
+                      <a:solidFill>
+                        <a:schemeClr val="bg1"/>
+                      </a:solidFill>
+                      <a:prstDash val="solid"/>
+                      <a:round/>
+                      <a:headEnd type="none" w="med" len="med"/>
+                      <a:tailEnd type="none" w="med" len="med"/>
+                    </a:lnT>
+                    <a:lnB w="12700" cap="flat" cmpd="sng" algn="ctr">
+                      <a:solidFill>
+                        <a:schemeClr val="bg1"/>
+                      </a:solidFill>
+                      <a:prstDash val="solid"/>
+                      <a:round/>
+                      <a:headEnd type="none" w="med" len="med"/>
+                      <a:tailEnd type="none" w="med" len="med"/>
+                    </a:lnB>
+                  </a:tcPr>
+                </a:tc>
+                <a:tc>
+                  <a:txBody>
+                    <a:bodyPr/>
+                    <a:lstStyle/>
+                    <a:p>
+                      <a:r>
+                        <a:rPr lang="es-PE" sz="1100" dirty="0" smtClean="0"/>
+                        <a:t>1</a:t>
+                      </a:r>
+                      <a:endParaRPr lang="es-PE" sz="1100" dirty="0"/>
+                    </a:p>
+                  </a:txBody>
+                  <a:tcPr>
+                    <a:lnL w="12700" cap="flat" cmpd="sng" algn="ctr">
+                      <a:solidFill>
+                        <a:schemeClr val="bg1"/>
+                      </a:solidFill>
+                      <a:prstDash val="solid"/>
+                      <a:round/>
+                      <a:headEnd type="none" w="med" len="med"/>
+                      <a:tailEnd type="none" w="med" len="med"/>
+                    </a:lnL>
+                    <a:lnR w="12700" cap="flat" cmpd="sng" algn="ctr">
+                      <a:solidFill>
+                        <a:schemeClr val="bg1"/>
+                      </a:solidFill>
+                      <a:prstDash val="solid"/>
+                      <a:round/>
+                      <a:headEnd type="none" w="med" len="med"/>
+                      <a:tailEnd type="none" w="med" len="med"/>
+                    </a:lnR>
+                    <a:lnT w="12700" cap="flat" cmpd="sng" algn="ctr">
+                      <a:solidFill>
+                        <a:schemeClr val="bg1"/>
+                      </a:solidFill>
+                      <a:prstDash val="solid"/>
+                      <a:round/>
+                      <a:headEnd type="none" w="med" len="med"/>
+                      <a:tailEnd type="none" w="med" len="med"/>
+                    </a:lnT>
+                    <a:lnB w="12700" cap="flat" cmpd="sng" algn="ctr">
+                      <a:solidFill>
+                        <a:schemeClr val="bg1"/>
+                      </a:solidFill>
+                      <a:prstDash val="solid"/>
+                      <a:round/>
+                      <a:headEnd type="none" w="med" len="med"/>
+                      <a:tailEnd type="none" w="med" len="med"/>
+                    </a:lnB>
+                  </a:tcPr>
+                </a:tc>
+                <a:tc>
+                  <a:txBody>
+                    <a:bodyPr/>
+                    <a:lstStyle/>
+                    <a:p>
+                      <a:endParaRPr lang="es-PE" sz="1100" dirty="0"/>
+                    </a:p>
+                  </a:txBody>
+                  <a:tcPr>
+                    <a:lnL w="12700" cap="flat" cmpd="sng" algn="ctr">
+                      <a:solidFill>
+                        <a:schemeClr val="bg1"/>
+                      </a:solidFill>
+                      <a:prstDash val="solid"/>
+                      <a:round/>
+                      <a:headEnd type="none" w="med" len="med"/>
+                      <a:tailEnd type="none" w="med" len="med"/>
+                    </a:lnL>
+                    <a:lnR w="12700" cap="flat" cmpd="sng" algn="ctr">
+                      <a:solidFill>
+                        <a:schemeClr val="bg1"/>
+                      </a:solidFill>
+                      <a:prstDash val="solid"/>
+                      <a:round/>
+                      <a:headEnd type="none" w="med" len="med"/>
+                      <a:tailEnd type="none" w="med" len="med"/>
+                    </a:lnR>
+                    <a:lnT w="12700" cap="flat" cmpd="sng" algn="ctr">
+                      <a:solidFill>
+                        <a:schemeClr val="bg1"/>
+                      </a:solidFill>
+                      <a:prstDash val="solid"/>
+                      <a:round/>
+                      <a:headEnd type="none" w="med" len="med"/>
+                      <a:tailEnd type="none" w="med" len="med"/>
+                    </a:lnT>
+                    <a:lnB w="12700" cap="flat" cmpd="sng" algn="ctr">
+                      <a:solidFill>
+                        <a:schemeClr val="bg1"/>
+                      </a:solidFill>
+                      <a:prstDash val="solid"/>
+                      <a:round/>
+                      <a:headEnd type="none" w="med" len="med"/>
+                      <a:tailEnd type="none" w="med" len="med"/>
+                    </a:lnB>
+                  </a:tcPr>
+                </a:tc>
+                <a:tc>
+                  <a:txBody>
+                    <a:bodyPr/>
+                    <a:lstStyle/>
+                    <a:p>
+                      <a:endParaRPr lang="es-PE" sz="1100" dirty="0"/>
+                    </a:p>
+                  </a:txBody>
+                  <a:tcPr>
+                    <a:lnL w="12700" cap="flat" cmpd="sng" algn="ctr">
+                      <a:solidFill>
+                        <a:schemeClr val="bg1"/>
+                      </a:solidFill>
+                      <a:prstDash val="solid"/>
+                      <a:round/>
+                      <a:headEnd type="none" w="med" len="med"/>
+                      <a:tailEnd type="none" w="med" len="med"/>
+                    </a:lnL>
+                    <a:lnR w="12700" cap="flat" cmpd="sng" algn="ctr">
+                      <a:solidFill>
+                        <a:schemeClr val="bg1"/>
+                      </a:solidFill>
+                      <a:prstDash val="solid"/>
+                      <a:round/>
+                      <a:headEnd type="none" w="med" len="med"/>
+                      <a:tailEnd type="none" w="med" len="med"/>
+                    </a:lnR>
+                    <a:lnT w="12700" cap="flat" cmpd="sng" algn="ctr">
+                      <a:solidFill>
+                        <a:schemeClr val="bg1"/>
+                      </a:solidFill>
+                      <a:prstDash val="solid"/>
+                      <a:round/>
+                      <a:headEnd type="none" w="med" len="med"/>
+                      <a:tailEnd type="none" w="med" len="med"/>
+                    </a:lnT>
+                    <a:lnB w="12700" cap="flat" cmpd="sng" algn="ctr">
+                      <a:solidFill>
+                        <a:schemeClr val="bg1"/>
+                      </a:solidFill>
+                      <a:prstDash val="solid"/>
+                      <a:round/>
+                      <a:headEnd type="none" w="med" len="med"/>
+                      <a:tailEnd type="none" w="med" len="med"/>
+                    </a:lnB>
+                  </a:tcPr>
+                </a:tc>
+                <a:tc>
+                  <a:txBody>
+                    <a:bodyPr/>
+                    <a:lstStyle/>
+                    <a:p>
+                      <a:endParaRPr lang="es-PE" sz="1100" dirty="0"/>
+                    </a:p>
+                  </a:txBody>
+                  <a:tcPr>
+                    <a:lnL w="12700" cap="flat" cmpd="sng" algn="ctr">
+                      <a:solidFill>
+                        <a:schemeClr val="bg1"/>
+                      </a:solidFill>
+                      <a:prstDash val="solid"/>
+                      <a:round/>
+                      <a:headEnd type="none" w="med" len="med"/>
+                      <a:tailEnd type="none" w="med" len="med"/>
+                    </a:lnL>
+                    <a:lnR w="12700" cap="flat" cmpd="sng" algn="ctr">
+                      <a:solidFill>
+                        <a:schemeClr val="bg1"/>
+                      </a:solidFill>
+                      <a:prstDash val="solid"/>
+                      <a:round/>
+                      <a:headEnd type="none" w="med" len="med"/>
+                      <a:tailEnd type="none" w="med" len="med"/>
+                    </a:lnR>
+                    <a:lnT w="12700" cap="flat" cmpd="sng" algn="ctr">
+                      <a:solidFill>
+                        <a:schemeClr val="bg1"/>
+                      </a:solidFill>
+                      <a:prstDash val="solid"/>
+                      <a:round/>
+                      <a:headEnd type="none" w="med" len="med"/>
+                      <a:tailEnd type="none" w="med" len="med"/>
+                    </a:lnT>
+                    <a:lnB w="12700" cap="flat" cmpd="sng" algn="ctr">
+                      <a:solidFill>
+                        <a:schemeClr val="bg1"/>
+                      </a:solidFill>
+                      <a:prstDash val="solid"/>
+                      <a:round/>
+                      <a:headEnd type="none" w="med" len="med"/>
+                      <a:tailEnd type="none" w="med" len="med"/>
+                    </a:lnB>
+                  </a:tcPr>
+                </a:tc>
+              </a:tr>
+              <a:tr h="321471">
+                <a:tc>
+                  <a:txBody>
+                    <a:bodyPr/>
+                    <a:lstStyle/>
+                    <a:p>
+                      <a:r>
+                        <a:rPr lang="es-PE" sz="1100" dirty="0" smtClean="0"/>
+                        <a:t>Siguiente</a:t>
+                      </a:r>
+                      <a:endParaRPr lang="es-PE" sz="1100" dirty="0"/>
+                    </a:p>
+                  </a:txBody>
+                  <a:tcPr>
+                    <a:lnL w="12700" cap="flat" cmpd="sng" algn="ctr">
+                      <a:solidFill>
+                        <a:schemeClr val="bg1"/>
+                      </a:solidFill>
+                      <a:prstDash val="solid"/>
+                      <a:round/>
+                      <a:headEnd type="none" w="med" len="med"/>
+                      <a:tailEnd type="none" w="med" len="med"/>
+                    </a:lnL>
+                    <a:lnR w="12700" cap="flat" cmpd="sng" algn="ctr">
+                      <a:solidFill>
+                        <a:schemeClr val="bg1"/>
+                      </a:solidFill>
+                      <a:prstDash val="solid"/>
+                      <a:round/>
+                      <a:headEnd type="none" w="med" len="med"/>
+                      <a:tailEnd type="none" w="med" len="med"/>
+                    </a:lnR>
+                    <a:lnT w="12700" cap="flat" cmpd="sng" algn="ctr">
+                      <a:solidFill>
+                        <a:schemeClr val="bg1"/>
+                      </a:solidFill>
+                      <a:prstDash val="solid"/>
+                      <a:round/>
+                      <a:headEnd type="none" w="med" len="med"/>
+                      <a:tailEnd type="none" w="med" len="med"/>
+                    </a:lnT>
+                    <a:lnB w="12700" cap="flat" cmpd="sng" algn="ctr">
+                      <a:solidFill>
+                        <a:schemeClr val="bg1"/>
+                      </a:solidFill>
+                      <a:prstDash val="solid"/>
+                      <a:round/>
+                      <a:headEnd type="none" w="med" len="med"/>
+                      <a:tailEnd type="none" w="med" len="med"/>
+                    </a:lnB>
+                  </a:tcPr>
+                </a:tc>
+                <a:tc>
+                  <a:txBody>
+                    <a:bodyPr/>
+                    <a:lstStyle/>
+                    <a:p>
+                      <a:endParaRPr lang="es-PE" sz="1100" dirty="0"/>
+                    </a:p>
+                  </a:txBody>
+                  <a:tcPr>
+                    <a:lnL w="12700" cap="flat" cmpd="sng" algn="ctr">
+                      <a:solidFill>
+                        <a:schemeClr val="bg1"/>
+                      </a:solidFill>
+                      <a:prstDash val="solid"/>
+                      <a:round/>
+                      <a:headEnd type="none" w="med" len="med"/>
+                      <a:tailEnd type="none" w="med" len="med"/>
+                    </a:lnL>
+                    <a:lnR w="12700" cap="flat" cmpd="sng" algn="ctr">
+                      <a:solidFill>
+                        <a:schemeClr val="bg1"/>
+                      </a:solidFill>
+                      <a:prstDash val="solid"/>
+                      <a:round/>
+                      <a:headEnd type="none" w="med" len="med"/>
+                      <a:tailEnd type="none" w="med" len="med"/>
+                    </a:lnR>
+                    <a:lnT w="12700" cap="flat" cmpd="sng" algn="ctr">
+                      <a:solidFill>
+                        <a:schemeClr val="bg1"/>
+                      </a:solidFill>
+                      <a:prstDash val="solid"/>
+                      <a:round/>
+                      <a:headEnd type="none" w="med" len="med"/>
+                      <a:tailEnd type="none" w="med" len="med"/>
+                    </a:lnT>
+                    <a:lnB w="12700" cap="flat" cmpd="sng" algn="ctr">
+                      <a:solidFill>
+                        <a:schemeClr val="bg1"/>
+                      </a:solidFill>
+                      <a:prstDash val="solid"/>
+                      <a:round/>
+                      <a:headEnd type="none" w="med" len="med"/>
+                      <a:tailEnd type="none" w="med" len="med"/>
+                    </a:lnB>
+                  </a:tcPr>
+                </a:tc>
+                <a:tc>
+                  <a:txBody>
+                    <a:bodyPr/>
+                    <a:lstStyle/>
+                    <a:p>
+                      <a:endParaRPr lang="es-PE" sz="1100" dirty="0"/>
+                    </a:p>
+                  </a:txBody>
+                  <a:tcPr>
+                    <a:lnL w="12700" cap="flat" cmpd="sng" algn="ctr">
+                      <a:solidFill>
+                        <a:schemeClr val="bg1"/>
+                      </a:solidFill>
+                      <a:prstDash val="solid"/>
+                      <a:round/>
+                      <a:headEnd type="none" w="med" len="med"/>
+                      <a:tailEnd type="none" w="med" len="med"/>
+                    </a:lnL>
+                    <a:lnR w="12700" cap="flat" cmpd="sng" algn="ctr">
+                      <a:solidFill>
+                        <a:schemeClr val="bg1"/>
+                      </a:solidFill>
+                      <a:prstDash val="solid"/>
+                      <a:round/>
+                      <a:headEnd type="none" w="med" len="med"/>
+                      <a:tailEnd type="none" w="med" len="med"/>
+                    </a:lnR>
+                    <a:lnT w="12700" cap="flat" cmpd="sng" algn="ctr">
+                      <a:solidFill>
+                        <a:schemeClr val="bg1"/>
+                      </a:solidFill>
+                      <a:prstDash val="solid"/>
+                      <a:round/>
+                      <a:headEnd type="none" w="med" len="med"/>
+                      <a:tailEnd type="none" w="med" len="med"/>
+                    </a:lnT>
+                    <a:lnB w="12700" cap="flat" cmpd="sng" algn="ctr">
+                      <a:solidFill>
+                        <a:schemeClr val="bg1"/>
+                      </a:solidFill>
+                      <a:prstDash val="solid"/>
+                      <a:round/>
+                      <a:headEnd type="none" w="med" len="med"/>
+                      <a:tailEnd type="none" w="med" len="med"/>
+                    </a:lnB>
+                  </a:tcPr>
+                </a:tc>
+                <a:tc>
+                  <a:txBody>
+                    <a:bodyPr/>
+                    <a:lstStyle/>
+                    <a:p>
+                      <a:endParaRPr lang="es-PE" sz="1100" dirty="0"/>
+                    </a:p>
+                  </a:txBody>
+                  <a:tcPr>
+                    <a:lnL w="12700" cap="flat" cmpd="sng" algn="ctr">
+                      <a:solidFill>
+                        <a:schemeClr val="bg1"/>
+                      </a:solidFill>
+                      <a:prstDash val="solid"/>
+                      <a:round/>
+                      <a:headEnd type="none" w="med" len="med"/>
+                      <a:tailEnd type="none" w="med" len="med"/>
+                    </a:lnL>
+                    <a:lnR w="12700" cap="flat" cmpd="sng" algn="ctr">
+                      <a:solidFill>
+                        <a:schemeClr val="bg1"/>
+                      </a:solidFill>
+                      <a:prstDash val="solid"/>
+                      <a:round/>
+                      <a:headEnd type="none" w="med" len="med"/>
+                      <a:tailEnd type="none" w="med" len="med"/>
+                    </a:lnR>
+                    <a:lnT w="12700" cap="flat" cmpd="sng" algn="ctr">
+                      <a:solidFill>
+                        <a:schemeClr val="bg1"/>
+                      </a:solidFill>
+                      <a:prstDash val="solid"/>
+                      <a:round/>
+                      <a:headEnd type="none" w="med" len="med"/>
+                      <a:tailEnd type="none" w="med" len="med"/>
+                    </a:lnT>
+                    <a:lnB w="12700" cap="flat" cmpd="sng" algn="ctr">
+                      <a:solidFill>
+                        <a:schemeClr val="bg1"/>
+                      </a:solidFill>
+                      <a:prstDash val="solid"/>
+                      <a:round/>
+                      <a:headEnd type="none" w="med" len="med"/>
+                      <a:tailEnd type="none" w="med" len="med"/>
+                    </a:lnB>
+                  </a:tcPr>
+                </a:tc>
+                <a:tc>
+                  <a:txBody>
+                    <a:bodyPr/>
+                    <a:lstStyle/>
+                    <a:p>
+                      <a:endParaRPr lang="es-PE" sz="1100" dirty="0"/>
+                    </a:p>
+                  </a:txBody>
+                  <a:tcPr>
+                    <a:lnL w="12700" cap="flat" cmpd="sng" algn="ctr">
+                      <a:solidFill>
+                        <a:schemeClr val="bg1"/>
+                      </a:solidFill>
+                      <a:prstDash val="solid"/>
+                      <a:round/>
+                      <a:headEnd type="none" w="med" len="med"/>
+                      <a:tailEnd type="none" w="med" len="med"/>
+                    </a:lnL>
+                    <a:lnR w="12700" cap="flat" cmpd="sng" algn="ctr">
+                      <a:solidFill>
+                        <a:schemeClr val="bg1"/>
+                      </a:solidFill>
+                      <a:prstDash val="solid"/>
+                      <a:round/>
+                      <a:headEnd type="none" w="med" len="med"/>
+                      <a:tailEnd type="none" w="med" len="med"/>
+                    </a:lnR>
+                    <a:lnT w="12700" cap="flat" cmpd="sng" algn="ctr">
+                      <a:solidFill>
+                        <a:schemeClr val="bg1"/>
+                      </a:solidFill>
+                      <a:prstDash val="solid"/>
+                      <a:round/>
+                      <a:headEnd type="none" w="med" len="med"/>
+                      <a:tailEnd type="none" w="med" len="med"/>
+                    </a:lnT>
+                    <a:lnB w="12700" cap="flat" cmpd="sng" algn="ctr">
+                      <a:solidFill>
+                        <a:schemeClr val="bg1"/>
+                      </a:solidFill>
+                      <a:prstDash val="solid"/>
+                      <a:round/>
+                      <a:headEnd type="none" w="med" len="med"/>
+                      <a:tailEnd type="none" w="med" len="med"/>
+                    </a:lnB>
+                  </a:tcPr>
+                </a:tc>
+              </a:tr>
+            </a:tbl>
+          </a:graphicData>
+        </a:graphic>
+      </p:graphicFrame>
+    </p:spTree>
+  </p:cSld>
+  <p:clrMapOvr>
+    <a:masterClrMapping/>
+  </p:clrMapOvr>
+</p:sld>
+</file>
+
+<file path=ppt/slides/slide15.xml><?xml version="1.0" encoding="utf-8"?>
+<p:sld xmlns:a="http://schemas.openxmlformats.org/drawingml/2006/main" xmlns:r="http://schemas.openxmlformats.org/officeDocument/2006/relationships" xmlns:p="http://schemas.openxmlformats.org/presentationml/2006/main">
+  <p:cSld>
+    <p:spTree>
+      <p:nvGrpSpPr>
+        <p:cNvPr id="1" name=""/>
+        <p:cNvGrpSpPr/>
+        <p:nvPr/>
+      </p:nvGrpSpPr>
+      <p:grpSpPr>
+        <a:xfrm>
+          <a:off x="0" y="0"/>
+          <a:ext cx="0" cy="0"/>
+          <a:chOff x="0" y="0"/>
+          <a:chExt cx="0" cy="0"/>
+        </a:xfrm>
+      </p:grpSpPr>
+      <p:sp>
+        <p:nvSpPr>
+          <p:cNvPr id="3" name="2 Marcador de contenido"/>
+          <p:cNvSpPr>
+            <a:spLocks noGrp="1"/>
+          </p:cNvSpPr>
+          <p:nvPr>
+            <p:ph idx="1"/>
+          </p:nvPr>
+        </p:nvSpPr>
+        <p:spPr>
+          <a:xfrm>
+            <a:off x="457200" y="285728"/>
+            <a:ext cx="8258204" cy="6429420"/>
+          </a:xfrm>
+        </p:spPr>
+        <p:txBody>
+          <a:bodyPr/>
+          <a:lstStyle/>
+          <a:p>
+            <a:r>
+              <a:rPr lang="es-ES" dirty="0" smtClean="0"/>
+              <a:t>Construcción de la estructura </a:t>
+            </a:r>
+          </a:p>
+          <a:p>
+            <a:pPr lvl="1"/>
+            <a:r>
+              <a:rPr lang="es-ES" sz="2000" dirty="0" smtClean="0"/>
+              <a:t>Ejemplo: “En clase nos encontramos”             		   	            “Encontramos la clase” </a:t>
+            </a:r>
+          </a:p>
+          <a:p>
+            <a:pPr lvl="7">
+              <a:buNone/>
+            </a:pPr>
+            <a:endParaRPr lang="es-ES" dirty="0" smtClean="0"/>
+          </a:p>
+          <a:p>
+            <a:pPr lvl="8">
+              <a:buNone/>
+            </a:pPr>
+            <a:endParaRPr lang="es-ES" dirty="0" smtClean="0"/>
+          </a:p>
+          <a:p>
+            <a:pPr lvl="8">
+              <a:buNone/>
+            </a:pPr>
+            <a:endParaRPr lang="es-ES" dirty="0" smtClean="0"/>
+          </a:p>
+          <a:p>
+            <a:pPr lvl="8">
+              <a:buNone/>
+            </a:pPr>
+            <a:r>
+              <a:rPr lang="es-ES" dirty="0" smtClean="0"/>
+              <a:t> </a:t>
+            </a:r>
+          </a:p>
+          <a:p>
+            <a:endParaRPr lang="es-ES" dirty="0" smtClean="0"/>
+          </a:p>
+          <a:p>
+            <a:endParaRPr lang="es-ES" dirty="0" smtClean="0"/>
+          </a:p>
+          <a:p>
+            <a:endParaRPr lang="es-ES" dirty="0"/>
+          </a:p>
+        </p:txBody>
+      </p:sp>
+      <p:graphicFrame>
+        <p:nvGraphicFramePr>
+          <p:cNvPr id="4" name="3 Tabla"/>
+          <p:cNvGraphicFramePr>
+            <a:graphicFrameLocks noGrp="1"/>
+          </p:cNvGraphicFramePr>
+          <p:nvPr/>
+        </p:nvGraphicFramePr>
+        <p:xfrm>
+          <a:off x="571472" y="1714488"/>
+          <a:ext cx="3071834" cy="548640"/>
+        </p:xfrm>
+        <a:graphic>
+          <a:graphicData uri="http://schemas.openxmlformats.org/drawingml/2006/table">
+            <a:tbl>
+              <a:tblPr firstRow="1">
+                <a:tableStyleId>{5C22544A-7EE6-4342-B048-85BDC9FD1C3A}</a:tableStyleId>
+              </a:tblPr>
+              <a:tblGrid>
+                <a:gridCol w="378071"/>
+                <a:gridCol w="1077009"/>
+                <a:gridCol w="1062818"/>
+                <a:gridCol w="553936"/>
+              </a:tblGrid>
+              <a:tr h="0">
+                <a:tc>
+                  <a:txBody>
+                    <a:bodyPr/>
+                    <a:lstStyle/>
+                    <a:p>
+                      <a:r>
+                        <a:rPr lang="es-PE" sz="1200" dirty="0" smtClean="0"/>
+                        <a:t>ID</a:t>
+                      </a:r>
+                      <a:endParaRPr lang="es-PE" sz="1200" dirty="0"/>
+                    </a:p>
+                  </a:txBody>
+                  <a:tcPr>
+                    <a:lnL w="12700" cap="flat" cmpd="sng" algn="ctr">
+                      <a:solidFill>
+                        <a:schemeClr val="bg1"/>
+                      </a:solidFill>
+                      <a:prstDash val="solid"/>
+                      <a:round/>
+                      <a:headEnd type="none" w="med" len="med"/>
+                      <a:tailEnd type="none" w="med" len="med"/>
+                    </a:lnL>
+                    <a:lnR w="12700" cap="flat" cmpd="sng" algn="ctr">
+                      <a:solidFill>
+                        <a:schemeClr val="bg1"/>
+                      </a:solidFill>
+                      <a:prstDash val="solid"/>
+                      <a:round/>
+                      <a:headEnd type="none" w="med" len="med"/>
+                      <a:tailEnd type="none" w="med" len="med"/>
+                    </a:lnR>
+                    <a:lnT w="12700" cap="flat" cmpd="sng" algn="ctr">
+                      <a:solidFill>
+                        <a:schemeClr val="bg1"/>
+                      </a:solidFill>
+                      <a:prstDash val="solid"/>
+                      <a:round/>
+                      <a:headEnd type="none" w="med" len="med"/>
+                      <a:tailEnd type="none" w="med" len="med"/>
+                    </a:lnT>
+                    <a:lnB w="12700" cap="flat" cmpd="sng" algn="ctr">
+                      <a:solidFill>
+                        <a:schemeClr val="bg1"/>
+                      </a:solidFill>
+                      <a:prstDash val="solid"/>
+                      <a:round/>
+                      <a:headEnd type="none" w="med" len="med"/>
+                      <a:tailEnd type="none" w="med" len="med"/>
+                    </a:lnB>
+                  </a:tcPr>
+                </a:tc>
+                <a:tc>
+                  <a:txBody>
+                    <a:bodyPr/>
+                    <a:lstStyle/>
+                    <a:p>
+                      <a:r>
+                        <a:rPr lang="es-PE" sz="1200" dirty="0" smtClean="0"/>
+                        <a:t>Palabra(w)</a:t>
+                      </a:r>
+                      <a:endParaRPr lang="es-PE" sz="1200" dirty="0"/>
+                    </a:p>
+                  </a:txBody>
+                  <a:tcPr>
+                    <a:lnL w="12700" cap="flat" cmpd="sng" algn="ctr">
+                      <a:solidFill>
+                        <a:schemeClr val="bg1"/>
+                      </a:solidFill>
+                      <a:prstDash val="solid"/>
+                      <a:round/>
+                      <a:headEnd type="none" w="med" len="med"/>
+                      <a:tailEnd type="none" w="med" len="med"/>
+                    </a:lnL>
+                    <a:lnR w="12700" cap="flat" cmpd="sng" algn="ctr">
+                      <a:solidFill>
+                        <a:schemeClr val="bg1"/>
+                      </a:solidFill>
+                      <a:prstDash val="solid"/>
+                      <a:round/>
+                      <a:headEnd type="none" w="med" len="med"/>
+                      <a:tailEnd type="none" w="med" len="med"/>
+                    </a:lnR>
+                    <a:lnT w="12700" cap="flat" cmpd="sng" algn="ctr">
+                      <a:solidFill>
+                        <a:schemeClr val="bg1"/>
+                      </a:solidFill>
+                      <a:prstDash val="solid"/>
+                      <a:round/>
+                      <a:headEnd type="none" w="med" len="med"/>
+                      <a:tailEnd type="none" w="med" len="med"/>
+                    </a:lnT>
+                    <a:lnB w="12700" cap="flat" cmpd="sng" algn="ctr">
+                      <a:solidFill>
+                        <a:schemeClr val="bg1"/>
+                      </a:solidFill>
+                      <a:prstDash val="solid"/>
+                      <a:round/>
+                      <a:headEnd type="none" w="med" len="med"/>
+                      <a:tailEnd type="none" w="med" len="med"/>
+                    </a:lnB>
+                  </a:tcPr>
+                </a:tc>
+                <a:tc>
+                  <a:txBody>
+                    <a:bodyPr/>
+                    <a:lstStyle/>
+                    <a:p>
+                      <a:r>
+                        <a:rPr lang="es-PE" sz="1200" dirty="0" smtClean="0"/>
+                        <a:t>Frecuencia</a:t>
+                      </a:r>
+                      <a:endParaRPr lang="es-PE" sz="1200" dirty="0"/>
+                    </a:p>
+                  </a:txBody>
+                  <a:tcPr>
+                    <a:lnL w="12700" cap="flat" cmpd="sng" algn="ctr">
+                      <a:solidFill>
+                        <a:schemeClr val="bg1"/>
+                      </a:solidFill>
+                      <a:prstDash val="solid"/>
+                      <a:round/>
+                      <a:headEnd type="none" w="med" len="med"/>
+                      <a:tailEnd type="none" w="med" len="med"/>
+                    </a:lnL>
+                    <a:lnR w="12700" cap="flat" cmpd="sng" algn="ctr">
+                      <a:solidFill>
+                        <a:schemeClr val="bg1"/>
+                      </a:solidFill>
+                      <a:prstDash val="solid"/>
+                      <a:round/>
+                      <a:headEnd type="none" w="med" len="med"/>
+                      <a:tailEnd type="none" w="med" len="med"/>
+                    </a:lnR>
+                    <a:lnT w="12700" cap="flat" cmpd="sng" algn="ctr">
+                      <a:solidFill>
+                        <a:schemeClr val="bg1"/>
+                      </a:solidFill>
+                      <a:prstDash val="solid"/>
+                      <a:round/>
+                      <a:headEnd type="none" w="med" len="med"/>
+                      <a:tailEnd type="none" w="med" len="med"/>
+                    </a:lnT>
+                    <a:lnB w="12700" cap="flat" cmpd="sng" algn="ctr">
+                      <a:solidFill>
+                        <a:schemeClr val="bg1"/>
+                      </a:solidFill>
+                      <a:prstDash val="solid"/>
+                      <a:round/>
+                      <a:headEnd type="none" w="med" len="med"/>
+                      <a:tailEnd type="none" w="med" len="med"/>
+                    </a:lnB>
+                  </a:tcPr>
+                </a:tc>
+                <a:tc>
+                  <a:txBody>
+                    <a:bodyPr/>
+                    <a:lstStyle/>
+                    <a:p>
+                      <a:r>
+                        <a:rPr lang="es-PE" sz="1200" dirty="0" smtClean="0"/>
+                        <a:t>Lista</a:t>
+                      </a:r>
+                      <a:endParaRPr lang="es-PE" sz="1200" dirty="0"/>
+                    </a:p>
+                  </a:txBody>
+                  <a:tcPr>
+                    <a:lnL w="12700" cap="flat" cmpd="sng" algn="ctr">
+                      <a:solidFill>
+                        <a:schemeClr val="bg1"/>
+                      </a:solidFill>
+                      <a:prstDash val="solid"/>
+                      <a:round/>
+                      <a:headEnd type="none" w="med" len="med"/>
+                      <a:tailEnd type="none" w="med" len="med"/>
+                    </a:lnL>
+                    <a:lnR w="12700" cap="flat" cmpd="sng" algn="ctr">
+                      <a:solidFill>
+                        <a:schemeClr val="bg1"/>
+                      </a:solidFill>
+                      <a:prstDash val="solid"/>
+                      <a:round/>
+                      <a:headEnd type="none" w="med" len="med"/>
+                      <a:tailEnd type="none" w="med" len="med"/>
+                    </a:lnR>
+                    <a:lnT w="12700" cap="flat" cmpd="sng" algn="ctr">
+                      <a:solidFill>
+                        <a:schemeClr val="bg1"/>
+                      </a:solidFill>
+                      <a:prstDash val="solid"/>
+                      <a:round/>
+                      <a:headEnd type="none" w="med" len="med"/>
+                      <a:tailEnd type="none" w="med" len="med"/>
+                    </a:lnT>
+                    <a:lnB w="12700" cap="flat" cmpd="sng" algn="ctr">
+                      <a:solidFill>
+                        <a:schemeClr val="bg1"/>
+                      </a:solidFill>
+                      <a:prstDash val="solid"/>
+                      <a:round/>
+                      <a:headEnd type="none" w="med" len="med"/>
+                      <a:tailEnd type="none" w="med" len="med"/>
+                    </a:lnB>
+                  </a:tcPr>
+                </a:tc>
+              </a:tr>
+              <a:tr h="250033">
+                <a:tc>
+                  <a:txBody>
+                    <a:bodyPr/>
+                    <a:lstStyle/>
+                    <a:p>
+                      <a:r>
+                        <a:rPr lang="es-PE" sz="1200" dirty="0" smtClean="0"/>
+                        <a:t>1</a:t>
+                      </a:r>
+                      <a:endParaRPr lang="es-PE" sz="1200" dirty="0"/>
+                    </a:p>
+                  </a:txBody>
+                  <a:tcPr>
+                    <a:lnL w="12700" cap="flat" cmpd="sng" algn="ctr">
+                      <a:solidFill>
+                        <a:schemeClr val="bg1"/>
+                      </a:solidFill>
+                      <a:prstDash val="solid"/>
+                      <a:round/>
+                      <a:headEnd type="none" w="med" len="med"/>
+                      <a:tailEnd type="none" w="med" len="med"/>
+                    </a:lnL>
+                    <a:lnR w="12700" cap="flat" cmpd="sng" algn="ctr">
+                      <a:solidFill>
+                        <a:schemeClr val="bg1"/>
+                      </a:solidFill>
+                      <a:prstDash val="solid"/>
+                      <a:round/>
+                      <a:headEnd type="none" w="med" len="med"/>
+                      <a:tailEnd type="none" w="med" len="med"/>
+                    </a:lnR>
+                    <a:lnT w="12700" cap="flat" cmpd="sng" algn="ctr">
+                      <a:solidFill>
+                        <a:schemeClr val="bg1"/>
+                      </a:solidFill>
+                      <a:prstDash val="solid"/>
+                      <a:round/>
+                      <a:headEnd type="none" w="med" len="med"/>
+                      <a:tailEnd type="none" w="med" len="med"/>
+                    </a:lnT>
+                    <a:lnB w="12700" cap="flat" cmpd="sng" algn="ctr">
+                      <a:solidFill>
+                        <a:schemeClr val="bg1"/>
+                      </a:solidFill>
+                      <a:prstDash val="solid"/>
+                      <a:round/>
+                      <a:headEnd type="none" w="med" len="med"/>
+                      <a:tailEnd type="none" w="med" len="med"/>
+                    </a:lnB>
+                  </a:tcPr>
+                </a:tc>
+                <a:tc>
+                  <a:txBody>
+                    <a:bodyPr/>
+                    <a:lstStyle/>
+                    <a:p>
+                      <a:r>
+                        <a:rPr lang="es-PE" sz="1200" dirty="0" smtClean="0"/>
+                        <a:t>En</a:t>
+                      </a:r>
+                      <a:endParaRPr lang="es-PE" sz="1200" dirty="0"/>
+                    </a:p>
+                  </a:txBody>
+                  <a:tcPr>
+                    <a:lnL w="12700" cap="flat" cmpd="sng" algn="ctr">
+                      <a:solidFill>
+                        <a:schemeClr val="bg1"/>
+                      </a:solidFill>
+                      <a:prstDash val="solid"/>
+                      <a:round/>
+                      <a:headEnd type="none" w="med" len="med"/>
+                      <a:tailEnd type="none" w="med" len="med"/>
+                    </a:lnL>
+                    <a:lnR w="12700" cap="flat" cmpd="sng" algn="ctr">
+                      <a:solidFill>
+                        <a:schemeClr val="bg1"/>
+                      </a:solidFill>
+                      <a:prstDash val="solid"/>
+                      <a:round/>
+                      <a:headEnd type="none" w="med" len="med"/>
+                      <a:tailEnd type="none" w="med" len="med"/>
+                    </a:lnR>
+                    <a:lnT w="12700" cap="flat" cmpd="sng" algn="ctr">
+                      <a:solidFill>
+                        <a:schemeClr val="bg1"/>
+                      </a:solidFill>
+                      <a:prstDash val="solid"/>
+                      <a:round/>
+                      <a:headEnd type="none" w="med" len="med"/>
+                      <a:tailEnd type="none" w="med" len="med"/>
+                    </a:lnT>
+                    <a:lnB w="12700" cap="flat" cmpd="sng" algn="ctr">
+                      <a:solidFill>
+                        <a:schemeClr val="bg1"/>
+                      </a:solidFill>
+                      <a:prstDash val="solid"/>
+                      <a:round/>
+                      <a:headEnd type="none" w="med" len="med"/>
+                      <a:tailEnd type="none" w="med" len="med"/>
+                    </a:lnB>
+                  </a:tcPr>
+                </a:tc>
+                <a:tc>
+                  <a:txBody>
+                    <a:bodyPr/>
+                    <a:lstStyle/>
+                    <a:p>
+                      <a:r>
+                        <a:rPr lang="es-PE" sz="1200" dirty="0" err="1" smtClean="0"/>
+                        <a:t>Wf</a:t>
+                      </a:r>
+                      <a:r>
+                        <a:rPr lang="es-PE" sz="1200" dirty="0" smtClean="0"/>
+                        <a:t> = 1</a:t>
+                      </a:r>
+                      <a:endParaRPr lang="es-PE" sz="1200" dirty="0"/>
+                    </a:p>
+                  </a:txBody>
+                  <a:tcPr>
+                    <a:lnL w="12700" cap="flat" cmpd="sng" algn="ctr">
+                      <a:solidFill>
+                        <a:schemeClr val="bg1"/>
+                      </a:solidFill>
+                      <a:prstDash val="solid"/>
+                      <a:round/>
+                      <a:headEnd type="none" w="med" len="med"/>
+                      <a:tailEnd type="none" w="med" len="med"/>
+                    </a:lnL>
+                    <a:lnR w="12700" cap="flat" cmpd="sng" algn="ctr">
+                      <a:solidFill>
+                        <a:schemeClr val="bg1"/>
+                      </a:solidFill>
+                      <a:prstDash val="solid"/>
+                      <a:round/>
+                      <a:headEnd type="none" w="med" len="med"/>
+                      <a:tailEnd type="none" w="med" len="med"/>
+                    </a:lnR>
+                    <a:lnT w="12700" cap="flat" cmpd="sng" algn="ctr">
+                      <a:solidFill>
+                        <a:schemeClr val="bg1"/>
+                      </a:solidFill>
+                      <a:prstDash val="solid"/>
+                      <a:round/>
+                      <a:headEnd type="none" w="med" len="med"/>
+                      <a:tailEnd type="none" w="med" len="med"/>
+                    </a:lnT>
+                    <a:lnB w="12700" cap="flat" cmpd="sng" algn="ctr">
+                      <a:solidFill>
+                        <a:schemeClr val="bg1"/>
+                      </a:solidFill>
+                      <a:prstDash val="solid"/>
+                      <a:round/>
+                      <a:headEnd type="none" w="med" len="med"/>
+                      <a:tailEnd type="none" w="med" len="med"/>
+                    </a:lnB>
+                  </a:tcPr>
+                </a:tc>
+                <a:tc>
+                  <a:txBody>
+                    <a:bodyPr/>
+                    <a:lstStyle/>
+                    <a:p>
+                      <a:endParaRPr lang="es-PE" sz="1200" dirty="0"/>
+                    </a:p>
+                  </a:txBody>
+                  <a:tcPr>
+                    <a:lnL w="12700" cap="flat" cmpd="sng" algn="ctr">
+                      <a:solidFill>
+                        <a:schemeClr val="bg1"/>
+                      </a:solidFill>
+                      <a:prstDash val="solid"/>
+                      <a:round/>
+                      <a:headEnd type="none" w="med" len="med"/>
+                      <a:tailEnd type="none" w="med" len="med"/>
+                    </a:lnL>
+                    <a:lnR w="12700" cap="flat" cmpd="sng" algn="ctr">
+                      <a:solidFill>
+                        <a:schemeClr val="bg1"/>
+                      </a:solidFill>
+                      <a:prstDash val="solid"/>
+                      <a:round/>
+                      <a:headEnd type="none" w="med" len="med"/>
+                      <a:tailEnd type="none" w="med" len="med"/>
+                    </a:lnR>
+                    <a:lnT w="12700" cap="flat" cmpd="sng" algn="ctr">
+                      <a:solidFill>
+                        <a:schemeClr val="bg1"/>
+                      </a:solidFill>
+                      <a:prstDash val="solid"/>
+                      <a:round/>
+                      <a:headEnd type="none" w="med" len="med"/>
+                      <a:tailEnd type="none" w="med" len="med"/>
+                    </a:lnT>
+                    <a:lnB w="12700" cap="flat" cmpd="sng" algn="ctr">
+                      <a:solidFill>
+                        <a:schemeClr val="bg1"/>
+                      </a:solidFill>
+                      <a:prstDash val="solid"/>
+                      <a:round/>
+                      <a:headEnd type="none" w="med" len="med"/>
+                      <a:tailEnd type="none" w="med" len="med"/>
+                    </a:lnB>
+                  </a:tcPr>
+                </a:tc>
+              </a:tr>
+            </a:tbl>
+          </a:graphicData>
+        </a:graphic>
+      </p:graphicFrame>
+      <p:graphicFrame>
+        <p:nvGraphicFramePr>
+          <p:cNvPr id="9" name="8 Tabla"/>
+          <p:cNvGraphicFramePr>
+            <a:graphicFrameLocks noGrp="1"/>
+          </p:cNvGraphicFramePr>
+          <p:nvPr/>
+        </p:nvGraphicFramePr>
+        <p:xfrm>
+          <a:off x="4286248" y="1714488"/>
+          <a:ext cx="1858327" cy="1036320"/>
+        </p:xfrm>
+        <a:graphic>
+          <a:graphicData uri="http://schemas.openxmlformats.org/drawingml/2006/table">
+            <a:tbl>
+              <a:tblPr firstCol="1">
+                <a:tableStyleId>{5C22544A-7EE6-4342-B048-85BDC9FD1C3A}</a:tableStyleId>
+              </a:tblPr>
+              <a:tblGrid>
+                <a:gridCol w="894524"/>
+                <a:gridCol w="208280"/>
+                <a:gridCol w="208280"/>
+                <a:gridCol w="208280"/>
+                <a:gridCol w="338963"/>
+              </a:tblGrid>
+              <a:tr h="196455">
+                <a:tc>
+                  <a:txBody>
+                    <a:bodyPr/>
+                    <a:lstStyle/>
+                    <a:p>
+                      <a:r>
+                        <a:rPr lang="es-PE" sz="1100" dirty="0" smtClean="0"/>
+                        <a:t>ID Pal.</a:t>
+                      </a:r>
+                      <a:endParaRPr lang="es-PE" sz="1100" dirty="0"/>
+                    </a:p>
+                  </a:txBody>
+                  <a:tcPr>
+                    <a:lnL w="12700" cap="flat" cmpd="sng" algn="ctr">
+                      <a:solidFill>
+                        <a:schemeClr val="bg1"/>
+                      </a:solidFill>
+                      <a:prstDash val="solid"/>
+                      <a:round/>
+                      <a:headEnd type="none" w="med" len="med"/>
+                      <a:tailEnd type="none" w="med" len="med"/>
+                    </a:lnL>
+                    <a:lnR w="12700" cap="flat" cmpd="sng" algn="ctr">
+                      <a:solidFill>
+                        <a:schemeClr val="bg1"/>
+                      </a:solidFill>
+                      <a:prstDash val="solid"/>
+                      <a:round/>
+                      <a:headEnd type="none" w="med" len="med"/>
+                      <a:tailEnd type="none" w="med" len="med"/>
+                    </a:lnR>
+                    <a:lnT w="12700" cap="flat" cmpd="sng" algn="ctr">
+                      <a:solidFill>
+                        <a:schemeClr val="bg1"/>
+                      </a:solidFill>
+                      <a:prstDash val="solid"/>
+                      <a:round/>
+                      <a:headEnd type="none" w="med" len="med"/>
+                      <a:tailEnd type="none" w="med" len="med"/>
+                    </a:lnT>
+                    <a:lnB w="12700" cap="flat" cmpd="sng" algn="ctr">
+                      <a:solidFill>
+                        <a:schemeClr val="bg1"/>
+                      </a:solidFill>
+                      <a:prstDash val="solid"/>
+                      <a:round/>
+                      <a:headEnd type="none" w="med" len="med"/>
+                      <a:tailEnd type="none" w="med" len="med"/>
+                    </a:lnB>
+                  </a:tcPr>
+                </a:tc>
+                <a:tc gridSpan="4">
+                  <a:txBody>
+                    <a:bodyPr/>
+                    <a:lstStyle/>
+                    <a:p>
+                      <a:r>
+                        <a:rPr lang="es-PE" sz="1100" dirty="0" smtClean="0"/>
+                        <a:t>1</a:t>
+                      </a:r>
+                      <a:endParaRPr lang="es-PE" sz="1100" dirty="0"/>
+                    </a:p>
+                  </a:txBody>
+                  <a:tcPr>
+                    <a:lnL w="12700" cap="flat" cmpd="sng" algn="ctr">
+                      <a:solidFill>
+                        <a:schemeClr val="bg1"/>
+                      </a:solidFill>
+                      <a:prstDash val="solid"/>
+                      <a:round/>
+                      <a:headEnd type="none" w="med" len="med"/>
+                      <a:tailEnd type="none" w="med" len="med"/>
+                    </a:lnL>
+                    <a:lnR w="12700" cap="flat" cmpd="sng" algn="ctr">
+                      <a:solidFill>
+                        <a:schemeClr val="bg1"/>
+                      </a:solidFill>
+                      <a:prstDash val="solid"/>
+                      <a:round/>
+                      <a:headEnd type="none" w="med" len="med"/>
+                      <a:tailEnd type="none" w="med" len="med"/>
+                    </a:lnR>
+                    <a:lnT w="12700" cap="flat" cmpd="sng" algn="ctr">
+                      <a:solidFill>
+                        <a:schemeClr val="bg1"/>
+                      </a:solidFill>
+                      <a:prstDash val="solid"/>
+                      <a:round/>
+                      <a:headEnd type="none" w="med" len="med"/>
+                      <a:tailEnd type="none" w="med" len="med"/>
+                    </a:lnT>
+                    <a:lnB w="12700" cap="flat" cmpd="sng" algn="ctr">
+                      <a:solidFill>
+                        <a:schemeClr val="bg1"/>
+                      </a:solidFill>
+                      <a:prstDash val="solid"/>
+                      <a:round/>
+                      <a:headEnd type="none" w="med" len="med"/>
+                      <a:tailEnd type="none" w="med" len="med"/>
+                    </a:lnB>
+                  </a:tcPr>
+                </a:tc>
+                <a:tc hMerge="1">
+                  <a:txBody>
+                    <a:bodyPr/>
+                    <a:lstStyle/>
+                    <a:p>
+                      <a:endParaRPr lang="es-PE" dirty="0"/>
+                    </a:p>
+                  </a:txBody>
+                  <a:tcPr/>
+                </a:tc>
+                <a:tc hMerge="1">
+                  <a:txBody>
+                    <a:bodyPr/>
+                    <a:lstStyle/>
+                    <a:p>
+                      <a:endParaRPr lang="es-PE" dirty="0"/>
+                    </a:p>
+                  </a:txBody>
+                  <a:tcPr/>
+                </a:tc>
+                <a:tc hMerge="1">
+                  <a:txBody>
+                    <a:bodyPr/>
+                    <a:lstStyle/>
+                    <a:p>
+                      <a:endParaRPr lang="es-PE" dirty="0"/>
+                    </a:p>
+                  </a:txBody>
+                  <a:tcPr/>
+                </a:tc>
+              </a:tr>
+              <a:tr h="196455">
+                <a:tc>
+                  <a:txBody>
+                    <a:bodyPr/>
+                    <a:lstStyle/>
+                    <a:p>
+                      <a:r>
+                        <a:rPr lang="es-PE" sz="1100" dirty="0" smtClean="0"/>
+                        <a:t>ID Doc.</a:t>
+                      </a:r>
+                      <a:endParaRPr lang="es-PE" sz="1100" dirty="0"/>
+                    </a:p>
+                  </a:txBody>
+                  <a:tcPr>
+                    <a:lnL w="12700" cap="flat" cmpd="sng" algn="ctr">
+                      <a:solidFill>
+                        <a:schemeClr val="bg1"/>
+                      </a:solidFill>
+                      <a:prstDash val="solid"/>
+                      <a:round/>
+                      <a:headEnd type="none" w="med" len="med"/>
+                      <a:tailEnd type="none" w="med" len="med"/>
+                    </a:lnL>
+                    <a:lnR w="12700" cap="flat" cmpd="sng" algn="ctr">
+                      <a:solidFill>
+                        <a:schemeClr val="bg1"/>
+                      </a:solidFill>
+                      <a:prstDash val="solid"/>
+                      <a:round/>
+                      <a:headEnd type="none" w="med" len="med"/>
+                      <a:tailEnd type="none" w="med" len="med"/>
+                    </a:lnR>
+                    <a:lnT w="12700" cap="flat" cmpd="sng" algn="ctr">
+                      <a:solidFill>
+                        <a:schemeClr val="bg1"/>
+                      </a:solidFill>
+                      <a:prstDash val="solid"/>
+                      <a:round/>
+                      <a:headEnd type="none" w="med" len="med"/>
+                      <a:tailEnd type="none" w="med" len="med"/>
+                    </a:lnT>
+                    <a:lnB w="12700" cap="flat" cmpd="sng" algn="ctr">
+                      <a:solidFill>
+                        <a:schemeClr val="bg1"/>
+                      </a:solidFill>
+                      <a:prstDash val="solid"/>
+                      <a:round/>
+                      <a:headEnd type="none" w="med" len="med"/>
+                      <a:tailEnd type="none" w="med" len="med"/>
+                    </a:lnB>
+                  </a:tcPr>
+                </a:tc>
+                <a:tc gridSpan="4">
+                  <a:txBody>
+                    <a:bodyPr/>
+                    <a:lstStyle/>
+                    <a:p>
+                      <a:r>
+                        <a:rPr lang="es-PE" sz="1100" dirty="0" smtClean="0"/>
+                        <a:t>1</a:t>
+                      </a:r>
+                      <a:endParaRPr lang="es-PE" sz="1100" dirty="0"/>
+                    </a:p>
+                  </a:txBody>
+                  <a:tcPr>
+                    <a:lnL w="12700" cap="flat" cmpd="sng" algn="ctr">
+                      <a:solidFill>
+                        <a:schemeClr val="bg1"/>
+                      </a:solidFill>
+                      <a:prstDash val="solid"/>
+                      <a:round/>
+                      <a:headEnd type="none" w="med" len="med"/>
+                      <a:tailEnd type="none" w="med" len="med"/>
+                    </a:lnL>
+                    <a:lnR w="12700" cap="flat" cmpd="sng" algn="ctr">
+                      <a:solidFill>
+                        <a:schemeClr val="bg1"/>
+                      </a:solidFill>
+                      <a:prstDash val="solid"/>
+                      <a:round/>
+                      <a:headEnd type="none" w="med" len="med"/>
+                      <a:tailEnd type="none" w="med" len="med"/>
+                    </a:lnR>
+                    <a:lnT w="12700" cap="flat" cmpd="sng" algn="ctr">
+                      <a:solidFill>
+                        <a:schemeClr val="bg1"/>
+                      </a:solidFill>
+                      <a:prstDash val="solid"/>
+                      <a:round/>
+                      <a:headEnd type="none" w="med" len="med"/>
+                      <a:tailEnd type="none" w="med" len="med"/>
+                    </a:lnT>
+                    <a:lnB w="12700" cap="flat" cmpd="sng" algn="ctr">
+                      <a:solidFill>
+                        <a:schemeClr val="bg1"/>
+                      </a:solidFill>
+                      <a:prstDash val="solid"/>
+                      <a:round/>
+                      <a:headEnd type="none" w="med" len="med"/>
+                      <a:tailEnd type="none" w="med" len="med"/>
+                    </a:lnB>
+                  </a:tcPr>
+                </a:tc>
+                <a:tc hMerge="1">
+                  <a:txBody>
+                    <a:bodyPr/>
+                    <a:lstStyle/>
+                    <a:p>
+                      <a:endParaRPr lang="es-PE" dirty="0"/>
+                    </a:p>
+                  </a:txBody>
+                  <a:tcPr/>
+                </a:tc>
+                <a:tc hMerge="1">
+                  <a:txBody>
+                    <a:bodyPr/>
+                    <a:lstStyle/>
+                    <a:p>
+                      <a:endParaRPr lang="es-PE" dirty="0"/>
+                    </a:p>
+                  </a:txBody>
+                  <a:tcPr/>
+                </a:tc>
+                <a:tc hMerge="1">
+                  <a:txBody>
+                    <a:bodyPr/>
+                    <a:lstStyle/>
+                    <a:p>
+                      <a:endParaRPr lang="es-PE" dirty="0"/>
+                    </a:p>
+                  </a:txBody>
+                  <a:tcPr/>
+                </a:tc>
+              </a:tr>
+              <a:tr h="196455">
+                <a:tc>
+                  <a:txBody>
+                    <a:bodyPr/>
+                    <a:lstStyle/>
+                    <a:p>
+                      <a:r>
+                        <a:rPr lang="es-PE" sz="1100" dirty="0" smtClean="0"/>
+                        <a:t>Posición</a:t>
+                      </a:r>
+                      <a:r>
+                        <a:rPr lang="es-PE" sz="1100" baseline="0" dirty="0" smtClean="0"/>
+                        <a:t> </a:t>
+                      </a:r>
+                      <a:endParaRPr lang="es-PE" sz="1100" dirty="0"/>
+                    </a:p>
+                  </a:txBody>
+                  <a:tcPr>
+                    <a:lnL w="12700" cap="flat" cmpd="sng" algn="ctr">
+                      <a:solidFill>
+                        <a:schemeClr val="bg1"/>
+                      </a:solidFill>
+                      <a:prstDash val="solid"/>
+                      <a:round/>
+                      <a:headEnd type="none" w="med" len="med"/>
+                      <a:tailEnd type="none" w="med" len="med"/>
+                    </a:lnL>
+                    <a:lnR w="12700" cap="flat" cmpd="sng" algn="ctr">
+                      <a:solidFill>
+                        <a:schemeClr val="bg1"/>
+                      </a:solidFill>
+                      <a:prstDash val="solid"/>
+                      <a:round/>
+                      <a:headEnd type="none" w="med" len="med"/>
+                      <a:tailEnd type="none" w="med" len="med"/>
+                    </a:lnR>
+                    <a:lnT w="12700" cap="flat" cmpd="sng" algn="ctr">
+                      <a:solidFill>
+                        <a:schemeClr val="bg1"/>
+                      </a:solidFill>
+                      <a:prstDash val="solid"/>
+                      <a:round/>
+                      <a:headEnd type="none" w="med" len="med"/>
+                      <a:tailEnd type="none" w="med" len="med"/>
+                    </a:lnT>
+                    <a:lnB w="12700" cap="flat" cmpd="sng" algn="ctr">
+                      <a:solidFill>
+                        <a:schemeClr val="bg1"/>
+                      </a:solidFill>
+                      <a:prstDash val="solid"/>
+                      <a:round/>
+                      <a:headEnd type="none" w="med" len="med"/>
+                      <a:tailEnd type="none" w="med" len="med"/>
+                    </a:lnB>
+                  </a:tcPr>
+                </a:tc>
+                <a:tc>
+                  <a:txBody>
+                    <a:bodyPr/>
+                    <a:lstStyle/>
+                    <a:p>
+                      <a:r>
+                        <a:rPr lang="es-PE" sz="1100" dirty="0" smtClean="0"/>
+                        <a:t>1</a:t>
+                      </a:r>
+                      <a:endParaRPr lang="es-PE" sz="1100" dirty="0"/>
+                    </a:p>
+                  </a:txBody>
+                  <a:tcPr>
+                    <a:lnL w="12700" cap="flat" cmpd="sng" algn="ctr">
+                      <a:solidFill>
+                        <a:schemeClr val="bg1"/>
+                      </a:solidFill>
+                      <a:prstDash val="solid"/>
+                      <a:round/>
+                      <a:headEnd type="none" w="med" len="med"/>
+                      <a:tailEnd type="none" w="med" len="med"/>
+                    </a:lnL>
+                    <a:lnR w="12700" cap="flat" cmpd="sng" algn="ctr">
+                      <a:solidFill>
+                        <a:schemeClr val="bg1"/>
+                      </a:solidFill>
+                      <a:prstDash val="solid"/>
+                      <a:round/>
+                      <a:headEnd type="none" w="med" len="med"/>
+                      <a:tailEnd type="none" w="med" len="med"/>
+                    </a:lnR>
+                    <a:lnT w="12700" cap="flat" cmpd="sng" algn="ctr">
+                      <a:solidFill>
+                        <a:schemeClr val="bg1"/>
+                      </a:solidFill>
+                      <a:prstDash val="solid"/>
+                      <a:round/>
+                      <a:headEnd type="none" w="med" len="med"/>
+                      <a:tailEnd type="none" w="med" len="med"/>
+                    </a:lnT>
+                    <a:lnB w="12700" cap="flat" cmpd="sng" algn="ctr">
+                      <a:solidFill>
+                        <a:schemeClr val="bg1"/>
+                      </a:solidFill>
+                      <a:prstDash val="solid"/>
+                      <a:round/>
+                      <a:headEnd type="none" w="med" len="med"/>
+                      <a:tailEnd type="none" w="med" len="med"/>
+                    </a:lnB>
+                  </a:tcPr>
+                </a:tc>
+                <a:tc>
+                  <a:txBody>
+                    <a:bodyPr/>
+                    <a:lstStyle/>
+                    <a:p>
+                      <a:endParaRPr lang="es-PE" sz="1100" dirty="0"/>
+                    </a:p>
+                  </a:txBody>
+                  <a:tcPr>
+                    <a:lnL w="12700" cap="flat" cmpd="sng" algn="ctr">
+                      <a:solidFill>
+                        <a:schemeClr val="bg1"/>
+                      </a:solidFill>
+                      <a:prstDash val="solid"/>
+                      <a:round/>
+                      <a:headEnd type="none" w="med" len="med"/>
+                      <a:tailEnd type="none" w="med" len="med"/>
+                    </a:lnL>
+                    <a:lnR w="12700" cap="flat" cmpd="sng" algn="ctr">
+                      <a:solidFill>
+                        <a:schemeClr val="bg1"/>
+                      </a:solidFill>
+                      <a:prstDash val="solid"/>
+                      <a:round/>
+                      <a:headEnd type="none" w="med" len="med"/>
+                      <a:tailEnd type="none" w="med" len="med"/>
+                    </a:lnR>
+                    <a:lnT w="12700" cap="flat" cmpd="sng" algn="ctr">
+                      <a:solidFill>
+                        <a:schemeClr val="bg1"/>
+                      </a:solidFill>
+                      <a:prstDash val="solid"/>
+                      <a:round/>
+                      <a:headEnd type="none" w="med" len="med"/>
+                      <a:tailEnd type="none" w="med" len="med"/>
+                    </a:lnT>
+                    <a:lnB w="12700" cap="flat" cmpd="sng" algn="ctr">
+                      <a:solidFill>
+                        <a:schemeClr val="bg1"/>
+                      </a:solidFill>
+                      <a:prstDash val="solid"/>
+                      <a:round/>
+                      <a:headEnd type="none" w="med" len="med"/>
+                      <a:tailEnd type="none" w="med" len="med"/>
+                    </a:lnB>
+                  </a:tcPr>
+                </a:tc>
+                <a:tc>
+                  <a:txBody>
+                    <a:bodyPr/>
+                    <a:lstStyle/>
+                    <a:p>
+                      <a:endParaRPr lang="es-PE" sz="1100" dirty="0"/>
+                    </a:p>
+                  </a:txBody>
+                  <a:tcPr>
+                    <a:lnL w="12700" cap="flat" cmpd="sng" algn="ctr">
+                      <a:solidFill>
+                        <a:schemeClr val="bg1"/>
+                      </a:solidFill>
+                      <a:prstDash val="solid"/>
+                      <a:round/>
+                      <a:headEnd type="none" w="med" len="med"/>
+                      <a:tailEnd type="none" w="med" len="med"/>
+                    </a:lnL>
+                    <a:lnR w="12700" cap="flat" cmpd="sng" algn="ctr">
+                      <a:solidFill>
+                        <a:schemeClr val="bg1"/>
+                      </a:solidFill>
+                      <a:prstDash val="solid"/>
+                      <a:round/>
+                      <a:headEnd type="none" w="med" len="med"/>
+                      <a:tailEnd type="none" w="med" len="med"/>
+                    </a:lnR>
+                    <a:lnT w="12700" cap="flat" cmpd="sng" algn="ctr">
+                      <a:solidFill>
+                        <a:schemeClr val="bg1"/>
+                      </a:solidFill>
+                      <a:prstDash val="solid"/>
+                      <a:round/>
+                      <a:headEnd type="none" w="med" len="med"/>
+                      <a:tailEnd type="none" w="med" len="med"/>
+                    </a:lnT>
+                    <a:lnB w="12700" cap="flat" cmpd="sng" algn="ctr">
+                      <a:solidFill>
+                        <a:schemeClr val="bg1"/>
+                      </a:solidFill>
+                      <a:prstDash val="solid"/>
+                      <a:round/>
+                      <a:headEnd type="none" w="med" len="med"/>
+                      <a:tailEnd type="none" w="med" len="med"/>
+                    </a:lnB>
+                  </a:tcPr>
+                </a:tc>
+                <a:tc>
+                  <a:txBody>
+                    <a:bodyPr/>
+                    <a:lstStyle/>
+                    <a:p>
+                      <a:endParaRPr lang="es-PE" sz="1100" dirty="0"/>
+                    </a:p>
+                  </a:txBody>
+                  <a:tcPr>
+                    <a:lnL w="12700" cap="flat" cmpd="sng" algn="ctr">
+                      <a:solidFill>
+                        <a:schemeClr val="bg1"/>
+                      </a:solidFill>
+                      <a:prstDash val="solid"/>
+                      <a:round/>
+                      <a:headEnd type="none" w="med" len="med"/>
+                      <a:tailEnd type="none" w="med" len="med"/>
+                    </a:lnL>
+                    <a:lnR w="12700" cap="flat" cmpd="sng" algn="ctr">
+                      <a:solidFill>
+                        <a:schemeClr val="bg1"/>
+                      </a:solidFill>
+                      <a:prstDash val="solid"/>
+                      <a:round/>
+                      <a:headEnd type="none" w="med" len="med"/>
+                      <a:tailEnd type="none" w="med" len="med"/>
+                    </a:lnR>
+                    <a:lnT w="12700" cap="flat" cmpd="sng" algn="ctr">
+                      <a:solidFill>
+                        <a:schemeClr val="bg1"/>
+                      </a:solidFill>
+                      <a:prstDash val="solid"/>
+                      <a:round/>
+                      <a:headEnd type="none" w="med" len="med"/>
+                      <a:tailEnd type="none" w="med" len="med"/>
+                    </a:lnT>
+                    <a:lnB w="12700" cap="flat" cmpd="sng" algn="ctr">
+                      <a:solidFill>
+                        <a:schemeClr val="bg1"/>
+                      </a:solidFill>
+                      <a:prstDash val="solid"/>
+                      <a:round/>
+                      <a:headEnd type="none" w="med" len="med"/>
+                      <a:tailEnd type="none" w="med" len="med"/>
+                    </a:lnB>
+                  </a:tcPr>
+                </a:tc>
+              </a:tr>
+              <a:tr h="196455">
+                <a:tc>
+                  <a:txBody>
+                    <a:bodyPr/>
+                    <a:lstStyle/>
+                    <a:p>
+                      <a:r>
+                        <a:rPr lang="es-PE" sz="1100" dirty="0" smtClean="0"/>
+                        <a:t>Siguiente</a:t>
+                      </a:r>
+                      <a:endParaRPr lang="es-PE" sz="1100" dirty="0"/>
+                    </a:p>
+                  </a:txBody>
+                  <a:tcPr>
+                    <a:lnL w="12700" cap="flat" cmpd="sng" algn="ctr">
+                      <a:solidFill>
+                        <a:schemeClr val="bg1"/>
+                      </a:solidFill>
+                      <a:prstDash val="solid"/>
+                      <a:round/>
+                      <a:headEnd type="none" w="med" len="med"/>
+                      <a:tailEnd type="none" w="med" len="med"/>
+                    </a:lnL>
+                    <a:lnR w="12700" cap="flat" cmpd="sng" algn="ctr">
+                      <a:solidFill>
+                        <a:schemeClr val="bg1"/>
+                      </a:solidFill>
+                      <a:prstDash val="solid"/>
+                      <a:round/>
+                      <a:headEnd type="none" w="med" len="med"/>
+                      <a:tailEnd type="none" w="med" len="med"/>
+                    </a:lnR>
+                    <a:lnT w="12700" cap="flat" cmpd="sng" algn="ctr">
+                      <a:solidFill>
+                        <a:schemeClr val="bg1"/>
+                      </a:solidFill>
+                      <a:prstDash val="solid"/>
+                      <a:round/>
+                      <a:headEnd type="none" w="med" len="med"/>
+                      <a:tailEnd type="none" w="med" len="med"/>
+                    </a:lnT>
+                    <a:lnB w="12700" cap="flat" cmpd="sng" algn="ctr">
+                      <a:solidFill>
+                        <a:schemeClr val="bg1"/>
+                      </a:solidFill>
+                      <a:prstDash val="solid"/>
+                      <a:round/>
+                      <a:headEnd type="none" w="med" len="med"/>
+                      <a:tailEnd type="none" w="med" len="med"/>
+                    </a:lnB>
+                  </a:tcPr>
+                </a:tc>
+                <a:tc>
+                  <a:txBody>
+                    <a:bodyPr/>
+                    <a:lstStyle/>
+                    <a:p>
+                      <a:endParaRPr lang="es-PE" sz="1100" dirty="0"/>
+                    </a:p>
+                  </a:txBody>
+                  <a:tcPr>
+                    <a:lnL w="12700" cap="flat" cmpd="sng" algn="ctr">
+                      <a:solidFill>
+                        <a:schemeClr val="bg1"/>
+                      </a:solidFill>
+                      <a:prstDash val="solid"/>
+                      <a:round/>
+                      <a:headEnd type="none" w="med" len="med"/>
+                      <a:tailEnd type="none" w="med" len="med"/>
+                    </a:lnL>
+                    <a:lnR w="12700" cap="flat" cmpd="sng" algn="ctr">
+                      <a:solidFill>
+                        <a:schemeClr val="bg1"/>
+                      </a:solidFill>
+                      <a:prstDash val="solid"/>
+                      <a:round/>
+                      <a:headEnd type="none" w="med" len="med"/>
+                      <a:tailEnd type="none" w="med" len="med"/>
+                    </a:lnR>
+                    <a:lnT w="12700" cap="flat" cmpd="sng" algn="ctr">
+                      <a:solidFill>
+                        <a:schemeClr val="bg1"/>
+                      </a:solidFill>
+                      <a:prstDash val="solid"/>
+                      <a:round/>
+                      <a:headEnd type="none" w="med" len="med"/>
+                      <a:tailEnd type="none" w="med" len="med"/>
+                    </a:lnT>
+                    <a:lnB w="12700" cap="flat" cmpd="sng" algn="ctr">
+                      <a:solidFill>
+                        <a:schemeClr val="bg1"/>
+                      </a:solidFill>
+                      <a:prstDash val="solid"/>
+                      <a:round/>
+                      <a:headEnd type="none" w="med" len="med"/>
+                      <a:tailEnd type="none" w="med" len="med"/>
+                    </a:lnB>
+                  </a:tcPr>
+                </a:tc>
+                <a:tc>
+                  <a:txBody>
+                    <a:bodyPr/>
+                    <a:lstStyle/>
+                    <a:p>
+                      <a:endParaRPr lang="es-PE" sz="1100" dirty="0"/>
+                    </a:p>
+                  </a:txBody>
+                  <a:tcPr>
+                    <a:lnL w="12700" cap="flat" cmpd="sng" algn="ctr">
+                      <a:solidFill>
+                        <a:schemeClr val="bg1"/>
+                      </a:solidFill>
+                      <a:prstDash val="solid"/>
+                      <a:round/>
+                      <a:headEnd type="none" w="med" len="med"/>
+                      <a:tailEnd type="none" w="med" len="med"/>
+                    </a:lnL>
+                    <a:lnR w="12700" cap="flat" cmpd="sng" algn="ctr">
+                      <a:solidFill>
+                        <a:schemeClr val="bg1"/>
+                      </a:solidFill>
+                      <a:prstDash val="solid"/>
+                      <a:round/>
+                      <a:headEnd type="none" w="med" len="med"/>
+                      <a:tailEnd type="none" w="med" len="med"/>
+                    </a:lnR>
+                    <a:lnT w="12700" cap="flat" cmpd="sng" algn="ctr">
+                      <a:solidFill>
+                        <a:schemeClr val="bg1"/>
+                      </a:solidFill>
+                      <a:prstDash val="solid"/>
+                      <a:round/>
+                      <a:headEnd type="none" w="med" len="med"/>
+                      <a:tailEnd type="none" w="med" len="med"/>
+                    </a:lnT>
+                    <a:lnB w="12700" cap="flat" cmpd="sng" algn="ctr">
+                      <a:solidFill>
+                        <a:schemeClr val="bg1"/>
+                      </a:solidFill>
+                      <a:prstDash val="solid"/>
+                      <a:round/>
+                      <a:headEnd type="none" w="med" len="med"/>
+                      <a:tailEnd type="none" w="med" len="med"/>
+                    </a:lnB>
+                  </a:tcPr>
+                </a:tc>
+                <a:tc>
+                  <a:txBody>
+                    <a:bodyPr/>
+                    <a:lstStyle/>
+                    <a:p>
+                      <a:endParaRPr lang="es-PE" sz="1100" dirty="0"/>
+                    </a:p>
+                  </a:txBody>
+                  <a:tcPr>
+                    <a:lnL w="12700" cap="flat" cmpd="sng" algn="ctr">
+                      <a:solidFill>
+                        <a:schemeClr val="bg1"/>
+                      </a:solidFill>
+                      <a:prstDash val="solid"/>
+                      <a:round/>
+                      <a:headEnd type="none" w="med" len="med"/>
+                      <a:tailEnd type="none" w="med" len="med"/>
+                    </a:lnL>
+                    <a:lnR w="12700" cap="flat" cmpd="sng" algn="ctr">
+                      <a:solidFill>
+                        <a:schemeClr val="bg1"/>
+                      </a:solidFill>
+                      <a:prstDash val="solid"/>
+                      <a:round/>
+                      <a:headEnd type="none" w="med" len="med"/>
+                      <a:tailEnd type="none" w="med" len="med"/>
+                    </a:lnR>
+                    <a:lnT w="12700" cap="flat" cmpd="sng" algn="ctr">
+                      <a:solidFill>
+                        <a:schemeClr val="bg1"/>
+                      </a:solidFill>
+                      <a:prstDash val="solid"/>
+                      <a:round/>
+                      <a:headEnd type="none" w="med" len="med"/>
+                      <a:tailEnd type="none" w="med" len="med"/>
+                    </a:lnT>
+                    <a:lnB w="12700" cap="flat" cmpd="sng" algn="ctr">
+                      <a:solidFill>
+                        <a:schemeClr val="bg1"/>
+                      </a:solidFill>
+                      <a:prstDash val="solid"/>
+                      <a:round/>
+                      <a:headEnd type="none" w="med" len="med"/>
+                      <a:tailEnd type="none" w="med" len="med"/>
+                    </a:lnB>
+                  </a:tcPr>
+                </a:tc>
+                <a:tc>
+                  <a:txBody>
+                    <a:bodyPr/>
+                    <a:lstStyle/>
+                    <a:p>
+                      <a:endParaRPr lang="es-PE" sz="1100" dirty="0"/>
+                    </a:p>
+                  </a:txBody>
+                  <a:tcPr>
+                    <a:lnL w="12700" cap="flat" cmpd="sng" algn="ctr">
+                      <a:solidFill>
+                        <a:schemeClr val="bg1"/>
+                      </a:solidFill>
+                      <a:prstDash val="solid"/>
+                      <a:round/>
+                      <a:headEnd type="none" w="med" len="med"/>
+                      <a:tailEnd type="none" w="med" len="med"/>
+                    </a:lnL>
+                    <a:lnR w="12700" cap="flat" cmpd="sng" algn="ctr">
+                      <a:solidFill>
+                        <a:schemeClr val="bg1"/>
+                      </a:solidFill>
+                      <a:prstDash val="solid"/>
+                      <a:round/>
+                      <a:headEnd type="none" w="med" len="med"/>
+                      <a:tailEnd type="none" w="med" len="med"/>
+                    </a:lnR>
+                    <a:lnT w="12700" cap="flat" cmpd="sng" algn="ctr">
+                      <a:solidFill>
+                        <a:schemeClr val="bg1"/>
+                      </a:solidFill>
+                      <a:prstDash val="solid"/>
+                      <a:round/>
+                      <a:headEnd type="none" w="med" len="med"/>
+                      <a:tailEnd type="none" w="med" len="med"/>
+                    </a:lnT>
+                    <a:lnB w="12700" cap="flat" cmpd="sng" algn="ctr">
+                      <a:solidFill>
+                        <a:schemeClr val="bg1"/>
+                      </a:solidFill>
+                      <a:prstDash val="solid"/>
+                      <a:round/>
+                      <a:headEnd type="none" w="med" len="med"/>
+                      <a:tailEnd type="none" w="med" len="med"/>
+                    </a:lnB>
+                  </a:tcPr>
+                </a:tc>
+              </a:tr>
+            </a:tbl>
+          </a:graphicData>
+        </a:graphic>
+      </p:graphicFrame>
+      <p:graphicFrame>
+        <p:nvGraphicFramePr>
+          <p:cNvPr id="10" name="9 Tabla"/>
+          <p:cNvGraphicFramePr>
+            <a:graphicFrameLocks noGrp="1"/>
+          </p:cNvGraphicFramePr>
+          <p:nvPr/>
+        </p:nvGraphicFramePr>
+        <p:xfrm>
+          <a:off x="571472" y="2857496"/>
+          <a:ext cx="3071834" cy="548640"/>
+        </p:xfrm>
+        <a:graphic>
+          <a:graphicData uri="http://schemas.openxmlformats.org/drawingml/2006/table">
+            <a:tbl>
+              <a:tblPr firstRow="1">
+                <a:tableStyleId>{5C22544A-7EE6-4342-B048-85BDC9FD1C3A}</a:tableStyleId>
+              </a:tblPr>
+              <a:tblGrid>
+                <a:gridCol w="378071"/>
+                <a:gridCol w="1077009"/>
+                <a:gridCol w="1062818"/>
+                <a:gridCol w="553936"/>
+              </a:tblGrid>
+              <a:tr h="0">
+                <a:tc>
+                  <a:txBody>
+                    <a:bodyPr/>
+                    <a:lstStyle/>
+                    <a:p>
+                      <a:r>
+                        <a:rPr lang="es-PE" sz="1200" dirty="0" smtClean="0"/>
+                        <a:t>ID</a:t>
+                      </a:r>
+                      <a:endParaRPr lang="es-PE" sz="1200" dirty="0"/>
+                    </a:p>
+                  </a:txBody>
+                  <a:tcPr>
+                    <a:lnL w="12700" cap="flat" cmpd="sng" algn="ctr">
+                      <a:solidFill>
+                        <a:schemeClr val="bg1"/>
+                      </a:solidFill>
+                      <a:prstDash val="solid"/>
+                      <a:round/>
+                      <a:headEnd type="none" w="med" len="med"/>
+                      <a:tailEnd type="none" w="med" len="med"/>
+                    </a:lnL>
+                    <a:lnR w="12700" cap="flat" cmpd="sng" algn="ctr">
+                      <a:solidFill>
+                        <a:schemeClr val="bg1"/>
+                      </a:solidFill>
+                      <a:prstDash val="solid"/>
+                      <a:round/>
+                      <a:headEnd type="none" w="med" len="med"/>
+                      <a:tailEnd type="none" w="med" len="med"/>
+                    </a:lnR>
+                    <a:lnT w="12700" cap="flat" cmpd="sng" algn="ctr">
+                      <a:solidFill>
+                        <a:schemeClr val="bg1"/>
+                      </a:solidFill>
+                      <a:prstDash val="solid"/>
+                      <a:round/>
+                      <a:headEnd type="none" w="med" len="med"/>
+                      <a:tailEnd type="none" w="med" len="med"/>
+                    </a:lnT>
+                    <a:lnB w="12700" cap="flat" cmpd="sng" algn="ctr">
+                      <a:solidFill>
+                        <a:schemeClr val="bg1"/>
+                      </a:solidFill>
+                      <a:prstDash val="solid"/>
+                      <a:round/>
+                      <a:headEnd type="none" w="med" len="med"/>
+                      <a:tailEnd type="none" w="med" len="med"/>
+                    </a:lnB>
+                  </a:tcPr>
+                </a:tc>
+                <a:tc>
+                  <a:txBody>
+                    <a:bodyPr/>
+                    <a:lstStyle/>
+                    <a:p>
+                      <a:r>
+                        <a:rPr lang="es-PE" sz="1200" dirty="0" smtClean="0"/>
+                        <a:t>Palabra(w)</a:t>
+                      </a:r>
+                      <a:endParaRPr lang="es-PE" sz="1200" dirty="0"/>
+                    </a:p>
+                  </a:txBody>
+                  <a:tcPr>
+                    <a:lnL w="12700" cap="flat" cmpd="sng" algn="ctr">
+                      <a:solidFill>
+                        <a:schemeClr val="bg1"/>
+                      </a:solidFill>
+                      <a:prstDash val="solid"/>
+                      <a:round/>
+                      <a:headEnd type="none" w="med" len="med"/>
+                      <a:tailEnd type="none" w="med" len="med"/>
+                    </a:lnL>
+                    <a:lnR w="12700" cap="flat" cmpd="sng" algn="ctr">
+                      <a:solidFill>
+                        <a:schemeClr val="bg1"/>
+                      </a:solidFill>
+                      <a:prstDash val="solid"/>
+                      <a:round/>
+                      <a:headEnd type="none" w="med" len="med"/>
+                      <a:tailEnd type="none" w="med" len="med"/>
+                    </a:lnR>
+                    <a:lnT w="12700" cap="flat" cmpd="sng" algn="ctr">
+                      <a:solidFill>
+                        <a:schemeClr val="bg1"/>
+                      </a:solidFill>
+                      <a:prstDash val="solid"/>
+                      <a:round/>
+                      <a:headEnd type="none" w="med" len="med"/>
+                      <a:tailEnd type="none" w="med" len="med"/>
+                    </a:lnT>
+                    <a:lnB w="12700" cap="flat" cmpd="sng" algn="ctr">
+                      <a:solidFill>
+                        <a:schemeClr val="bg1"/>
+                      </a:solidFill>
+                      <a:prstDash val="solid"/>
+                      <a:round/>
+                      <a:headEnd type="none" w="med" len="med"/>
+                      <a:tailEnd type="none" w="med" len="med"/>
+                    </a:lnB>
+                  </a:tcPr>
+                </a:tc>
+                <a:tc>
+                  <a:txBody>
+                    <a:bodyPr/>
+                    <a:lstStyle/>
+                    <a:p>
+                      <a:r>
+                        <a:rPr lang="es-PE" sz="1200" dirty="0" smtClean="0"/>
+                        <a:t>Frecuencia</a:t>
+                      </a:r>
+                      <a:endParaRPr lang="es-PE" sz="1200" dirty="0"/>
+                    </a:p>
+                  </a:txBody>
+                  <a:tcPr>
+                    <a:lnL w="12700" cap="flat" cmpd="sng" algn="ctr">
+                      <a:solidFill>
+                        <a:schemeClr val="bg1"/>
+                      </a:solidFill>
+                      <a:prstDash val="solid"/>
+                      <a:round/>
+                      <a:headEnd type="none" w="med" len="med"/>
+                      <a:tailEnd type="none" w="med" len="med"/>
+                    </a:lnL>
+                    <a:lnR w="12700" cap="flat" cmpd="sng" algn="ctr">
+                      <a:solidFill>
+                        <a:schemeClr val="bg1"/>
+                      </a:solidFill>
+                      <a:prstDash val="solid"/>
+                      <a:round/>
+                      <a:headEnd type="none" w="med" len="med"/>
+                      <a:tailEnd type="none" w="med" len="med"/>
+                    </a:lnR>
+                    <a:lnT w="12700" cap="flat" cmpd="sng" algn="ctr">
+                      <a:solidFill>
+                        <a:schemeClr val="bg1"/>
+                      </a:solidFill>
+                      <a:prstDash val="solid"/>
+                      <a:round/>
+                      <a:headEnd type="none" w="med" len="med"/>
+                      <a:tailEnd type="none" w="med" len="med"/>
+                    </a:lnT>
+                    <a:lnB w="12700" cap="flat" cmpd="sng" algn="ctr">
+                      <a:solidFill>
+                        <a:schemeClr val="bg1"/>
+                      </a:solidFill>
+                      <a:prstDash val="solid"/>
+                      <a:round/>
+                      <a:headEnd type="none" w="med" len="med"/>
+                      <a:tailEnd type="none" w="med" len="med"/>
+                    </a:lnB>
+                  </a:tcPr>
+                </a:tc>
+                <a:tc>
+                  <a:txBody>
+                    <a:bodyPr/>
+                    <a:lstStyle/>
+                    <a:p>
+                      <a:r>
+                        <a:rPr lang="es-PE" sz="1200" dirty="0" smtClean="0"/>
+                        <a:t>Lista</a:t>
+                      </a:r>
+                      <a:endParaRPr lang="es-PE" sz="1200" dirty="0"/>
+                    </a:p>
+                  </a:txBody>
+                  <a:tcPr>
+                    <a:lnL w="12700" cap="flat" cmpd="sng" algn="ctr">
+                      <a:solidFill>
+                        <a:schemeClr val="bg1"/>
+                      </a:solidFill>
+                      <a:prstDash val="solid"/>
+                      <a:round/>
+                      <a:headEnd type="none" w="med" len="med"/>
+                      <a:tailEnd type="none" w="med" len="med"/>
+                    </a:lnL>
+                    <a:lnR w="12700" cap="flat" cmpd="sng" algn="ctr">
+                      <a:solidFill>
+                        <a:schemeClr val="bg1"/>
+                      </a:solidFill>
+                      <a:prstDash val="solid"/>
+                      <a:round/>
+                      <a:headEnd type="none" w="med" len="med"/>
+                      <a:tailEnd type="none" w="med" len="med"/>
+                    </a:lnR>
+                    <a:lnT w="12700" cap="flat" cmpd="sng" algn="ctr">
+                      <a:solidFill>
+                        <a:schemeClr val="bg1"/>
+                      </a:solidFill>
+                      <a:prstDash val="solid"/>
+                      <a:round/>
+                      <a:headEnd type="none" w="med" len="med"/>
+                      <a:tailEnd type="none" w="med" len="med"/>
+                    </a:lnT>
+                    <a:lnB w="12700" cap="flat" cmpd="sng" algn="ctr">
+                      <a:solidFill>
+                        <a:schemeClr val="bg1"/>
+                      </a:solidFill>
+                      <a:prstDash val="solid"/>
+                      <a:round/>
+                      <a:headEnd type="none" w="med" len="med"/>
+                      <a:tailEnd type="none" w="med" len="med"/>
+                    </a:lnB>
+                  </a:tcPr>
+                </a:tc>
+              </a:tr>
+              <a:tr h="250033">
+                <a:tc>
+                  <a:txBody>
+                    <a:bodyPr/>
+                    <a:lstStyle/>
+                    <a:p>
+                      <a:r>
+                        <a:rPr lang="es-PE" sz="1200" dirty="0" smtClean="0"/>
+                        <a:t>2</a:t>
+                      </a:r>
+                      <a:endParaRPr lang="es-PE" sz="1200" dirty="0"/>
+                    </a:p>
+                  </a:txBody>
+                  <a:tcPr>
+                    <a:lnL w="12700" cap="flat" cmpd="sng" algn="ctr">
+                      <a:solidFill>
+                        <a:schemeClr val="bg1"/>
+                      </a:solidFill>
+                      <a:prstDash val="solid"/>
+                      <a:round/>
+                      <a:headEnd type="none" w="med" len="med"/>
+                      <a:tailEnd type="none" w="med" len="med"/>
+                    </a:lnL>
+                    <a:lnR w="12700" cap="flat" cmpd="sng" algn="ctr">
+                      <a:solidFill>
+                        <a:schemeClr val="bg1"/>
+                      </a:solidFill>
+                      <a:prstDash val="solid"/>
+                      <a:round/>
+                      <a:headEnd type="none" w="med" len="med"/>
+                      <a:tailEnd type="none" w="med" len="med"/>
+                    </a:lnR>
+                    <a:lnT w="12700" cap="flat" cmpd="sng" algn="ctr">
+                      <a:solidFill>
+                        <a:schemeClr val="bg1"/>
+                      </a:solidFill>
+                      <a:prstDash val="solid"/>
+                      <a:round/>
+                      <a:headEnd type="none" w="med" len="med"/>
+                      <a:tailEnd type="none" w="med" len="med"/>
+                    </a:lnT>
+                    <a:lnB w="12700" cap="flat" cmpd="sng" algn="ctr">
+                      <a:solidFill>
+                        <a:schemeClr val="bg1"/>
+                      </a:solidFill>
+                      <a:prstDash val="solid"/>
+                      <a:round/>
+                      <a:headEnd type="none" w="med" len="med"/>
+                      <a:tailEnd type="none" w="med" len="med"/>
+                    </a:lnB>
+                  </a:tcPr>
+                </a:tc>
+                <a:tc>
+                  <a:txBody>
+                    <a:bodyPr/>
+                    <a:lstStyle/>
+                    <a:p>
+                      <a:r>
+                        <a:rPr lang="es-PE" sz="1200" dirty="0" smtClean="0"/>
+                        <a:t>Clase</a:t>
+                      </a:r>
+                      <a:endParaRPr lang="es-PE" sz="1200" dirty="0"/>
+                    </a:p>
+                  </a:txBody>
+                  <a:tcPr>
+                    <a:lnL w="12700" cap="flat" cmpd="sng" algn="ctr">
+                      <a:solidFill>
+                        <a:schemeClr val="bg1"/>
+                      </a:solidFill>
+                      <a:prstDash val="solid"/>
+                      <a:round/>
+                      <a:headEnd type="none" w="med" len="med"/>
+                      <a:tailEnd type="none" w="med" len="med"/>
+                    </a:lnL>
+                    <a:lnR w="12700" cap="flat" cmpd="sng" algn="ctr">
+                      <a:solidFill>
+                        <a:schemeClr val="bg1"/>
+                      </a:solidFill>
+                      <a:prstDash val="solid"/>
+                      <a:round/>
+                      <a:headEnd type="none" w="med" len="med"/>
+                      <a:tailEnd type="none" w="med" len="med"/>
+                    </a:lnR>
+                    <a:lnT w="12700" cap="flat" cmpd="sng" algn="ctr">
+                      <a:solidFill>
+                        <a:schemeClr val="bg1"/>
+                      </a:solidFill>
+                      <a:prstDash val="solid"/>
+                      <a:round/>
+                      <a:headEnd type="none" w="med" len="med"/>
+                      <a:tailEnd type="none" w="med" len="med"/>
+                    </a:lnT>
+                    <a:lnB w="12700" cap="flat" cmpd="sng" algn="ctr">
+                      <a:solidFill>
+                        <a:schemeClr val="bg1"/>
+                      </a:solidFill>
+                      <a:prstDash val="solid"/>
+                      <a:round/>
+                      <a:headEnd type="none" w="med" len="med"/>
+                      <a:tailEnd type="none" w="med" len="med"/>
+                    </a:lnB>
+                  </a:tcPr>
+                </a:tc>
+                <a:tc>
+                  <a:txBody>
+                    <a:bodyPr/>
+                    <a:lstStyle/>
+                    <a:p>
+                      <a:r>
+                        <a:rPr lang="es-PE" sz="1200" dirty="0" err="1" smtClean="0"/>
+                        <a:t>Wf</a:t>
+                      </a:r>
+                      <a:r>
+                        <a:rPr lang="es-PE" sz="1200" dirty="0" smtClean="0"/>
+                        <a:t> = 2</a:t>
+                      </a:r>
+                      <a:endParaRPr lang="es-PE" sz="1200" dirty="0"/>
+                    </a:p>
+                  </a:txBody>
+                  <a:tcPr>
+                    <a:lnL w="12700" cap="flat" cmpd="sng" algn="ctr">
+                      <a:solidFill>
+                        <a:schemeClr val="bg1"/>
+                      </a:solidFill>
+                      <a:prstDash val="solid"/>
+                      <a:round/>
+                      <a:headEnd type="none" w="med" len="med"/>
+                      <a:tailEnd type="none" w="med" len="med"/>
+                    </a:lnL>
+                    <a:lnR w="12700" cap="flat" cmpd="sng" algn="ctr">
+                      <a:solidFill>
+                        <a:schemeClr val="bg1"/>
+                      </a:solidFill>
+                      <a:prstDash val="solid"/>
+                      <a:round/>
+                      <a:headEnd type="none" w="med" len="med"/>
+                      <a:tailEnd type="none" w="med" len="med"/>
+                    </a:lnR>
+                    <a:lnT w="12700" cap="flat" cmpd="sng" algn="ctr">
+                      <a:solidFill>
+                        <a:schemeClr val="bg1"/>
+                      </a:solidFill>
+                      <a:prstDash val="solid"/>
+                      <a:round/>
+                      <a:headEnd type="none" w="med" len="med"/>
+                      <a:tailEnd type="none" w="med" len="med"/>
+                    </a:lnT>
+                    <a:lnB w="12700" cap="flat" cmpd="sng" algn="ctr">
+                      <a:solidFill>
+                        <a:schemeClr val="bg1"/>
+                      </a:solidFill>
+                      <a:prstDash val="solid"/>
+                      <a:round/>
+                      <a:headEnd type="none" w="med" len="med"/>
+                      <a:tailEnd type="none" w="med" len="med"/>
+                    </a:lnB>
+                  </a:tcPr>
+                </a:tc>
+                <a:tc>
+                  <a:txBody>
+                    <a:bodyPr/>
+                    <a:lstStyle/>
+                    <a:p>
+                      <a:endParaRPr lang="es-PE" sz="1200" dirty="0"/>
+                    </a:p>
+                  </a:txBody>
+                  <a:tcPr>
+                    <a:lnL w="12700" cap="flat" cmpd="sng" algn="ctr">
+                      <a:solidFill>
+                        <a:schemeClr val="bg1"/>
+                      </a:solidFill>
+                      <a:prstDash val="solid"/>
+                      <a:round/>
+                      <a:headEnd type="none" w="med" len="med"/>
+                      <a:tailEnd type="none" w="med" len="med"/>
+                    </a:lnL>
+                    <a:lnR w="12700" cap="flat" cmpd="sng" algn="ctr">
+                      <a:solidFill>
+                        <a:schemeClr val="bg1"/>
+                      </a:solidFill>
+                      <a:prstDash val="solid"/>
+                      <a:round/>
+                      <a:headEnd type="none" w="med" len="med"/>
+                      <a:tailEnd type="none" w="med" len="med"/>
+                    </a:lnR>
+                    <a:lnT w="12700" cap="flat" cmpd="sng" algn="ctr">
+                      <a:solidFill>
+                        <a:schemeClr val="bg1"/>
+                      </a:solidFill>
+                      <a:prstDash val="solid"/>
+                      <a:round/>
+                      <a:headEnd type="none" w="med" len="med"/>
+                      <a:tailEnd type="none" w="med" len="med"/>
+                    </a:lnT>
+                    <a:lnB w="12700" cap="flat" cmpd="sng" algn="ctr">
+                      <a:solidFill>
+                        <a:schemeClr val="bg1"/>
+                      </a:solidFill>
+                      <a:prstDash val="solid"/>
+                      <a:round/>
+                      <a:headEnd type="none" w="med" len="med"/>
+                      <a:tailEnd type="none" w="med" len="med"/>
+                    </a:lnB>
+                  </a:tcPr>
+                </a:tc>
+              </a:tr>
+            </a:tbl>
+          </a:graphicData>
+        </a:graphic>
+      </p:graphicFrame>
+      <p:graphicFrame>
+        <p:nvGraphicFramePr>
+          <p:cNvPr id="11" name="10 Tabla"/>
+          <p:cNvGraphicFramePr>
+            <a:graphicFrameLocks noGrp="1"/>
+          </p:cNvGraphicFramePr>
+          <p:nvPr/>
+        </p:nvGraphicFramePr>
+        <p:xfrm>
+          <a:off x="571472" y="4143380"/>
+          <a:ext cx="3071834" cy="548640"/>
+        </p:xfrm>
+        <a:graphic>
+          <a:graphicData uri="http://schemas.openxmlformats.org/drawingml/2006/table">
+            <a:tbl>
+              <a:tblPr firstRow="1">
+                <a:tableStyleId>{5C22544A-7EE6-4342-B048-85BDC9FD1C3A}</a:tableStyleId>
+              </a:tblPr>
+              <a:tblGrid>
+                <a:gridCol w="378071"/>
+                <a:gridCol w="1077009"/>
+                <a:gridCol w="1062818"/>
+                <a:gridCol w="553936"/>
+              </a:tblGrid>
+              <a:tr h="0">
+                <a:tc>
+                  <a:txBody>
+                    <a:bodyPr/>
+                    <a:lstStyle/>
+                    <a:p>
+                      <a:r>
+                        <a:rPr lang="es-PE" sz="1200" dirty="0" smtClean="0"/>
+                        <a:t>ID</a:t>
+                      </a:r>
+                      <a:endParaRPr lang="es-PE" sz="1200" dirty="0"/>
+                    </a:p>
+                  </a:txBody>
+                  <a:tcPr>
+                    <a:lnL w="12700" cap="flat" cmpd="sng" algn="ctr">
+                      <a:solidFill>
+                        <a:schemeClr val="bg1"/>
+                      </a:solidFill>
+                      <a:prstDash val="solid"/>
+                      <a:round/>
+                      <a:headEnd type="none" w="med" len="med"/>
+                      <a:tailEnd type="none" w="med" len="med"/>
+                    </a:lnL>
+                    <a:lnR w="12700" cap="flat" cmpd="sng" algn="ctr">
+                      <a:solidFill>
+                        <a:schemeClr val="bg1"/>
+                      </a:solidFill>
+                      <a:prstDash val="solid"/>
+                      <a:round/>
+                      <a:headEnd type="none" w="med" len="med"/>
+                      <a:tailEnd type="none" w="med" len="med"/>
+                    </a:lnR>
+                    <a:lnT w="12700" cap="flat" cmpd="sng" algn="ctr">
+                      <a:solidFill>
+                        <a:schemeClr val="bg1"/>
+                      </a:solidFill>
+                      <a:prstDash val="solid"/>
+                      <a:round/>
+                      <a:headEnd type="none" w="med" len="med"/>
+                      <a:tailEnd type="none" w="med" len="med"/>
+                    </a:lnT>
+                    <a:lnB w="12700" cap="flat" cmpd="sng" algn="ctr">
+                      <a:solidFill>
+                        <a:schemeClr val="bg1"/>
+                      </a:solidFill>
+                      <a:prstDash val="solid"/>
+                      <a:round/>
+                      <a:headEnd type="none" w="med" len="med"/>
+                      <a:tailEnd type="none" w="med" len="med"/>
+                    </a:lnB>
+                  </a:tcPr>
+                </a:tc>
+                <a:tc>
+                  <a:txBody>
+                    <a:bodyPr/>
+                    <a:lstStyle/>
+                    <a:p>
+                      <a:r>
+                        <a:rPr lang="es-PE" sz="1200" dirty="0" smtClean="0"/>
+                        <a:t>Palabra(w)</a:t>
+                      </a:r>
+                      <a:endParaRPr lang="es-PE" sz="1200" dirty="0"/>
+                    </a:p>
+                  </a:txBody>
+                  <a:tcPr>
+                    <a:lnL w="12700" cap="flat" cmpd="sng" algn="ctr">
+                      <a:solidFill>
+                        <a:schemeClr val="bg1"/>
+                      </a:solidFill>
+                      <a:prstDash val="solid"/>
+                      <a:round/>
+                      <a:headEnd type="none" w="med" len="med"/>
+                      <a:tailEnd type="none" w="med" len="med"/>
+                    </a:lnL>
+                    <a:lnR w="12700" cap="flat" cmpd="sng" algn="ctr">
+                      <a:solidFill>
+                        <a:schemeClr val="bg1"/>
+                      </a:solidFill>
+                      <a:prstDash val="solid"/>
+                      <a:round/>
+                      <a:headEnd type="none" w="med" len="med"/>
+                      <a:tailEnd type="none" w="med" len="med"/>
+                    </a:lnR>
+                    <a:lnT w="12700" cap="flat" cmpd="sng" algn="ctr">
+                      <a:solidFill>
+                        <a:schemeClr val="bg1"/>
+                      </a:solidFill>
+                      <a:prstDash val="solid"/>
+                      <a:round/>
+                      <a:headEnd type="none" w="med" len="med"/>
+                      <a:tailEnd type="none" w="med" len="med"/>
+                    </a:lnT>
+                    <a:lnB w="12700" cap="flat" cmpd="sng" algn="ctr">
+                      <a:solidFill>
+                        <a:schemeClr val="bg1"/>
+                      </a:solidFill>
+                      <a:prstDash val="solid"/>
+                      <a:round/>
+                      <a:headEnd type="none" w="med" len="med"/>
+                      <a:tailEnd type="none" w="med" len="med"/>
+                    </a:lnB>
+                  </a:tcPr>
+                </a:tc>
+                <a:tc>
+                  <a:txBody>
+                    <a:bodyPr/>
+                    <a:lstStyle/>
+                    <a:p>
+                      <a:r>
+                        <a:rPr lang="es-PE" sz="1200" dirty="0" smtClean="0"/>
+                        <a:t>Frecuencia</a:t>
+                      </a:r>
+                      <a:endParaRPr lang="es-PE" sz="1200" dirty="0"/>
+                    </a:p>
+                  </a:txBody>
+                  <a:tcPr>
+                    <a:lnL w="12700" cap="flat" cmpd="sng" algn="ctr">
+                      <a:solidFill>
+                        <a:schemeClr val="bg1"/>
+                      </a:solidFill>
+                      <a:prstDash val="solid"/>
+                      <a:round/>
+                      <a:headEnd type="none" w="med" len="med"/>
+                      <a:tailEnd type="none" w="med" len="med"/>
+                    </a:lnL>
+                    <a:lnR w="12700" cap="flat" cmpd="sng" algn="ctr">
+                      <a:solidFill>
+                        <a:schemeClr val="bg1"/>
+                      </a:solidFill>
+                      <a:prstDash val="solid"/>
+                      <a:round/>
+                      <a:headEnd type="none" w="med" len="med"/>
+                      <a:tailEnd type="none" w="med" len="med"/>
+                    </a:lnR>
+                    <a:lnT w="12700" cap="flat" cmpd="sng" algn="ctr">
+                      <a:solidFill>
+                        <a:schemeClr val="bg1"/>
+                      </a:solidFill>
+                      <a:prstDash val="solid"/>
+                      <a:round/>
+                      <a:headEnd type="none" w="med" len="med"/>
+                      <a:tailEnd type="none" w="med" len="med"/>
+                    </a:lnT>
+                    <a:lnB w="12700" cap="flat" cmpd="sng" algn="ctr">
+                      <a:solidFill>
+                        <a:schemeClr val="bg1"/>
+                      </a:solidFill>
+                      <a:prstDash val="solid"/>
+                      <a:round/>
+                      <a:headEnd type="none" w="med" len="med"/>
+                      <a:tailEnd type="none" w="med" len="med"/>
+                    </a:lnB>
+                  </a:tcPr>
+                </a:tc>
+                <a:tc>
+                  <a:txBody>
+                    <a:bodyPr/>
+                    <a:lstStyle/>
+                    <a:p>
+                      <a:r>
+                        <a:rPr lang="es-PE" sz="1200" dirty="0" smtClean="0"/>
+                        <a:t>Lista</a:t>
+                      </a:r>
+                      <a:endParaRPr lang="es-PE" sz="1200" dirty="0"/>
+                    </a:p>
+                  </a:txBody>
+                  <a:tcPr>
+                    <a:lnL w="12700" cap="flat" cmpd="sng" algn="ctr">
+                      <a:solidFill>
+                        <a:schemeClr val="bg1"/>
+                      </a:solidFill>
+                      <a:prstDash val="solid"/>
+                      <a:round/>
+                      <a:headEnd type="none" w="med" len="med"/>
+                      <a:tailEnd type="none" w="med" len="med"/>
+                    </a:lnL>
+                    <a:lnR w="12700" cap="flat" cmpd="sng" algn="ctr">
+                      <a:solidFill>
+                        <a:schemeClr val="bg1"/>
+                      </a:solidFill>
+                      <a:prstDash val="solid"/>
+                      <a:round/>
+                      <a:headEnd type="none" w="med" len="med"/>
+                      <a:tailEnd type="none" w="med" len="med"/>
+                    </a:lnR>
+                    <a:lnT w="12700" cap="flat" cmpd="sng" algn="ctr">
+                      <a:solidFill>
+                        <a:schemeClr val="bg1"/>
+                      </a:solidFill>
+                      <a:prstDash val="solid"/>
+                      <a:round/>
+                      <a:headEnd type="none" w="med" len="med"/>
+                      <a:tailEnd type="none" w="med" len="med"/>
+                    </a:lnT>
+                    <a:lnB w="12700" cap="flat" cmpd="sng" algn="ctr">
+                      <a:solidFill>
+                        <a:schemeClr val="bg1"/>
+                      </a:solidFill>
+                      <a:prstDash val="solid"/>
+                      <a:round/>
+                      <a:headEnd type="none" w="med" len="med"/>
+                      <a:tailEnd type="none" w="med" len="med"/>
+                    </a:lnB>
+                  </a:tcPr>
+                </a:tc>
+              </a:tr>
+              <a:tr h="250033">
+                <a:tc>
+                  <a:txBody>
+                    <a:bodyPr/>
+                    <a:lstStyle/>
+                    <a:p>
+                      <a:r>
+                        <a:rPr lang="es-PE" sz="1200" dirty="0" smtClean="0"/>
+                        <a:t>3</a:t>
+                      </a:r>
+                      <a:endParaRPr lang="es-PE" sz="1200" dirty="0"/>
+                    </a:p>
+                  </a:txBody>
+                  <a:tcPr>
+                    <a:lnL w="12700" cap="flat" cmpd="sng" algn="ctr">
+                      <a:solidFill>
+                        <a:schemeClr val="bg1"/>
+                      </a:solidFill>
+                      <a:prstDash val="solid"/>
+                      <a:round/>
+                      <a:headEnd type="none" w="med" len="med"/>
+                      <a:tailEnd type="none" w="med" len="med"/>
+                    </a:lnL>
+                    <a:lnR w="12700" cap="flat" cmpd="sng" algn="ctr">
+                      <a:solidFill>
+                        <a:schemeClr val="bg1"/>
+                      </a:solidFill>
+                      <a:prstDash val="solid"/>
+                      <a:round/>
+                      <a:headEnd type="none" w="med" len="med"/>
+                      <a:tailEnd type="none" w="med" len="med"/>
+                    </a:lnR>
+                    <a:lnT w="12700" cap="flat" cmpd="sng" algn="ctr">
+                      <a:solidFill>
+                        <a:schemeClr val="bg1"/>
+                      </a:solidFill>
+                      <a:prstDash val="solid"/>
+                      <a:round/>
+                      <a:headEnd type="none" w="med" len="med"/>
+                      <a:tailEnd type="none" w="med" len="med"/>
+                    </a:lnT>
+                    <a:lnB w="12700" cap="flat" cmpd="sng" algn="ctr">
+                      <a:solidFill>
+                        <a:schemeClr val="bg1"/>
+                      </a:solidFill>
+                      <a:prstDash val="solid"/>
+                      <a:round/>
+                      <a:headEnd type="none" w="med" len="med"/>
+                      <a:tailEnd type="none" w="med" len="med"/>
+                    </a:lnB>
+                  </a:tcPr>
+                </a:tc>
+                <a:tc>
+                  <a:txBody>
+                    <a:bodyPr/>
+                    <a:lstStyle/>
+                    <a:p>
+                      <a:r>
+                        <a:rPr lang="es-PE" sz="1200" dirty="0" smtClean="0"/>
+                        <a:t>nos</a:t>
+                      </a:r>
+                      <a:endParaRPr lang="es-PE" sz="1200" dirty="0"/>
+                    </a:p>
+                  </a:txBody>
+                  <a:tcPr>
+                    <a:lnL w="12700" cap="flat" cmpd="sng" algn="ctr">
+                      <a:solidFill>
+                        <a:schemeClr val="bg1"/>
+                      </a:solidFill>
+                      <a:prstDash val="solid"/>
+                      <a:round/>
+                      <a:headEnd type="none" w="med" len="med"/>
+                      <a:tailEnd type="none" w="med" len="med"/>
+                    </a:lnL>
+                    <a:lnR w="12700" cap="flat" cmpd="sng" algn="ctr">
+                      <a:solidFill>
+                        <a:schemeClr val="bg1"/>
+                      </a:solidFill>
+                      <a:prstDash val="solid"/>
+                      <a:round/>
+                      <a:headEnd type="none" w="med" len="med"/>
+                      <a:tailEnd type="none" w="med" len="med"/>
+                    </a:lnR>
+                    <a:lnT w="12700" cap="flat" cmpd="sng" algn="ctr">
+                      <a:solidFill>
+                        <a:schemeClr val="bg1"/>
+                      </a:solidFill>
+                      <a:prstDash val="solid"/>
+                      <a:round/>
+                      <a:headEnd type="none" w="med" len="med"/>
+                      <a:tailEnd type="none" w="med" len="med"/>
+                    </a:lnT>
+                    <a:lnB w="12700" cap="flat" cmpd="sng" algn="ctr">
+                      <a:solidFill>
+                        <a:schemeClr val="bg1"/>
+                      </a:solidFill>
+                      <a:prstDash val="solid"/>
+                      <a:round/>
+                      <a:headEnd type="none" w="med" len="med"/>
+                      <a:tailEnd type="none" w="med" len="med"/>
+                    </a:lnB>
+                  </a:tcPr>
+                </a:tc>
+                <a:tc>
+                  <a:txBody>
+                    <a:bodyPr/>
+                    <a:lstStyle/>
+                    <a:p>
+                      <a:r>
+                        <a:rPr lang="es-PE" sz="1200" dirty="0" err="1" smtClean="0"/>
+                        <a:t>Wf</a:t>
+                      </a:r>
+                      <a:r>
+                        <a:rPr lang="es-PE" sz="1200" dirty="0" smtClean="0"/>
+                        <a:t> = 2</a:t>
+                      </a:r>
+                      <a:endParaRPr lang="es-PE" sz="1200" dirty="0"/>
+                    </a:p>
+                  </a:txBody>
+                  <a:tcPr>
+                    <a:lnL w="12700" cap="flat" cmpd="sng" algn="ctr">
+                      <a:solidFill>
+                        <a:schemeClr val="bg1"/>
+                      </a:solidFill>
+                      <a:prstDash val="solid"/>
+                      <a:round/>
+                      <a:headEnd type="none" w="med" len="med"/>
+                      <a:tailEnd type="none" w="med" len="med"/>
+                    </a:lnL>
+                    <a:lnR w="12700" cap="flat" cmpd="sng" algn="ctr">
+                      <a:solidFill>
+                        <a:schemeClr val="bg1"/>
+                      </a:solidFill>
+                      <a:prstDash val="solid"/>
+                      <a:round/>
+                      <a:headEnd type="none" w="med" len="med"/>
+                      <a:tailEnd type="none" w="med" len="med"/>
+                    </a:lnR>
+                    <a:lnT w="12700" cap="flat" cmpd="sng" algn="ctr">
+                      <a:solidFill>
+                        <a:schemeClr val="bg1"/>
+                      </a:solidFill>
+                      <a:prstDash val="solid"/>
+                      <a:round/>
+                      <a:headEnd type="none" w="med" len="med"/>
+                      <a:tailEnd type="none" w="med" len="med"/>
+                    </a:lnT>
+                    <a:lnB w="12700" cap="flat" cmpd="sng" algn="ctr">
+                      <a:solidFill>
+                        <a:schemeClr val="bg1"/>
+                      </a:solidFill>
+                      <a:prstDash val="solid"/>
+                      <a:round/>
+                      <a:headEnd type="none" w="med" len="med"/>
+                      <a:tailEnd type="none" w="med" len="med"/>
+                    </a:lnB>
+                  </a:tcPr>
+                </a:tc>
+                <a:tc>
+                  <a:txBody>
+                    <a:bodyPr/>
+                    <a:lstStyle/>
+                    <a:p>
+                      <a:endParaRPr lang="es-PE" sz="1200" dirty="0"/>
+                    </a:p>
+                  </a:txBody>
+                  <a:tcPr>
+                    <a:lnL w="12700" cap="flat" cmpd="sng" algn="ctr">
+                      <a:solidFill>
+                        <a:schemeClr val="bg1"/>
+                      </a:solidFill>
+                      <a:prstDash val="solid"/>
+                      <a:round/>
+                      <a:headEnd type="none" w="med" len="med"/>
+                      <a:tailEnd type="none" w="med" len="med"/>
+                    </a:lnL>
+                    <a:lnR w="12700" cap="flat" cmpd="sng" algn="ctr">
+                      <a:solidFill>
+                        <a:schemeClr val="bg1"/>
+                      </a:solidFill>
+                      <a:prstDash val="solid"/>
+                      <a:round/>
+                      <a:headEnd type="none" w="med" len="med"/>
+                      <a:tailEnd type="none" w="med" len="med"/>
+                    </a:lnR>
+                    <a:lnT w="12700" cap="flat" cmpd="sng" algn="ctr">
+                      <a:solidFill>
+                        <a:schemeClr val="bg1"/>
+                      </a:solidFill>
+                      <a:prstDash val="solid"/>
+                      <a:round/>
+                      <a:headEnd type="none" w="med" len="med"/>
+                      <a:tailEnd type="none" w="med" len="med"/>
+                    </a:lnT>
+                    <a:lnB w="12700" cap="flat" cmpd="sng" algn="ctr">
+                      <a:solidFill>
+                        <a:schemeClr val="bg1"/>
+                      </a:solidFill>
+                      <a:prstDash val="solid"/>
+                      <a:round/>
+                      <a:headEnd type="none" w="med" len="med"/>
+                      <a:tailEnd type="none" w="med" len="med"/>
+                    </a:lnB>
+                  </a:tcPr>
+                </a:tc>
+              </a:tr>
+            </a:tbl>
+          </a:graphicData>
+        </a:graphic>
+      </p:graphicFrame>
+      <p:graphicFrame>
+        <p:nvGraphicFramePr>
+          <p:cNvPr id="12" name="11 Tabla"/>
+          <p:cNvGraphicFramePr>
+            <a:graphicFrameLocks noGrp="1"/>
+          </p:cNvGraphicFramePr>
+          <p:nvPr/>
+        </p:nvGraphicFramePr>
+        <p:xfrm>
+          <a:off x="500034" y="5357826"/>
+          <a:ext cx="3071834" cy="548640"/>
+        </p:xfrm>
+        <a:graphic>
+          <a:graphicData uri="http://schemas.openxmlformats.org/drawingml/2006/table">
+            <a:tbl>
+              <a:tblPr firstRow="1">
+                <a:tableStyleId>{5C22544A-7EE6-4342-B048-85BDC9FD1C3A}</a:tableStyleId>
+              </a:tblPr>
+              <a:tblGrid>
+                <a:gridCol w="378071"/>
+                <a:gridCol w="1122127"/>
+                <a:gridCol w="1017700"/>
+                <a:gridCol w="553936"/>
+              </a:tblGrid>
+              <a:tr h="0">
+                <a:tc>
+                  <a:txBody>
+                    <a:bodyPr/>
+                    <a:lstStyle/>
+                    <a:p>
+                      <a:r>
+                        <a:rPr lang="es-PE" sz="1200" dirty="0" smtClean="0"/>
+                        <a:t>ID</a:t>
+                      </a:r>
+                      <a:endParaRPr lang="es-PE" sz="1200" dirty="0"/>
+                    </a:p>
+                  </a:txBody>
+                  <a:tcPr>
+                    <a:lnL w="12700" cap="flat" cmpd="sng" algn="ctr">
+                      <a:solidFill>
+                        <a:schemeClr val="bg1"/>
+                      </a:solidFill>
+                      <a:prstDash val="solid"/>
+                      <a:round/>
+                      <a:headEnd type="none" w="med" len="med"/>
+                      <a:tailEnd type="none" w="med" len="med"/>
+                    </a:lnL>
+                    <a:lnR w="12700" cap="flat" cmpd="sng" algn="ctr">
+                      <a:solidFill>
+                        <a:schemeClr val="bg1"/>
+                      </a:solidFill>
+                      <a:prstDash val="solid"/>
+                      <a:round/>
+                      <a:headEnd type="none" w="med" len="med"/>
+                      <a:tailEnd type="none" w="med" len="med"/>
+                    </a:lnR>
+                    <a:lnT w="12700" cap="flat" cmpd="sng" algn="ctr">
+                      <a:solidFill>
+                        <a:schemeClr val="bg1"/>
+                      </a:solidFill>
+                      <a:prstDash val="solid"/>
+                      <a:round/>
+                      <a:headEnd type="none" w="med" len="med"/>
+                      <a:tailEnd type="none" w="med" len="med"/>
+                    </a:lnT>
+                    <a:lnB w="12700" cap="flat" cmpd="sng" algn="ctr">
+                      <a:solidFill>
+                        <a:schemeClr val="bg1"/>
+                      </a:solidFill>
+                      <a:prstDash val="solid"/>
+                      <a:round/>
+                      <a:headEnd type="none" w="med" len="med"/>
+                      <a:tailEnd type="none" w="med" len="med"/>
+                    </a:lnB>
+                  </a:tcPr>
+                </a:tc>
+                <a:tc>
+                  <a:txBody>
+                    <a:bodyPr/>
+                    <a:lstStyle/>
+                    <a:p>
+                      <a:r>
+                        <a:rPr lang="es-PE" sz="1200" dirty="0" smtClean="0"/>
+                        <a:t>Palabra(w)</a:t>
+                      </a:r>
+                      <a:endParaRPr lang="es-PE" sz="1200" dirty="0"/>
+                    </a:p>
+                  </a:txBody>
+                  <a:tcPr>
+                    <a:lnL w="12700" cap="flat" cmpd="sng" algn="ctr">
+                      <a:solidFill>
+                        <a:schemeClr val="bg1"/>
+                      </a:solidFill>
+                      <a:prstDash val="solid"/>
+                      <a:round/>
+                      <a:headEnd type="none" w="med" len="med"/>
+                      <a:tailEnd type="none" w="med" len="med"/>
+                    </a:lnL>
+                    <a:lnR w="12700" cap="flat" cmpd="sng" algn="ctr">
+                      <a:solidFill>
+                        <a:schemeClr val="bg1"/>
+                      </a:solidFill>
+                      <a:prstDash val="solid"/>
+                      <a:round/>
+                      <a:headEnd type="none" w="med" len="med"/>
+                      <a:tailEnd type="none" w="med" len="med"/>
+                    </a:lnR>
+                    <a:lnT w="12700" cap="flat" cmpd="sng" algn="ctr">
+                      <a:solidFill>
+                        <a:schemeClr val="bg1"/>
+                      </a:solidFill>
+                      <a:prstDash val="solid"/>
+                      <a:round/>
+                      <a:headEnd type="none" w="med" len="med"/>
+                      <a:tailEnd type="none" w="med" len="med"/>
+                    </a:lnT>
+                    <a:lnB w="12700" cap="flat" cmpd="sng" algn="ctr">
+                      <a:solidFill>
+                        <a:schemeClr val="bg1"/>
+                      </a:solidFill>
+                      <a:prstDash val="solid"/>
+                      <a:round/>
+                      <a:headEnd type="none" w="med" len="med"/>
+                      <a:tailEnd type="none" w="med" len="med"/>
+                    </a:lnB>
+                  </a:tcPr>
+                </a:tc>
+                <a:tc>
+                  <a:txBody>
+                    <a:bodyPr/>
+                    <a:lstStyle/>
+                    <a:p>
+                      <a:r>
+                        <a:rPr lang="es-PE" sz="1200" dirty="0" smtClean="0"/>
+                        <a:t>Frecuencia</a:t>
+                      </a:r>
+                      <a:endParaRPr lang="es-PE" sz="1200" dirty="0"/>
+                    </a:p>
+                  </a:txBody>
+                  <a:tcPr>
+                    <a:lnL w="12700" cap="flat" cmpd="sng" algn="ctr">
+                      <a:solidFill>
+                        <a:schemeClr val="bg1"/>
+                      </a:solidFill>
+                      <a:prstDash val="solid"/>
+                      <a:round/>
+                      <a:headEnd type="none" w="med" len="med"/>
+                      <a:tailEnd type="none" w="med" len="med"/>
+                    </a:lnL>
+                    <a:lnR w="12700" cap="flat" cmpd="sng" algn="ctr">
+                      <a:solidFill>
+                        <a:schemeClr val="bg1"/>
+                      </a:solidFill>
+                      <a:prstDash val="solid"/>
+                      <a:round/>
+                      <a:headEnd type="none" w="med" len="med"/>
+                      <a:tailEnd type="none" w="med" len="med"/>
+                    </a:lnR>
+                    <a:lnT w="12700" cap="flat" cmpd="sng" algn="ctr">
+                      <a:solidFill>
+                        <a:schemeClr val="bg1"/>
+                      </a:solidFill>
+                      <a:prstDash val="solid"/>
+                      <a:round/>
+                      <a:headEnd type="none" w="med" len="med"/>
+                      <a:tailEnd type="none" w="med" len="med"/>
+                    </a:lnT>
+                    <a:lnB w="12700" cap="flat" cmpd="sng" algn="ctr">
+                      <a:solidFill>
+                        <a:schemeClr val="bg1"/>
+                      </a:solidFill>
+                      <a:prstDash val="solid"/>
+                      <a:round/>
+                      <a:headEnd type="none" w="med" len="med"/>
+                      <a:tailEnd type="none" w="med" len="med"/>
+                    </a:lnB>
+                  </a:tcPr>
+                </a:tc>
+                <a:tc>
+                  <a:txBody>
+                    <a:bodyPr/>
+                    <a:lstStyle/>
+                    <a:p>
+                      <a:r>
+                        <a:rPr lang="es-PE" sz="1200" dirty="0" smtClean="0"/>
+                        <a:t>Lista</a:t>
+                      </a:r>
+                      <a:endParaRPr lang="es-PE" sz="1200" dirty="0"/>
+                    </a:p>
+                  </a:txBody>
+                  <a:tcPr>
+                    <a:lnL w="12700" cap="flat" cmpd="sng" algn="ctr">
+                      <a:solidFill>
+                        <a:schemeClr val="bg1"/>
+                      </a:solidFill>
+                      <a:prstDash val="solid"/>
+                      <a:round/>
+                      <a:headEnd type="none" w="med" len="med"/>
+                      <a:tailEnd type="none" w="med" len="med"/>
+                    </a:lnL>
+                    <a:lnR w="12700" cap="flat" cmpd="sng" algn="ctr">
+                      <a:solidFill>
+                        <a:schemeClr val="bg1"/>
+                      </a:solidFill>
+                      <a:prstDash val="solid"/>
+                      <a:round/>
+                      <a:headEnd type="none" w="med" len="med"/>
+                      <a:tailEnd type="none" w="med" len="med"/>
+                    </a:lnR>
+                    <a:lnT w="12700" cap="flat" cmpd="sng" algn="ctr">
+                      <a:solidFill>
+                        <a:schemeClr val="bg1"/>
+                      </a:solidFill>
+                      <a:prstDash val="solid"/>
+                      <a:round/>
+                      <a:headEnd type="none" w="med" len="med"/>
+                      <a:tailEnd type="none" w="med" len="med"/>
+                    </a:lnT>
+                    <a:lnB w="12700" cap="flat" cmpd="sng" algn="ctr">
+                      <a:solidFill>
+                        <a:schemeClr val="bg1"/>
+                      </a:solidFill>
+                      <a:prstDash val="solid"/>
+                      <a:round/>
+                      <a:headEnd type="none" w="med" len="med"/>
+                      <a:tailEnd type="none" w="med" len="med"/>
+                    </a:lnB>
+                  </a:tcPr>
+                </a:tc>
+              </a:tr>
+              <a:tr h="250033">
+                <a:tc>
+                  <a:txBody>
+                    <a:bodyPr/>
+                    <a:lstStyle/>
+                    <a:p>
+                      <a:r>
+                        <a:rPr lang="es-PE" sz="1200" dirty="0" smtClean="0"/>
+                        <a:t>4</a:t>
+                      </a:r>
+                      <a:endParaRPr lang="es-PE" sz="1200" dirty="0"/>
+                    </a:p>
+                  </a:txBody>
+                  <a:tcPr>
+                    <a:lnL w="12700" cap="flat" cmpd="sng" algn="ctr">
+                      <a:solidFill>
+                        <a:schemeClr val="bg1"/>
+                      </a:solidFill>
+                      <a:prstDash val="solid"/>
+                      <a:round/>
+                      <a:headEnd type="none" w="med" len="med"/>
+                      <a:tailEnd type="none" w="med" len="med"/>
+                    </a:lnL>
+                    <a:lnR w="12700" cap="flat" cmpd="sng" algn="ctr">
+                      <a:solidFill>
+                        <a:schemeClr val="bg1"/>
+                      </a:solidFill>
+                      <a:prstDash val="solid"/>
+                      <a:round/>
+                      <a:headEnd type="none" w="med" len="med"/>
+                      <a:tailEnd type="none" w="med" len="med"/>
+                    </a:lnR>
+                    <a:lnT w="12700" cap="flat" cmpd="sng" algn="ctr">
+                      <a:solidFill>
+                        <a:schemeClr val="bg1"/>
+                      </a:solidFill>
+                      <a:prstDash val="solid"/>
+                      <a:round/>
+                      <a:headEnd type="none" w="med" len="med"/>
+                      <a:tailEnd type="none" w="med" len="med"/>
+                    </a:lnT>
+                    <a:lnB w="12700" cap="flat" cmpd="sng" algn="ctr">
+                      <a:solidFill>
+                        <a:schemeClr val="bg1"/>
+                      </a:solidFill>
+                      <a:prstDash val="solid"/>
+                      <a:round/>
+                      <a:headEnd type="none" w="med" len="med"/>
+                      <a:tailEnd type="none" w="med" len="med"/>
+                    </a:lnB>
+                  </a:tcPr>
+                </a:tc>
+                <a:tc>
+                  <a:txBody>
+                    <a:bodyPr/>
+                    <a:lstStyle/>
+                    <a:p>
+                      <a:r>
+                        <a:rPr lang="es-PE" sz="1200" dirty="0" smtClean="0"/>
+                        <a:t>Encontramos</a:t>
+                      </a:r>
+                      <a:endParaRPr lang="es-PE" sz="1200" dirty="0"/>
+                    </a:p>
+                  </a:txBody>
+                  <a:tcPr>
+                    <a:lnL w="12700" cap="flat" cmpd="sng" algn="ctr">
+                      <a:solidFill>
+                        <a:schemeClr val="bg1"/>
+                      </a:solidFill>
+                      <a:prstDash val="solid"/>
+                      <a:round/>
+                      <a:headEnd type="none" w="med" len="med"/>
+                      <a:tailEnd type="none" w="med" len="med"/>
+                    </a:lnL>
+                    <a:lnR w="12700" cap="flat" cmpd="sng" algn="ctr">
+                      <a:solidFill>
+                        <a:schemeClr val="bg1"/>
+                      </a:solidFill>
+                      <a:prstDash val="solid"/>
+                      <a:round/>
+                      <a:headEnd type="none" w="med" len="med"/>
+                      <a:tailEnd type="none" w="med" len="med"/>
+                    </a:lnR>
+                    <a:lnT w="12700" cap="flat" cmpd="sng" algn="ctr">
+                      <a:solidFill>
+                        <a:schemeClr val="bg1"/>
+                      </a:solidFill>
+                      <a:prstDash val="solid"/>
+                      <a:round/>
+                      <a:headEnd type="none" w="med" len="med"/>
+                      <a:tailEnd type="none" w="med" len="med"/>
+                    </a:lnT>
+                    <a:lnB w="12700" cap="flat" cmpd="sng" algn="ctr">
+                      <a:solidFill>
+                        <a:schemeClr val="bg1"/>
+                      </a:solidFill>
+                      <a:prstDash val="solid"/>
+                      <a:round/>
+                      <a:headEnd type="none" w="med" len="med"/>
+                      <a:tailEnd type="none" w="med" len="med"/>
+                    </a:lnB>
+                  </a:tcPr>
+                </a:tc>
+                <a:tc>
+                  <a:txBody>
+                    <a:bodyPr/>
+                    <a:lstStyle/>
+                    <a:p>
+                      <a:r>
+                        <a:rPr lang="es-PE" sz="1200" dirty="0" err="1" smtClean="0"/>
+                        <a:t>Wf</a:t>
+                      </a:r>
+                      <a:r>
+                        <a:rPr lang="es-PE" sz="1200" dirty="0" smtClean="0"/>
+                        <a:t> = 1</a:t>
+                      </a:r>
+                      <a:endParaRPr lang="es-PE" sz="1200" dirty="0"/>
+                    </a:p>
+                  </a:txBody>
+                  <a:tcPr>
+                    <a:lnL w="12700" cap="flat" cmpd="sng" algn="ctr">
+                      <a:solidFill>
+                        <a:schemeClr val="bg1"/>
+                      </a:solidFill>
+                      <a:prstDash val="solid"/>
+                      <a:round/>
+                      <a:headEnd type="none" w="med" len="med"/>
+                      <a:tailEnd type="none" w="med" len="med"/>
+                    </a:lnL>
+                    <a:lnR w="12700" cap="flat" cmpd="sng" algn="ctr">
+                      <a:solidFill>
+                        <a:schemeClr val="bg1"/>
+                      </a:solidFill>
+                      <a:prstDash val="solid"/>
+                      <a:round/>
+                      <a:headEnd type="none" w="med" len="med"/>
+                      <a:tailEnd type="none" w="med" len="med"/>
+                    </a:lnR>
+                    <a:lnT w="12700" cap="flat" cmpd="sng" algn="ctr">
+                      <a:solidFill>
+                        <a:schemeClr val="bg1"/>
+                      </a:solidFill>
+                      <a:prstDash val="solid"/>
+                      <a:round/>
+                      <a:headEnd type="none" w="med" len="med"/>
+                      <a:tailEnd type="none" w="med" len="med"/>
+                    </a:lnT>
+                    <a:lnB w="12700" cap="flat" cmpd="sng" algn="ctr">
+                      <a:solidFill>
+                        <a:schemeClr val="bg1"/>
+                      </a:solidFill>
+                      <a:prstDash val="solid"/>
+                      <a:round/>
+                      <a:headEnd type="none" w="med" len="med"/>
+                      <a:tailEnd type="none" w="med" len="med"/>
+                    </a:lnB>
+                  </a:tcPr>
+                </a:tc>
+                <a:tc>
+                  <a:txBody>
+                    <a:bodyPr/>
+                    <a:lstStyle/>
+                    <a:p>
+                      <a:endParaRPr lang="es-PE" sz="1200" dirty="0"/>
+                    </a:p>
+                  </a:txBody>
+                  <a:tcPr>
+                    <a:lnL w="12700" cap="flat" cmpd="sng" algn="ctr">
+                      <a:solidFill>
+                        <a:schemeClr val="bg1"/>
+                      </a:solidFill>
+                      <a:prstDash val="solid"/>
+                      <a:round/>
+                      <a:headEnd type="none" w="med" len="med"/>
+                      <a:tailEnd type="none" w="med" len="med"/>
+                    </a:lnL>
+                    <a:lnR w="12700" cap="flat" cmpd="sng" algn="ctr">
+                      <a:solidFill>
+                        <a:schemeClr val="bg1"/>
+                      </a:solidFill>
+                      <a:prstDash val="solid"/>
+                      <a:round/>
+                      <a:headEnd type="none" w="med" len="med"/>
+                      <a:tailEnd type="none" w="med" len="med"/>
+                    </a:lnR>
+                    <a:lnT w="12700" cap="flat" cmpd="sng" algn="ctr">
+                      <a:solidFill>
+                        <a:schemeClr val="bg1"/>
+                      </a:solidFill>
+                      <a:prstDash val="solid"/>
+                      <a:round/>
+                      <a:headEnd type="none" w="med" len="med"/>
+                      <a:tailEnd type="none" w="med" len="med"/>
+                    </a:lnT>
+                    <a:lnB w="12700" cap="flat" cmpd="sng" algn="ctr">
+                      <a:solidFill>
+                        <a:schemeClr val="bg1"/>
+                      </a:solidFill>
+                      <a:prstDash val="solid"/>
+                      <a:round/>
+                      <a:headEnd type="none" w="med" len="med"/>
+                      <a:tailEnd type="none" w="med" len="med"/>
+                    </a:lnB>
+                  </a:tcPr>
+                </a:tc>
+              </a:tr>
+            </a:tbl>
+          </a:graphicData>
+        </a:graphic>
+      </p:graphicFrame>
+      <p:graphicFrame>
+        <p:nvGraphicFramePr>
+          <p:cNvPr id="13" name="12 Tabla"/>
+          <p:cNvGraphicFramePr>
+            <a:graphicFrameLocks noGrp="1"/>
+          </p:cNvGraphicFramePr>
+          <p:nvPr/>
+        </p:nvGraphicFramePr>
+        <p:xfrm>
+          <a:off x="4286248" y="2928934"/>
+          <a:ext cx="1858327" cy="1036320"/>
+        </p:xfrm>
+        <a:graphic>
+          <a:graphicData uri="http://schemas.openxmlformats.org/drawingml/2006/table">
+            <a:tbl>
+              <a:tblPr firstCol="1">
+                <a:tableStyleId>{5C22544A-7EE6-4342-B048-85BDC9FD1C3A}</a:tableStyleId>
+              </a:tblPr>
+              <a:tblGrid>
+                <a:gridCol w="894524"/>
+                <a:gridCol w="208280"/>
+                <a:gridCol w="208280"/>
+                <a:gridCol w="208280"/>
+                <a:gridCol w="338963"/>
+              </a:tblGrid>
+              <a:tr h="196455">
+                <a:tc>
+                  <a:txBody>
+                    <a:bodyPr/>
+                    <a:lstStyle/>
+                    <a:p>
+                      <a:r>
+                        <a:rPr lang="es-PE" sz="1100" dirty="0" smtClean="0"/>
+                        <a:t>ID Pal.</a:t>
+                      </a:r>
+                      <a:endParaRPr lang="es-PE" sz="1100" dirty="0"/>
+                    </a:p>
+                  </a:txBody>
+                  <a:tcPr>
+                    <a:lnL w="12700" cap="flat" cmpd="sng" algn="ctr">
+                      <a:solidFill>
+                        <a:schemeClr val="bg1"/>
+                      </a:solidFill>
+                      <a:prstDash val="solid"/>
+                      <a:round/>
+                      <a:headEnd type="none" w="med" len="med"/>
+                      <a:tailEnd type="none" w="med" len="med"/>
+                    </a:lnL>
+                    <a:lnR w="12700" cap="flat" cmpd="sng" algn="ctr">
+                      <a:solidFill>
+                        <a:schemeClr val="bg1"/>
+                      </a:solidFill>
+                      <a:prstDash val="solid"/>
+                      <a:round/>
+                      <a:headEnd type="none" w="med" len="med"/>
+                      <a:tailEnd type="none" w="med" len="med"/>
+                    </a:lnR>
+                    <a:lnT w="12700" cap="flat" cmpd="sng" algn="ctr">
+                      <a:solidFill>
+                        <a:schemeClr val="bg1"/>
+                      </a:solidFill>
+                      <a:prstDash val="solid"/>
+                      <a:round/>
+                      <a:headEnd type="none" w="med" len="med"/>
+                      <a:tailEnd type="none" w="med" len="med"/>
+                    </a:lnT>
+                    <a:lnB w="12700" cap="flat" cmpd="sng" algn="ctr">
+                      <a:solidFill>
+                        <a:schemeClr val="bg1"/>
+                      </a:solidFill>
+                      <a:prstDash val="solid"/>
+                      <a:round/>
+                      <a:headEnd type="none" w="med" len="med"/>
+                      <a:tailEnd type="none" w="med" len="med"/>
+                    </a:lnB>
+                  </a:tcPr>
+                </a:tc>
+                <a:tc gridSpan="4">
+                  <a:txBody>
+                    <a:bodyPr/>
+                    <a:lstStyle/>
+                    <a:p>
+                      <a:r>
+                        <a:rPr lang="es-PE" sz="1100" dirty="0" smtClean="0"/>
+                        <a:t>1</a:t>
+                      </a:r>
+                      <a:endParaRPr lang="es-PE" sz="1100" dirty="0"/>
+                    </a:p>
+                  </a:txBody>
+                  <a:tcPr>
+                    <a:lnL w="12700" cap="flat" cmpd="sng" algn="ctr">
+                      <a:solidFill>
+                        <a:schemeClr val="bg1"/>
+                      </a:solidFill>
+                      <a:prstDash val="solid"/>
+                      <a:round/>
+                      <a:headEnd type="none" w="med" len="med"/>
+                      <a:tailEnd type="none" w="med" len="med"/>
+                    </a:lnL>
+                    <a:lnR w="12700" cap="flat" cmpd="sng" algn="ctr">
+                      <a:solidFill>
+                        <a:schemeClr val="bg1"/>
+                      </a:solidFill>
+                      <a:prstDash val="solid"/>
+                      <a:round/>
+                      <a:headEnd type="none" w="med" len="med"/>
+                      <a:tailEnd type="none" w="med" len="med"/>
+                    </a:lnR>
+                    <a:lnT w="12700" cap="flat" cmpd="sng" algn="ctr">
+                      <a:solidFill>
+                        <a:schemeClr val="bg1"/>
+                      </a:solidFill>
+                      <a:prstDash val="solid"/>
+                      <a:round/>
+                      <a:headEnd type="none" w="med" len="med"/>
+                      <a:tailEnd type="none" w="med" len="med"/>
+                    </a:lnT>
+                    <a:lnB w="12700" cap="flat" cmpd="sng" algn="ctr">
+                      <a:solidFill>
+                        <a:schemeClr val="bg1"/>
+                      </a:solidFill>
+                      <a:prstDash val="solid"/>
+                      <a:round/>
+                      <a:headEnd type="none" w="med" len="med"/>
+                      <a:tailEnd type="none" w="med" len="med"/>
+                    </a:lnB>
+                  </a:tcPr>
+                </a:tc>
+                <a:tc hMerge="1">
+                  <a:txBody>
+                    <a:bodyPr/>
+                    <a:lstStyle/>
+                    <a:p>
+                      <a:endParaRPr lang="es-PE" dirty="0"/>
+                    </a:p>
+                  </a:txBody>
+                  <a:tcPr/>
+                </a:tc>
+                <a:tc hMerge="1">
+                  <a:txBody>
+                    <a:bodyPr/>
+                    <a:lstStyle/>
+                    <a:p>
+                      <a:endParaRPr lang="es-PE" dirty="0"/>
+                    </a:p>
+                  </a:txBody>
+                  <a:tcPr/>
+                </a:tc>
+                <a:tc hMerge="1">
+                  <a:txBody>
+                    <a:bodyPr/>
+                    <a:lstStyle/>
+                    <a:p>
+                      <a:endParaRPr lang="es-PE" dirty="0"/>
+                    </a:p>
+                  </a:txBody>
+                  <a:tcPr/>
+                </a:tc>
+              </a:tr>
+              <a:tr h="196455">
+                <a:tc>
+                  <a:txBody>
+                    <a:bodyPr/>
+                    <a:lstStyle/>
+                    <a:p>
+                      <a:r>
+                        <a:rPr lang="es-PE" sz="1100" dirty="0" smtClean="0"/>
+                        <a:t>ID Doc.</a:t>
+                      </a:r>
+                      <a:endParaRPr lang="es-PE" sz="1100" dirty="0"/>
+                    </a:p>
+                  </a:txBody>
+                  <a:tcPr>
+                    <a:lnL w="12700" cap="flat" cmpd="sng" algn="ctr">
+                      <a:solidFill>
+                        <a:schemeClr val="bg1"/>
+                      </a:solidFill>
+                      <a:prstDash val="solid"/>
+                      <a:round/>
+                      <a:headEnd type="none" w="med" len="med"/>
+                      <a:tailEnd type="none" w="med" len="med"/>
+                    </a:lnL>
+                    <a:lnR w="12700" cap="flat" cmpd="sng" algn="ctr">
+                      <a:solidFill>
+                        <a:schemeClr val="bg1"/>
+                      </a:solidFill>
+                      <a:prstDash val="solid"/>
+                      <a:round/>
+                      <a:headEnd type="none" w="med" len="med"/>
+                      <a:tailEnd type="none" w="med" len="med"/>
+                    </a:lnR>
+                    <a:lnT w="12700" cap="flat" cmpd="sng" algn="ctr">
+                      <a:solidFill>
+                        <a:schemeClr val="bg1"/>
+                      </a:solidFill>
+                      <a:prstDash val="solid"/>
+                      <a:round/>
+                      <a:headEnd type="none" w="med" len="med"/>
+                      <a:tailEnd type="none" w="med" len="med"/>
+                    </a:lnT>
+                    <a:lnB w="12700" cap="flat" cmpd="sng" algn="ctr">
+                      <a:solidFill>
+                        <a:schemeClr val="bg1"/>
+                      </a:solidFill>
+                      <a:prstDash val="solid"/>
+                      <a:round/>
+                      <a:headEnd type="none" w="med" len="med"/>
+                      <a:tailEnd type="none" w="med" len="med"/>
+                    </a:lnB>
+                  </a:tcPr>
+                </a:tc>
+                <a:tc gridSpan="4">
+                  <a:txBody>
+                    <a:bodyPr/>
+                    <a:lstStyle/>
+                    <a:p>
+                      <a:r>
+                        <a:rPr lang="es-PE" sz="1100" dirty="0" smtClean="0"/>
+                        <a:t>1</a:t>
+                      </a:r>
+                      <a:endParaRPr lang="es-PE" sz="1100" dirty="0"/>
+                    </a:p>
+                  </a:txBody>
+                  <a:tcPr>
+                    <a:lnL w="12700" cap="flat" cmpd="sng" algn="ctr">
+                      <a:solidFill>
+                        <a:schemeClr val="bg1"/>
+                      </a:solidFill>
+                      <a:prstDash val="solid"/>
+                      <a:round/>
+                      <a:headEnd type="none" w="med" len="med"/>
+                      <a:tailEnd type="none" w="med" len="med"/>
+                    </a:lnL>
+                    <a:lnR w="12700" cap="flat" cmpd="sng" algn="ctr">
+                      <a:solidFill>
+                        <a:schemeClr val="bg1"/>
+                      </a:solidFill>
+                      <a:prstDash val="solid"/>
+                      <a:round/>
+                      <a:headEnd type="none" w="med" len="med"/>
+                      <a:tailEnd type="none" w="med" len="med"/>
+                    </a:lnR>
+                    <a:lnT w="12700" cap="flat" cmpd="sng" algn="ctr">
+                      <a:solidFill>
+                        <a:schemeClr val="bg1"/>
+                      </a:solidFill>
+                      <a:prstDash val="solid"/>
+                      <a:round/>
+                      <a:headEnd type="none" w="med" len="med"/>
+                      <a:tailEnd type="none" w="med" len="med"/>
+                    </a:lnT>
+                    <a:lnB w="12700" cap="flat" cmpd="sng" algn="ctr">
+                      <a:solidFill>
+                        <a:schemeClr val="bg1"/>
+                      </a:solidFill>
+                      <a:prstDash val="solid"/>
+                      <a:round/>
+                      <a:headEnd type="none" w="med" len="med"/>
+                      <a:tailEnd type="none" w="med" len="med"/>
+                    </a:lnB>
+                  </a:tcPr>
+                </a:tc>
+                <a:tc hMerge="1">
+                  <a:txBody>
+                    <a:bodyPr/>
+                    <a:lstStyle/>
+                    <a:p>
+                      <a:endParaRPr lang="es-PE" dirty="0"/>
+                    </a:p>
+                  </a:txBody>
+                  <a:tcPr/>
+                </a:tc>
+                <a:tc hMerge="1">
+                  <a:txBody>
+                    <a:bodyPr/>
+                    <a:lstStyle/>
+                    <a:p>
+                      <a:endParaRPr lang="es-PE" dirty="0"/>
+                    </a:p>
+                  </a:txBody>
+                  <a:tcPr/>
+                </a:tc>
+                <a:tc hMerge="1">
+                  <a:txBody>
+                    <a:bodyPr/>
+                    <a:lstStyle/>
+                    <a:p>
+                      <a:endParaRPr lang="es-PE" dirty="0"/>
+                    </a:p>
+                  </a:txBody>
+                  <a:tcPr/>
+                </a:tc>
+              </a:tr>
+              <a:tr h="196455">
+                <a:tc>
+                  <a:txBody>
+                    <a:bodyPr/>
+                    <a:lstStyle/>
+                    <a:p>
+                      <a:r>
+                        <a:rPr lang="es-PE" sz="1100" dirty="0" smtClean="0"/>
+                        <a:t>Posición</a:t>
+                      </a:r>
+                      <a:r>
+                        <a:rPr lang="es-PE" sz="1100" baseline="0" dirty="0" smtClean="0"/>
+                        <a:t> </a:t>
+                      </a:r>
+                      <a:endParaRPr lang="es-PE" sz="1100" dirty="0"/>
+                    </a:p>
+                  </a:txBody>
+                  <a:tcPr>
+                    <a:lnL w="12700" cap="flat" cmpd="sng" algn="ctr">
+                      <a:solidFill>
+                        <a:schemeClr val="bg1"/>
+                      </a:solidFill>
+                      <a:prstDash val="solid"/>
+                      <a:round/>
+                      <a:headEnd type="none" w="med" len="med"/>
+                      <a:tailEnd type="none" w="med" len="med"/>
+                    </a:lnL>
+                    <a:lnR w="12700" cap="flat" cmpd="sng" algn="ctr">
+                      <a:solidFill>
+                        <a:schemeClr val="bg1"/>
+                      </a:solidFill>
+                      <a:prstDash val="solid"/>
+                      <a:round/>
+                      <a:headEnd type="none" w="med" len="med"/>
+                      <a:tailEnd type="none" w="med" len="med"/>
+                    </a:lnR>
+                    <a:lnT w="12700" cap="flat" cmpd="sng" algn="ctr">
+                      <a:solidFill>
+                        <a:schemeClr val="bg1"/>
+                      </a:solidFill>
+                      <a:prstDash val="solid"/>
+                      <a:round/>
+                      <a:headEnd type="none" w="med" len="med"/>
+                      <a:tailEnd type="none" w="med" len="med"/>
+                    </a:lnT>
+                    <a:lnB w="12700" cap="flat" cmpd="sng" algn="ctr">
+                      <a:solidFill>
+                        <a:schemeClr val="bg1"/>
+                      </a:solidFill>
+                      <a:prstDash val="solid"/>
+                      <a:round/>
+                      <a:headEnd type="none" w="med" len="med"/>
+                      <a:tailEnd type="none" w="med" len="med"/>
+                    </a:lnB>
+                  </a:tcPr>
+                </a:tc>
+                <a:tc>
+                  <a:txBody>
+                    <a:bodyPr/>
+                    <a:lstStyle/>
+                    <a:p>
+                      <a:r>
+                        <a:rPr lang="es-PE" sz="1100" dirty="0" smtClean="0"/>
+                        <a:t>2</a:t>
+                      </a:r>
+                      <a:endParaRPr lang="es-PE" sz="1100" dirty="0"/>
+                    </a:p>
+                  </a:txBody>
+                  <a:tcPr>
+                    <a:lnL w="12700" cap="flat" cmpd="sng" algn="ctr">
+                      <a:solidFill>
+                        <a:schemeClr val="bg1"/>
+                      </a:solidFill>
+                      <a:prstDash val="solid"/>
+                      <a:round/>
+                      <a:headEnd type="none" w="med" len="med"/>
+                      <a:tailEnd type="none" w="med" len="med"/>
+                    </a:lnL>
+                    <a:lnR w="12700" cap="flat" cmpd="sng" algn="ctr">
+                      <a:solidFill>
+                        <a:schemeClr val="bg1"/>
+                      </a:solidFill>
+                      <a:prstDash val="solid"/>
+                      <a:round/>
+                      <a:headEnd type="none" w="med" len="med"/>
+                      <a:tailEnd type="none" w="med" len="med"/>
+                    </a:lnR>
+                    <a:lnT w="12700" cap="flat" cmpd="sng" algn="ctr">
+                      <a:solidFill>
+                        <a:schemeClr val="bg1"/>
+                      </a:solidFill>
+                      <a:prstDash val="solid"/>
+                      <a:round/>
+                      <a:headEnd type="none" w="med" len="med"/>
+                      <a:tailEnd type="none" w="med" len="med"/>
+                    </a:lnT>
+                    <a:lnB w="12700" cap="flat" cmpd="sng" algn="ctr">
+                      <a:solidFill>
+                        <a:schemeClr val="bg1"/>
+                      </a:solidFill>
+                      <a:prstDash val="solid"/>
+                      <a:round/>
+                      <a:headEnd type="none" w="med" len="med"/>
+                      <a:tailEnd type="none" w="med" len="med"/>
+                    </a:lnB>
+                  </a:tcPr>
+                </a:tc>
+                <a:tc>
+                  <a:txBody>
+                    <a:bodyPr/>
+                    <a:lstStyle/>
+                    <a:p>
+                      <a:endParaRPr lang="es-PE" sz="1100" dirty="0"/>
+                    </a:p>
+                  </a:txBody>
+                  <a:tcPr>
+                    <a:lnL w="12700" cap="flat" cmpd="sng" algn="ctr">
+                      <a:solidFill>
+                        <a:schemeClr val="bg1"/>
+                      </a:solidFill>
+                      <a:prstDash val="solid"/>
+                      <a:round/>
+                      <a:headEnd type="none" w="med" len="med"/>
+                      <a:tailEnd type="none" w="med" len="med"/>
+                    </a:lnL>
+                    <a:lnR w="12700" cap="flat" cmpd="sng" algn="ctr">
+                      <a:solidFill>
+                        <a:schemeClr val="bg1"/>
+                      </a:solidFill>
+                      <a:prstDash val="solid"/>
+                      <a:round/>
+                      <a:headEnd type="none" w="med" len="med"/>
+                      <a:tailEnd type="none" w="med" len="med"/>
+                    </a:lnR>
+                    <a:lnT w="12700" cap="flat" cmpd="sng" algn="ctr">
+                      <a:solidFill>
+                        <a:schemeClr val="bg1"/>
+                      </a:solidFill>
+                      <a:prstDash val="solid"/>
+                      <a:round/>
+                      <a:headEnd type="none" w="med" len="med"/>
+                      <a:tailEnd type="none" w="med" len="med"/>
+                    </a:lnT>
+                    <a:lnB w="12700" cap="flat" cmpd="sng" algn="ctr">
+                      <a:solidFill>
+                        <a:schemeClr val="bg1"/>
+                      </a:solidFill>
+                      <a:prstDash val="solid"/>
+                      <a:round/>
+                      <a:headEnd type="none" w="med" len="med"/>
+                      <a:tailEnd type="none" w="med" len="med"/>
+                    </a:lnB>
+                  </a:tcPr>
+                </a:tc>
+                <a:tc>
+                  <a:txBody>
+                    <a:bodyPr/>
+                    <a:lstStyle/>
+                    <a:p>
+                      <a:endParaRPr lang="es-PE" sz="1100" dirty="0"/>
+                    </a:p>
+                  </a:txBody>
+                  <a:tcPr>
+                    <a:lnL w="12700" cap="flat" cmpd="sng" algn="ctr">
+                      <a:solidFill>
+                        <a:schemeClr val="bg1"/>
+                      </a:solidFill>
+                      <a:prstDash val="solid"/>
+                      <a:round/>
+                      <a:headEnd type="none" w="med" len="med"/>
+                      <a:tailEnd type="none" w="med" len="med"/>
+                    </a:lnL>
+                    <a:lnR w="12700" cap="flat" cmpd="sng" algn="ctr">
+                      <a:solidFill>
+                        <a:schemeClr val="bg1"/>
+                      </a:solidFill>
+                      <a:prstDash val="solid"/>
+                      <a:round/>
+                      <a:headEnd type="none" w="med" len="med"/>
+                      <a:tailEnd type="none" w="med" len="med"/>
+                    </a:lnR>
+                    <a:lnT w="12700" cap="flat" cmpd="sng" algn="ctr">
+                      <a:solidFill>
+                        <a:schemeClr val="bg1"/>
+                      </a:solidFill>
+                      <a:prstDash val="solid"/>
+                      <a:round/>
+                      <a:headEnd type="none" w="med" len="med"/>
+                      <a:tailEnd type="none" w="med" len="med"/>
+                    </a:lnT>
+                    <a:lnB w="12700" cap="flat" cmpd="sng" algn="ctr">
+                      <a:solidFill>
+                        <a:schemeClr val="bg1"/>
+                      </a:solidFill>
+                      <a:prstDash val="solid"/>
+                      <a:round/>
+                      <a:headEnd type="none" w="med" len="med"/>
+                      <a:tailEnd type="none" w="med" len="med"/>
+                    </a:lnB>
+                  </a:tcPr>
+                </a:tc>
+                <a:tc>
+                  <a:txBody>
+                    <a:bodyPr/>
+                    <a:lstStyle/>
+                    <a:p>
+                      <a:endParaRPr lang="es-PE" sz="1100" dirty="0"/>
+                    </a:p>
+                  </a:txBody>
+                  <a:tcPr>
+                    <a:lnL w="12700" cap="flat" cmpd="sng" algn="ctr">
+                      <a:solidFill>
+                        <a:schemeClr val="bg1"/>
+                      </a:solidFill>
+                      <a:prstDash val="solid"/>
+                      <a:round/>
+                      <a:headEnd type="none" w="med" len="med"/>
+                      <a:tailEnd type="none" w="med" len="med"/>
+                    </a:lnL>
+                    <a:lnR w="12700" cap="flat" cmpd="sng" algn="ctr">
+                      <a:solidFill>
+                        <a:schemeClr val="bg1"/>
+                      </a:solidFill>
+                      <a:prstDash val="solid"/>
+                      <a:round/>
+                      <a:headEnd type="none" w="med" len="med"/>
+                      <a:tailEnd type="none" w="med" len="med"/>
+                    </a:lnR>
+                    <a:lnT w="12700" cap="flat" cmpd="sng" algn="ctr">
+                      <a:solidFill>
+                        <a:schemeClr val="bg1"/>
+                      </a:solidFill>
+                      <a:prstDash val="solid"/>
+                      <a:round/>
+                      <a:headEnd type="none" w="med" len="med"/>
+                      <a:tailEnd type="none" w="med" len="med"/>
+                    </a:lnT>
+                    <a:lnB w="12700" cap="flat" cmpd="sng" algn="ctr">
+                      <a:solidFill>
+                        <a:schemeClr val="bg1"/>
+                      </a:solidFill>
+                      <a:prstDash val="solid"/>
+                      <a:round/>
+                      <a:headEnd type="none" w="med" len="med"/>
+                      <a:tailEnd type="none" w="med" len="med"/>
+                    </a:lnB>
+                  </a:tcPr>
+                </a:tc>
+              </a:tr>
+              <a:tr h="196455">
+                <a:tc>
+                  <a:txBody>
+                    <a:bodyPr/>
+                    <a:lstStyle/>
+                    <a:p>
+                      <a:r>
+                        <a:rPr lang="es-PE" sz="1100" dirty="0" smtClean="0"/>
+                        <a:t>Siguiente</a:t>
+                      </a:r>
+                      <a:endParaRPr lang="es-PE" sz="1100" dirty="0"/>
+                    </a:p>
+                  </a:txBody>
+                  <a:tcPr>
+                    <a:lnL w="12700" cap="flat" cmpd="sng" algn="ctr">
+                      <a:solidFill>
+                        <a:schemeClr val="bg1"/>
+                      </a:solidFill>
+                      <a:prstDash val="solid"/>
+                      <a:round/>
+                      <a:headEnd type="none" w="med" len="med"/>
+                      <a:tailEnd type="none" w="med" len="med"/>
+                    </a:lnL>
+                    <a:lnR w="12700" cap="flat" cmpd="sng" algn="ctr">
+                      <a:solidFill>
+                        <a:schemeClr val="bg1"/>
+                      </a:solidFill>
+                      <a:prstDash val="solid"/>
+                      <a:round/>
+                      <a:headEnd type="none" w="med" len="med"/>
+                      <a:tailEnd type="none" w="med" len="med"/>
+                    </a:lnR>
+                    <a:lnT w="12700" cap="flat" cmpd="sng" algn="ctr">
+                      <a:solidFill>
+                        <a:schemeClr val="bg1"/>
+                      </a:solidFill>
+                      <a:prstDash val="solid"/>
+                      <a:round/>
+                      <a:headEnd type="none" w="med" len="med"/>
+                      <a:tailEnd type="none" w="med" len="med"/>
+                    </a:lnT>
+                    <a:lnB w="12700" cap="flat" cmpd="sng" algn="ctr">
+                      <a:solidFill>
+                        <a:schemeClr val="bg1"/>
+                      </a:solidFill>
+                      <a:prstDash val="solid"/>
+                      <a:round/>
+                      <a:headEnd type="none" w="med" len="med"/>
+                      <a:tailEnd type="none" w="med" len="med"/>
+                    </a:lnB>
+                  </a:tcPr>
+                </a:tc>
+                <a:tc>
+                  <a:txBody>
+                    <a:bodyPr/>
+                    <a:lstStyle/>
+                    <a:p>
+                      <a:endParaRPr lang="es-PE" sz="1100" dirty="0"/>
+                    </a:p>
+                  </a:txBody>
+                  <a:tcPr>
+                    <a:lnL w="12700" cap="flat" cmpd="sng" algn="ctr">
+                      <a:solidFill>
+                        <a:schemeClr val="bg1"/>
+                      </a:solidFill>
+                      <a:prstDash val="solid"/>
+                      <a:round/>
+                      <a:headEnd type="none" w="med" len="med"/>
+                      <a:tailEnd type="none" w="med" len="med"/>
+                    </a:lnL>
+                    <a:lnR w="12700" cap="flat" cmpd="sng" algn="ctr">
+                      <a:solidFill>
+                        <a:schemeClr val="bg1"/>
+                      </a:solidFill>
+                      <a:prstDash val="solid"/>
+                      <a:round/>
+                      <a:headEnd type="none" w="med" len="med"/>
+                      <a:tailEnd type="none" w="med" len="med"/>
+                    </a:lnR>
+                    <a:lnT w="12700" cap="flat" cmpd="sng" algn="ctr">
+                      <a:solidFill>
+                        <a:schemeClr val="bg1"/>
+                      </a:solidFill>
+                      <a:prstDash val="solid"/>
+                      <a:round/>
+                      <a:headEnd type="none" w="med" len="med"/>
+                      <a:tailEnd type="none" w="med" len="med"/>
+                    </a:lnT>
+                    <a:lnB w="12700" cap="flat" cmpd="sng" algn="ctr">
+                      <a:solidFill>
+                        <a:schemeClr val="bg1"/>
+                      </a:solidFill>
+                      <a:prstDash val="solid"/>
+                      <a:round/>
+                      <a:headEnd type="none" w="med" len="med"/>
+                      <a:tailEnd type="none" w="med" len="med"/>
+                    </a:lnB>
+                  </a:tcPr>
+                </a:tc>
+                <a:tc>
+                  <a:txBody>
+                    <a:bodyPr/>
+                    <a:lstStyle/>
+                    <a:p>
+                      <a:endParaRPr lang="es-PE" sz="1100" dirty="0"/>
+                    </a:p>
+                  </a:txBody>
+                  <a:tcPr>
+                    <a:lnL w="12700" cap="flat" cmpd="sng" algn="ctr">
+                      <a:solidFill>
+                        <a:schemeClr val="bg1"/>
+                      </a:solidFill>
+                      <a:prstDash val="solid"/>
+                      <a:round/>
+                      <a:headEnd type="none" w="med" len="med"/>
+                      <a:tailEnd type="none" w="med" len="med"/>
+                    </a:lnL>
+                    <a:lnR w="12700" cap="flat" cmpd="sng" algn="ctr">
+                      <a:solidFill>
+                        <a:schemeClr val="bg1"/>
+                      </a:solidFill>
+                      <a:prstDash val="solid"/>
+                      <a:round/>
+                      <a:headEnd type="none" w="med" len="med"/>
+                      <a:tailEnd type="none" w="med" len="med"/>
+                    </a:lnR>
+                    <a:lnT w="12700" cap="flat" cmpd="sng" algn="ctr">
+                      <a:solidFill>
+                        <a:schemeClr val="bg1"/>
+                      </a:solidFill>
+                      <a:prstDash val="solid"/>
+                      <a:round/>
+                      <a:headEnd type="none" w="med" len="med"/>
+                      <a:tailEnd type="none" w="med" len="med"/>
+                    </a:lnT>
+                    <a:lnB w="12700" cap="flat" cmpd="sng" algn="ctr">
+                      <a:solidFill>
+                        <a:schemeClr val="bg1"/>
+                      </a:solidFill>
+                      <a:prstDash val="solid"/>
+                      <a:round/>
+                      <a:headEnd type="none" w="med" len="med"/>
+                      <a:tailEnd type="none" w="med" len="med"/>
+                    </a:lnB>
+                  </a:tcPr>
+                </a:tc>
+                <a:tc>
+                  <a:txBody>
+                    <a:bodyPr/>
+                    <a:lstStyle/>
+                    <a:p>
+                      <a:endParaRPr lang="es-PE" sz="1100" dirty="0"/>
+                    </a:p>
+                  </a:txBody>
+                  <a:tcPr>
+                    <a:lnL w="12700" cap="flat" cmpd="sng" algn="ctr">
+                      <a:solidFill>
+                        <a:schemeClr val="bg1"/>
+                      </a:solidFill>
+                      <a:prstDash val="solid"/>
+                      <a:round/>
+                      <a:headEnd type="none" w="med" len="med"/>
+                      <a:tailEnd type="none" w="med" len="med"/>
+                    </a:lnL>
+                    <a:lnR w="12700" cap="flat" cmpd="sng" algn="ctr">
+                      <a:solidFill>
+                        <a:schemeClr val="bg1"/>
+                      </a:solidFill>
+                      <a:prstDash val="solid"/>
+                      <a:round/>
+                      <a:headEnd type="none" w="med" len="med"/>
+                      <a:tailEnd type="none" w="med" len="med"/>
+                    </a:lnR>
+                    <a:lnT w="12700" cap="flat" cmpd="sng" algn="ctr">
+                      <a:solidFill>
+                        <a:schemeClr val="bg1"/>
+                      </a:solidFill>
+                      <a:prstDash val="solid"/>
+                      <a:round/>
+                      <a:headEnd type="none" w="med" len="med"/>
+                      <a:tailEnd type="none" w="med" len="med"/>
+                    </a:lnT>
+                    <a:lnB w="12700" cap="flat" cmpd="sng" algn="ctr">
+                      <a:solidFill>
+                        <a:schemeClr val="bg1"/>
+                      </a:solidFill>
+                      <a:prstDash val="solid"/>
+                      <a:round/>
+                      <a:headEnd type="none" w="med" len="med"/>
+                      <a:tailEnd type="none" w="med" len="med"/>
+                    </a:lnB>
+                  </a:tcPr>
+                </a:tc>
+                <a:tc>
+                  <a:txBody>
+                    <a:bodyPr/>
+                    <a:lstStyle/>
+                    <a:p>
+                      <a:endParaRPr lang="es-PE" sz="1100" dirty="0"/>
+                    </a:p>
+                  </a:txBody>
+                  <a:tcPr>
+                    <a:lnL w="12700" cap="flat" cmpd="sng" algn="ctr">
+                      <a:solidFill>
+                        <a:schemeClr val="bg1"/>
+                      </a:solidFill>
+                      <a:prstDash val="solid"/>
+                      <a:round/>
+                      <a:headEnd type="none" w="med" len="med"/>
+                      <a:tailEnd type="none" w="med" len="med"/>
+                    </a:lnL>
+                    <a:lnR w="12700" cap="flat" cmpd="sng" algn="ctr">
+                      <a:solidFill>
+                        <a:schemeClr val="bg1"/>
+                      </a:solidFill>
+                      <a:prstDash val="solid"/>
+                      <a:round/>
+                      <a:headEnd type="none" w="med" len="med"/>
+                      <a:tailEnd type="none" w="med" len="med"/>
+                    </a:lnR>
+                    <a:lnT w="12700" cap="flat" cmpd="sng" algn="ctr">
+                      <a:solidFill>
+                        <a:schemeClr val="bg1"/>
+                      </a:solidFill>
+                      <a:prstDash val="solid"/>
+                      <a:round/>
+                      <a:headEnd type="none" w="med" len="med"/>
+                      <a:tailEnd type="none" w="med" len="med"/>
+                    </a:lnT>
+                    <a:lnB w="12700" cap="flat" cmpd="sng" algn="ctr">
+                      <a:solidFill>
+                        <a:schemeClr val="bg1"/>
+                      </a:solidFill>
+                      <a:prstDash val="solid"/>
+                      <a:round/>
+                      <a:headEnd type="none" w="med" len="med"/>
+                      <a:tailEnd type="none" w="med" len="med"/>
+                    </a:lnB>
+                  </a:tcPr>
+                </a:tc>
+              </a:tr>
+            </a:tbl>
+          </a:graphicData>
+        </a:graphic>
+      </p:graphicFrame>
+      <p:graphicFrame>
+        <p:nvGraphicFramePr>
+          <p:cNvPr id="14" name="13 Tabla"/>
+          <p:cNvGraphicFramePr>
+            <a:graphicFrameLocks noGrp="1"/>
+          </p:cNvGraphicFramePr>
+          <p:nvPr/>
+        </p:nvGraphicFramePr>
+        <p:xfrm>
+          <a:off x="4286248" y="4143380"/>
+          <a:ext cx="1858327" cy="1036320"/>
+        </p:xfrm>
+        <a:graphic>
+          <a:graphicData uri="http://schemas.openxmlformats.org/drawingml/2006/table">
+            <a:tbl>
+              <a:tblPr firstCol="1">
+                <a:tableStyleId>{5C22544A-7EE6-4342-B048-85BDC9FD1C3A}</a:tableStyleId>
+              </a:tblPr>
+              <a:tblGrid>
+                <a:gridCol w="894524"/>
+                <a:gridCol w="208280"/>
+                <a:gridCol w="208280"/>
+                <a:gridCol w="208280"/>
+                <a:gridCol w="338963"/>
+              </a:tblGrid>
+              <a:tr h="196455">
+                <a:tc>
+                  <a:txBody>
+                    <a:bodyPr/>
+                    <a:lstStyle/>
+                    <a:p>
+                      <a:r>
+                        <a:rPr lang="es-PE" sz="1100" dirty="0" smtClean="0"/>
+                        <a:t>ID Pal.</a:t>
+                      </a:r>
+                      <a:endParaRPr lang="es-PE" sz="1100" dirty="0"/>
+                    </a:p>
+                  </a:txBody>
+                  <a:tcPr>
+                    <a:lnL w="12700" cap="flat" cmpd="sng" algn="ctr">
+                      <a:solidFill>
+                        <a:schemeClr val="bg1"/>
+                      </a:solidFill>
+                      <a:prstDash val="solid"/>
+                      <a:round/>
+                      <a:headEnd type="none" w="med" len="med"/>
+                      <a:tailEnd type="none" w="med" len="med"/>
+                    </a:lnL>
+                    <a:lnR w="12700" cap="flat" cmpd="sng" algn="ctr">
+                      <a:solidFill>
+                        <a:schemeClr val="bg1"/>
+                      </a:solidFill>
+                      <a:prstDash val="solid"/>
+                      <a:round/>
+                      <a:headEnd type="none" w="med" len="med"/>
+                      <a:tailEnd type="none" w="med" len="med"/>
+                    </a:lnR>
+                    <a:lnT w="12700" cap="flat" cmpd="sng" algn="ctr">
+                      <a:solidFill>
+                        <a:schemeClr val="bg1"/>
+                      </a:solidFill>
+                      <a:prstDash val="solid"/>
+                      <a:round/>
+                      <a:headEnd type="none" w="med" len="med"/>
+                      <a:tailEnd type="none" w="med" len="med"/>
+                    </a:lnT>
+                    <a:lnB w="12700" cap="flat" cmpd="sng" algn="ctr">
+                      <a:solidFill>
+                        <a:schemeClr val="bg1"/>
+                      </a:solidFill>
+                      <a:prstDash val="solid"/>
+                      <a:round/>
+                      <a:headEnd type="none" w="med" len="med"/>
+                      <a:tailEnd type="none" w="med" len="med"/>
+                    </a:lnB>
+                  </a:tcPr>
+                </a:tc>
+                <a:tc gridSpan="4">
+                  <a:txBody>
+                    <a:bodyPr/>
+                    <a:lstStyle/>
+                    <a:p>
+                      <a:r>
+                        <a:rPr lang="es-PE" sz="1100" dirty="0" smtClean="0"/>
+                        <a:t>1</a:t>
+                      </a:r>
+                      <a:endParaRPr lang="es-PE" sz="1100" dirty="0"/>
+                    </a:p>
+                  </a:txBody>
+                  <a:tcPr>
+                    <a:lnL w="12700" cap="flat" cmpd="sng" algn="ctr">
+                      <a:solidFill>
+                        <a:schemeClr val="bg1"/>
+                      </a:solidFill>
+                      <a:prstDash val="solid"/>
+                      <a:round/>
+                      <a:headEnd type="none" w="med" len="med"/>
+                      <a:tailEnd type="none" w="med" len="med"/>
+                    </a:lnL>
+                    <a:lnR w="12700" cap="flat" cmpd="sng" algn="ctr">
+                      <a:solidFill>
+                        <a:schemeClr val="bg1"/>
+                      </a:solidFill>
+                      <a:prstDash val="solid"/>
+                      <a:round/>
+                      <a:headEnd type="none" w="med" len="med"/>
+                      <a:tailEnd type="none" w="med" len="med"/>
+                    </a:lnR>
+                    <a:lnT w="12700" cap="flat" cmpd="sng" algn="ctr">
+                      <a:solidFill>
+                        <a:schemeClr val="bg1"/>
+                      </a:solidFill>
+                      <a:prstDash val="solid"/>
+                      <a:round/>
+                      <a:headEnd type="none" w="med" len="med"/>
+                      <a:tailEnd type="none" w="med" len="med"/>
+                    </a:lnT>
+                    <a:lnB w="12700" cap="flat" cmpd="sng" algn="ctr">
+                      <a:solidFill>
+                        <a:schemeClr val="bg1"/>
+                      </a:solidFill>
+                      <a:prstDash val="solid"/>
+                      <a:round/>
+                      <a:headEnd type="none" w="med" len="med"/>
+                      <a:tailEnd type="none" w="med" len="med"/>
+                    </a:lnB>
+                  </a:tcPr>
+                </a:tc>
+                <a:tc hMerge="1">
+                  <a:txBody>
+                    <a:bodyPr/>
+                    <a:lstStyle/>
+                    <a:p>
+                      <a:endParaRPr lang="es-PE" dirty="0"/>
+                    </a:p>
+                  </a:txBody>
+                  <a:tcPr/>
+                </a:tc>
+                <a:tc hMerge="1">
+                  <a:txBody>
+                    <a:bodyPr/>
+                    <a:lstStyle/>
+                    <a:p>
+                      <a:endParaRPr lang="es-PE" dirty="0"/>
+                    </a:p>
+                  </a:txBody>
+                  <a:tcPr/>
+                </a:tc>
+                <a:tc hMerge="1">
+                  <a:txBody>
+                    <a:bodyPr/>
+                    <a:lstStyle/>
+                    <a:p>
+                      <a:endParaRPr lang="es-PE" dirty="0"/>
+                    </a:p>
+                  </a:txBody>
+                  <a:tcPr/>
+                </a:tc>
+              </a:tr>
+              <a:tr h="196455">
+                <a:tc>
+                  <a:txBody>
+                    <a:bodyPr/>
+                    <a:lstStyle/>
+                    <a:p>
+                      <a:r>
+                        <a:rPr lang="es-PE" sz="1100" dirty="0" smtClean="0"/>
+                        <a:t>ID Doc.</a:t>
+                      </a:r>
+                      <a:endParaRPr lang="es-PE" sz="1100" dirty="0"/>
+                    </a:p>
+                  </a:txBody>
+                  <a:tcPr>
+                    <a:lnL w="12700" cap="flat" cmpd="sng" algn="ctr">
+                      <a:solidFill>
+                        <a:schemeClr val="bg1"/>
+                      </a:solidFill>
+                      <a:prstDash val="solid"/>
+                      <a:round/>
+                      <a:headEnd type="none" w="med" len="med"/>
+                      <a:tailEnd type="none" w="med" len="med"/>
+                    </a:lnL>
+                    <a:lnR w="12700" cap="flat" cmpd="sng" algn="ctr">
+                      <a:solidFill>
+                        <a:schemeClr val="bg1"/>
+                      </a:solidFill>
+                      <a:prstDash val="solid"/>
+                      <a:round/>
+                      <a:headEnd type="none" w="med" len="med"/>
+                      <a:tailEnd type="none" w="med" len="med"/>
+                    </a:lnR>
+                    <a:lnT w="12700" cap="flat" cmpd="sng" algn="ctr">
+                      <a:solidFill>
+                        <a:schemeClr val="bg1"/>
+                      </a:solidFill>
+                      <a:prstDash val="solid"/>
+                      <a:round/>
+                      <a:headEnd type="none" w="med" len="med"/>
+                      <a:tailEnd type="none" w="med" len="med"/>
+                    </a:lnT>
+                    <a:lnB w="12700" cap="flat" cmpd="sng" algn="ctr">
+                      <a:solidFill>
+                        <a:schemeClr val="bg1"/>
+                      </a:solidFill>
+                      <a:prstDash val="solid"/>
+                      <a:round/>
+                      <a:headEnd type="none" w="med" len="med"/>
+                      <a:tailEnd type="none" w="med" len="med"/>
+                    </a:lnB>
+                  </a:tcPr>
+                </a:tc>
+                <a:tc gridSpan="4">
+                  <a:txBody>
+                    <a:bodyPr/>
+                    <a:lstStyle/>
+                    <a:p>
+                      <a:r>
+                        <a:rPr lang="es-PE" sz="1100" dirty="0" smtClean="0"/>
+                        <a:t>1</a:t>
+                      </a:r>
+                      <a:endParaRPr lang="es-PE" sz="1100" dirty="0"/>
+                    </a:p>
+                  </a:txBody>
+                  <a:tcPr>
+                    <a:lnL w="12700" cap="flat" cmpd="sng" algn="ctr">
+                      <a:solidFill>
+                        <a:schemeClr val="bg1"/>
+                      </a:solidFill>
+                      <a:prstDash val="solid"/>
+                      <a:round/>
+                      <a:headEnd type="none" w="med" len="med"/>
+                      <a:tailEnd type="none" w="med" len="med"/>
+                    </a:lnL>
+                    <a:lnR w="12700" cap="flat" cmpd="sng" algn="ctr">
+                      <a:solidFill>
+                        <a:schemeClr val="bg1"/>
+                      </a:solidFill>
+                      <a:prstDash val="solid"/>
+                      <a:round/>
+                      <a:headEnd type="none" w="med" len="med"/>
+                      <a:tailEnd type="none" w="med" len="med"/>
+                    </a:lnR>
+                    <a:lnT w="12700" cap="flat" cmpd="sng" algn="ctr">
+                      <a:solidFill>
+                        <a:schemeClr val="bg1"/>
+                      </a:solidFill>
+                      <a:prstDash val="solid"/>
+                      <a:round/>
+                      <a:headEnd type="none" w="med" len="med"/>
+                      <a:tailEnd type="none" w="med" len="med"/>
+                    </a:lnT>
+                    <a:lnB w="12700" cap="flat" cmpd="sng" algn="ctr">
+                      <a:solidFill>
+                        <a:schemeClr val="bg1"/>
+                      </a:solidFill>
+                      <a:prstDash val="solid"/>
+                      <a:round/>
+                      <a:headEnd type="none" w="med" len="med"/>
+                      <a:tailEnd type="none" w="med" len="med"/>
+                    </a:lnB>
+                  </a:tcPr>
+                </a:tc>
+                <a:tc hMerge="1">
+                  <a:txBody>
+                    <a:bodyPr/>
+                    <a:lstStyle/>
+                    <a:p>
+                      <a:endParaRPr lang="es-PE" dirty="0"/>
+                    </a:p>
+                  </a:txBody>
+                  <a:tcPr/>
+                </a:tc>
+                <a:tc hMerge="1">
+                  <a:txBody>
+                    <a:bodyPr/>
+                    <a:lstStyle/>
+                    <a:p>
+                      <a:endParaRPr lang="es-PE" dirty="0"/>
+                    </a:p>
+                  </a:txBody>
+                  <a:tcPr/>
+                </a:tc>
+                <a:tc hMerge="1">
+                  <a:txBody>
+                    <a:bodyPr/>
+                    <a:lstStyle/>
+                    <a:p>
+                      <a:endParaRPr lang="es-PE" dirty="0"/>
+                    </a:p>
+                  </a:txBody>
+                  <a:tcPr/>
+                </a:tc>
+              </a:tr>
+              <a:tr h="196455">
+                <a:tc>
+                  <a:txBody>
+                    <a:bodyPr/>
+                    <a:lstStyle/>
+                    <a:p>
+                      <a:r>
+                        <a:rPr lang="es-PE" sz="1100" dirty="0" smtClean="0"/>
+                        <a:t>Posición</a:t>
+                      </a:r>
+                      <a:r>
+                        <a:rPr lang="es-PE" sz="1100" baseline="0" dirty="0" smtClean="0"/>
+                        <a:t> </a:t>
+                      </a:r>
+                      <a:endParaRPr lang="es-PE" sz="1100" dirty="0"/>
+                    </a:p>
+                  </a:txBody>
+                  <a:tcPr>
+                    <a:lnL w="12700" cap="flat" cmpd="sng" algn="ctr">
+                      <a:solidFill>
+                        <a:schemeClr val="bg1"/>
+                      </a:solidFill>
+                      <a:prstDash val="solid"/>
+                      <a:round/>
+                      <a:headEnd type="none" w="med" len="med"/>
+                      <a:tailEnd type="none" w="med" len="med"/>
+                    </a:lnL>
+                    <a:lnR w="12700" cap="flat" cmpd="sng" algn="ctr">
+                      <a:solidFill>
+                        <a:schemeClr val="bg1"/>
+                      </a:solidFill>
+                      <a:prstDash val="solid"/>
+                      <a:round/>
+                      <a:headEnd type="none" w="med" len="med"/>
+                      <a:tailEnd type="none" w="med" len="med"/>
+                    </a:lnR>
+                    <a:lnT w="12700" cap="flat" cmpd="sng" algn="ctr">
+                      <a:solidFill>
+                        <a:schemeClr val="bg1"/>
+                      </a:solidFill>
+                      <a:prstDash val="solid"/>
+                      <a:round/>
+                      <a:headEnd type="none" w="med" len="med"/>
+                      <a:tailEnd type="none" w="med" len="med"/>
+                    </a:lnT>
+                    <a:lnB w="12700" cap="flat" cmpd="sng" algn="ctr">
+                      <a:solidFill>
+                        <a:schemeClr val="bg1"/>
+                      </a:solidFill>
+                      <a:prstDash val="solid"/>
+                      <a:round/>
+                      <a:headEnd type="none" w="med" len="med"/>
+                      <a:tailEnd type="none" w="med" len="med"/>
+                    </a:lnB>
+                  </a:tcPr>
+                </a:tc>
+                <a:tc>
+                  <a:txBody>
+                    <a:bodyPr/>
+                    <a:lstStyle/>
+                    <a:p>
+                      <a:r>
+                        <a:rPr lang="es-PE" sz="1100" dirty="0" smtClean="0"/>
+                        <a:t>3</a:t>
+                      </a:r>
+                      <a:endParaRPr lang="es-PE" sz="1100" dirty="0"/>
+                    </a:p>
+                  </a:txBody>
+                  <a:tcPr>
+                    <a:lnL w="12700" cap="flat" cmpd="sng" algn="ctr">
+                      <a:solidFill>
+                        <a:schemeClr val="bg1"/>
+                      </a:solidFill>
+                      <a:prstDash val="solid"/>
+                      <a:round/>
+                      <a:headEnd type="none" w="med" len="med"/>
+                      <a:tailEnd type="none" w="med" len="med"/>
+                    </a:lnL>
+                    <a:lnR w="12700" cap="flat" cmpd="sng" algn="ctr">
+                      <a:solidFill>
+                        <a:schemeClr val="bg1"/>
+                      </a:solidFill>
+                      <a:prstDash val="solid"/>
+                      <a:round/>
+                      <a:headEnd type="none" w="med" len="med"/>
+                      <a:tailEnd type="none" w="med" len="med"/>
+                    </a:lnR>
+                    <a:lnT w="12700" cap="flat" cmpd="sng" algn="ctr">
+                      <a:solidFill>
+                        <a:schemeClr val="bg1"/>
+                      </a:solidFill>
+                      <a:prstDash val="solid"/>
+                      <a:round/>
+                      <a:headEnd type="none" w="med" len="med"/>
+                      <a:tailEnd type="none" w="med" len="med"/>
+                    </a:lnT>
+                    <a:lnB w="12700" cap="flat" cmpd="sng" algn="ctr">
+                      <a:solidFill>
+                        <a:schemeClr val="bg1"/>
+                      </a:solidFill>
+                      <a:prstDash val="solid"/>
+                      <a:round/>
+                      <a:headEnd type="none" w="med" len="med"/>
+                      <a:tailEnd type="none" w="med" len="med"/>
+                    </a:lnB>
+                  </a:tcPr>
+                </a:tc>
+                <a:tc>
+                  <a:txBody>
+                    <a:bodyPr/>
+                    <a:lstStyle/>
+                    <a:p>
+                      <a:endParaRPr lang="es-PE" sz="1100" dirty="0"/>
+                    </a:p>
+                  </a:txBody>
+                  <a:tcPr>
+                    <a:lnL w="12700" cap="flat" cmpd="sng" algn="ctr">
+                      <a:solidFill>
+                        <a:schemeClr val="bg1"/>
+                      </a:solidFill>
+                      <a:prstDash val="solid"/>
+                      <a:round/>
+                      <a:headEnd type="none" w="med" len="med"/>
+                      <a:tailEnd type="none" w="med" len="med"/>
+                    </a:lnL>
+                    <a:lnR w="12700" cap="flat" cmpd="sng" algn="ctr">
+                      <a:solidFill>
+                        <a:schemeClr val="bg1"/>
+                      </a:solidFill>
+                      <a:prstDash val="solid"/>
+                      <a:round/>
+                      <a:headEnd type="none" w="med" len="med"/>
+                      <a:tailEnd type="none" w="med" len="med"/>
+                    </a:lnR>
+                    <a:lnT w="12700" cap="flat" cmpd="sng" algn="ctr">
+                      <a:solidFill>
+                        <a:schemeClr val="bg1"/>
+                      </a:solidFill>
+                      <a:prstDash val="solid"/>
+                      <a:round/>
+                      <a:headEnd type="none" w="med" len="med"/>
+                      <a:tailEnd type="none" w="med" len="med"/>
+                    </a:lnT>
+                    <a:lnB w="12700" cap="flat" cmpd="sng" algn="ctr">
+                      <a:solidFill>
+                        <a:schemeClr val="bg1"/>
+                      </a:solidFill>
+                      <a:prstDash val="solid"/>
+                      <a:round/>
+                      <a:headEnd type="none" w="med" len="med"/>
+                      <a:tailEnd type="none" w="med" len="med"/>
+                    </a:lnB>
+                  </a:tcPr>
+                </a:tc>
+                <a:tc>
+                  <a:txBody>
+                    <a:bodyPr/>
+                    <a:lstStyle/>
+                    <a:p>
+                      <a:endParaRPr lang="es-PE" sz="1100" dirty="0"/>
+                    </a:p>
+                  </a:txBody>
+                  <a:tcPr>
+                    <a:lnL w="12700" cap="flat" cmpd="sng" algn="ctr">
+                      <a:solidFill>
+                        <a:schemeClr val="bg1"/>
+                      </a:solidFill>
+                      <a:prstDash val="solid"/>
+                      <a:round/>
+                      <a:headEnd type="none" w="med" len="med"/>
+                      <a:tailEnd type="none" w="med" len="med"/>
+                    </a:lnL>
+                    <a:lnR w="12700" cap="flat" cmpd="sng" algn="ctr">
+                      <a:solidFill>
+                        <a:schemeClr val="bg1"/>
+                      </a:solidFill>
+                      <a:prstDash val="solid"/>
+                      <a:round/>
+                      <a:headEnd type="none" w="med" len="med"/>
+                      <a:tailEnd type="none" w="med" len="med"/>
+                    </a:lnR>
+                    <a:lnT w="12700" cap="flat" cmpd="sng" algn="ctr">
+                      <a:solidFill>
+                        <a:schemeClr val="bg1"/>
+                      </a:solidFill>
+                      <a:prstDash val="solid"/>
+                      <a:round/>
+                      <a:headEnd type="none" w="med" len="med"/>
+                      <a:tailEnd type="none" w="med" len="med"/>
+                    </a:lnT>
+                    <a:lnB w="12700" cap="flat" cmpd="sng" algn="ctr">
+                      <a:solidFill>
+                        <a:schemeClr val="bg1"/>
+                      </a:solidFill>
+                      <a:prstDash val="solid"/>
+                      <a:round/>
+                      <a:headEnd type="none" w="med" len="med"/>
+                      <a:tailEnd type="none" w="med" len="med"/>
+                    </a:lnB>
+                  </a:tcPr>
+                </a:tc>
+                <a:tc>
+                  <a:txBody>
+                    <a:bodyPr/>
+                    <a:lstStyle/>
+                    <a:p>
+                      <a:endParaRPr lang="es-PE" sz="1100" dirty="0"/>
+                    </a:p>
+                  </a:txBody>
+                  <a:tcPr>
+                    <a:lnL w="12700" cap="flat" cmpd="sng" algn="ctr">
+                      <a:solidFill>
+                        <a:schemeClr val="bg1"/>
+                      </a:solidFill>
+                      <a:prstDash val="solid"/>
+                      <a:round/>
+                      <a:headEnd type="none" w="med" len="med"/>
+                      <a:tailEnd type="none" w="med" len="med"/>
+                    </a:lnL>
+                    <a:lnR w="12700" cap="flat" cmpd="sng" algn="ctr">
+                      <a:solidFill>
+                        <a:schemeClr val="bg1"/>
+                      </a:solidFill>
+                      <a:prstDash val="solid"/>
+                      <a:round/>
+                      <a:headEnd type="none" w="med" len="med"/>
+                      <a:tailEnd type="none" w="med" len="med"/>
+                    </a:lnR>
+                    <a:lnT w="12700" cap="flat" cmpd="sng" algn="ctr">
+                      <a:solidFill>
+                        <a:schemeClr val="bg1"/>
+                      </a:solidFill>
+                      <a:prstDash val="solid"/>
+                      <a:round/>
+                      <a:headEnd type="none" w="med" len="med"/>
+                      <a:tailEnd type="none" w="med" len="med"/>
+                    </a:lnT>
+                    <a:lnB w="12700" cap="flat" cmpd="sng" algn="ctr">
+                      <a:solidFill>
+                        <a:schemeClr val="bg1"/>
+                      </a:solidFill>
+                      <a:prstDash val="solid"/>
+                      <a:round/>
+                      <a:headEnd type="none" w="med" len="med"/>
+                      <a:tailEnd type="none" w="med" len="med"/>
+                    </a:lnB>
+                  </a:tcPr>
+                </a:tc>
+              </a:tr>
+              <a:tr h="196455">
+                <a:tc>
+                  <a:txBody>
+                    <a:bodyPr/>
+                    <a:lstStyle/>
+                    <a:p>
+                      <a:r>
+                        <a:rPr lang="es-PE" sz="1100" dirty="0" smtClean="0"/>
+                        <a:t>Siguiente</a:t>
+                      </a:r>
+                      <a:endParaRPr lang="es-PE" sz="1100" dirty="0"/>
+                    </a:p>
+                  </a:txBody>
+                  <a:tcPr>
+                    <a:lnL w="12700" cap="flat" cmpd="sng" algn="ctr">
+                      <a:solidFill>
+                        <a:schemeClr val="bg1"/>
+                      </a:solidFill>
+                      <a:prstDash val="solid"/>
+                      <a:round/>
+                      <a:headEnd type="none" w="med" len="med"/>
+                      <a:tailEnd type="none" w="med" len="med"/>
+                    </a:lnL>
+                    <a:lnR w="12700" cap="flat" cmpd="sng" algn="ctr">
+                      <a:solidFill>
+                        <a:schemeClr val="bg1"/>
+                      </a:solidFill>
+                      <a:prstDash val="solid"/>
+                      <a:round/>
+                      <a:headEnd type="none" w="med" len="med"/>
+                      <a:tailEnd type="none" w="med" len="med"/>
+                    </a:lnR>
+                    <a:lnT w="12700" cap="flat" cmpd="sng" algn="ctr">
+                      <a:solidFill>
+                        <a:schemeClr val="bg1"/>
+                      </a:solidFill>
+                      <a:prstDash val="solid"/>
+                      <a:round/>
+                      <a:headEnd type="none" w="med" len="med"/>
+                      <a:tailEnd type="none" w="med" len="med"/>
+                    </a:lnT>
+                    <a:lnB w="12700" cap="flat" cmpd="sng" algn="ctr">
+                      <a:solidFill>
+                        <a:schemeClr val="bg1"/>
+                      </a:solidFill>
+                      <a:prstDash val="solid"/>
+                      <a:round/>
+                      <a:headEnd type="none" w="med" len="med"/>
+                      <a:tailEnd type="none" w="med" len="med"/>
+                    </a:lnB>
+                  </a:tcPr>
+                </a:tc>
+                <a:tc>
+                  <a:txBody>
+                    <a:bodyPr/>
+                    <a:lstStyle/>
+                    <a:p>
+                      <a:endParaRPr lang="es-PE" sz="1100" dirty="0"/>
+                    </a:p>
+                  </a:txBody>
+                  <a:tcPr>
+                    <a:lnL w="12700" cap="flat" cmpd="sng" algn="ctr">
+                      <a:solidFill>
+                        <a:schemeClr val="bg1"/>
+                      </a:solidFill>
+                      <a:prstDash val="solid"/>
+                      <a:round/>
+                      <a:headEnd type="none" w="med" len="med"/>
+                      <a:tailEnd type="none" w="med" len="med"/>
+                    </a:lnL>
+                    <a:lnR w="12700" cap="flat" cmpd="sng" algn="ctr">
+                      <a:solidFill>
+                        <a:schemeClr val="bg1"/>
+                      </a:solidFill>
+                      <a:prstDash val="solid"/>
+                      <a:round/>
+                      <a:headEnd type="none" w="med" len="med"/>
+                      <a:tailEnd type="none" w="med" len="med"/>
+                    </a:lnR>
+                    <a:lnT w="12700" cap="flat" cmpd="sng" algn="ctr">
+                      <a:solidFill>
+                        <a:schemeClr val="bg1"/>
+                      </a:solidFill>
+                      <a:prstDash val="solid"/>
+                      <a:round/>
+                      <a:headEnd type="none" w="med" len="med"/>
+                      <a:tailEnd type="none" w="med" len="med"/>
+                    </a:lnT>
+                    <a:lnB w="12700" cap="flat" cmpd="sng" algn="ctr">
+                      <a:solidFill>
+                        <a:schemeClr val="bg1"/>
+                      </a:solidFill>
+                      <a:prstDash val="solid"/>
+                      <a:round/>
+                      <a:headEnd type="none" w="med" len="med"/>
+                      <a:tailEnd type="none" w="med" len="med"/>
+                    </a:lnB>
+                  </a:tcPr>
+                </a:tc>
+                <a:tc>
+                  <a:txBody>
+                    <a:bodyPr/>
+                    <a:lstStyle/>
+                    <a:p>
+                      <a:endParaRPr lang="es-PE" sz="1100" dirty="0"/>
+                    </a:p>
+                  </a:txBody>
+                  <a:tcPr>
+                    <a:lnL w="12700" cap="flat" cmpd="sng" algn="ctr">
+                      <a:solidFill>
+                        <a:schemeClr val="bg1"/>
+                      </a:solidFill>
+                      <a:prstDash val="solid"/>
+                      <a:round/>
+                      <a:headEnd type="none" w="med" len="med"/>
+                      <a:tailEnd type="none" w="med" len="med"/>
+                    </a:lnL>
+                    <a:lnR w="12700" cap="flat" cmpd="sng" algn="ctr">
+                      <a:solidFill>
+                        <a:schemeClr val="bg1"/>
+                      </a:solidFill>
+                      <a:prstDash val="solid"/>
+                      <a:round/>
+                      <a:headEnd type="none" w="med" len="med"/>
+                      <a:tailEnd type="none" w="med" len="med"/>
+                    </a:lnR>
+                    <a:lnT w="12700" cap="flat" cmpd="sng" algn="ctr">
+                      <a:solidFill>
+                        <a:schemeClr val="bg1"/>
+                      </a:solidFill>
+                      <a:prstDash val="solid"/>
+                      <a:round/>
+                      <a:headEnd type="none" w="med" len="med"/>
+                      <a:tailEnd type="none" w="med" len="med"/>
+                    </a:lnT>
+                    <a:lnB w="12700" cap="flat" cmpd="sng" algn="ctr">
+                      <a:solidFill>
+                        <a:schemeClr val="bg1"/>
+                      </a:solidFill>
+                      <a:prstDash val="solid"/>
+                      <a:round/>
+                      <a:headEnd type="none" w="med" len="med"/>
+                      <a:tailEnd type="none" w="med" len="med"/>
+                    </a:lnB>
+                  </a:tcPr>
+                </a:tc>
+                <a:tc>
+                  <a:txBody>
+                    <a:bodyPr/>
+                    <a:lstStyle/>
+                    <a:p>
+                      <a:endParaRPr lang="es-PE" sz="1100" dirty="0"/>
+                    </a:p>
+                  </a:txBody>
+                  <a:tcPr>
+                    <a:lnL w="12700" cap="flat" cmpd="sng" algn="ctr">
+                      <a:solidFill>
+                        <a:schemeClr val="bg1"/>
+                      </a:solidFill>
+                      <a:prstDash val="solid"/>
+                      <a:round/>
+                      <a:headEnd type="none" w="med" len="med"/>
+                      <a:tailEnd type="none" w="med" len="med"/>
+                    </a:lnL>
+                    <a:lnR w="12700" cap="flat" cmpd="sng" algn="ctr">
+                      <a:solidFill>
+                        <a:schemeClr val="bg1"/>
+                      </a:solidFill>
+                      <a:prstDash val="solid"/>
+                      <a:round/>
+                      <a:headEnd type="none" w="med" len="med"/>
+                      <a:tailEnd type="none" w="med" len="med"/>
+                    </a:lnR>
+                    <a:lnT w="12700" cap="flat" cmpd="sng" algn="ctr">
+                      <a:solidFill>
+                        <a:schemeClr val="bg1"/>
+                      </a:solidFill>
+                      <a:prstDash val="solid"/>
+                      <a:round/>
+                      <a:headEnd type="none" w="med" len="med"/>
+                      <a:tailEnd type="none" w="med" len="med"/>
+                    </a:lnT>
+                    <a:lnB w="12700" cap="flat" cmpd="sng" algn="ctr">
+                      <a:solidFill>
+                        <a:schemeClr val="bg1"/>
+                      </a:solidFill>
+                      <a:prstDash val="solid"/>
+                      <a:round/>
+                      <a:headEnd type="none" w="med" len="med"/>
+                      <a:tailEnd type="none" w="med" len="med"/>
+                    </a:lnB>
+                  </a:tcPr>
+                </a:tc>
+                <a:tc>
+                  <a:txBody>
+                    <a:bodyPr/>
+                    <a:lstStyle/>
+                    <a:p>
+                      <a:endParaRPr lang="es-PE" sz="1100" dirty="0"/>
+                    </a:p>
+                  </a:txBody>
+                  <a:tcPr>
+                    <a:lnL w="12700" cap="flat" cmpd="sng" algn="ctr">
+                      <a:solidFill>
+                        <a:schemeClr val="bg1"/>
+                      </a:solidFill>
+                      <a:prstDash val="solid"/>
+                      <a:round/>
+                      <a:headEnd type="none" w="med" len="med"/>
+                      <a:tailEnd type="none" w="med" len="med"/>
+                    </a:lnL>
+                    <a:lnR w="12700" cap="flat" cmpd="sng" algn="ctr">
+                      <a:solidFill>
+                        <a:schemeClr val="bg1"/>
+                      </a:solidFill>
+                      <a:prstDash val="solid"/>
+                      <a:round/>
+                      <a:headEnd type="none" w="med" len="med"/>
+                      <a:tailEnd type="none" w="med" len="med"/>
+                    </a:lnR>
+                    <a:lnT w="12700" cap="flat" cmpd="sng" algn="ctr">
+                      <a:solidFill>
+                        <a:schemeClr val="bg1"/>
+                      </a:solidFill>
+                      <a:prstDash val="solid"/>
+                      <a:round/>
+                      <a:headEnd type="none" w="med" len="med"/>
+                      <a:tailEnd type="none" w="med" len="med"/>
+                    </a:lnT>
+                    <a:lnB w="12700" cap="flat" cmpd="sng" algn="ctr">
+                      <a:solidFill>
+                        <a:schemeClr val="bg1"/>
+                      </a:solidFill>
+                      <a:prstDash val="solid"/>
+                      <a:round/>
+                      <a:headEnd type="none" w="med" len="med"/>
+                      <a:tailEnd type="none" w="med" len="med"/>
+                    </a:lnB>
+                  </a:tcPr>
+                </a:tc>
+              </a:tr>
+            </a:tbl>
+          </a:graphicData>
+        </a:graphic>
+      </p:graphicFrame>
+      <p:graphicFrame>
+        <p:nvGraphicFramePr>
+          <p:cNvPr id="15" name="14 Tabla"/>
+          <p:cNvGraphicFramePr>
+            <a:graphicFrameLocks noGrp="1"/>
+          </p:cNvGraphicFramePr>
+          <p:nvPr/>
+        </p:nvGraphicFramePr>
+        <p:xfrm>
+          <a:off x="4286248" y="5357826"/>
+          <a:ext cx="1858327" cy="1036320"/>
+        </p:xfrm>
+        <a:graphic>
+          <a:graphicData uri="http://schemas.openxmlformats.org/drawingml/2006/table">
+            <a:tbl>
+              <a:tblPr firstCol="1">
+                <a:tableStyleId>{5C22544A-7EE6-4342-B048-85BDC9FD1C3A}</a:tableStyleId>
+              </a:tblPr>
+              <a:tblGrid>
+                <a:gridCol w="894524"/>
+                <a:gridCol w="208280"/>
+                <a:gridCol w="208280"/>
+                <a:gridCol w="208280"/>
+                <a:gridCol w="338963"/>
+              </a:tblGrid>
+              <a:tr h="196455">
+                <a:tc>
+                  <a:txBody>
+                    <a:bodyPr/>
+                    <a:lstStyle/>
+                    <a:p>
+                      <a:r>
+                        <a:rPr lang="es-PE" sz="1100" dirty="0" smtClean="0"/>
+                        <a:t>ID Pal.</a:t>
+                      </a:r>
+                      <a:endParaRPr lang="es-PE" sz="1100" dirty="0"/>
+                    </a:p>
+                  </a:txBody>
+                  <a:tcPr>
+                    <a:lnL w="12700" cap="flat" cmpd="sng" algn="ctr">
+                      <a:solidFill>
+                        <a:schemeClr val="bg1"/>
+                      </a:solidFill>
+                      <a:prstDash val="solid"/>
+                      <a:round/>
+                      <a:headEnd type="none" w="med" len="med"/>
+                      <a:tailEnd type="none" w="med" len="med"/>
+                    </a:lnL>
+                    <a:lnR w="12700" cap="flat" cmpd="sng" algn="ctr">
+                      <a:solidFill>
+                        <a:schemeClr val="bg1"/>
+                      </a:solidFill>
+                      <a:prstDash val="solid"/>
+                      <a:round/>
+                      <a:headEnd type="none" w="med" len="med"/>
+                      <a:tailEnd type="none" w="med" len="med"/>
+                    </a:lnR>
+                    <a:lnT w="12700" cap="flat" cmpd="sng" algn="ctr">
+                      <a:solidFill>
+                        <a:schemeClr val="bg1"/>
+                      </a:solidFill>
+                      <a:prstDash val="solid"/>
+                      <a:round/>
+                      <a:headEnd type="none" w="med" len="med"/>
+                      <a:tailEnd type="none" w="med" len="med"/>
+                    </a:lnT>
+                    <a:lnB w="12700" cap="flat" cmpd="sng" algn="ctr">
+                      <a:solidFill>
+                        <a:schemeClr val="bg1"/>
+                      </a:solidFill>
+                      <a:prstDash val="solid"/>
+                      <a:round/>
+                      <a:headEnd type="none" w="med" len="med"/>
+                      <a:tailEnd type="none" w="med" len="med"/>
+                    </a:lnB>
+                  </a:tcPr>
+                </a:tc>
+                <a:tc gridSpan="4">
+                  <a:txBody>
+                    <a:bodyPr/>
+                    <a:lstStyle/>
+                    <a:p>
+                      <a:r>
+                        <a:rPr lang="es-PE" sz="1100" dirty="0" smtClean="0"/>
+                        <a:t>1</a:t>
+                      </a:r>
+                      <a:endParaRPr lang="es-PE" sz="1100" dirty="0"/>
+                    </a:p>
+                  </a:txBody>
+                  <a:tcPr>
+                    <a:lnL w="12700" cap="flat" cmpd="sng" algn="ctr">
+                      <a:solidFill>
+                        <a:schemeClr val="bg1"/>
+                      </a:solidFill>
+                      <a:prstDash val="solid"/>
+                      <a:round/>
+                      <a:headEnd type="none" w="med" len="med"/>
+                      <a:tailEnd type="none" w="med" len="med"/>
+                    </a:lnL>
+                    <a:lnR w="12700" cap="flat" cmpd="sng" algn="ctr">
+                      <a:solidFill>
+                        <a:schemeClr val="bg1"/>
+                      </a:solidFill>
+                      <a:prstDash val="solid"/>
+                      <a:round/>
+                      <a:headEnd type="none" w="med" len="med"/>
+                      <a:tailEnd type="none" w="med" len="med"/>
+                    </a:lnR>
+                    <a:lnT w="12700" cap="flat" cmpd="sng" algn="ctr">
+                      <a:solidFill>
+                        <a:schemeClr val="bg1"/>
+                      </a:solidFill>
+                      <a:prstDash val="solid"/>
+                      <a:round/>
+                      <a:headEnd type="none" w="med" len="med"/>
+                      <a:tailEnd type="none" w="med" len="med"/>
+                    </a:lnT>
+                    <a:lnB w="12700" cap="flat" cmpd="sng" algn="ctr">
+                      <a:solidFill>
+                        <a:schemeClr val="bg1"/>
+                      </a:solidFill>
+                      <a:prstDash val="solid"/>
+                      <a:round/>
+                      <a:headEnd type="none" w="med" len="med"/>
+                      <a:tailEnd type="none" w="med" len="med"/>
+                    </a:lnB>
+                  </a:tcPr>
+                </a:tc>
+                <a:tc hMerge="1">
+                  <a:txBody>
+                    <a:bodyPr/>
+                    <a:lstStyle/>
+                    <a:p>
+                      <a:endParaRPr lang="es-PE" dirty="0"/>
+                    </a:p>
+                  </a:txBody>
+                  <a:tcPr/>
+                </a:tc>
+                <a:tc hMerge="1">
+                  <a:txBody>
+                    <a:bodyPr/>
+                    <a:lstStyle/>
+                    <a:p>
+                      <a:endParaRPr lang="es-PE" dirty="0"/>
+                    </a:p>
+                  </a:txBody>
+                  <a:tcPr/>
+                </a:tc>
+                <a:tc hMerge="1">
+                  <a:txBody>
+                    <a:bodyPr/>
+                    <a:lstStyle/>
+                    <a:p>
+                      <a:endParaRPr lang="es-PE" dirty="0"/>
+                    </a:p>
+                  </a:txBody>
+                  <a:tcPr/>
+                </a:tc>
+              </a:tr>
+              <a:tr h="196455">
+                <a:tc>
+                  <a:txBody>
+                    <a:bodyPr/>
+                    <a:lstStyle/>
+                    <a:p>
+                      <a:r>
+                        <a:rPr lang="es-PE" sz="1100" dirty="0" smtClean="0"/>
+                        <a:t>ID Doc.</a:t>
+                      </a:r>
+                      <a:endParaRPr lang="es-PE" sz="1100" dirty="0"/>
+                    </a:p>
+                  </a:txBody>
+                  <a:tcPr>
+                    <a:lnL w="12700" cap="flat" cmpd="sng" algn="ctr">
+                      <a:solidFill>
+                        <a:schemeClr val="bg1"/>
+                      </a:solidFill>
+                      <a:prstDash val="solid"/>
+                      <a:round/>
+                      <a:headEnd type="none" w="med" len="med"/>
+                      <a:tailEnd type="none" w="med" len="med"/>
+                    </a:lnL>
+                    <a:lnR w="12700" cap="flat" cmpd="sng" algn="ctr">
+                      <a:solidFill>
+                        <a:schemeClr val="bg1"/>
+                      </a:solidFill>
+                      <a:prstDash val="solid"/>
+                      <a:round/>
+                      <a:headEnd type="none" w="med" len="med"/>
+                      <a:tailEnd type="none" w="med" len="med"/>
+                    </a:lnR>
+                    <a:lnT w="12700" cap="flat" cmpd="sng" algn="ctr">
+                      <a:solidFill>
+                        <a:schemeClr val="bg1"/>
+                      </a:solidFill>
+                      <a:prstDash val="solid"/>
+                      <a:round/>
+                      <a:headEnd type="none" w="med" len="med"/>
+                      <a:tailEnd type="none" w="med" len="med"/>
+                    </a:lnT>
+                    <a:lnB w="12700" cap="flat" cmpd="sng" algn="ctr">
+                      <a:solidFill>
+                        <a:schemeClr val="bg1"/>
+                      </a:solidFill>
+                      <a:prstDash val="solid"/>
+                      <a:round/>
+                      <a:headEnd type="none" w="med" len="med"/>
+                      <a:tailEnd type="none" w="med" len="med"/>
+                    </a:lnB>
+                  </a:tcPr>
+                </a:tc>
+                <a:tc gridSpan="4">
+                  <a:txBody>
+                    <a:bodyPr/>
+                    <a:lstStyle/>
+                    <a:p>
+                      <a:r>
+                        <a:rPr lang="es-PE" sz="1100" dirty="0" smtClean="0"/>
+                        <a:t>1</a:t>
+                      </a:r>
+                      <a:endParaRPr lang="es-PE" sz="1100" dirty="0"/>
+                    </a:p>
+                  </a:txBody>
+                  <a:tcPr>
+                    <a:lnL w="12700" cap="flat" cmpd="sng" algn="ctr">
+                      <a:solidFill>
+                        <a:schemeClr val="bg1"/>
+                      </a:solidFill>
+                      <a:prstDash val="solid"/>
+                      <a:round/>
+                      <a:headEnd type="none" w="med" len="med"/>
+                      <a:tailEnd type="none" w="med" len="med"/>
+                    </a:lnL>
+                    <a:lnR w="12700" cap="flat" cmpd="sng" algn="ctr">
+                      <a:solidFill>
+                        <a:schemeClr val="bg1"/>
+                      </a:solidFill>
+                      <a:prstDash val="solid"/>
+                      <a:round/>
+                      <a:headEnd type="none" w="med" len="med"/>
+                      <a:tailEnd type="none" w="med" len="med"/>
+                    </a:lnR>
+                    <a:lnT w="12700" cap="flat" cmpd="sng" algn="ctr">
+                      <a:solidFill>
+                        <a:schemeClr val="bg1"/>
+                      </a:solidFill>
+                      <a:prstDash val="solid"/>
+                      <a:round/>
+                      <a:headEnd type="none" w="med" len="med"/>
+                      <a:tailEnd type="none" w="med" len="med"/>
+                    </a:lnT>
+                    <a:lnB w="12700" cap="flat" cmpd="sng" algn="ctr">
+                      <a:solidFill>
+                        <a:schemeClr val="bg1"/>
+                      </a:solidFill>
+                      <a:prstDash val="solid"/>
+                      <a:round/>
+                      <a:headEnd type="none" w="med" len="med"/>
+                      <a:tailEnd type="none" w="med" len="med"/>
+                    </a:lnB>
+                  </a:tcPr>
+                </a:tc>
+                <a:tc hMerge="1">
+                  <a:txBody>
+                    <a:bodyPr/>
+                    <a:lstStyle/>
+                    <a:p>
+                      <a:endParaRPr lang="es-PE" dirty="0"/>
+                    </a:p>
+                  </a:txBody>
+                  <a:tcPr/>
+                </a:tc>
+                <a:tc hMerge="1">
+                  <a:txBody>
+                    <a:bodyPr/>
+                    <a:lstStyle/>
+                    <a:p>
+                      <a:endParaRPr lang="es-PE" dirty="0"/>
+                    </a:p>
+                  </a:txBody>
+                  <a:tcPr/>
+                </a:tc>
+                <a:tc hMerge="1">
+                  <a:txBody>
+                    <a:bodyPr/>
+                    <a:lstStyle/>
+                    <a:p>
+                      <a:endParaRPr lang="es-PE" dirty="0"/>
+                    </a:p>
+                  </a:txBody>
+                  <a:tcPr/>
+                </a:tc>
+              </a:tr>
+              <a:tr h="196455">
+                <a:tc>
+                  <a:txBody>
+                    <a:bodyPr/>
+                    <a:lstStyle/>
+                    <a:p>
+                      <a:r>
+                        <a:rPr lang="es-PE" sz="1100" dirty="0" smtClean="0"/>
+                        <a:t>Posición</a:t>
+                      </a:r>
+                      <a:r>
+                        <a:rPr lang="es-PE" sz="1100" baseline="0" dirty="0" smtClean="0"/>
+                        <a:t> </a:t>
+                      </a:r>
+                      <a:endParaRPr lang="es-PE" sz="1100" dirty="0"/>
+                    </a:p>
+                  </a:txBody>
+                  <a:tcPr>
+                    <a:lnL w="12700" cap="flat" cmpd="sng" algn="ctr">
+                      <a:solidFill>
+                        <a:schemeClr val="bg1"/>
+                      </a:solidFill>
+                      <a:prstDash val="solid"/>
+                      <a:round/>
+                      <a:headEnd type="none" w="med" len="med"/>
+                      <a:tailEnd type="none" w="med" len="med"/>
+                    </a:lnL>
+                    <a:lnR w="12700" cap="flat" cmpd="sng" algn="ctr">
+                      <a:solidFill>
+                        <a:schemeClr val="bg1"/>
+                      </a:solidFill>
+                      <a:prstDash val="solid"/>
+                      <a:round/>
+                      <a:headEnd type="none" w="med" len="med"/>
+                      <a:tailEnd type="none" w="med" len="med"/>
+                    </a:lnR>
+                    <a:lnT w="12700" cap="flat" cmpd="sng" algn="ctr">
+                      <a:solidFill>
+                        <a:schemeClr val="bg1"/>
+                      </a:solidFill>
+                      <a:prstDash val="solid"/>
+                      <a:round/>
+                      <a:headEnd type="none" w="med" len="med"/>
+                      <a:tailEnd type="none" w="med" len="med"/>
+                    </a:lnT>
+                    <a:lnB w="12700" cap="flat" cmpd="sng" algn="ctr">
+                      <a:solidFill>
+                        <a:schemeClr val="bg1"/>
+                      </a:solidFill>
+                      <a:prstDash val="solid"/>
+                      <a:round/>
+                      <a:headEnd type="none" w="med" len="med"/>
+                      <a:tailEnd type="none" w="med" len="med"/>
+                    </a:lnB>
+                  </a:tcPr>
+                </a:tc>
+                <a:tc>
+                  <a:txBody>
+                    <a:bodyPr/>
+                    <a:lstStyle/>
+                    <a:p>
+                      <a:r>
+                        <a:rPr lang="es-PE" sz="1100" dirty="0" smtClean="0"/>
+                        <a:t>4</a:t>
+                      </a:r>
+                      <a:endParaRPr lang="es-PE" sz="1100" dirty="0"/>
+                    </a:p>
+                  </a:txBody>
+                  <a:tcPr>
+                    <a:lnL w="12700" cap="flat" cmpd="sng" algn="ctr">
+                      <a:solidFill>
+                        <a:schemeClr val="bg1"/>
+                      </a:solidFill>
+                      <a:prstDash val="solid"/>
+                      <a:round/>
+                      <a:headEnd type="none" w="med" len="med"/>
+                      <a:tailEnd type="none" w="med" len="med"/>
+                    </a:lnL>
+                    <a:lnR w="12700" cap="flat" cmpd="sng" algn="ctr">
+                      <a:solidFill>
+                        <a:schemeClr val="bg1"/>
+                      </a:solidFill>
+                      <a:prstDash val="solid"/>
+                      <a:round/>
+                      <a:headEnd type="none" w="med" len="med"/>
+                      <a:tailEnd type="none" w="med" len="med"/>
+                    </a:lnR>
+                    <a:lnT w="12700" cap="flat" cmpd="sng" algn="ctr">
+                      <a:solidFill>
+                        <a:schemeClr val="bg1"/>
+                      </a:solidFill>
+                      <a:prstDash val="solid"/>
+                      <a:round/>
+                      <a:headEnd type="none" w="med" len="med"/>
+                      <a:tailEnd type="none" w="med" len="med"/>
+                    </a:lnT>
+                    <a:lnB w="12700" cap="flat" cmpd="sng" algn="ctr">
+                      <a:solidFill>
+                        <a:schemeClr val="bg1"/>
+                      </a:solidFill>
+                      <a:prstDash val="solid"/>
+                      <a:round/>
+                      <a:headEnd type="none" w="med" len="med"/>
+                      <a:tailEnd type="none" w="med" len="med"/>
+                    </a:lnB>
+                  </a:tcPr>
+                </a:tc>
+                <a:tc>
+                  <a:txBody>
+                    <a:bodyPr/>
+                    <a:lstStyle/>
+                    <a:p>
+                      <a:endParaRPr lang="es-PE" sz="1100" dirty="0"/>
+                    </a:p>
+                  </a:txBody>
+                  <a:tcPr>
+                    <a:lnL w="12700" cap="flat" cmpd="sng" algn="ctr">
+                      <a:solidFill>
+                        <a:schemeClr val="bg1"/>
+                      </a:solidFill>
+                      <a:prstDash val="solid"/>
+                      <a:round/>
+                      <a:headEnd type="none" w="med" len="med"/>
+                      <a:tailEnd type="none" w="med" len="med"/>
+                    </a:lnL>
+                    <a:lnR w="12700" cap="flat" cmpd="sng" algn="ctr">
+                      <a:solidFill>
+                        <a:schemeClr val="bg1"/>
+                      </a:solidFill>
+                      <a:prstDash val="solid"/>
+                      <a:round/>
+                      <a:headEnd type="none" w="med" len="med"/>
+                      <a:tailEnd type="none" w="med" len="med"/>
+                    </a:lnR>
+                    <a:lnT w="12700" cap="flat" cmpd="sng" algn="ctr">
+                      <a:solidFill>
+                        <a:schemeClr val="bg1"/>
+                      </a:solidFill>
+                      <a:prstDash val="solid"/>
+                      <a:round/>
+                      <a:headEnd type="none" w="med" len="med"/>
+                      <a:tailEnd type="none" w="med" len="med"/>
+                    </a:lnT>
+                    <a:lnB w="12700" cap="flat" cmpd="sng" algn="ctr">
+                      <a:solidFill>
+                        <a:schemeClr val="bg1"/>
+                      </a:solidFill>
+                      <a:prstDash val="solid"/>
+                      <a:round/>
+                      <a:headEnd type="none" w="med" len="med"/>
+                      <a:tailEnd type="none" w="med" len="med"/>
+                    </a:lnB>
+                  </a:tcPr>
+                </a:tc>
+                <a:tc>
+                  <a:txBody>
+                    <a:bodyPr/>
+                    <a:lstStyle/>
+                    <a:p>
+                      <a:endParaRPr lang="es-PE" sz="1100" dirty="0"/>
+                    </a:p>
+                  </a:txBody>
+                  <a:tcPr>
+                    <a:lnL w="12700" cap="flat" cmpd="sng" algn="ctr">
+                      <a:solidFill>
+                        <a:schemeClr val="bg1"/>
+                      </a:solidFill>
+                      <a:prstDash val="solid"/>
+                      <a:round/>
+                      <a:headEnd type="none" w="med" len="med"/>
+                      <a:tailEnd type="none" w="med" len="med"/>
+                    </a:lnL>
+                    <a:lnR w="12700" cap="flat" cmpd="sng" algn="ctr">
+                      <a:solidFill>
+                        <a:schemeClr val="bg1"/>
+                      </a:solidFill>
+                      <a:prstDash val="solid"/>
+                      <a:round/>
+                      <a:headEnd type="none" w="med" len="med"/>
+                      <a:tailEnd type="none" w="med" len="med"/>
+                    </a:lnR>
+                    <a:lnT w="12700" cap="flat" cmpd="sng" algn="ctr">
+                      <a:solidFill>
+                        <a:schemeClr val="bg1"/>
+                      </a:solidFill>
+                      <a:prstDash val="solid"/>
+                      <a:round/>
+                      <a:headEnd type="none" w="med" len="med"/>
+                      <a:tailEnd type="none" w="med" len="med"/>
+                    </a:lnT>
+                    <a:lnB w="12700" cap="flat" cmpd="sng" algn="ctr">
+                      <a:solidFill>
+                        <a:schemeClr val="bg1"/>
+                      </a:solidFill>
+                      <a:prstDash val="solid"/>
+                      <a:round/>
+                      <a:headEnd type="none" w="med" len="med"/>
+                      <a:tailEnd type="none" w="med" len="med"/>
+                    </a:lnB>
+                  </a:tcPr>
+                </a:tc>
+                <a:tc>
+                  <a:txBody>
+                    <a:bodyPr/>
+                    <a:lstStyle/>
+                    <a:p>
+                      <a:endParaRPr lang="es-PE" sz="1100" dirty="0"/>
+                    </a:p>
+                  </a:txBody>
+                  <a:tcPr>
+                    <a:lnL w="12700" cap="flat" cmpd="sng" algn="ctr">
+                      <a:solidFill>
+                        <a:schemeClr val="bg1"/>
+                      </a:solidFill>
+                      <a:prstDash val="solid"/>
+                      <a:round/>
+                      <a:headEnd type="none" w="med" len="med"/>
+                      <a:tailEnd type="none" w="med" len="med"/>
+                    </a:lnL>
+                    <a:lnR w="12700" cap="flat" cmpd="sng" algn="ctr">
+                      <a:solidFill>
+                        <a:schemeClr val="bg1"/>
+                      </a:solidFill>
+                      <a:prstDash val="solid"/>
+                      <a:round/>
+                      <a:headEnd type="none" w="med" len="med"/>
+                      <a:tailEnd type="none" w="med" len="med"/>
+                    </a:lnR>
+                    <a:lnT w="12700" cap="flat" cmpd="sng" algn="ctr">
+                      <a:solidFill>
+                        <a:schemeClr val="bg1"/>
+                      </a:solidFill>
+                      <a:prstDash val="solid"/>
+                      <a:round/>
+                      <a:headEnd type="none" w="med" len="med"/>
+                      <a:tailEnd type="none" w="med" len="med"/>
+                    </a:lnT>
+                    <a:lnB w="12700" cap="flat" cmpd="sng" algn="ctr">
+                      <a:solidFill>
+                        <a:schemeClr val="bg1"/>
+                      </a:solidFill>
+                      <a:prstDash val="solid"/>
+                      <a:round/>
+                      <a:headEnd type="none" w="med" len="med"/>
+                      <a:tailEnd type="none" w="med" len="med"/>
+                    </a:lnB>
+                  </a:tcPr>
+                </a:tc>
+              </a:tr>
+              <a:tr h="196455">
+                <a:tc>
+                  <a:txBody>
+                    <a:bodyPr/>
+                    <a:lstStyle/>
+                    <a:p>
+                      <a:r>
+                        <a:rPr lang="es-PE" sz="1100" dirty="0" smtClean="0"/>
+                        <a:t>Siguiente</a:t>
+                      </a:r>
+                      <a:endParaRPr lang="es-PE" sz="1100" dirty="0"/>
+                    </a:p>
+                  </a:txBody>
+                  <a:tcPr>
+                    <a:lnL w="12700" cap="flat" cmpd="sng" algn="ctr">
+                      <a:solidFill>
+                        <a:schemeClr val="bg1"/>
+                      </a:solidFill>
+                      <a:prstDash val="solid"/>
+                      <a:round/>
+                      <a:headEnd type="none" w="med" len="med"/>
+                      <a:tailEnd type="none" w="med" len="med"/>
+                    </a:lnL>
+                    <a:lnR w="12700" cap="flat" cmpd="sng" algn="ctr">
+                      <a:solidFill>
+                        <a:schemeClr val="bg1"/>
+                      </a:solidFill>
+                      <a:prstDash val="solid"/>
+                      <a:round/>
+                      <a:headEnd type="none" w="med" len="med"/>
+                      <a:tailEnd type="none" w="med" len="med"/>
+                    </a:lnR>
+                    <a:lnT w="12700" cap="flat" cmpd="sng" algn="ctr">
+                      <a:solidFill>
+                        <a:schemeClr val="bg1"/>
+                      </a:solidFill>
+                      <a:prstDash val="solid"/>
+                      <a:round/>
+                      <a:headEnd type="none" w="med" len="med"/>
+                      <a:tailEnd type="none" w="med" len="med"/>
+                    </a:lnT>
+                    <a:lnB w="12700" cap="flat" cmpd="sng" algn="ctr">
+                      <a:solidFill>
+                        <a:schemeClr val="bg1"/>
+                      </a:solidFill>
+                      <a:prstDash val="solid"/>
+                      <a:round/>
+                      <a:headEnd type="none" w="med" len="med"/>
+                      <a:tailEnd type="none" w="med" len="med"/>
+                    </a:lnB>
+                  </a:tcPr>
+                </a:tc>
+                <a:tc>
+                  <a:txBody>
+                    <a:bodyPr/>
+                    <a:lstStyle/>
+                    <a:p>
+                      <a:endParaRPr lang="es-PE" sz="1100" dirty="0"/>
+                    </a:p>
+                  </a:txBody>
+                  <a:tcPr>
+                    <a:lnL w="12700" cap="flat" cmpd="sng" algn="ctr">
+                      <a:solidFill>
+                        <a:schemeClr val="bg1"/>
+                      </a:solidFill>
+                      <a:prstDash val="solid"/>
+                      <a:round/>
+                      <a:headEnd type="none" w="med" len="med"/>
+                      <a:tailEnd type="none" w="med" len="med"/>
+                    </a:lnL>
+                    <a:lnR w="12700" cap="flat" cmpd="sng" algn="ctr">
+                      <a:solidFill>
+                        <a:schemeClr val="bg1"/>
+                      </a:solidFill>
+                      <a:prstDash val="solid"/>
+                      <a:round/>
+                      <a:headEnd type="none" w="med" len="med"/>
+                      <a:tailEnd type="none" w="med" len="med"/>
+                    </a:lnR>
+                    <a:lnT w="12700" cap="flat" cmpd="sng" algn="ctr">
+                      <a:solidFill>
+                        <a:schemeClr val="bg1"/>
+                      </a:solidFill>
+                      <a:prstDash val="solid"/>
+                      <a:round/>
+                      <a:headEnd type="none" w="med" len="med"/>
+                      <a:tailEnd type="none" w="med" len="med"/>
+                    </a:lnT>
+                    <a:lnB w="12700" cap="flat" cmpd="sng" algn="ctr">
+                      <a:solidFill>
+                        <a:schemeClr val="bg1"/>
+                      </a:solidFill>
+                      <a:prstDash val="solid"/>
+                      <a:round/>
+                      <a:headEnd type="none" w="med" len="med"/>
+                      <a:tailEnd type="none" w="med" len="med"/>
+                    </a:lnB>
+                  </a:tcPr>
+                </a:tc>
+                <a:tc>
+                  <a:txBody>
+                    <a:bodyPr/>
+                    <a:lstStyle/>
+                    <a:p>
+                      <a:endParaRPr lang="es-PE" sz="1100" dirty="0"/>
+                    </a:p>
+                  </a:txBody>
+                  <a:tcPr>
+                    <a:lnL w="12700" cap="flat" cmpd="sng" algn="ctr">
+                      <a:solidFill>
+                        <a:schemeClr val="bg1"/>
+                      </a:solidFill>
+                      <a:prstDash val="solid"/>
+                      <a:round/>
+                      <a:headEnd type="none" w="med" len="med"/>
+                      <a:tailEnd type="none" w="med" len="med"/>
+                    </a:lnL>
+                    <a:lnR w="12700" cap="flat" cmpd="sng" algn="ctr">
+                      <a:solidFill>
+                        <a:schemeClr val="bg1"/>
+                      </a:solidFill>
+                      <a:prstDash val="solid"/>
+                      <a:round/>
+                      <a:headEnd type="none" w="med" len="med"/>
+                      <a:tailEnd type="none" w="med" len="med"/>
+                    </a:lnR>
+                    <a:lnT w="12700" cap="flat" cmpd="sng" algn="ctr">
+                      <a:solidFill>
+                        <a:schemeClr val="bg1"/>
+                      </a:solidFill>
+                      <a:prstDash val="solid"/>
+                      <a:round/>
+                      <a:headEnd type="none" w="med" len="med"/>
+                      <a:tailEnd type="none" w="med" len="med"/>
+                    </a:lnT>
+                    <a:lnB w="12700" cap="flat" cmpd="sng" algn="ctr">
+                      <a:solidFill>
+                        <a:schemeClr val="bg1"/>
+                      </a:solidFill>
+                      <a:prstDash val="solid"/>
+                      <a:round/>
+                      <a:headEnd type="none" w="med" len="med"/>
+                      <a:tailEnd type="none" w="med" len="med"/>
+                    </a:lnB>
+                  </a:tcPr>
+                </a:tc>
+                <a:tc>
+                  <a:txBody>
+                    <a:bodyPr/>
+                    <a:lstStyle/>
+                    <a:p>
+                      <a:endParaRPr lang="es-PE" sz="1100" dirty="0"/>
+                    </a:p>
+                  </a:txBody>
+                  <a:tcPr>
+                    <a:lnL w="12700" cap="flat" cmpd="sng" algn="ctr">
+                      <a:solidFill>
+                        <a:schemeClr val="bg1"/>
+                      </a:solidFill>
+                      <a:prstDash val="solid"/>
+                      <a:round/>
+                      <a:headEnd type="none" w="med" len="med"/>
+                      <a:tailEnd type="none" w="med" len="med"/>
+                    </a:lnL>
+                    <a:lnR w="12700" cap="flat" cmpd="sng" algn="ctr">
+                      <a:solidFill>
+                        <a:schemeClr val="bg1"/>
+                      </a:solidFill>
+                      <a:prstDash val="solid"/>
+                      <a:round/>
+                      <a:headEnd type="none" w="med" len="med"/>
+                      <a:tailEnd type="none" w="med" len="med"/>
+                    </a:lnR>
+                    <a:lnT w="12700" cap="flat" cmpd="sng" algn="ctr">
+                      <a:solidFill>
+                        <a:schemeClr val="bg1"/>
+                      </a:solidFill>
+                      <a:prstDash val="solid"/>
+                      <a:round/>
+                      <a:headEnd type="none" w="med" len="med"/>
+                      <a:tailEnd type="none" w="med" len="med"/>
+                    </a:lnT>
+                    <a:lnB w="12700" cap="flat" cmpd="sng" algn="ctr">
+                      <a:solidFill>
+                        <a:schemeClr val="bg1"/>
+                      </a:solidFill>
+                      <a:prstDash val="solid"/>
+                      <a:round/>
+                      <a:headEnd type="none" w="med" len="med"/>
+                      <a:tailEnd type="none" w="med" len="med"/>
+                    </a:lnB>
+                  </a:tcPr>
+                </a:tc>
+                <a:tc>
+                  <a:txBody>
+                    <a:bodyPr/>
+                    <a:lstStyle/>
+                    <a:p>
+                      <a:endParaRPr lang="es-PE" sz="1100" dirty="0"/>
+                    </a:p>
+                  </a:txBody>
+                  <a:tcPr>
+                    <a:lnL w="12700" cap="flat" cmpd="sng" algn="ctr">
+                      <a:solidFill>
+                        <a:schemeClr val="bg1"/>
+                      </a:solidFill>
+                      <a:prstDash val="solid"/>
+                      <a:round/>
+                      <a:headEnd type="none" w="med" len="med"/>
+                      <a:tailEnd type="none" w="med" len="med"/>
+                    </a:lnL>
+                    <a:lnR w="12700" cap="flat" cmpd="sng" algn="ctr">
+                      <a:solidFill>
+                        <a:schemeClr val="bg1"/>
+                      </a:solidFill>
+                      <a:prstDash val="solid"/>
+                      <a:round/>
+                      <a:headEnd type="none" w="med" len="med"/>
+                      <a:tailEnd type="none" w="med" len="med"/>
+                    </a:lnR>
+                    <a:lnT w="12700" cap="flat" cmpd="sng" algn="ctr">
+                      <a:solidFill>
+                        <a:schemeClr val="bg1"/>
+                      </a:solidFill>
+                      <a:prstDash val="solid"/>
+                      <a:round/>
+                      <a:headEnd type="none" w="med" len="med"/>
+                      <a:tailEnd type="none" w="med" len="med"/>
+                    </a:lnT>
+                    <a:lnB w="12700" cap="flat" cmpd="sng" algn="ctr">
+                      <a:solidFill>
+                        <a:schemeClr val="bg1"/>
+                      </a:solidFill>
+                      <a:prstDash val="solid"/>
+                      <a:round/>
+                      <a:headEnd type="none" w="med" len="med"/>
+                      <a:tailEnd type="none" w="med" len="med"/>
+                    </a:lnB>
+                  </a:tcPr>
+                </a:tc>
+              </a:tr>
+            </a:tbl>
+          </a:graphicData>
+        </a:graphic>
+      </p:graphicFrame>
+      <p:graphicFrame>
+        <p:nvGraphicFramePr>
+          <p:cNvPr id="16" name="15 Tabla"/>
+          <p:cNvGraphicFramePr>
+            <a:graphicFrameLocks noGrp="1"/>
+          </p:cNvGraphicFramePr>
+          <p:nvPr/>
+        </p:nvGraphicFramePr>
+        <p:xfrm>
+          <a:off x="6715140" y="2928934"/>
+          <a:ext cx="1858327" cy="1036320"/>
+        </p:xfrm>
+        <a:graphic>
+          <a:graphicData uri="http://schemas.openxmlformats.org/drawingml/2006/table">
+            <a:tbl>
+              <a:tblPr firstCol="1">
+                <a:tableStyleId>{5C22544A-7EE6-4342-B048-85BDC9FD1C3A}</a:tableStyleId>
+              </a:tblPr>
+              <a:tblGrid>
+                <a:gridCol w="894524"/>
+                <a:gridCol w="208280"/>
+                <a:gridCol w="208280"/>
+                <a:gridCol w="208280"/>
+                <a:gridCol w="338963"/>
+              </a:tblGrid>
+              <a:tr h="196455">
+                <a:tc>
+                  <a:txBody>
+                    <a:bodyPr/>
+                    <a:lstStyle/>
+                    <a:p>
+                      <a:r>
+                        <a:rPr lang="es-PE" sz="1100" dirty="0" smtClean="0"/>
+                        <a:t>ID Pal.</a:t>
+                      </a:r>
+                      <a:endParaRPr lang="es-PE" sz="1100" dirty="0"/>
+                    </a:p>
+                  </a:txBody>
+                  <a:tcPr>
+                    <a:lnL w="12700" cap="flat" cmpd="sng" algn="ctr">
+                      <a:solidFill>
+                        <a:schemeClr val="bg1"/>
+                      </a:solidFill>
+                      <a:prstDash val="solid"/>
+                      <a:round/>
+                      <a:headEnd type="none" w="med" len="med"/>
+                      <a:tailEnd type="none" w="med" len="med"/>
+                    </a:lnL>
+                    <a:lnR w="12700" cap="flat" cmpd="sng" algn="ctr">
+                      <a:solidFill>
+                        <a:schemeClr val="bg1"/>
+                      </a:solidFill>
+                      <a:prstDash val="solid"/>
+                      <a:round/>
+                      <a:headEnd type="none" w="med" len="med"/>
+                      <a:tailEnd type="none" w="med" len="med"/>
+                    </a:lnR>
+                    <a:lnT w="12700" cap="flat" cmpd="sng" algn="ctr">
+                      <a:solidFill>
+                        <a:schemeClr val="bg1"/>
+                      </a:solidFill>
+                      <a:prstDash val="solid"/>
+                      <a:round/>
+                      <a:headEnd type="none" w="med" len="med"/>
+                      <a:tailEnd type="none" w="med" len="med"/>
+                    </a:lnT>
+                    <a:lnB w="12700" cap="flat" cmpd="sng" algn="ctr">
+                      <a:solidFill>
+                        <a:schemeClr val="bg1"/>
+                      </a:solidFill>
+                      <a:prstDash val="solid"/>
+                      <a:round/>
+                      <a:headEnd type="none" w="med" len="med"/>
+                      <a:tailEnd type="none" w="med" len="med"/>
+                    </a:lnB>
+                  </a:tcPr>
+                </a:tc>
+                <a:tc gridSpan="4">
+                  <a:txBody>
+                    <a:bodyPr/>
+                    <a:lstStyle/>
+                    <a:p>
+                      <a:r>
+                        <a:rPr lang="es-PE" sz="1100" dirty="0" smtClean="0"/>
+                        <a:t>1</a:t>
+                      </a:r>
+                      <a:endParaRPr lang="es-PE" sz="1100" dirty="0"/>
+                    </a:p>
+                  </a:txBody>
+                  <a:tcPr>
+                    <a:lnL w="12700" cap="flat" cmpd="sng" algn="ctr">
+                      <a:solidFill>
+                        <a:schemeClr val="bg1"/>
+                      </a:solidFill>
+                      <a:prstDash val="solid"/>
+                      <a:round/>
+                      <a:headEnd type="none" w="med" len="med"/>
+                      <a:tailEnd type="none" w="med" len="med"/>
+                    </a:lnL>
+                    <a:lnR w="12700" cap="flat" cmpd="sng" algn="ctr">
+                      <a:solidFill>
+                        <a:schemeClr val="bg1"/>
+                      </a:solidFill>
+                      <a:prstDash val="solid"/>
+                      <a:round/>
+                      <a:headEnd type="none" w="med" len="med"/>
+                      <a:tailEnd type="none" w="med" len="med"/>
+                    </a:lnR>
+                    <a:lnT w="12700" cap="flat" cmpd="sng" algn="ctr">
+                      <a:solidFill>
+                        <a:schemeClr val="bg1"/>
+                      </a:solidFill>
+                      <a:prstDash val="solid"/>
+                      <a:round/>
+                      <a:headEnd type="none" w="med" len="med"/>
+                      <a:tailEnd type="none" w="med" len="med"/>
+                    </a:lnT>
+                    <a:lnB w="12700" cap="flat" cmpd="sng" algn="ctr">
+                      <a:solidFill>
+                        <a:schemeClr val="bg1"/>
+                      </a:solidFill>
+                      <a:prstDash val="solid"/>
+                      <a:round/>
+                      <a:headEnd type="none" w="med" len="med"/>
+                      <a:tailEnd type="none" w="med" len="med"/>
+                    </a:lnB>
+                  </a:tcPr>
+                </a:tc>
+                <a:tc hMerge="1">
+                  <a:txBody>
+                    <a:bodyPr/>
+                    <a:lstStyle/>
+                    <a:p>
+                      <a:endParaRPr lang="es-PE" dirty="0"/>
+                    </a:p>
+                  </a:txBody>
+                  <a:tcPr/>
+                </a:tc>
+                <a:tc hMerge="1">
+                  <a:txBody>
+                    <a:bodyPr/>
+                    <a:lstStyle/>
+                    <a:p>
+                      <a:endParaRPr lang="es-PE" dirty="0"/>
+                    </a:p>
+                  </a:txBody>
+                  <a:tcPr/>
+                </a:tc>
+                <a:tc hMerge="1">
+                  <a:txBody>
+                    <a:bodyPr/>
+                    <a:lstStyle/>
+                    <a:p>
+                      <a:endParaRPr lang="es-PE" dirty="0"/>
+                    </a:p>
+                  </a:txBody>
+                  <a:tcPr/>
+                </a:tc>
+              </a:tr>
+              <a:tr h="196455">
+                <a:tc>
+                  <a:txBody>
+                    <a:bodyPr/>
+                    <a:lstStyle/>
+                    <a:p>
+                      <a:r>
+                        <a:rPr lang="es-PE" sz="1100" dirty="0" smtClean="0"/>
+                        <a:t>ID Doc.</a:t>
+                      </a:r>
+                      <a:endParaRPr lang="es-PE" sz="1100" dirty="0"/>
+                    </a:p>
+                  </a:txBody>
+                  <a:tcPr>
+                    <a:lnL w="12700" cap="flat" cmpd="sng" algn="ctr">
+                      <a:solidFill>
+                        <a:schemeClr val="bg1"/>
+                      </a:solidFill>
+                      <a:prstDash val="solid"/>
+                      <a:round/>
+                      <a:headEnd type="none" w="med" len="med"/>
+                      <a:tailEnd type="none" w="med" len="med"/>
+                    </a:lnL>
+                    <a:lnR w="12700" cap="flat" cmpd="sng" algn="ctr">
+                      <a:solidFill>
+                        <a:schemeClr val="bg1"/>
+                      </a:solidFill>
+                      <a:prstDash val="solid"/>
+                      <a:round/>
+                      <a:headEnd type="none" w="med" len="med"/>
+                      <a:tailEnd type="none" w="med" len="med"/>
+                    </a:lnR>
+                    <a:lnT w="12700" cap="flat" cmpd="sng" algn="ctr">
+                      <a:solidFill>
+                        <a:schemeClr val="bg1"/>
+                      </a:solidFill>
+                      <a:prstDash val="solid"/>
+                      <a:round/>
+                      <a:headEnd type="none" w="med" len="med"/>
+                      <a:tailEnd type="none" w="med" len="med"/>
+                    </a:lnT>
+                    <a:lnB w="12700" cap="flat" cmpd="sng" algn="ctr">
+                      <a:solidFill>
+                        <a:schemeClr val="bg1"/>
+                      </a:solidFill>
+                      <a:prstDash val="solid"/>
+                      <a:round/>
+                      <a:headEnd type="none" w="med" len="med"/>
+                      <a:tailEnd type="none" w="med" len="med"/>
+                    </a:lnB>
+                  </a:tcPr>
+                </a:tc>
+                <a:tc gridSpan="4">
+                  <a:txBody>
+                    <a:bodyPr/>
+                    <a:lstStyle/>
+                    <a:p>
+                      <a:r>
+                        <a:rPr lang="es-PE" sz="1100" dirty="0" smtClean="0"/>
+                        <a:t>2</a:t>
+                      </a:r>
+                      <a:endParaRPr lang="es-PE" sz="1100" dirty="0"/>
+                    </a:p>
+                  </a:txBody>
+                  <a:tcPr>
+                    <a:lnL w="12700" cap="flat" cmpd="sng" algn="ctr">
+                      <a:solidFill>
+                        <a:schemeClr val="bg1"/>
+                      </a:solidFill>
+                      <a:prstDash val="solid"/>
+                      <a:round/>
+                      <a:headEnd type="none" w="med" len="med"/>
+                      <a:tailEnd type="none" w="med" len="med"/>
+                    </a:lnL>
+                    <a:lnR w="12700" cap="flat" cmpd="sng" algn="ctr">
+                      <a:solidFill>
+                        <a:schemeClr val="bg1"/>
+                      </a:solidFill>
+                      <a:prstDash val="solid"/>
+                      <a:round/>
+                      <a:headEnd type="none" w="med" len="med"/>
+                      <a:tailEnd type="none" w="med" len="med"/>
+                    </a:lnR>
+                    <a:lnT w="12700" cap="flat" cmpd="sng" algn="ctr">
+                      <a:solidFill>
+                        <a:schemeClr val="bg1"/>
+                      </a:solidFill>
+                      <a:prstDash val="solid"/>
+                      <a:round/>
+                      <a:headEnd type="none" w="med" len="med"/>
+                      <a:tailEnd type="none" w="med" len="med"/>
+                    </a:lnT>
+                    <a:lnB w="12700" cap="flat" cmpd="sng" algn="ctr">
+                      <a:solidFill>
+                        <a:schemeClr val="bg1"/>
+                      </a:solidFill>
+                      <a:prstDash val="solid"/>
+                      <a:round/>
+                      <a:headEnd type="none" w="med" len="med"/>
+                      <a:tailEnd type="none" w="med" len="med"/>
+                    </a:lnB>
+                  </a:tcPr>
+                </a:tc>
+                <a:tc hMerge="1">
+                  <a:txBody>
+                    <a:bodyPr/>
+                    <a:lstStyle/>
+                    <a:p>
+                      <a:endParaRPr lang="es-PE" dirty="0"/>
+                    </a:p>
+                  </a:txBody>
+                  <a:tcPr/>
+                </a:tc>
+                <a:tc hMerge="1">
+                  <a:txBody>
+                    <a:bodyPr/>
+                    <a:lstStyle/>
+                    <a:p>
+                      <a:endParaRPr lang="es-PE" dirty="0"/>
+                    </a:p>
+                  </a:txBody>
+                  <a:tcPr/>
+                </a:tc>
+                <a:tc hMerge="1">
+                  <a:txBody>
+                    <a:bodyPr/>
+                    <a:lstStyle/>
+                    <a:p>
+                      <a:endParaRPr lang="es-PE" dirty="0"/>
+                    </a:p>
+                  </a:txBody>
+                  <a:tcPr/>
+                </a:tc>
+              </a:tr>
+              <a:tr h="196455">
+                <a:tc>
+                  <a:txBody>
+                    <a:bodyPr/>
+                    <a:lstStyle/>
+                    <a:p>
+                      <a:r>
+                        <a:rPr lang="es-PE" sz="1100" dirty="0" smtClean="0"/>
+                        <a:t>Posición</a:t>
+                      </a:r>
+                      <a:r>
+                        <a:rPr lang="es-PE" sz="1100" baseline="0" dirty="0" smtClean="0"/>
+                        <a:t> </a:t>
+                      </a:r>
+                      <a:endParaRPr lang="es-PE" sz="1100" dirty="0"/>
+                    </a:p>
+                  </a:txBody>
+                  <a:tcPr>
+                    <a:lnL w="12700" cap="flat" cmpd="sng" algn="ctr">
+                      <a:solidFill>
+                        <a:schemeClr val="bg1"/>
+                      </a:solidFill>
+                      <a:prstDash val="solid"/>
+                      <a:round/>
+                      <a:headEnd type="none" w="med" len="med"/>
+                      <a:tailEnd type="none" w="med" len="med"/>
+                    </a:lnL>
+                    <a:lnR w="12700" cap="flat" cmpd="sng" algn="ctr">
+                      <a:solidFill>
+                        <a:schemeClr val="bg1"/>
+                      </a:solidFill>
+                      <a:prstDash val="solid"/>
+                      <a:round/>
+                      <a:headEnd type="none" w="med" len="med"/>
+                      <a:tailEnd type="none" w="med" len="med"/>
+                    </a:lnR>
+                    <a:lnT w="12700" cap="flat" cmpd="sng" algn="ctr">
+                      <a:solidFill>
+                        <a:schemeClr val="bg1"/>
+                      </a:solidFill>
+                      <a:prstDash val="solid"/>
+                      <a:round/>
+                      <a:headEnd type="none" w="med" len="med"/>
+                      <a:tailEnd type="none" w="med" len="med"/>
+                    </a:lnT>
+                    <a:lnB w="12700" cap="flat" cmpd="sng" algn="ctr">
+                      <a:solidFill>
+                        <a:schemeClr val="bg1"/>
+                      </a:solidFill>
+                      <a:prstDash val="solid"/>
+                      <a:round/>
+                      <a:headEnd type="none" w="med" len="med"/>
+                      <a:tailEnd type="none" w="med" len="med"/>
+                    </a:lnB>
+                  </a:tcPr>
+                </a:tc>
+                <a:tc>
+                  <a:txBody>
+                    <a:bodyPr/>
+                    <a:lstStyle/>
+                    <a:p>
+                      <a:endParaRPr lang="es-PE" sz="1100" dirty="0"/>
+                    </a:p>
+                  </a:txBody>
+                  <a:tcPr>
+                    <a:lnL w="12700" cap="flat" cmpd="sng" algn="ctr">
+                      <a:solidFill>
+                        <a:schemeClr val="bg1"/>
+                      </a:solidFill>
+                      <a:prstDash val="solid"/>
+                      <a:round/>
+                      <a:headEnd type="none" w="med" len="med"/>
+                      <a:tailEnd type="none" w="med" len="med"/>
+                    </a:lnL>
+                    <a:lnR w="12700" cap="flat" cmpd="sng" algn="ctr">
+                      <a:solidFill>
+                        <a:schemeClr val="bg1"/>
+                      </a:solidFill>
+                      <a:prstDash val="solid"/>
+                      <a:round/>
+                      <a:headEnd type="none" w="med" len="med"/>
+                      <a:tailEnd type="none" w="med" len="med"/>
+                    </a:lnR>
+                    <a:lnT w="12700" cap="flat" cmpd="sng" algn="ctr">
+                      <a:solidFill>
+                        <a:schemeClr val="bg1"/>
+                      </a:solidFill>
+                      <a:prstDash val="solid"/>
+                      <a:round/>
+                      <a:headEnd type="none" w="med" len="med"/>
+                      <a:tailEnd type="none" w="med" len="med"/>
+                    </a:lnT>
+                    <a:lnB w="12700" cap="flat" cmpd="sng" algn="ctr">
+                      <a:solidFill>
+                        <a:schemeClr val="bg1"/>
+                      </a:solidFill>
+                      <a:prstDash val="solid"/>
+                      <a:round/>
+                      <a:headEnd type="none" w="med" len="med"/>
+                      <a:tailEnd type="none" w="med" len="med"/>
+                    </a:lnB>
+                  </a:tcPr>
+                </a:tc>
+                <a:tc>
+                  <a:txBody>
+                    <a:bodyPr/>
+                    <a:lstStyle/>
+                    <a:p>
+                      <a:endParaRPr lang="es-PE" sz="1100" dirty="0"/>
+                    </a:p>
+                  </a:txBody>
+                  <a:tcPr>
+                    <a:lnL w="12700" cap="flat" cmpd="sng" algn="ctr">
+                      <a:solidFill>
+                        <a:schemeClr val="bg1"/>
+                      </a:solidFill>
+                      <a:prstDash val="solid"/>
+                      <a:round/>
+                      <a:headEnd type="none" w="med" len="med"/>
+                      <a:tailEnd type="none" w="med" len="med"/>
+                    </a:lnL>
+                    <a:lnR w="12700" cap="flat" cmpd="sng" algn="ctr">
+                      <a:solidFill>
+                        <a:schemeClr val="bg1"/>
+                      </a:solidFill>
+                      <a:prstDash val="solid"/>
+                      <a:round/>
+                      <a:headEnd type="none" w="med" len="med"/>
+                      <a:tailEnd type="none" w="med" len="med"/>
+                    </a:lnR>
+                    <a:lnT w="12700" cap="flat" cmpd="sng" algn="ctr">
+                      <a:solidFill>
+                        <a:schemeClr val="bg1"/>
+                      </a:solidFill>
+                      <a:prstDash val="solid"/>
+                      <a:round/>
+                      <a:headEnd type="none" w="med" len="med"/>
+                      <a:tailEnd type="none" w="med" len="med"/>
+                    </a:lnT>
+                    <a:lnB w="12700" cap="flat" cmpd="sng" algn="ctr">
+                      <a:solidFill>
+                        <a:schemeClr val="bg1"/>
+                      </a:solidFill>
+                      <a:prstDash val="solid"/>
+                      <a:round/>
+                      <a:headEnd type="none" w="med" len="med"/>
+                      <a:tailEnd type="none" w="med" len="med"/>
+                    </a:lnB>
+                  </a:tcPr>
+                </a:tc>
+                <a:tc>
+                  <a:txBody>
+                    <a:bodyPr/>
+                    <a:lstStyle/>
+                    <a:p>
+                      <a:endParaRPr lang="es-PE" sz="1100" dirty="0"/>
+                    </a:p>
+                  </a:txBody>
+                  <a:tcPr>
+                    <a:lnL w="12700" cap="flat" cmpd="sng" algn="ctr">
+                      <a:solidFill>
+                        <a:schemeClr val="bg1"/>
+                      </a:solidFill>
+                      <a:prstDash val="solid"/>
+                      <a:round/>
+                      <a:headEnd type="none" w="med" len="med"/>
+                      <a:tailEnd type="none" w="med" len="med"/>
+                    </a:lnL>
+                    <a:lnR w="12700" cap="flat" cmpd="sng" algn="ctr">
+                      <a:solidFill>
+                        <a:schemeClr val="bg1"/>
+                      </a:solidFill>
+                      <a:prstDash val="solid"/>
+                      <a:round/>
+                      <a:headEnd type="none" w="med" len="med"/>
+                      <a:tailEnd type="none" w="med" len="med"/>
+                    </a:lnR>
+                    <a:lnT w="12700" cap="flat" cmpd="sng" algn="ctr">
+                      <a:solidFill>
+                        <a:schemeClr val="bg1"/>
+                      </a:solidFill>
+                      <a:prstDash val="solid"/>
+                      <a:round/>
+                      <a:headEnd type="none" w="med" len="med"/>
+                      <a:tailEnd type="none" w="med" len="med"/>
+                    </a:lnT>
+                    <a:lnB w="12700" cap="flat" cmpd="sng" algn="ctr">
+                      <a:solidFill>
+                        <a:schemeClr val="bg1"/>
+                      </a:solidFill>
+                      <a:prstDash val="solid"/>
+                      <a:round/>
+                      <a:headEnd type="none" w="med" len="med"/>
+                      <a:tailEnd type="none" w="med" len="med"/>
+                    </a:lnB>
+                  </a:tcPr>
+                </a:tc>
+                <a:tc>
+                  <a:txBody>
+                    <a:bodyPr/>
+                    <a:lstStyle/>
+                    <a:p>
+                      <a:endParaRPr lang="es-PE" sz="1100" dirty="0"/>
+                    </a:p>
+                  </a:txBody>
+                  <a:tcPr>
+                    <a:lnL w="12700" cap="flat" cmpd="sng" algn="ctr">
+                      <a:solidFill>
+                        <a:schemeClr val="bg1"/>
+                      </a:solidFill>
+                      <a:prstDash val="solid"/>
+                      <a:round/>
+                      <a:headEnd type="none" w="med" len="med"/>
+                      <a:tailEnd type="none" w="med" len="med"/>
+                    </a:lnL>
+                    <a:lnR w="12700" cap="flat" cmpd="sng" algn="ctr">
+                      <a:solidFill>
+                        <a:schemeClr val="bg1"/>
+                      </a:solidFill>
+                      <a:prstDash val="solid"/>
+                      <a:round/>
+                      <a:headEnd type="none" w="med" len="med"/>
+                      <a:tailEnd type="none" w="med" len="med"/>
+                    </a:lnR>
+                    <a:lnT w="12700" cap="flat" cmpd="sng" algn="ctr">
+                      <a:solidFill>
+                        <a:schemeClr val="bg1"/>
+                      </a:solidFill>
+                      <a:prstDash val="solid"/>
+                      <a:round/>
+                      <a:headEnd type="none" w="med" len="med"/>
+                      <a:tailEnd type="none" w="med" len="med"/>
+                    </a:lnT>
+                    <a:lnB w="12700" cap="flat" cmpd="sng" algn="ctr">
+                      <a:solidFill>
+                        <a:schemeClr val="bg1"/>
+                      </a:solidFill>
+                      <a:prstDash val="solid"/>
+                      <a:round/>
+                      <a:headEnd type="none" w="med" len="med"/>
+                      <a:tailEnd type="none" w="med" len="med"/>
+                    </a:lnB>
+                  </a:tcPr>
+                </a:tc>
+              </a:tr>
+              <a:tr h="196455">
+                <a:tc>
+                  <a:txBody>
+                    <a:bodyPr/>
+                    <a:lstStyle/>
+                    <a:p>
+                      <a:r>
+                        <a:rPr lang="es-PE" sz="1100" dirty="0" smtClean="0"/>
+                        <a:t>Siguiente</a:t>
+                      </a:r>
+                      <a:endParaRPr lang="es-PE" sz="1100" dirty="0"/>
+                    </a:p>
+                  </a:txBody>
+                  <a:tcPr>
+                    <a:lnL w="12700" cap="flat" cmpd="sng" algn="ctr">
+                      <a:solidFill>
+                        <a:schemeClr val="bg1"/>
+                      </a:solidFill>
+                      <a:prstDash val="solid"/>
+                      <a:round/>
+                      <a:headEnd type="none" w="med" len="med"/>
+                      <a:tailEnd type="none" w="med" len="med"/>
+                    </a:lnL>
+                    <a:lnR w="12700" cap="flat" cmpd="sng" algn="ctr">
+                      <a:solidFill>
+                        <a:schemeClr val="bg1"/>
+                      </a:solidFill>
+                      <a:prstDash val="solid"/>
+                      <a:round/>
+                      <a:headEnd type="none" w="med" len="med"/>
+                      <a:tailEnd type="none" w="med" len="med"/>
+                    </a:lnR>
+                    <a:lnT w="12700" cap="flat" cmpd="sng" algn="ctr">
+                      <a:solidFill>
+                        <a:schemeClr val="bg1"/>
+                      </a:solidFill>
+                      <a:prstDash val="solid"/>
+                      <a:round/>
+                      <a:headEnd type="none" w="med" len="med"/>
+                      <a:tailEnd type="none" w="med" len="med"/>
+                    </a:lnT>
+                    <a:lnB w="12700" cap="flat" cmpd="sng" algn="ctr">
+                      <a:solidFill>
+                        <a:schemeClr val="bg1"/>
+                      </a:solidFill>
+                      <a:prstDash val="solid"/>
+                      <a:round/>
+                      <a:headEnd type="none" w="med" len="med"/>
+                      <a:tailEnd type="none" w="med" len="med"/>
+                    </a:lnB>
+                  </a:tcPr>
+                </a:tc>
+                <a:tc>
+                  <a:txBody>
+                    <a:bodyPr/>
+                    <a:lstStyle/>
+                    <a:p>
+                      <a:endParaRPr lang="es-PE" sz="1100" dirty="0"/>
+                    </a:p>
+                  </a:txBody>
+                  <a:tcPr>
+                    <a:lnL w="12700" cap="flat" cmpd="sng" algn="ctr">
+                      <a:solidFill>
+                        <a:schemeClr val="bg1"/>
+                      </a:solidFill>
+                      <a:prstDash val="solid"/>
+                      <a:round/>
+                      <a:headEnd type="none" w="med" len="med"/>
+                      <a:tailEnd type="none" w="med" len="med"/>
+                    </a:lnL>
+                    <a:lnR w="12700" cap="flat" cmpd="sng" algn="ctr">
+                      <a:solidFill>
+                        <a:schemeClr val="bg1"/>
+                      </a:solidFill>
+                      <a:prstDash val="solid"/>
+                      <a:round/>
+                      <a:headEnd type="none" w="med" len="med"/>
+                      <a:tailEnd type="none" w="med" len="med"/>
+                    </a:lnR>
+                    <a:lnT w="12700" cap="flat" cmpd="sng" algn="ctr">
+                      <a:solidFill>
+                        <a:schemeClr val="bg1"/>
+                      </a:solidFill>
+                      <a:prstDash val="solid"/>
+                      <a:round/>
+                      <a:headEnd type="none" w="med" len="med"/>
+                      <a:tailEnd type="none" w="med" len="med"/>
+                    </a:lnT>
+                    <a:lnB w="12700" cap="flat" cmpd="sng" algn="ctr">
+                      <a:solidFill>
+                        <a:schemeClr val="bg1"/>
+                      </a:solidFill>
+                      <a:prstDash val="solid"/>
+                      <a:round/>
+                      <a:headEnd type="none" w="med" len="med"/>
+                      <a:tailEnd type="none" w="med" len="med"/>
+                    </a:lnB>
+                  </a:tcPr>
+                </a:tc>
+                <a:tc>
+                  <a:txBody>
+                    <a:bodyPr/>
+                    <a:lstStyle/>
+                    <a:p>
+                      <a:endParaRPr lang="es-PE" sz="1100" dirty="0"/>
+                    </a:p>
+                  </a:txBody>
+                  <a:tcPr>
+                    <a:lnL w="12700" cap="flat" cmpd="sng" algn="ctr">
+                      <a:solidFill>
+                        <a:schemeClr val="bg1"/>
+                      </a:solidFill>
+                      <a:prstDash val="solid"/>
+                      <a:round/>
+                      <a:headEnd type="none" w="med" len="med"/>
+                      <a:tailEnd type="none" w="med" len="med"/>
+                    </a:lnL>
+                    <a:lnR w="12700" cap="flat" cmpd="sng" algn="ctr">
+                      <a:solidFill>
+                        <a:schemeClr val="bg1"/>
+                      </a:solidFill>
+                      <a:prstDash val="solid"/>
+                      <a:round/>
+                      <a:headEnd type="none" w="med" len="med"/>
+                      <a:tailEnd type="none" w="med" len="med"/>
+                    </a:lnR>
+                    <a:lnT w="12700" cap="flat" cmpd="sng" algn="ctr">
+                      <a:solidFill>
+                        <a:schemeClr val="bg1"/>
+                      </a:solidFill>
+                      <a:prstDash val="solid"/>
+                      <a:round/>
+                      <a:headEnd type="none" w="med" len="med"/>
+                      <a:tailEnd type="none" w="med" len="med"/>
+                    </a:lnT>
+                    <a:lnB w="12700" cap="flat" cmpd="sng" algn="ctr">
+                      <a:solidFill>
+                        <a:schemeClr val="bg1"/>
+                      </a:solidFill>
+                      <a:prstDash val="solid"/>
+                      <a:round/>
+                      <a:headEnd type="none" w="med" len="med"/>
+                      <a:tailEnd type="none" w="med" len="med"/>
+                    </a:lnB>
+                  </a:tcPr>
+                </a:tc>
+                <a:tc>
+                  <a:txBody>
+                    <a:bodyPr/>
+                    <a:lstStyle/>
+                    <a:p>
+                      <a:endParaRPr lang="es-PE" sz="1100" dirty="0"/>
+                    </a:p>
+                  </a:txBody>
+                  <a:tcPr>
+                    <a:lnL w="12700" cap="flat" cmpd="sng" algn="ctr">
+                      <a:solidFill>
+                        <a:schemeClr val="bg1"/>
+                      </a:solidFill>
+                      <a:prstDash val="solid"/>
+                      <a:round/>
+                      <a:headEnd type="none" w="med" len="med"/>
+                      <a:tailEnd type="none" w="med" len="med"/>
+                    </a:lnL>
+                    <a:lnR w="12700" cap="flat" cmpd="sng" algn="ctr">
+                      <a:solidFill>
+                        <a:schemeClr val="bg1"/>
+                      </a:solidFill>
+                      <a:prstDash val="solid"/>
+                      <a:round/>
+                      <a:headEnd type="none" w="med" len="med"/>
+                      <a:tailEnd type="none" w="med" len="med"/>
+                    </a:lnR>
+                    <a:lnT w="12700" cap="flat" cmpd="sng" algn="ctr">
+                      <a:solidFill>
+                        <a:schemeClr val="bg1"/>
+                      </a:solidFill>
+                      <a:prstDash val="solid"/>
+                      <a:round/>
+                      <a:headEnd type="none" w="med" len="med"/>
+                      <a:tailEnd type="none" w="med" len="med"/>
+                    </a:lnT>
+                    <a:lnB w="12700" cap="flat" cmpd="sng" algn="ctr">
+                      <a:solidFill>
+                        <a:schemeClr val="bg1"/>
+                      </a:solidFill>
+                      <a:prstDash val="solid"/>
+                      <a:round/>
+                      <a:headEnd type="none" w="med" len="med"/>
+                      <a:tailEnd type="none" w="med" len="med"/>
+                    </a:lnB>
+                  </a:tcPr>
+                </a:tc>
+                <a:tc>
+                  <a:txBody>
+                    <a:bodyPr/>
+                    <a:lstStyle/>
+                    <a:p>
+                      <a:endParaRPr lang="es-PE" sz="1100" dirty="0"/>
+                    </a:p>
+                  </a:txBody>
+                  <a:tcPr>
+                    <a:lnL w="12700" cap="flat" cmpd="sng" algn="ctr">
+                      <a:solidFill>
+                        <a:schemeClr val="bg1"/>
+                      </a:solidFill>
+                      <a:prstDash val="solid"/>
+                      <a:round/>
+                      <a:headEnd type="none" w="med" len="med"/>
+                      <a:tailEnd type="none" w="med" len="med"/>
+                    </a:lnL>
+                    <a:lnR w="12700" cap="flat" cmpd="sng" algn="ctr">
+                      <a:solidFill>
+                        <a:schemeClr val="bg1"/>
+                      </a:solidFill>
+                      <a:prstDash val="solid"/>
+                      <a:round/>
+                      <a:headEnd type="none" w="med" len="med"/>
+                      <a:tailEnd type="none" w="med" len="med"/>
+                    </a:lnR>
+                    <a:lnT w="12700" cap="flat" cmpd="sng" algn="ctr">
+                      <a:solidFill>
+                        <a:schemeClr val="bg1"/>
+                      </a:solidFill>
+                      <a:prstDash val="solid"/>
+                      <a:round/>
+                      <a:headEnd type="none" w="med" len="med"/>
+                      <a:tailEnd type="none" w="med" len="med"/>
+                    </a:lnT>
+                    <a:lnB w="12700" cap="flat" cmpd="sng" algn="ctr">
+                      <a:solidFill>
+                        <a:schemeClr val="bg1"/>
+                      </a:solidFill>
+                      <a:prstDash val="solid"/>
+                      <a:round/>
+                      <a:headEnd type="none" w="med" len="med"/>
+                      <a:tailEnd type="none" w="med" len="med"/>
+                    </a:lnB>
+                  </a:tcPr>
+                </a:tc>
+              </a:tr>
+            </a:tbl>
+          </a:graphicData>
+        </a:graphic>
+      </p:graphicFrame>
+      <p:graphicFrame>
+        <p:nvGraphicFramePr>
+          <p:cNvPr id="19" name="18 Tabla"/>
+          <p:cNvGraphicFramePr>
+            <a:graphicFrameLocks noGrp="1"/>
+          </p:cNvGraphicFramePr>
+          <p:nvPr/>
+        </p:nvGraphicFramePr>
+        <p:xfrm>
+          <a:off x="6715140" y="5357826"/>
+          <a:ext cx="1858327" cy="1036320"/>
+        </p:xfrm>
+        <a:graphic>
+          <a:graphicData uri="http://schemas.openxmlformats.org/drawingml/2006/table">
+            <a:tbl>
+              <a:tblPr firstCol="1">
+                <a:tableStyleId>{5C22544A-7EE6-4342-B048-85BDC9FD1C3A}</a:tableStyleId>
+              </a:tblPr>
+              <a:tblGrid>
+                <a:gridCol w="894524"/>
+                <a:gridCol w="208280"/>
+                <a:gridCol w="208280"/>
+                <a:gridCol w="208280"/>
+                <a:gridCol w="338963"/>
+              </a:tblGrid>
+              <a:tr h="196455">
+                <a:tc>
+                  <a:txBody>
+                    <a:bodyPr/>
+                    <a:lstStyle/>
+                    <a:p>
+                      <a:r>
+                        <a:rPr lang="es-PE" sz="1100" dirty="0" smtClean="0"/>
+                        <a:t>ID Pal.</a:t>
+                      </a:r>
+                      <a:endParaRPr lang="es-PE" sz="1100" dirty="0"/>
+                    </a:p>
+                  </a:txBody>
+                  <a:tcPr>
+                    <a:lnL w="12700" cap="flat" cmpd="sng" algn="ctr">
+                      <a:solidFill>
+                        <a:schemeClr val="bg1"/>
+                      </a:solidFill>
+                      <a:prstDash val="solid"/>
+                      <a:round/>
+                      <a:headEnd type="none" w="med" len="med"/>
+                      <a:tailEnd type="none" w="med" len="med"/>
+                    </a:lnL>
+                    <a:lnR w="12700" cap="flat" cmpd="sng" algn="ctr">
+                      <a:solidFill>
+                        <a:schemeClr val="bg1"/>
+                      </a:solidFill>
+                      <a:prstDash val="solid"/>
+                      <a:round/>
+                      <a:headEnd type="none" w="med" len="med"/>
+                      <a:tailEnd type="none" w="med" len="med"/>
+                    </a:lnR>
+                    <a:lnT w="12700" cap="flat" cmpd="sng" algn="ctr">
+                      <a:solidFill>
+                        <a:schemeClr val="bg1"/>
+                      </a:solidFill>
+                      <a:prstDash val="solid"/>
+                      <a:round/>
+                      <a:headEnd type="none" w="med" len="med"/>
+                      <a:tailEnd type="none" w="med" len="med"/>
+                    </a:lnT>
+                    <a:lnB w="12700" cap="flat" cmpd="sng" algn="ctr">
+                      <a:solidFill>
+                        <a:schemeClr val="bg1"/>
+                      </a:solidFill>
+                      <a:prstDash val="solid"/>
+                      <a:round/>
+                      <a:headEnd type="none" w="med" len="med"/>
+                      <a:tailEnd type="none" w="med" len="med"/>
+                    </a:lnB>
+                  </a:tcPr>
+                </a:tc>
+                <a:tc gridSpan="4">
+                  <a:txBody>
+                    <a:bodyPr/>
+                    <a:lstStyle/>
+                    <a:p>
+                      <a:r>
+                        <a:rPr lang="es-PE" sz="1100" dirty="0" smtClean="0"/>
+                        <a:t>1</a:t>
+                      </a:r>
+                      <a:endParaRPr lang="es-PE" sz="1100" dirty="0"/>
+                    </a:p>
+                  </a:txBody>
+                  <a:tcPr>
+                    <a:lnL w="12700" cap="flat" cmpd="sng" algn="ctr">
+                      <a:solidFill>
+                        <a:schemeClr val="bg1"/>
+                      </a:solidFill>
+                      <a:prstDash val="solid"/>
+                      <a:round/>
+                      <a:headEnd type="none" w="med" len="med"/>
+                      <a:tailEnd type="none" w="med" len="med"/>
+                    </a:lnL>
+                    <a:lnR w="12700" cap="flat" cmpd="sng" algn="ctr">
+                      <a:solidFill>
+                        <a:schemeClr val="bg1"/>
+                      </a:solidFill>
+                      <a:prstDash val="solid"/>
+                      <a:round/>
+                      <a:headEnd type="none" w="med" len="med"/>
+                      <a:tailEnd type="none" w="med" len="med"/>
+                    </a:lnR>
+                    <a:lnT w="12700" cap="flat" cmpd="sng" algn="ctr">
+                      <a:solidFill>
+                        <a:schemeClr val="bg1"/>
+                      </a:solidFill>
+                      <a:prstDash val="solid"/>
+                      <a:round/>
+                      <a:headEnd type="none" w="med" len="med"/>
+                      <a:tailEnd type="none" w="med" len="med"/>
+                    </a:lnT>
+                    <a:lnB w="12700" cap="flat" cmpd="sng" algn="ctr">
+                      <a:solidFill>
+                        <a:schemeClr val="bg1"/>
+                      </a:solidFill>
+                      <a:prstDash val="solid"/>
+                      <a:round/>
+                      <a:headEnd type="none" w="med" len="med"/>
+                      <a:tailEnd type="none" w="med" len="med"/>
+                    </a:lnB>
+                  </a:tcPr>
+                </a:tc>
+                <a:tc hMerge="1">
+                  <a:txBody>
+                    <a:bodyPr/>
+                    <a:lstStyle/>
+                    <a:p>
+                      <a:endParaRPr lang="es-PE" dirty="0"/>
+                    </a:p>
+                  </a:txBody>
+                  <a:tcPr/>
+                </a:tc>
+                <a:tc hMerge="1">
+                  <a:txBody>
+                    <a:bodyPr/>
+                    <a:lstStyle/>
+                    <a:p>
+                      <a:endParaRPr lang="es-PE" dirty="0"/>
+                    </a:p>
+                  </a:txBody>
+                  <a:tcPr/>
+                </a:tc>
+                <a:tc hMerge="1">
+                  <a:txBody>
+                    <a:bodyPr/>
+                    <a:lstStyle/>
+                    <a:p>
+                      <a:endParaRPr lang="es-PE" dirty="0"/>
+                    </a:p>
+                  </a:txBody>
+                  <a:tcPr/>
+                </a:tc>
+              </a:tr>
+              <a:tr h="196455">
+                <a:tc>
+                  <a:txBody>
+                    <a:bodyPr/>
+                    <a:lstStyle/>
+                    <a:p>
+                      <a:r>
+                        <a:rPr lang="es-PE" sz="1100" dirty="0" smtClean="0"/>
+                        <a:t>ID Doc.</a:t>
+                      </a:r>
+                      <a:endParaRPr lang="es-PE" sz="1100" dirty="0"/>
+                    </a:p>
+                  </a:txBody>
+                  <a:tcPr>
+                    <a:lnL w="12700" cap="flat" cmpd="sng" algn="ctr">
+                      <a:solidFill>
+                        <a:schemeClr val="bg1"/>
+                      </a:solidFill>
+                      <a:prstDash val="solid"/>
+                      <a:round/>
+                      <a:headEnd type="none" w="med" len="med"/>
+                      <a:tailEnd type="none" w="med" len="med"/>
+                    </a:lnL>
+                    <a:lnR w="12700" cap="flat" cmpd="sng" algn="ctr">
+                      <a:solidFill>
+                        <a:schemeClr val="bg1"/>
+                      </a:solidFill>
+                      <a:prstDash val="solid"/>
+                      <a:round/>
+                      <a:headEnd type="none" w="med" len="med"/>
+                      <a:tailEnd type="none" w="med" len="med"/>
+                    </a:lnR>
+                    <a:lnT w="12700" cap="flat" cmpd="sng" algn="ctr">
+                      <a:solidFill>
+                        <a:schemeClr val="bg1"/>
+                      </a:solidFill>
+                      <a:prstDash val="solid"/>
+                      <a:round/>
+                      <a:headEnd type="none" w="med" len="med"/>
+                      <a:tailEnd type="none" w="med" len="med"/>
+                    </a:lnT>
+                    <a:lnB w="12700" cap="flat" cmpd="sng" algn="ctr">
+                      <a:solidFill>
+                        <a:schemeClr val="bg1"/>
+                      </a:solidFill>
+                      <a:prstDash val="solid"/>
+                      <a:round/>
+                      <a:headEnd type="none" w="med" len="med"/>
+                      <a:tailEnd type="none" w="med" len="med"/>
+                    </a:lnB>
+                  </a:tcPr>
+                </a:tc>
+                <a:tc gridSpan="4">
+                  <a:txBody>
+                    <a:bodyPr/>
+                    <a:lstStyle/>
+                    <a:p>
+                      <a:r>
+                        <a:rPr lang="es-PE" sz="1100" dirty="0" smtClean="0"/>
+                        <a:t>2</a:t>
+                      </a:r>
+                      <a:endParaRPr lang="es-PE" sz="1100" dirty="0"/>
+                    </a:p>
+                  </a:txBody>
+                  <a:tcPr>
+                    <a:lnL w="12700" cap="flat" cmpd="sng" algn="ctr">
+                      <a:solidFill>
+                        <a:schemeClr val="bg1"/>
+                      </a:solidFill>
+                      <a:prstDash val="solid"/>
+                      <a:round/>
+                      <a:headEnd type="none" w="med" len="med"/>
+                      <a:tailEnd type="none" w="med" len="med"/>
+                    </a:lnL>
+                    <a:lnR w="12700" cap="flat" cmpd="sng" algn="ctr">
+                      <a:solidFill>
+                        <a:schemeClr val="bg1"/>
+                      </a:solidFill>
+                      <a:prstDash val="solid"/>
+                      <a:round/>
+                      <a:headEnd type="none" w="med" len="med"/>
+                      <a:tailEnd type="none" w="med" len="med"/>
+                    </a:lnR>
+                    <a:lnT w="12700" cap="flat" cmpd="sng" algn="ctr">
+                      <a:solidFill>
+                        <a:schemeClr val="bg1"/>
+                      </a:solidFill>
+                      <a:prstDash val="solid"/>
+                      <a:round/>
+                      <a:headEnd type="none" w="med" len="med"/>
+                      <a:tailEnd type="none" w="med" len="med"/>
+                    </a:lnT>
+                    <a:lnB w="12700" cap="flat" cmpd="sng" algn="ctr">
+                      <a:solidFill>
+                        <a:schemeClr val="bg1"/>
+                      </a:solidFill>
+                      <a:prstDash val="solid"/>
+                      <a:round/>
+                      <a:headEnd type="none" w="med" len="med"/>
+                      <a:tailEnd type="none" w="med" len="med"/>
+                    </a:lnB>
+                  </a:tcPr>
+                </a:tc>
+                <a:tc hMerge="1">
+                  <a:txBody>
+                    <a:bodyPr/>
+                    <a:lstStyle/>
+                    <a:p>
+                      <a:endParaRPr lang="es-PE" dirty="0"/>
+                    </a:p>
+                  </a:txBody>
+                  <a:tcPr/>
+                </a:tc>
+                <a:tc hMerge="1">
+                  <a:txBody>
+                    <a:bodyPr/>
+                    <a:lstStyle/>
+                    <a:p>
+                      <a:endParaRPr lang="es-PE" dirty="0"/>
+                    </a:p>
+                  </a:txBody>
+                  <a:tcPr/>
+                </a:tc>
+                <a:tc hMerge="1">
+                  <a:txBody>
+                    <a:bodyPr/>
+                    <a:lstStyle/>
+                    <a:p>
+                      <a:endParaRPr lang="es-PE" dirty="0"/>
+                    </a:p>
+                  </a:txBody>
+                  <a:tcPr/>
+                </a:tc>
+              </a:tr>
+              <a:tr h="196455">
+                <a:tc>
+                  <a:txBody>
+                    <a:bodyPr/>
+                    <a:lstStyle/>
+                    <a:p>
+                      <a:r>
+                        <a:rPr lang="es-PE" sz="1100" dirty="0" smtClean="0"/>
+                        <a:t>Posición</a:t>
+                      </a:r>
+                      <a:r>
+                        <a:rPr lang="es-PE" sz="1100" baseline="0" dirty="0" smtClean="0"/>
+                        <a:t> </a:t>
+                      </a:r>
+                      <a:endParaRPr lang="es-PE" sz="1100" dirty="0"/>
+                    </a:p>
+                  </a:txBody>
+                  <a:tcPr>
+                    <a:lnL w="12700" cap="flat" cmpd="sng" algn="ctr">
+                      <a:solidFill>
+                        <a:schemeClr val="bg1"/>
+                      </a:solidFill>
+                      <a:prstDash val="solid"/>
+                      <a:round/>
+                      <a:headEnd type="none" w="med" len="med"/>
+                      <a:tailEnd type="none" w="med" len="med"/>
+                    </a:lnL>
+                    <a:lnR w="12700" cap="flat" cmpd="sng" algn="ctr">
+                      <a:solidFill>
+                        <a:schemeClr val="bg1"/>
+                      </a:solidFill>
+                      <a:prstDash val="solid"/>
+                      <a:round/>
+                      <a:headEnd type="none" w="med" len="med"/>
+                      <a:tailEnd type="none" w="med" len="med"/>
+                    </a:lnR>
+                    <a:lnT w="12700" cap="flat" cmpd="sng" algn="ctr">
+                      <a:solidFill>
+                        <a:schemeClr val="bg1"/>
+                      </a:solidFill>
+                      <a:prstDash val="solid"/>
+                      <a:round/>
+                      <a:headEnd type="none" w="med" len="med"/>
+                      <a:tailEnd type="none" w="med" len="med"/>
+                    </a:lnT>
+                    <a:lnB w="12700" cap="flat" cmpd="sng" algn="ctr">
+                      <a:solidFill>
+                        <a:schemeClr val="bg1"/>
+                      </a:solidFill>
+                      <a:prstDash val="solid"/>
+                      <a:round/>
+                      <a:headEnd type="none" w="med" len="med"/>
+                      <a:tailEnd type="none" w="med" len="med"/>
+                    </a:lnB>
+                  </a:tcPr>
+                </a:tc>
+                <a:tc>
+                  <a:txBody>
+                    <a:bodyPr/>
+                    <a:lstStyle/>
+                    <a:p>
+                      <a:r>
+                        <a:rPr lang="es-PE" sz="1100" dirty="0" smtClean="0"/>
+                        <a:t>1</a:t>
+                      </a:r>
+                      <a:endParaRPr lang="es-PE" sz="1100" dirty="0"/>
+                    </a:p>
+                  </a:txBody>
+                  <a:tcPr>
+                    <a:lnL w="12700" cap="flat" cmpd="sng" algn="ctr">
+                      <a:solidFill>
+                        <a:schemeClr val="bg1"/>
+                      </a:solidFill>
+                      <a:prstDash val="solid"/>
+                      <a:round/>
+                      <a:headEnd type="none" w="med" len="med"/>
+                      <a:tailEnd type="none" w="med" len="med"/>
+                    </a:lnL>
+                    <a:lnR w="12700" cap="flat" cmpd="sng" algn="ctr">
+                      <a:solidFill>
+                        <a:schemeClr val="bg1"/>
+                      </a:solidFill>
+                      <a:prstDash val="solid"/>
+                      <a:round/>
+                      <a:headEnd type="none" w="med" len="med"/>
+                      <a:tailEnd type="none" w="med" len="med"/>
+                    </a:lnR>
+                    <a:lnT w="12700" cap="flat" cmpd="sng" algn="ctr">
+                      <a:solidFill>
+                        <a:schemeClr val="bg1"/>
+                      </a:solidFill>
+                      <a:prstDash val="solid"/>
+                      <a:round/>
+                      <a:headEnd type="none" w="med" len="med"/>
+                      <a:tailEnd type="none" w="med" len="med"/>
+                    </a:lnT>
+                    <a:lnB w="12700" cap="flat" cmpd="sng" algn="ctr">
+                      <a:solidFill>
+                        <a:schemeClr val="bg1"/>
+                      </a:solidFill>
+                      <a:prstDash val="solid"/>
+                      <a:round/>
+                      <a:headEnd type="none" w="med" len="med"/>
+                      <a:tailEnd type="none" w="med" len="med"/>
+                    </a:lnB>
+                  </a:tcPr>
+                </a:tc>
+                <a:tc>
+                  <a:txBody>
+                    <a:bodyPr/>
+                    <a:lstStyle/>
+                    <a:p>
+                      <a:endParaRPr lang="es-PE" sz="1100" dirty="0"/>
+                    </a:p>
+                  </a:txBody>
+                  <a:tcPr>
+                    <a:lnL w="12700" cap="flat" cmpd="sng" algn="ctr">
+                      <a:solidFill>
+                        <a:schemeClr val="bg1"/>
+                      </a:solidFill>
+                      <a:prstDash val="solid"/>
+                      <a:round/>
+                      <a:headEnd type="none" w="med" len="med"/>
+                      <a:tailEnd type="none" w="med" len="med"/>
+                    </a:lnL>
+                    <a:lnR w="12700" cap="flat" cmpd="sng" algn="ctr">
+                      <a:solidFill>
+                        <a:schemeClr val="bg1"/>
+                      </a:solidFill>
+                      <a:prstDash val="solid"/>
+                      <a:round/>
+                      <a:headEnd type="none" w="med" len="med"/>
+                      <a:tailEnd type="none" w="med" len="med"/>
+                    </a:lnR>
+                    <a:lnT w="12700" cap="flat" cmpd="sng" algn="ctr">
+                      <a:solidFill>
+                        <a:schemeClr val="bg1"/>
+                      </a:solidFill>
+                      <a:prstDash val="solid"/>
+                      <a:round/>
+                      <a:headEnd type="none" w="med" len="med"/>
+                      <a:tailEnd type="none" w="med" len="med"/>
+                    </a:lnT>
+                    <a:lnB w="12700" cap="flat" cmpd="sng" algn="ctr">
+                      <a:solidFill>
+                        <a:schemeClr val="bg1"/>
+                      </a:solidFill>
+                      <a:prstDash val="solid"/>
+                      <a:round/>
+                      <a:headEnd type="none" w="med" len="med"/>
+                      <a:tailEnd type="none" w="med" len="med"/>
+                    </a:lnB>
+                  </a:tcPr>
+                </a:tc>
+                <a:tc>
+                  <a:txBody>
+                    <a:bodyPr/>
+                    <a:lstStyle/>
+                    <a:p>
+                      <a:endParaRPr lang="es-PE" sz="1100" dirty="0"/>
+                    </a:p>
+                  </a:txBody>
+                  <a:tcPr>
+                    <a:lnL w="12700" cap="flat" cmpd="sng" algn="ctr">
+                      <a:solidFill>
+                        <a:schemeClr val="bg1"/>
+                      </a:solidFill>
+                      <a:prstDash val="solid"/>
+                      <a:round/>
+                      <a:headEnd type="none" w="med" len="med"/>
+                      <a:tailEnd type="none" w="med" len="med"/>
+                    </a:lnL>
+                    <a:lnR w="12700" cap="flat" cmpd="sng" algn="ctr">
+                      <a:solidFill>
+                        <a:schemeClr val="bg1"/>
+                      </a:solidFill>
+                      <a:prstDash val="solid"/>
+                      <a:round/>
+                      <a:headEnd type="none" w="med" len="med"/>
+                      <a:tailEnd type="none" w="med" len="med"/>
+                    </a:lnR>
+                    <a:lnT w="12700" cap="flat" cmpd="sng" algn="ctr">
+                      <a:solidFill>
+                        <a:schemeClr val="bg1"/>
+                      </a:solidFill>
+                      <a:prstDash val="solid"/>
+                      <a:round/>
+                      <a:headEnd type="none" w="med" len="med"/>
+                      <a:tailEnd type="none" w="med" len="med"/>
+                    </a:lnT>
+                    <a:lnB w="12700" cap="flat" cmpd="sng" algn="ctr">
+                      <a:solidFill>
+                        <a:schemeClr val="bg1"/>
+                      </a:solidFill>
+                      <a:prstDash val="solid"/>
+                      <a:round/>
+                      <a:headEnd type="none" w="med" len="med"/>
+                      <a:tailEnd type="none" w="med" len="med"/>
+                    </a:lnB>
+                  </a:tcPr>
+                </a:tc>
+                <a:tc>
+                  <a:txBody>
+                    <a:bodyPr/>
+                    <a:lstStyle/>
+                    <a:p>
+                      <a:endParaRPr lang="es-PE" sz="1100" dirty="0"/>
+                    </a:p>
+                  </a:txBody>
+                  <a:tcPr>
+                    <a:lnL w="12700" cap="flat" cmpd="sng" algn="ctr">
+                      <a:solidFill>
+                        <a:schemeClr val="bg1"/>
+                      </a:solidFill>
+                      <a:prstDash val="solid"/>
+                      <a:round/>
+                      <a:headEnd type="none" w="med" len="med"/>
+                      <a:tailEnd type="none" w="med" len="med"/>
+                    </a:lnL>
+                    <a:lnR w="12700" cap="flat" cmpd="sng" algn="ctr">
+                      <a:solidFill>
+                        <a:schemeClr val="bg1"/>
+                      </a:solidFill>
+                      <a:prstDash val="solid"/>
+                      <a:round/>
+                      <a:headEnd type="none" w="med" len="med"/>
+                      <a:tailEnd type="none" w="med" len="med"/>
+                    </a:lnR>
+                    <a:lnT w="12700" cap="flat" cmpd="sng" algn="ctr">
+                      <a:solidFill>
+                        <a:schemeClr val="bg1"/>
+                      </a:solidFill>
+                      <a:prstDash val="solid"/>
+                      <a:round/>
+                      <a:headEnd type="none" w="med" len="med"/>
+                      <a:tailEnd type="none" w="med" len="med"/>
+                    </a:lnT>
+                    <a:lnB w="12700" cap="flat" cmpd="sng" algn="ctr">
+                      <a:solidFill>
+                        <a:schemeClr val="bg1"/>
+                      </a:solidFill>
+                      <a:prstDash val="solid"/>
+                      <a:round/>
+                      <a:headEnd type="none" w="med" len="med"/>
+                      <a:tailEnd type="none" w="med" len="med"/>
+                    </a:lnB>
+                  </a:tcPr>
+                </a:tc>
+              </a:tr>
+              <a:tr h="196455">
+                <a:tc>
+                  <a:txBody>
+                    <a:bodyPr/>
+                    <a:lstStyle/>
+                    <a:p>
+                      <a:r>
+                        <a:rPr lang="es-PE" sz="1100" dirty="0" smtClean="0"/>
+                        <a:t>Siguiente</a:t>
+                      </a:r>
+                      <a:endParaRPr lang="es-PE" sz="1100" dirty="0"/>
+                    </a:p>
+                  </a:txBody>
+                  <a:tcPr>
+                    <a:lnL w="12700" cap="flat" cmpd="sng" algn="ctr">
+                      <a:solidFill>
+                        <a:schemeClr val="bg1"/>
+                      </a:solidFill>
+                      <a:prstDash val="solid"/>
+                      <a:round/>
+                      <a:headEnd type="none" w="med" len="med"/>
+                      <a:tailEnd type="none" w="med" len="med"/>
+                    </a:lnL>
+                    <a:lnR w="12700" cap="flat" cmpd="sng" algn="ctr">
+                      <a:solidFill>
+                        <a:schemeClr val="bg1"/>
+                      </a:solidFill>
+                      <a:prstDash val="solid"/>
+                      <a:round/>
+                      <a:headEnd type="none" w="med" len="med"/>
+                      <a:tailEnd type="none" w="med" len="med"/>
+                    </a:lnR>
+                    <a:lnT w="12700" cap="flat" cmpd="sng" algn="ctr">
+                      <a:solidFill>
+                        <a:schemeClr val="bg1"/>
+                      </a:solidFill>
+                      <a:prstDash val="solid"/>
+                      <a:round/>
+                      <a:headEnd type="none" w="med" len="med"/>
+                      <a:tailEnd type="none" w="med" len="med"/>
+                    </a:lnT>
+                    <a:lnB w="12700" cap="flat" cmpd="sng" algn="ctr">
+                      <a:solidFill>
+                        <a:schemeClr val="bg1"/>
+                      </a:solidFill>
+                      <a:prstDash val="solid"/>
+                      <a:round/>
+                      <a:headEnd type="none" w="med" len="med"/>
+                      <a:tailEnd type="none" w="med" len="med"/>
+                    </a:lnB>
+                  </a:tcPr>
+                </a:tc>
+                <a:tc>
+                  <a:txBody>
+                    <a:bodyPr/>
+                    <a:lstStyle/>
+                    <a:p>
+                      <a:endParaRPr lang="es-PE" sz="1100" dirty="0"/>
+                    </a:p>
+                  </a:txBody>
+                  <a:tcPr>
+                    <a:lnL w="12700" cap="flat" cmpd="sng" algn="ctr">
+                      <a:solidFill>
+                        <a:schemeClr val="bg1"/>
+                      </a:solidFill>
+                      <a:prstDash val="solid"/>
+                      <a:round/>
+                      <a:headEnd type="none" w="med" len="med"/>
+                      <a:tailEnd type="none" w="med" len="med"/>
+                    </a:lnL>
+                    <a:lnR w="12700" cap="flat" cmpd="sng" algn="ctr">
+                      <a:solidFill>
+                        <a:schemeClr val="bg1"/>
+                      </a:solidFill>
+                      <a:prstDash val="solid"/>
+                      <a:round/>
+                      <a:headEnd type="none" w="med" len="med"/>
+                      <a:tailEnd type="none" w="med" len="med"/>
+                    </a:lnR>
+                    <a:lnT w="12700" cap="flat" cmpd="sng" algn="ctr">
+                      <a:solidFill>
+                        <a:schemeClr val="bg1"/>
+                      </a:solidFill>
+                      <a:prstDash val="solid"/>
+                      <a:round/>
+                      <a:headEnd type="none" w="med" len="med"/>
+                      <a:tailEnd type="none" w="med" len="med"/>
+                    </a:lnT>
+                    <a:lnB w="12700" cap="flat" cmpd="sng" algn="ctr">
+                      <a:solidFill>
+                        <a:schemeClr val="bg1"/>
+                      </a:solidFill>
+                      <a:prstDash val="solid"/>
+                      <a:round/>
+                      <a:headEnd type="none" w="med" len="med"/>
+                      <a:tailEnd type="none" w="med" len="med"/>
+                    </a:lnB>
+                  </a:tcPr>
+                </a:tc>
+                <a:tc>
+                  <a:txBody>
+                    <a:bodyPr/>
+                    <a:lstStyle/>
+                    <a:p>
+                      <a:endParaRPr lang="es-PE" sz="1100" dirty="0"/>
+                    </a:p>
+                  </a:txBody>
+                  <a:tcPr>
+                    <a:lnL w="12700" cap="flat" cmpd="sng" algn="ctr">
+                      <a:solidFill>
+                        <a:schemeClr val="bg1"/>
+                      </a:solidFill>
+                      <a:prstDash val="solid"/>
+                      <a:round/>
+                      <a:headEnd type="none" w="med" len="med"/>
+                      <a:tailEnd type="none" w="med" len="med"/>
+                    </a:lnL>
+                    <a:lnR w="12700" cap="flat" cmpd="sng" algn="ctr">
+                      <a:solidFill>
+                        <a:schemeClr val="bg1"/>
+                      </a:solidFill>
+                      <a:prstDash val="solid"/>
+                      <a:round/>
+                      <a:headEnd type="none" w="med" len="med"/>
+                      <a:tailEnd type="none" w="med" len="med"/>
+                    </a:lnR>
+                    <a:lnT w="12700" cap="flat" cmpd="sng" algn="ctr">
+                      <a:solidFill>
+                        <a:schemeClr val="bg1"/>
+                      </a:solidFill>
+                      <a:prstDash val="solid"/>
+                      <a:round/>
+                      <a:headEnd type="none" w="med" len="med"/>
+                      <a:tailEnd type="none" w="med" len="med"/>
+                    </a:lnT>
+                    <a:lnB w="12700" cap="flat" cmpd="sng" algn="ctr">
+                      <a:solidFill>
+                        <a:schemeClr val="bg1"/>
+                      </a:solidFill>
+                      <a:prstDash val="solid"/>
+                      <a:round/>
+                      <a:headEnd type="none" w="med" len="med"/>
+                      <a:tailEnd type="none" w="med" len="med"/>
+                    </a:lnB>
+                  </a:tcPr>
+                </a:tc>
+                <a:tc>
+                  <a:txBody>
+                    <a:bodyPr/>
+                    <a:lstStyle/>
+                    <a:p>
+                      <a:endParaRPr lang="es-PE" sz="1100" dirty="0"/>
+                    </a:p>
+                  </a:txBody>
+                  <a:tcPr>
+                    <a:lnL w="12700" cap="flat" cmpd="sng" algn="ctr">
+                      <a:solidFill>
+                        <a:schemeClr val="bg1"/>
+                      </a:solidFill>
+                      <a:prstDash val="solid"/>
+                      <a:round/>
+                      <a:headEnd type="none" w="med" len="med"/>
+                      <a:tailEnd type="none" w="med" len="med"/>
+                    </a:lnL>
+                    <a:lnR w="12700" cap="flat" cmpd="sng" algn="ctr">
+                      <a:solidFill>
+                        <a:schemeClr val="bg1"/>
+                      </a:solidFill>
+                      <a:prstDash val="solid"/>
+                      <a:round/>
+                      <a:headEnd type="none" w="med" len="med"/>
+                      <a:tailEnd type="none" w="med" len="med"/>
+                    </a:lnR>
+                    <a:lnT w="12700" cap="flat" cmpd="sng" algn="ctr">
+                      <a:solidFill>
+                        <a:schemeClr val="bg1"/>
+                      </a:solidFill>
+                      <a:prstDash val="solid"/>
+                      <a:round/>
+                      <a:headEnd type="none" w="med" len="med"/>
+                      <a:tailEnd type="none" w="med" len="med"/>
+                    </a:lnT>
+                    <a:lnB w="12700" cap="flat" cmpd="sng" algn="ctr">
+                      <a:solidFill>
+                        <a:schemeClr val="bg1"/>
+                      </a:solidFill>
+                      <a:prstDash val="solid"/>
+                      <a:round/>
+                      <a:headEnd type="none" w="med" len="med"/>
+                      <a:tailEnd type="none" w="med" len="med"/>
+                    </a:lnB>
+                  </a:tcPr>
+                </a:tc>
+                <a:tc>
+                  <a:txBody>
+                    <a:bodyPr/>
+                    <a:lstStyle/>
+                    <a:p>
+                      <a:endParaRPr lang="es-PE" sz="1100" dirty="0"/>
+                    </a:p>
+                  </a:txBody>
+                  <a:tcPr>
+                    <a:lnL w="12700" cap="flat" cmpd="sng" algn="ctr">
+                      <a:solidFill>
+                        <a:schemeClr val="bg1"/>
+                      </a:solidFill>
+                      <a:prstDash val="solid"/>
+                      <a:round/>
+                      <a:headEnd type="none" w="med" len="med"/>
+                      <a:tailEnd type="none" w="med" len="med"/>
+                    </a:lnL>
+                    <a:lnR w="12700" cap="flat" cmpd="sng" algn="ctr">
+                      <a:solidFill>
+                        <a:schemeClr val="bg1"/>
+                      </a:solidFill>
+                      <a:prstDash val="solid"/>
+                      <a:round/>
+                      <a:headEnd type="none" w="med" len="med"/>
+                      <a:tailEnd type="none" w="med" len="med"/>
+                    </a:lnR>
+                    <a:lnT w="12700" cap="flat" cmpd="sng" algn="ctr">
+                      <a:solidFill>
+                        <a:schemeClr val="bg1"/>
+                      </a:solidFill>
+                      <a:prstDash val="solid"/>
+                      <a:round/>
+                      <a:headEnd type="none" w="med" len="med"/>
+                      <a:tailEnd type="none" w="med" len="med"/>
+                    </a:lnT>
+                    <a:lnB w="12700" cap="flat" cmpd="sng" algn="ctr">
+                      <a:solidFill>
+                        <a:schemeClr val="bg1"/>
+                      </a:solidFill>
+                      <a:prstDash val="solid"/>
+                      <a:round/>
+                      <a:headEnd type="none" w="med" len="med"/>
+                      <a:tailEnd type="none" w="med" len="med"/>
+                    </a:lnB>
+                  </a:tcPr>
+                </a:tc>
+              </a:tr>
+            </a:tbl>
+          </a:graphicData>
+        </a:graphic>
+      </p:graphicFrame>
+      <p:cxnSp>
+        <p:nvCxnSpPr>
+          <p:cNvPr id="21" name="20 Conector recto de flecha"/>
+          <p:cNvCxnSpPr/>
+          <p:nvPr/>
+        </p:nvCxnSpPr>
+        <p:spPr>
+          <a:xfrm flipV="1">
+            <a:off x="3643306" y="1785926"/>
+            <a:ext cx="714380" cy="214314"/>
+          </a:xfrm>
+          <a:prstGeom prst="bentConnector3">
+            <a:avLst>
+              <a:gd name="adj1" fmla="val 50000"/>
+            </a:avLst>
+          </a:prstGeom>
+          <a:ln w="25400">
+            <a:solidFill>
+              <a:schemeClr val="accent2">
+                <a:lumMod val="40000"/>
+                <a:lumOff val="60000"/>
+              </a:schemeClr>
+            </a:solidFill>
+            <a:tailEnd type="arrow"/>
+          </a:ln>
+        </p:spPr>
+        <p:style>
+          <a:lnRef idx="1">
+            <a:schemeClr val="accent1"/>
+          </a:lnRef>
+          <a:fillRef idx="0">
+            <a:schemeClr val="accent1"/>
+          </a:fillRef>
+          <a:effectRef idx="0">
+            <a:schemeClr val="accent1"/>
+          </a:effectRef>
+          <a:fontRef idx="minor">
+            <a:schemeClr val="tx1"/>
+          </a:fontRef>
+        </p:style>
+      </p:cxnSp>
+      <p:cxnSp>
+        <p:nvCxnSpPr>
+          <p:cNvPr id="24" name="20 Conector recto de flecha"/>
+          <p:cNvCxnSpPr/>
+          <p:nvPr/>
+        </p:nvCxnSpPr>
+        <p:spPr>
+          <a:xfrm flipV="1">
+            <a:off x="3714744" y="3000372"/>
+            <a:ext cx="642942" cy="142876"/>
+          </a:xfrm>
+          <a:prstGeom prst="bentConnector3">
+            <a:avLst>
+              <a:gd name="adj1" fmla="val 50000"/>
+            </a:avLst>
+          </a:prstGeom>
+          <a:ln w="25400">
+            <a:solidFill>
+              <a:schemeClr val="accent2">
+                <a:lumMod val="40000"/>
+                <a:lumOff val="60000"/>
+              </a:schemeClr>
+            </a:solidFill>
+            <a:tailEnd type="arrow"/>
+          </a:ln>
+        </p:spPr>
+        <p:style>
+          <a:lnRef idx="1">
+            <a:schemeClr val="accent1"/>
+          </a:lnRef>
+          <a:fillRef idx="0">
+            <a:schemeClr val="accent1"/>
+          </a:fillRef>
+          <a:effectRef idx="0">
+            <a:schemeClr val="accent1"/>
+          </a:effectRef>
+          <a:fontRef idx="minor">
+            <a:schemeClr val="tx1"/>
+          </a:fontRef>
+        </p:style>
+      </p:cxnSp>
+      <p:cxnSp>
+        <p:nvCxnSpPr>
+          <p:cNvPr id="25" name="20 Conector recto de flecha"/>
+          <p:cNvCxnSpPr/>
+          <p:nvPr/>
+        </p:nvCxnSpPr>
+        <p:spPr>
+          <a:xfrm flipV="1">
+            <a:off x="3643306" y="4214818"/>
+            <a:ext cx="714380" cy="214314"/>
+          </a:xfrm>
+          <a:prstGeom prst="bentConnector3">
+            <a:avLst>
+              <a:gd name="adj1" fmla="val 50000"/>
+            </a:avLst>
+          </a:prstGeom>
+          <a:ln w="25400">
+            <a:solidFill>
+              <a:schemeClr val="accent2">
+                <a:lumMod val="40000"/>
+                <a:lumOff val="60000"/>
+              </a:schemeClr>
+            </a:solidFill>
+            <a:tailEnd type="arrow"/>
+          </a:ln>
+        </p:spPr>
+        <p:style>
+          <a:lnRef idx="1">
+            <a:schemeClr val="accent1"/>
+          </a:lnRef>
+          <a:fillRef idx="0">
+            <a:schemeClr val="accent1"/>
+          </a:fillRef>
+          <a:effectRef idx="0">
+            <a:schemeClr val="accent1"/>
+          </a:effectRef>
+          <a:fontRef idx="minor">
+            <a:schemeClr val="tx1"/>
+          </a:fontRef>
+        </p:style>
+      </p:cxnSp>
+      <p:cxnSp>
+        <p:nvCxnSpPr>
+          <p:cNvPr id="26" name="20 Conector recto de flecha"/>
+          <p:cNvCxnSpPr/>
+          <p:nvPr/>
+        </p:nvCxnSpPr>
+        <p:spPr>
+          <a:xfrm flipV="1">
+            <a:off x="3500430" y="5429264"/>
+            <a:ext cx="857256" cy="214314"/>
+          </a:xfrm>
+          <a:prstGeom prst="bentConnector3">
+            <a:avLst>
+              <a:gd name="adj1" fmla="val 50000"/>
+            </a:avLst>
+          </a:prstGeom>
+          <a:ln w="25400">
+            <a:solidFill>
+              <a:schemeClr val="accent2">
+                <a:lumMod val="40000"/>
+                <a:lumOff val="60000"/>
+              </a:schemeClr>
+            </a:solidFill>
+            <a:tailEnd type="arrow"/>
+          </a:ln>
+        </p:spPr>
+        <p:style>
+          <a:lnRef idx="1">
+            <a:schemeClr val="accent1"/>
+          </a:lnRef>
+          <a:fillRef idx="0">
+            <a:schemeClr val="accent1"/>
+          </a:fillRef>
+          <a:effectRef idx="0">
+            <a:schemeClr val="accent1"/>
+          </a:effectRef>
+          <a:fontRef idx="minor">
+            <a:schemeClr val="tx1"/>
+          </a:fontRef>
+        </p:style>
+      </p:cxnSp>
+      <p:cxnSp>
+        <p:nvCxnSpPr>
+          <p:cNvPr id="29" name="20 Conector recto de flecha"/>
+          <p:cNvCxnSpPr/>
+          <p:nvPr/>
+        </p:nvCxnSpPr>
+        <p:spPr>
+          <a:xfrm rot="5400000">
+            <a:off x="5108579" y="5321313"/>
+            <a:ext cx="357190" cy="1588"/>
+          </a:xfrm>
+          <a:prstGeom prst="bentConnector3">
+            <a:avLst>
+              <a:gd name="adj1" fmla="val 50000"/>
+            </a:avLst>
+          </a:prstGeom>
+          <a:ln w="25400">
+            <a:solidFill>
+              <a:schemeClr val="accent2">
+                <a:lumMod val="40000"/>
+                <a:lumOff val="60000"/>
+              </a:schemeClr>
+            </a:solidFill>
+            <a:tailEnd type="arrow"/>
+          </a:ln>
+        </p:spPr>
+        <p:style>
+          <a:lnRef idx="1">
+            <a:schemeClr val="accent1"/>
+          </a:lnRef>
+          <a:fillRef idx="0">
+            <a:schemeClr val="accent1"/>
+          </a:fillRef>
+          <a:effectRef idx="0">
+            <a:schemeClr val="accent1"/>
+          </a:effectRef>
+          <a:fontRef idx="minor">
+            <a:schemeClr val="tx1"/>
+          </a:fontRef>
+        </p:style>
+      </p:cxnSp>
+      <p:cxnSp>
+        <p:nvCxnSpPr>
+          <p:cNvPr id="32" name="20 Conector recto de flecha"/>
+          <p:cNvCxnSpPr/>
+          <p:nvPr/>
+        </p:nvCxnSpPr>
+        <p:spPr>
+          <a:xfrm rot="5400000">
+            <a:off x="5108579" y="4106867"/>
+            <a:ext cx="357190" cy="1588"/>
+          </a:xfrm>
+          <a:prstGeom prst="bentConnector3">
+            <a:avLst>
+              <a:gd name="adj1" fmla="val 50000"/>
+            </a:avLst>
+          </a:prstGeom>
+          <a:ln w="25400">
+            <a:solidFill>
+              <a:schemeClr val="accent2">
+                <a:lumMod val="40000"/>
+                <a:lumOff val="60000"/>
+              </a:schemeClr>
+            </a:solidFill>
+            <a:tailEnd type="arrow"/>
+          </a:ln>
+        </p:spPr>
+        <p:style>
+          <a:lnRef idx="1">
+            <a:schemeClr val="accent1"/>
+          </a:lnRef>
+          <a:fillRef idx="0">
+            <a:schemeClr val="accent1"/>
+          </a:fillRef>
+          <a:effectRef idx="0">
+            <a:schemeClr val="accent1"/>
+          </a:effectRef>
+          <a:fontRef idx="minor">
+            <a:schemeClr val="tx1"/>
+          </a:fontRef>
+        </p:style>
+      </p:cxnSp>
+      <p:cxnSp>
+        <p:nvCxnSpPr>
+          <p:cNvPr id="35" name="20 Conector recto de flecha"/>
+          <p:cNvCxnSpPr/>
+          <p:nvPr/>
+        </p:nvCxnSpPr>
+        <p:spPr>
+          <a:xfrm rot="5400000">
+            <a:off x="5108579" y="2820983"/>
+            <a:ext cx="357190" cy="1588"/>
+          </a:xfrm>
+          <a:prstGeom prst="bentConnector3">
+            <a:avLst>
+              <a:gd name="adj1" fmla="val 50000"/>
+            </a:avLst>
+          </a:prstGeom>
+          <a:ln w="25400">
+            <a:solidFill>
+              <a:schemeClr val="accent2">
+                <a:lumMod val="40000"/>
+                <a:lumOff val="60000"/>
+              </a:schemeClr>
+            </a:solidFill>
+            <a:tailEnd type="arrow"/>
+          </a:ln>
+        </p:spPr>
+        <p:style>
+          <a:lnRef idx="1">
+            <a:schemeClr val="accent1"/>
+          </a:lnRef>
+          <a:fillRef idx="0">
+            <a:schemeClr val="accent1"/>
+          </a:fillRef>
+          <a:effectRef idx="0">
+            <a:schemeClr val="accent1"/>
+          </a:effectRef>
+          <a:fontRef idx="minor">
+            <a:schemeClr val="tx1"/>
+          </a:fontRef>
+        </p:style>
+      </p:cxnSp>
+      <p:cxnSp>
+        <p:nvCxnSpPr>
+          <p:cNvPr id="36" name="20 Conector recto de flecha"/>
+          <p:cNvCxnSpPr/>
+          <p:nvPr/>
+        </p:nvCxnSpPr>
+        <p:spPr>
+          <a:xfrm>
+            <a:off x="6000760" y="3143248"/>
+            <a:ext cx="714380" cy="1588"/>
+          </a:xfrm>
+          <a:prstGeom prst="bentConnector3">
+            <a:avLst>
+              <a:gd name="adj1" fmla="val 50000"/>
+            </a:avLst>
+          </a:prstGeom>
+          <a:ln w="25400">
+            <a:solidFill>
+              <a:schemeClr val="accent2">
+                <a:lumMod val="40000"/>
+                <a:lumOff val="60000"/>
+              </a:schemeClr>
+            </a:solidFill>
+            <a:tailEnd type="arrow"/>
+          </a:ln>
+        </p:spPr>
+        <p:style>
+          <a:lnRef idx="1">
+            <a:schemeClr val="accent1"/>
+          </a:lnRef>
+          <a:fillRef idx="0">
+            <a:schemeClr val="accent1"/>
+          </a:fillRef>
+          <a:effectRef idx="0">
+            <a:schemeClr val="accent1"/>
+          </a:effectRef>
+          <a:fontRef idx="minor">
+            <a:schemeClr val="tx1"/>
+          </a:fontRef>
+        </p:style>
+      </p:cxnSp>
+      <p:cxnSp>
+        <p:nvCxnSpPr>
+          <p:cNvPr id="39" name="20 Conector recto de flecha"/>
+          <p:cNvCxnSpPr/>
+          <p:nvPr/>
+        </p:nvCxnSpPr>
+        <p:spPr>
+          <a:xfrm>
+            <a:off x="6072198" y="5500702"/>
+            <a:ext cx="714380" cy="1588"/>
+          </a:xfrm>
+          <a:prstGeom prst="bentConnector3">
+            <a:avLst>
+              <a:gd name="adj1" fmla="val 50000"/>
+            </a:avLst>
+          </a:prstGeom>
+          <a:ln w="25400">
+            <a:solidFill>
+              <a:schemeClr val="accent2">
+                <a:lumMod val="40000"/>
+                <a:lumOff val="60000"/>
+              </a:schemeClr>
+            </a:solidFill>
+            <a:tailEnd type="arrow"/>
+          </a:ln>
+        </p:spPr>
+        <p:style>
+          <a:lnRef idx="1">
+            <a:schemeClr val="accent1"/>
+          </a:lnRef>
+          <a:fillRef idx="0">
+            <a:schemeClr val="accent1"/>
+          </a:fillRef>
+          <a:effectRef idx="0">
+            <a:schemeClr val="accent1"/>
+          </a:effectRef>
+          <a:fontRef idx="minor">
+            <a:schemeClr val="tx1"/>
+          </a:fontRef>
+        </p:style>
+      </p:cxnSp>
+      <p:graphicFrame>
+        <p:nvGraphicFramePr>
+          <p:cNvPr id="41" name="40 Tabla"/>
+          <p:cNvGraphicFramePr>
+            <a:graphicFrameLocks noGrp="1"/>
+          </p:cNvGraphicFramePr>
+          <p:nvPr/>
+        </p:nvGraphicFramePr>
+        <p:xfrm>
+          <a:off x="6715140" y="4143380"/>
+          <a:ext cx="1858327" cy="1036320"/>
+        </p:xfrm>
+        <a:graphic>
+          <a:graphicData uri="http://schemas.openxmlformats.org/drawingml/2006/table">
+            <a:tbl>
+              <a:tblPr firstCol="1">
+                <a:tableStyleId>{5C22544A-7EE6-4342-B048-85BDC9FD1C3A}</a:tableStyleId>
+              </a:tblPr>
+              <a:tblGrid>
+                <a:gridCol w="894524"/>
+                <a:gridCol w="208280"/>
+                <a:gridCol w="208280"/>
+                <a:gridCol w="208280"/>
+                <a:gridCol w="338963"/>
+              </a:tblGrid>
+              <a:tr h="196455">
+                <a:tc>
+                  <a:txBody>
+                    <a:bodyPr/>
+                    <a:lstStyle/>
+                    <a:p>
+                      <a:r>
+                        <a:rPr lang="es-PE" sz="1100" dirty="0" smtClean="0"/>
+                        <a:t>ID Pal.</a:t>
+                      </a:r>
+                      <a:endParaRPr lang="es-PE" sz="1100" dirty="0"/>
+                    </a:p>
+                  </a:txBody>
+                  <a:tcPr>
+                    <a:lnL w="12700" cap="flat" cmpd="sng" algn="ctr">
+                      <a:solidFill>
+                        <a:schemeClr val="bg1"/>
+                      </a:solidFill>
+                      <a:prstDash val="solid"/>
+                      <a:round/>
+                      <a:headEnd type="none" w="med" len="med"/>
+                      <a:tailEnd type="none" w="med" len="med"/>
+                    </a:lnL>
+                    <a:lnR w="12700" cap="flat" cmpd="sng" algn="ctr">
+                      <a:solidFill>
+                        <a:schemeClr val="bg1"/>
+                      </a:solidFill>
+                      <a:prstDash val="solid"/>
+                      <a:round/>
+                      <a:headEnd type="none" w="med" len="med"/>
+                      <a:tailEnd type="none" w="med" len="med"/>
+                    </a:lnR>
+                    <a:lnT w="12700" cap="flat" cmpd="sng" algn="ctr">
+                      <a:solidFill>
+                        <a:schemeClr val="bg1"/>
+                      </a:solidFill>
+                      <a:prstDash val="solid"/>
+                      <a:round/>
+                      <a:headEnd type="none" w="med" len="med"/>
+                      <a:tailEnd type="none" w="med" len="med"/>
+                    </a:lnT>
+                    <a:lnB w="12700" cap="flat" cmpd="sng" algn="ctr">
+                      <a:solidFill>
+                        <a:schemeClr val="bg1"/>
+                      </a:solidFill>
+                      <a:prstDash val="solid"/>
+                      <a:round/>
+                      <a:headEnd type="none" w="med" len="med"/>
+                      <a:tailEnd type="none" w="med" len="med"/>
+                    </a:lnB>
+                  </a:tcPr>
+                </a:tc>
+                <a:tc gridSpan="4">
+                  <a:txBody>
+                    <a:bodyPr/>
+                    <a:lstStyle/>
+                    <a:p>
+                      <a:r>
+                        <a:rPr lang="es-PE" sz="1100" dirty="0" smtClean="0"/>
+                        <a:t>1</a:t>
+                      </a:r>
+                      <a:endParaRPr lang="es-PE" sz="1100" dirty="0"/>
+                    </a:p>
+                  </a:txBody>
+                  <a:tcPr>
+                    <a:lnL w="12700" cap="flat" cmpd="sng" algn="ctr">
+                      <a:solidFill>
+                        <a:schemeClr val="bg1"/>
+                      </a:solidFill>
+                      <a:prstDash val="solid"/>
+                      <a:round/>
+                      <a:headEnd type="none" w="med" len="med"/>
+                      <a:tailEnd type="none" w="med" len="med"/>
+                    </a:lnL>
+                    <a:lnR w="12700" cap="flat" cmpd="sng" algn="ctr">
+                      <a:solidFill>
+                        <a:schemeClr val="bg1"/>
+                      </a:solidFill>
+                      <a:prstDash val="solid"/>
+                      <a:round/>
+                      <a:headEnd type="none" w="med" len="med"/>
+                      <a:tailEnd type="none" w="med" len="med"/>
+                    </a:lnR>
+                    <a:lnT w="12700" cap="flat" cmpd="sng" algn="ctr">
+                      <a:solidFill>
+                        <a:schemeClr val="bg1"/>
+                      </a:solidFill>
+                      <a:prstDash val="solid"/>
+                      <a:round/>
+                      <a:headEnd type="none" w="med" len="med"/>
+                      <a:tailEnd type="none" w="med" len="med"/>
+                    </a:lnT>
+                    <a:lnB w="12700" cap="flat" cmpd="sng" algn="ctr">
+                      <a:solidFill>
+                        <a:schemeClr val="bg1"/>
+                      </a:solidFill>
+                      <a:prstDash val="solid"/>
+                      <a:round/>
+                      <a:headEnd type="none" w="med" len="med"/>
+                      <a:tailEnd type="none" w="med" len="med"/>
+                    </a:lnB>
+                  </a:tcPr>
+                </a:tc>
+                <a:tc hMerge="1">
+                  <a:txBody>
+                    <a:bodyPr/>
+                    <a:lstStyle/>
+                    <a:p>
+                      <a:endParaRPr lang="es-PE" dirty="0"/>
+                    </a:p>
+                  </a:txBody>
+                  <a:tcPr/>
+                </a:tc>
+                <a:tc hMerge="1">
+                  <a:txBody>
+                    <a:bodyPr/>
+                    <a:lstStyle/>
+                    <a:p>
+                      <a:endParaRPr lang="es-PE" dirty="0"/>
+                    </a:p>
+                  </a:txBody>
+                  <a:tcPr/>
+                </a:tc>
+                <a:tc hMerge="1">
+                  <a:txBody>
+                    <a:bodyPr/>
+                    <a:lstStyle/>
+                    <a:p>
+                      <a:endParaRPr lang="es-PE" dirty="0"/>
+                    </a:p>
+                  </a:txBody>
+                  <a:tcPr/>
+                </a:tc>
+              </a:tr>
+              <a:tr h="196455">
+                <a:tc>
+                  <a:txBody>
+                    <a:bodyPr/>
+                    <a:lstStyle/>
+                    <a:p>
+                      <a:r>
+                        <a:rPr lang="es-PE" sz="1100" dirty="0" smtClean="0"/>
+                        <a:t>ID Doc.</a:t>
+                      </a:r>
+                      <a:endParaRPr lang="es-PE" sz="1100" dirty="0"/>
+                    </a:p>
+                  </a:txBody>
+                  <a:tcPr>
+                    <a:lnL w="12700" cap="flat" cmpd="sng" algn="ctr">
+                      <a:solidFill>
+                        <a:schemeClr val="bg1"/>
+                      </a:solidFill>
+                      <a:prstDash val="solid"/>
+                      <a:round/>
+                      <a:headEnd type="none" w="med" len="med"/>
+                      <a:tailEnd type="none" w="med" len="med"/>
+                    </a:lnL>
+                    <a:lnR w="12700" cap="flat" cmpd="sng" algn="ctr">
+                      <a:solidFill>
+                        <a:schemeClr val="bg1"/>
+                      </a:solidFill>
+                      <a:prstDash val="solid"/>
+                      <a:round/>
+                      <a:headEnd type="none" w="med" len="med"/>
+                      <a:tailEnd type="none" w="med" len="med"/>
+                    </a:lnR>
+                    <a:lnT w="12700" cap="flat" cmpd="sng" algn="ctr">
+                      <a:solidFill>
+                        <a:schemeClr val="bg1"/>
+                      </a:solidFill>
+                      <a:prstDash val="solid"/>
+                      <a:round/>
+                      <a:headEnd type="none" w="med" len="med"/>
+                      <a:tailEnd type="none" w="med" len="med"/>
+                    </a:lnT>
+                    <a:lnB w="12700" cap="flat" cmpd="sng" algn="ctr">
+                      <a:solidFill>
+                        <a:schemeClr val="bg1"/>
+                      </a:solidFill>
+                      <a:prstDash val="solid"/>
+                      <a:round/>
+                      <a:headEnd type="none" w="med" len="med"/>
+                      <a:tailEnd type="none" w="med" len="med"/>
+                    </a:lnB>
+                  </a:tcPr>
+                </a:tc>
+                <a:tc gridSpan="4">
+                  <a:txBody>
+                    <a:bodyPr/>
+                    <a:lstStyle/>
+                    <a:p>
+                      <a:r>
+                        <a:rPr lang="es-PE" sz="1100" dirty="0" smtClean="0"/>
+                        <a:t>2</a:t>
+                      </a:r>
+                      <a:endParaRPr lang="es-PE" sz="1100" dirty="0"/>
+                    </a:p>
+                  </a:txBody>
+                  <a:tcPr>
+                    <a:lnL w="12700" cap="flat" cmpd="sng" algn="ctr">
+                      <a:solidFill>
+                        <a:schemeClr val="bg1"/>
+                      </a:solidFill>
+                      <a:prstDash val="solid"/>
+                      <a:round/>
+                      <a:headEnd type="none" w="med" len="med"/>
+                      <a:tailEnd type="none" w="med" len="med"/>
+                    </a:lnL>
+                    <a:lnR w="12700" cap="flat" cmpd="sng" algn="ctr">
+                      <a:solidFill>
+                        <a:schemeClr val="bg1"/>
+                      </a:solidFill>
+                      <a:prstDash val="solid"/>
+                      <a:round/>
+                      <a:headEnd type="none" w="med" len="med"/>
+                      <a:tailEnd type="none" w="med" len="med"/>
+                    </a:lnR>
+                    <a:lnT w="12700" cap="flat" cmpd="sng" algn="ctr">
+                      <a:solidFill>
+                        <a:schemeClr val="bg1"/>
+                      </a:solidFill>
+                      <a:prstDash val="solid"/>
+                      <a:round/>
+                      <a:headEnd type="none" w="med" len="med"/>
+                      <a:tailEnd type="none" w="med" len="med"/>
+                    </a:lnT>
+                    <a:lnB w="12700" cap="flat" cmpd="sng" algn="ctr">
+                      <a:solidFill>
+                        <a:schemeClr val="bg1"/>
+                      </a:solidFill>
+                      <a:prstDash val="solid"/>
+                      <a:round/>
+                      <a:headEnd type="none" w="med" len="med"/>
+                      <a:tailEnd type="none" w="med" len="med"/>
+                    </a:lnB>
+                  </a:tcPr>
+                </a:tc>
+                <a:tc hMerge="1">
+                  <a:txBody>
+                    <a:bodyPr/>
+                    <a:lstStyle/>
+                    <a:p>
+                      <a:endParaRPr lang="es-PE" dirty="0"/>
+                    </a:p>
+                  </a:txBody>
+                  <a:tcPr/>
+                </a:tc>
+                <a:tc hMerge="1">
+                  <a:txBody>
+                    <a:bodyPr/>
+                    <a:lstStyle/>
+                    <a:p>
+                      <a:endParaRPr lang="es-PE" dirty="0"/>
+                    </a:p>
+                  </a:txBody>
+                  <a:tcPr/>
+                </a:tc>
+                <a:tc hMerge="1">
+                  <a:txBody>
+                    <a:bodyPr/>
+                    <a:lstStyle/>
+                    <a:p>
+                      <a:endParaRPr lang="es-PE" dirty="0"/>
+                    </a:p>
+                  </a:txBody>
+                  <a:tcPr/>
+                </a:tc>
+              </a:tr>
+              <a:tr h="196455">
+                <a:tc>
+                  <a:txBody>
+                    <a:bodyPr/>
+                    <a:lstStyle/>
+                    <a:p>
+                      <a:r>
+                        <a:rPr lang="es-PE" sz="1100" dirty="0" smtClean="0"/>
+                        <a:t>Posición</a:t>
+                      </a:r>
+                      <a:r>
+                        <a:rPr lang="es-PE" sz="1100" baseline="0" dirty="0" smtClean="0"/>
+                        <a:t> </a:t>
+                      </a:r>
+                      <a:endParaRPr lang="es-PE" sz="1100" dirty="0"/>
+                    </a:p>
+                  </a:txBody>
+                  <a:tcPr>
+                    <a:lnL w="12700" cap="flat" cmpd="sng" algn="ctr">
+                      <a:solidFill>
+                        <a:schemeClr val="bg1"/>
+                      </a:solidFill>
+                      <a:prstDash val="solid"/>
+                      <a:round/>
+                      <a:headEnd type="none" w="med" len="med"/>
+                      <a:tailEnd type="none" w="med" len="med"/>
+                    </a:lnL>
+                    <a:lnR w="12700" cap="flat" cmpd="sng" algn="ctr">
+                      <a:solidFill>
+                        <a:schemeClr val="bg1"/>
+                      </a:solidFill>
+                      <a:prstDash val="solid"/>
+                      <a:round/>
+                      <a:headEnd type="none" w="med" len="med"/>
+                      <a:tailEnd type="none" w="med" len="med"/>
+                    </a:lnR>
+                    <a:lnT w="12700" cap="flat" cmpd="sng" algn="ctr">
+                      <a:solidFill>
+                        <a:schemeClr val="bg1"/>
+                      </a:solidFill>
+                      <a:prstDash val="solid"/>
+                      <a:round/>
+                      <a:headEnd type="none" w="med" len="med"/>
+                      <a:tailEnd type="none" w="med" len="med"/>
+                    </a:lnT>
+                    <a:lnB w="12700" cap="flat" cmpd="sng" algn="ctr">
+                      <a:solidFill>
+                        <a:schemeClr val="bg1"/>
+                      </a:solidFill>
+                      <a:prstDash val="solid"/>
+                      <a:round/>
+                      <a:headEnd type="none" w="med" len="med"/>
+                      <a:tailEnd type="none" w="med" len="med"/>
+                    </a:lnB>
+                  </a:tcPr>
+                </a:tc>
+                <a:tc>
+                  <a:txBody>
+                    <a:bodyPr/>
+                    <a:lstStyle/>
+                    <a:p>
+                      <a:r>
+                        <a:rPr lang="es-PE" sz="1100" dirty="0" smtClean="0"/>
+                        <a:t>2</a:t>
+                      </a:r>
+                      <a:endParaRPr lang="es-PE" sz="1100" dirty="0"/>
+                    </a:p>
+                  </a:txBody>
+                  <a:tcPr>
+                    <a:lnL w="12700" cap="flat" cmpd="sng" algn="ctr">
+                      <a:solidFill>
+                        <a:schemeClr val="bg1"/>
+                      </a:solidFill>
+                      <a:prstDash val="solid"/>
+                      <a:round/>
+                      <a:headEnd type="none" w="med" len="med"/>
+                      <a:tailEnd type="none" w="med" len="med"/>
+                    </a:lnL>
+                    <a:lnR w="12700" cap="flat" cmpd="sng" algn="ctr">
+                      <a:solidFill>
+                        <a:schemeClr val="bg1"/>
+                      </a:solidFill>
+                      <a:prstDash val="solid"/>
+                      <a:round/>
+                      <a:headEnd type="none" w="med" len="med"/>
+                      <a:tailEnd type="none" w="med" len="med"/>
+                    </a:lnR>
+                    <a:lnT w="12700" cap="flat" cmpd="sng" algn="ctr">
+                      <a:solidFill>
+                        <a:schemeClr val="bg1"/>
+                      </a:solidFill>
+                      <a:prstDash val="solid"/>
+                      <a:round/>
+                      <a:headEnd type="none" w="med" len="med"/>
+                      <a:tailEnd type="none" w="med" len="med"/>
+                    </a:lnT>
+                    <a:lnB w="12700" cap="flat" cmpd="sng" algn="ctr">
+                      <a:solidFill>
+                        <a:schemeClr val="bg1"/>
+                      </a:solidFill>
+                      <a:prstDash val="solid"/>
+                      <a:round/>
+                      <a:headEnd type="none" w="med" len="med"/>
+                      <a:tailEnd type="none" w="med" len="med"/>
+                    </a:lnB>
+                  </a:tcPr>
+                </a:tc>
+                <a:tc>
+                  <a:txBody>
+                    <a:bodyPr/>
+                    <a:lstStyle/>
+                    <a:p>
+                      <a:endParaRPr lang="es-PE" sz="1100" dirty="0"/>
+                    </a:p>
+                  </a:txBody>
+                  <a:tcPr>
+                    <a:lnL w="12700" cap="flat" cmpd="sng" algn="ctr">
+                      <a:solidFill>
+                        <a:schemeClr val="bg1"/>
+                      </a:solidFill>
+                      <a:prstDash val="solid"/>
+                      <a:round/>
+                      <a:headEnd type="none" w="med" len="med"/>
+                      <a:tailEnd type="none" w="med" len="med"/>
+                    </a:lnL>
+                    <a:lnR w="12700" cap="flat" cmpd="sng" algn="ctr">
+                      <a:solidFill>
+                        <a:schemeClr val="bg1"/>
+                      </a:solidFill>
+                      <a:prstDash val="solid"/>
+                      <a:round/>
+                      <a:headEnd type="none" w="med" len="med"/>
+                      <a:tailEnd type="none" w="med" len="med"/>
+                    </a:lnR>
+                    <a:lnT w="12700" cap="flat" cmpd="sng" algn="ctr">
+                      <a:solidFill>
+                        <a:schemeClr val="bg1"/>
+                      </a:solidFill>
+                      <a:prstDash val="solid"/>
+                      <a:round/>
+                      <a:headEnd type="none" w="med" len="med"/>
+                      <a:tailEnd type="none" w="med" len="med"/>
+                    </a:lnT>
+                    <a:lnB w="12700" cap="flat" cmpd="sng" algn="ctr">
+                      <a:solidFill>
+                        <a:schemeClr val="bg1"/>
+                      </a:solidFill>
+                      <a:prstDash val="solid"/>
+                      <a:round/>
+                      <a:headEnd type="none" w="med" len="med"/>
+                      <a:tailEnd type="none" w="med" len="med"/>
+                    </a:lnB>
+                  </a:tcPr>
+                </a:tc>
+                <a:tc>
+                  <a:txBody>
+                    <a:bodyPr/>
+                    <a:lstStyle/>
+                    <a:p>
+                      <a:endParaRPr lang="es-PE" sz="1100" dirty="0"/>
+                    </a:p>
+                  </a:txBody>
+                  <a:tcPr>
+                    <a:lnL w="12700" cap="flat" cmpd="sng" algn="ctr">
+                      <a:solidFill>
+                        <a:schemeClr val="bg1"/>
+                      </a:solidFill>
+                      <a:prstDash val="solid"/>
+                      <a:round/>
+                      <a:headEnd type="none" w="med" len="med"/>
+                      <a:tailEnd type="none" w="med" len="med"/>
+                    </a:lnL>
+                    <a:lnR w="12700" cap="flat" cmpd="sng" algn="ctr">
+                      <a:solidFill>
+                        <a:schemeClr val="bg1"/>
+                      </a:solidFill>
+                      <a:prstDash val="solid"/>
+                      <a:round/>
+                      <a:headEnd type="none" w="med" len="med"/>
+                      <a:tailEnd type="none" w="med" len="med"/>
+                    </a:lnR>
+                    <a:lnT w="12700" cap="flat" cmpd="sng" algn="ctr">
+                      <a:solidFill>
+                        <a:schemeClr val="bg1"/>
+                      </a:solidFill>
+                      <a:prstDash val="solid"/>
+                      <a:round/>
+                      <a:headEnd type="none" w="med" len="med"/>
+                      <a:tailEnd type="none" w="med" len="med"/>
+                    </a:lnT>
+                    <a:lnB w="12700" cap="flat" cmpd="sng" algn="ctr">
+                      <a:solidFill>
+                        <a:schemeClr val="bg1"/>
+                      </a:solidFill>
+                      <a:prstDash val="solid"/>
+                      <a:round/>
+                      <a:headEnd type="none" w="med" len="med"/>
+                      <a:tailEnd type="none" w="med" len="med"/>
+                    </a:lnB>
+                  </a:tcPr>
+                </a:tc>
+                <a:tc>
+                  <a:txBody>
+                    <a:bodyPr/>
+                    <a:lstStyle/>
+                    <a:p>
+                      <a:endParaRPr lang="es-PE" sz="1100" dirty="0"/>
+                    </a:p>
+                  </a:txBody>
+                  <a:tcPr>
+                    <a:lnL w="12700" cap="flat" cmpd="sng" algn="ctr">
+                      <a:solidFill>
+                        <a:schemeClr val="bg1"/>
+                      </a:solidFill>
+                      <a:prstDash val="solid"/>
+                      <a:round/>
+                      <a:headEnd type="none" w="med" len="med"/>
+                      <a:tailEnd type="none" w="med" len="med"/>
+                    </a:lnL>
+                    <a:lnR w="12700" cap="flat" cmpd="sng" algn="ctr">
+                      <a:solidFill>
+                        <a:schemeClr val="bg1"/>
+                      </a:solidFill>
+                      <a:prstDash val="solid"/>
+                      <a:round/>
+                      <a:headEnd type="none" w="med" len="med"/>
+                      <a:tailEnd type="none" w="med" len="med"/>
+                    </a:lnR>
+                    <a:lnT w="12700" cap="flat" cmpd="sng" algn="ctr">
+                      <a:solidFill>
+                        <a:schemeClr val="bg1"/>
+                      </a:solidFill>
+                      <a:prstDash val="solid"/>
+                      <a:round/>
+                      <a:headEnd type="none" w="med" len="med"/>
+                      <a:tailEnd type="none" w="med" len="med"/>
+                    </a:lnT>
+                    <a:lnB w="12700" cap="flat" cmpd="sng" algn="ctr">
+                      <a:solidFill>
+                        <a:schemeClr val="bg1"/>
+                      </a:solidFill>
+                      <a:prstDash val="solid"/>
+                      <a:round/>
+                      <a:headEnd type="none" w="med" len="med"/>
+                      <a:tailEnd type="none" w="med" len="med"/>
+                    </a:lnB>
+                  </a:tcPr>
+                </a:tc>
+              </a:tr>
+              <a:tr h="196455">
+                <a:tc>
+                  <a:txBody>
+                    <a:bodyPr/>
+                    <a:lstStyle/>
+                    <a:p>
+                      <a:r>
+                        <a:rPr lang="es-PE" sz="1100" dirty="0" smtClean="0"/>
+                        <a:t>Siguiente</a:t>
+                      </a:r>
+                      <a:endParaRPr lang="es-PE" sz="1100" dirty="0"/>
+                    </a:p>
+                  </a:txBody>
+                  <a:tcPr>
+                    <a:lnL w="12700" cap="flat" cmpd="sng" algn="ctr">
+                      <a:solidFill>
+                        <a:schemeClr val="bg1"/>
+                      </a:solidFill>
+                      <a:prstDash val="solid"/>
+                      <a:round/>
+                      <a:headEnd type="none" w="med" len="med"/>
+                      <a:tailEnd type="none" w="med" len="med"/>
+                    </a:lnL>
+                    <a:lnR w="12700" cap="flat" cmpd="sng" algn="ctr">
+                      <a:solidFill>
+                        <a:schemeClr val="bg1"/>
+                      </a:solidFill>
+                      <a:prstDash val="solid"/>
+                      <a:round/>
+                      <a:headEnd type="none" w="med" len="med"/>
+                      <a:tailEnd type="none" w="med" len="med"/>
+                    </a:lnR>
+                    <a:lnT w="12700" cap="flat" cmpd="sng" algn="ctr">
+                      <a:solidFill>
+                        <a:schemeClr val="bg1"/>
+                      </a:solidFill>
+                      <a:prstDash val="solid"/>
+                      <a:round/>
+                      <a:headEnd type="none" w="med" len="med"/>
+                      <a:tailEnd type="none" w="med" len="med"/>
+                    </a:lnT>
+                    <a:lnB w="12700" cap="flat" cmpd="sng" algn="ctr">
+                      <a:solidFill>
+                        <a:schemeClr val="bg1"/>
+                      </a:solidFill>
+                      <a:prstDash val="solid"/>
+                      <a:round/>
+                      <a:headEnd type="none" w="med" len="med"/>
+                      <a:tailEnd type="none" w="med" len="med"/>
+                    </a:lnB>
+                  </a:tcPr>
+                </a:tc>
+                <a:tc>
+                  <a:txBody>
+                    <a:bodyPr/>
+                    <a:lstStyle/>
+                    <a:p>
+                      <a:endParaRPr lang="es-PE" sz="1100" dirty="0"/>
+                    </a:p>
+                  </a:txBody>
+                  <a:tcPr>
+                    <a:lnL w="12700" cap="flat" cmpd="sng" algn="ctr">
+                      <a:solidFill>
+                        <a:schemeClr val="bg1"/>
+                      </a:solidFill>
+                      <a:prstDash val="solid"/>
+                      <a:round/>
+                      <a:headEnd type="none" w="med" len="med"/>
+                      <a:tailEnd type="none" w="med" len="med"/>
+                    </a:lnL>
+                    <a:lnR w="12700" cap="flat" cmpd="sng" algn="ctr">
+                      <a:solidFill>
+                        <a:schemeClr val="bg1"/>
+                      </a:solidFill>
+                      <a:prstDash val="solid"/>
+                      <a:round/>
+                      <a:headEnd type="none" w="med" len="med"/>
+                      <a:tailEnd type="none" w="med" len="med"/>
+                    </a:lnR>
+                    <a:lnT w="12700" cap="flat" cmpd="sng" algn="ctr">
+                      <a:solidFill>
+                        <a:schemeClr val="bg1"/>
+                      </a:solidFill>
+                      <a:prstDash val="solid"/>
+                      <a:round/>
+                      <a:headEnd type="none" w="med" len="med"/>
+                      <a:tailEnd type="none" w="med" len="med"/>
+                    </a:lnT>
+                    <a:lnB w="12700" cap="flat" cmpd="sng" algn="ctr">
+                      <a:solidFill>
+                        <a:schemeClr val="bg1"/>
+                      </a:solidFill>
+                      <a:prstDash val="solid"/>
+                      <a:round/>
+                      <a:headEnd type="none" w="med" len="med"/>
+                      <a:tailEnd type="none" w="med" len="med"/>
+                    </a:lnB>
+                  </a:tcPr>
+                </a:tc>
+                <a:tc>
+                  <a:txBody>
+                    <a:bodyPr/>
+                    <a:lstStyle/>
+                    <a:p>
+                      <a:endParaRPr lang="es-PE" sz="1100" dirty="0"/>
+                    </a:p>
+                  </a:txBody>
+                  <a:tcPr>
+                    <a:lnL w="12700" cap="flat" cmpd="sng" algn="ctr">
+                      <a:solidFill>
+                        <a:schemeClr val="bg1"/>
+                      </a:solidFill>
+                      <a:prstDash val="solid"/>
+                      <a:round/>
+                      <a:headEnd type="none" w="med" len="med"/>
+                      <a:tailEnd type="none" w="med" len="med"/>
+                    </a:lnL>
+                    <a:lnR w="12700" cap="flat" cmpd="sng" algn="ctr">
+                      <a:solidFill>
+                        <a:schemeClr val="bg1"/>
+                      </a:solidFill>
+                      <a:prstDash val="solid"/>
+                      <a:round/>
+                      <a:headEnd type="none" w="med" len="med"/>
+                      <a:tailEnd type="none" w="med" len="med"/>
+                    </a:lnR>
+                    <a:lnT w="12700" cap="flat" cmpd="sng" algn="ctr">
+                      <a:solidFill>
+                        <a:schemeClr val="bg1"/>
+                      </a:solidFill>
+                      <a:prstDash val="solid"/>
+                      <a:round/>
+                      <a:headEnd type="none" w="med" len="med"/>
+                      <a:tailEnd type="none" w="med" len="med"/>
+                    </a:lnT>
+                    <a:lnB w="12700" cap="flat" cmpd="sng" algn="ctr">
+                      <a:solidFill>
+                        <a:schemeClr val="bg1"/>
+                      </a:solidFill>
+                      <a:prstDash val="solid"/>
+                      <a:round/>
+                      <a:headEnd type="none" w="med" len="med"/>
+                      <a:tailEnd type="none" w="med" len="med"/>
+                    </a:lnB>
+                  </a:tcPr>
+                </a:tc>
+                <a:tc>
+                  <a:txBody>
+                    <a:bodyPr/>
+                    <a:lstStyle/>
+                    <a:p>
+                      <a:endParaRPr lang="es-PE" sz="1100" dirty="0"/>
+                    </a:p>
+                  </a:txBody>
+                  <a:tcPr>
+                    <a:lnL w="12700" cap="flat" cmpd="sng" algn="ctr">
+                      <a:solidFill>
+                        <a:schemeClr val="bg1"/>
+                      </a:solidFill>
+                      <a:prstDash val="solid"/>
+                      <a:round/>
+                      <a:headEnd type="none" w="med" len="med"/>
+                      <a:tailEnd type="none" w="med" len="med"/>
+                    </a:lnL>
+                    <a:lnR w="12700" cap="flat" cmpd="sng" algn="ctr">
+                      <a:solidFill>
+                        <a:schemeClr val="bg1"/>
+                      </a:solidFill>
+                      <a:prstDash val="solid"/>
+                      <a:round/>
+                      <a:headEnd type="none" w="med" len="med"/>
+                      <a:tailEnd type="none" w="med" len="med"/>
+                    </a:lnR>
+                    <a:lnT w="12700" cap="flat" cmpd="sng" algn="ctr">
+                      <a:solidFill>
+                        <a:schemeClr val="bg1"/>
+                      </a:solidFill>
+                      <a:prstDash val="solid"/>
+                      <a:round/>
+                      <a:headEnd type="none" w="med" len="med"/>
+                      <a:tailEnd type="none" w="med" len="med"/>
+                    </a:lnT>
+                    <a:lnB w="12700" cap="flat" cmpd="sng" algn="ctr">
+                      <a:solidFill>
+                        <a:schemeClr val="bg1"/>
+                      </a:solidFill>
+                      <a:prstDash val="solid"/>
+                      <a:round/>
+                      <a:headEnd type="none" w="med" len="med"/>
+                      <a:tailEnd type="none" w="med" len="med"/>
+                    </a:lnB>
+                  </a:tcPr>
+                </a:tc>
+                <a:tc>
+                  <a:txBody>
+                    <a:bodyPr/>
+                    <a:lstStyle/>
+                    <a:p>
+                      <a:endParaRPr lang="es-PE" sz="1100" dirty="0"/>
+                    </a:p>
+                  </a:txBody>
+                  <a:tcPr>
+                    <a:lnL w="12700" cap="flat" cmpd="sng" algn="ctr">
+                      <a:solidFill>
+                        <a:schemeClr val="bg1"/>
+                      </a:solidFill>
+                      <a:prstDash val="solid"/>
+                      <a:round/>
+                      <a:headEnd type="none" w="med" len="med"/>
+                      <a:tailEnd type="none" w="med" len="med"/>
+                    </a:lnL>
+                    <a:lnR w="12700" cap="flat" cmpd="sng" algn="ctr">
+                      <a:solidFill>
+                        <a:schemeClr val="bg1"/>
+                      </a:solidFill>
+                      <a:prstDash val="solid"/>
+                      <a:round/>
+                      <a:headEnd type="none" w="med" len="med"/>
+                      <a:tailEnd type="none" w="med" len="med"/>
+                    </a:lnR>
+                    <a:lnT w="12700" cap="flat" cmpd="sng" algn="ctr">
+                      <a:solidFill>
+                        <a:schemeClr val="bg1"/>
+                      </a:solidFill>
+                      <a:prstDash val="solid"/>
+                      <a:round/>
+                      <a:headEnd type="none" w="med" len="med"/>
+                      <a:tailEnd type="none" w="med" len="med"/>
+                    </a:lnT>
+                    <a:lnB w="12700" cap="flat" cmpd="sng" algn="ctr">
+                      <a:solidFill>
+                        <a:schemeClr val="bg1"/>
+                      </a:solidFill>
+                      <a:prstDash val="solid"/>
+                      <a:round/>
+                      <a:headEnd type="none" w="med" len="med"/>
+                      <a:tailEnd type="none" w="med" len="med"/>
+                    </a:lnB>
+                  </a:tcPr>
+                </a:tc>
+              </a:tr>
+            </a:tbl>
+          </a:graphicData>
+        </a:graphic>
+      </p:graphicFrame>
+    </p:spTree>
+  </p:cSld>
+  <p:clrMapOvr>
+    <a:masterClrMapping/>
+  </p:clrMapOvr>
+  <p:transition advTm="0"/>
+  <p:timing>
+    <p:tnLst>
+      <p:par>
+        <p:cTn id="1" dur="indefinite" restart="never" nodeType="tmRoot"/>
+      </p:par>
+    </p:tnLst>
+  </p:timing>
+</p:sld>
+</file>
+
+<file path=ppt/slides/slide16.xml><?xml version="1.0" encoding="utf-8"?>
+<p:sld xmlns:a="http://schemas.openxmlformats.org/drawingml/2006/main" xmlns:r="http://schemas.openxmlformats.org/officeDocument/2006/relationships" xmlns:p="http://schemas.openxmlformats.org/presentationml/2006/main">
+  <p:cSld>
+    <p:spTree>
+      <p:nvGrpSpPr>
+        <p:cNvPr id="1" name=""/>
+        <p:cNvGrpSpPr/>
+        <p:nvPr/>
+      </p:nvGrpSpPr>
+      <p:grpSpPr>
+        <a:xfrm>
+          <a:off x="0" y="0"/>
+          <a:ext cx="0" cy="0"/>
+          <a:chOff x="0" y="0"/>
+          <a:chExt cx="0" cy="0"/>
+        </a:xfrm>
+      </p:grpSpPr>
+      <p:sp>
+        <p:nvSpPr>
+          <p:cNvPr id="4" name="3 Título"/>
+          <p:cNvSpPr>
+            <a:spLocks noGrp="1"/>
+          </p:cNvSpPr>
+          <p:nvPr>
+            <p:ph type="title"/>
+          </p:nvPr>
+        </p:nvSpPr>
         <p:spPr/>
         <p:txBody>
           <a:bodyPr>
@@ -4451,7 +13540,7 @@
           <a:p>
             <a:r>
               <a:rPr lang="es-PE" sz="4800" dirty="0" smtClean="0"/>
-              <a:t>Bibliografía</a:t>
+              <a:t>Conclusiones</a:t>
             </a:r>
             <a:endParaRPr lang="es-PE" sz="4800" dirty="0"/>
           </a:p>
@@ -4462,6 +13551,70 @@
   <p:clrMapOvr>
     <a:masterClrMapping/>
   </p:clrMapOvr>
+  <p:timing>
+    <p:tnLst>
+      <p:par>
+        <p:cTn id="1" dur="indefinite" restart="never" nodeType="tmRoot"/>
+      </p:par>
+    </p:tnLst>
+  </p:timing>
+</p:sld>
+</file>
+
+<file path=ppt/slides/slide17.xml><?xml version="1.0" encoding="utf-8"?>
+<p:sld xmlns:a="http://schemas.openxmlformats.org/drawingml/2006/main" xmlns:r="http://schemas.openxmlformats.org/officeDocument/2006/relationships" xmlns:p="http://schemas.openxmlformats.org/presentationml/2006/main">
+  <p:cSld>
+    <p:spTree>
+      <p:nvGrpSpPr>
+        <p:cNvPr id="1" name=""/>
+        <p:cNvGrpSpPr/>
+        <p:nvPr/>
+      </p:nvGrpSpPr>
+      <p:grpSpPr>
+        <a:xfrm>
+          <a:off x="0" y="0"/>
+          <a:ext cx="0" cy="0"/>
+          <a:chOff x="0" y="0"/>
+          <a:chExt cx="0" cy="0"/>
+        </a:xfrm>
+      </p:grpSpPr>
+      <p:sp>
+        <p:nvSpPr>
+          <p:cNvPr id="2" name="1 Título"/>
+          <p:cNvSpPr>
+            <a:spLocks noGrp="1"/>
+          </p:cNvSpPr>
+          <p:nvPr>
+            <p:ph type="title"/>
+          </p:nvPr>
+        </p:nvSpPr>
+        <p:spPr/>
+        <p:txBody>
+          <a:bodyPr>
+            <a:normAutofit/>
+          </a:bodyPr>
+          <a:lstStyle/>
+          <a:p>
+            <a:r>
+              <a:rPr lang="es-PE" sz="4800" dirty="0" smtClean="0"/>
+              <a:t>Bibliografía</a:t>
+            </a:r>
+            <a:endParaRPr lang="es-PE" sz="4800" dirty="0"/>
+          </a:p>
+        </p:txBody>
+      </p:sp>
+    </p:spTree>
+  </p:cSld>
+  <p:clrMapOvr>
+    <a:masterClrMapping/>
+  </p:clrMapOvr>
+  <p:timing>
+    <p:tnLst>
+      <p:par>
+        <p:cTn id="1" dur="indefinite" restart="never" nodeType="tmRoot"/>
+      </p:par>
+    </p:tnLst>
+  </p:timing>
 </p:sld>
 </file>
 
@@ -4884,11 +14037,7 @@
           <a:p>
             <a:r>
               <a:rPr lang="es-PE" dirty="0" smtClean="0"/>
-              <a:t>S</a:t>
-            </a:r>
-            <a:r>
-              <a:rPr lang="es-PE" dirty="0" smtClean="0"/>
-              <a:t>olución</a:t>
+              <a:t>Solución</a:t>
             </a:r>
             <a:endParaRPr lang="es-PE" dirty="0"/>
           </a:p>
@@ -5034,6 +14183,11 @@
             <a:off x="642910" y="500042"/>
             <a:ext cx="7772400" cy="1470025"/>
           </a:xfrm>
+          <a:ln>
+            <a:solidFill>
+              <a:schemeClr val="accent1"/>
+            </a:solidFill>
+          </a:ln>
         </p:spPr>
         <p:txBody>
           <a:bodyPr>
@@ -5481,15 +14635,7 @@
           <a:p>
             <a:r>
               <a:rPr lang="es-ES" sz="2000" dirty="0" smtClean="0"/>
-              <a:t>Se necesita </a:t>
-            </a:r>
-            <a:r>
-              <a:rPr lang="es-ES" sz="2000" dirty="0" smtClean="0"/>
-              <a:t>pre </a:t>
-            </a:r>
-            <a:r>
-              <a:rPr lang="es-ES" sz="2000" dirty="0" smtClean="0"/>
-              <a:t>procesamiento del documento y de la conversión del los elementos del texto en números.</a:t>
+              <a:t>Se necesita pre procesamiento del documento y de la conversión del los elementos del texto en números.</a:t>
             </a:r>
           </a:p>
           <a:p>

--- a/trunk/Lab4/diapositivas dp1[1].pptx
+++ b/trunk/Lab4/diapositivas dp1[1].pptx
@@ -20,8 +20,9 @@
     <p:sldId id="271" r:id="rId14"/>
     <p:sldId id="272" r:id="rId15"/>
     <p:sldId id="270" r:id="rId16"/>
-    <p:sldId id="268" r:id="rId17"/>
-    <p:sldId id="269" r:id="rId18"/>
+    <p:sldId id="273" r:id="rId17"/>
+    <p:sldId id="268" r:id="rId18"/>
+    <p:sldId id="269" r:id="rId19"/>
   </p:sldIdLst>
   <p:sldSz cx="9144000" cy="6858000" type="screen4x3"/>
   <p:notesSz cx="6858000" cy="9144000"/>
@@ -508,7 +509,7 @@
             <a:fld id="{D3B66BDA-2D8D-490E-BDD1-00490F8D0F70}" type="datetimeFigureOut">
               <a:rPr lang="es-ES" smtClean="0"/>
               <a:pPr/>
-              <a:t>14/04/2010</a:t>
+              <a:t>15/04/2010</a:t>
             </a:fld>
             <a:endParaRPr lang="es-ES"/>
           </a:p>
@@ -675,7 +676,7 @@
             <a:fld id="{D3B66BDA-2D8D-490E-BDD1-00490F8D0F70}" type="datetimeFigureOut">
               <a:rPr lang="es-ES" smtClean="0"/>
               <a:pPr/>
-              <a:t>14/04/2010</a:t>
+              <a:t>15/04/2010</a:t>
             </a:fld>
             <a:endParaRPr lang="es-ES"/>
           </a:p>
@@ -852,7 +853,7 @@
             <a:fld id="{D3B66BDA-2D8D-490E-BDD1-00490F8D0F70}" type="datetimeFigureOut">
               <a:rPr lang="es-ES" smtClean="0"/>
               <a:pPr/>
-              <a:t>14/04/2010</a:t>
+              <a:t>15/04/2010</a:t>
             </a:fld>
             <a:endParaRPr lang="es-ES"/>
           </a:p>
@@ -1023,7 +1024,7 @@
             <a:fld id="{D3B66BDA-2D8D-490E-BDD1-00490F8D0F70}" type="datetimeFigureOut">
               <a:rPr lang="es-ES" smtClean="0"/>
               <a:pPr/>
-              <a:t>14/04/2010</a:t>
+              <a:t>15/04/2010</a:t>
             </a:fld>
             <a:endParaRPr lang="es-ES"/>
           </a:p>
@@ -1480,7 +1481,7 @@
             <a:fld id="{D3B66BDA-2D8D-490E-BDD1-00490F8D0F70}" type="datetimeFigureOut">
               <a:rPr lang="es-ES" smtClean="0"/>
               <a:pPr/>
-              <a:t>14/04/2010</a:t>
+              <a:t>15/04/2010</a:t>
             </a:fld>
             <a:endParaRPr lang="es-ES"/>
           </a:p>
@@ -1746,7 +1747,7 @@
             <a:fld id="{D3B66BDA-2D8D-490E-BDD1-00490F8D0F70}" type="datetimeFigureOut">
               <a:rPr lang="es-ES" smtClean="0"/>
               <a:pPr/>
-              <a:t>14/04/2010</a:t>
+              <a:t>15/04/2010</a:t>
             </a:fld>
             <a:endParaRPr lang="es-ES"/>
           </a:p>
@@ -2122,7 +2123,7 @@
             <a:fld id="{D3B66BDA-2D8D-490E-BDD1-00490F8D0F70}" type="datetimeFigureOut">
               <a:rPr lang="es-ES" smtClean="0"/>
               <a:pPr/>
-              <a:t>14/04/2010</a:t>
+              <a:t>15/04/2010</a:t>
             </a:fld>
             <a:endParaRPr lang="es-ES"/>
           </a:p>
@@ -2246,7 +2247,7 @@
             <a:fld id="{D3B66BDA-2D8D-490E-BDD1-00490F8D0F70}" type="datetimeFigureOut">
               <a:rPr lang="es-ES" smtClean="0"/>
               <a:pPr/>
-              <a:t>14/04/2010</a:t>
+              <a:t>15/04/2010</a:t>
             </a:fld>
             <a:endParaRPr lang="es-ES"/>
           </a:p>
@@ -2338,7 +2339,7 @@
             <a:fld id="{D3B66BDA-2D8D-490E-BDD1-00490F8D0F70}" type="datetimeFigureOut">
               <a:rPr lang="es-ES" smtClean="0"/>
               <a:pPr/>
-              <a:t>14/04/2010</a:t>
+              <a:t>15/04/2010</a:t>
             </a:fld>
             <a:endParaRPr lang="es-ES"/>
           </a:p>
@@ -2589,7 +2590,7 @@
             <a:fld id="{D3B66BDA-2D8D-490E-BDD1-00490F8D0F70}" type="datetimeFigureOut">
               <a:rPr lang="es-ES" smtClean="0"/>
               <a:pPr/>
-              <a:t>14/04/2010</a:t>
+              <a:t>15/04/2010</a:t>
             </a:fld>
             <a:endParaRPr lang="es-ES"/>
           </a:p>
@@ -2850,7 +2851,7 @@
             <a:fld id="{D3B66BDA-2D8D-490E-BDD1-00490F8D0F70}" type="datetimeFigureOut">
               <a:rPr lang="es-ES" smtClean="0"/>
               <a:pPr/>
-              <a:t>14/04/2010</a:t>
+              <a:t>15/04/2010</a:t>
             </a:fld>
             <a:endParaRPr lang="es-ES"/>
           </a:p>
@@ -3256,7 +3257,7 @@
             <a:fld id="{D3B66BDA-2D8D-490E-BDD1-00490F8D0F70}" type="datetimeFigureOut">
               <a:rPr lang="es-ES" smtClean="0"/>
               <a:pPr/>
-              <a:t>14/04/2010</a:t>
+              <a:t>15/04/2010</a:t>
             </a:fld>
             <a:endParaRPr lang="es-ES"/>
           </a:p>
@@ -4503,11 +4504,7 @@
           <a:p>
             <a:r>
               <a:rPr lang="es-PE" dirty="0" smtClean="0"/>
-              <a:t>Información </a:t>
-            </a:r>
-            <a:r>
-              <a:rPr lang="es-PE" dirty="0" smtClean="0"/>
-              <a:t>relativa a cada palabra</a:t>
+              <a:t>Información relativa a cada palabra</a:t>
             </a:r>
           </a:p>
           <a:p>
@@ -4528,7 +4525,6 @@
               <a:rPr lang="es-PE" dirty="0" smtClean="0"/>
               <a:t>Información de cada palabra respecto a un documento. </a:t>
             </a:r>
-            <a:endParaRPr lang="es-PE" dirty="0" smtClean="0"/>
           </a:p>
         </p:txBody>
       </p:sp>
@@ -4541,7 +4537,7 @@
           <p:nvPr/>
         </p:nvGraphicFramePr>
         <p:xfrm>
-          <a:off x="2500298" y="2500306"/>
+          <a:off x="2643174" y="2500306"/>
           <a:ext cx="3357586" cy="642942"/>
         </p:xfrm>
         <a:graphic>
@@ -4821,7 +4817,7 @@
                     <a:p>
                       <a:r>
                         <a:rPr lang="es-PE" sz="1200" dirty="0" smtClean="0"/>
-                        <a:t>En</a:t>
+                        <a:t>hola</a:t>
                       </a:r>
                       <a:endParaRPr lang="es-PE" sz="1200" dirty="0"/>
                     </a:p>
@@ -4981,7 +4977,7 @@
           <p:nvPr/>
         </p:nvGraphicFramePr>
         <p:xfrm>
-          <a:off x="3286117" y="4786322"/>
+          <a:off x="3357554" y="4929198"/>
           <a:ext cx="2072640" cy="1285884"/>
         </p:xfrm>
         <a:graphic>
@@ -5764,6 +5760,13 @@
   <p:clrMapOvr>
     <a:masterClrMapping/>
   </p:clrMapOvr>
+  <p:timing>
+    <p:tnLst>
+      <p:par>
+        <p:cTn id="1" dur="indefinite" restart="never" nodeType="tmRoot"/>
+      </p:par>
+    </p:tnLst>
+  </p:timing>
 </p:sld>
 </file>
 
@@ -7090,7 +7093,7 @@
           <p:nvPr/>
         </p:nvGraphicFramePr>
         <p:xfrm>
-          <a:off x="571472" y="2857496"/>
+          <a:off x="571472" y="2714620"/>
           <a:ext cx="3071834" cy="548640"/>
         </p:xfrm>
         <a:graphic>
@@ -7530,7 +7533,7 @@
           <p:nvPr/>
         </p:nvGraphicFramePr>
         <p:xfrm>
-          <a:off x="571472" y="4143380"/>
+          <a:off x="571472" y="3786190"/>
           <a:ext cx="3071834" cy="548640"/>
         </p:xfrm>
         <a:graphic>
@@ -7970,7 +7973,7 @@
           <p:nvPr/>
         </p:nvGraphicFramePr>
         <p:xfrm>
-          <a:off x="500034" y="5357826"/>
+          <a:off x="571472" y="4929198"/>
           <a:ext cx="3071834" cy="548640"/>
         </p:xfrm>
         <a:graphic>
@@ -10268,7 +10271,7 @@
                   <a:tcPr/>
                 </a:tc>
               </a:tr>
-              <a:tr h="196455">
+              <a:tr h="124782">
                 <a:tc>
                   <a:txBody>
                     <a:bodyPr/>
@@ -12381,8 +12384,8 @@
         </p:nvCxnSpPr>
         <p:spPr>
           <a:xfrm flipV="1">
-            <a:off x="3714744" y="3000372"/>
-            <a:ext cx="642942" cy="142876"/>
+            <a:off x="3643306" y="2930522"/>
+            <a:ext cx="714380" cy="141288"/>
           </a:xfrm>
           <a:prstGeom prst="bentConnector3">
             <a:avLst>
@@ -12421,9 +12424,9 @@
           <p:nvPr/>
         </p:nvCxnSpPr>
         <p:spPr>
-          <a:xfrm flipV="1">
-            <a:off x="3643306" y="4214818"/>
-            <a:ext cx="714380" cy="214314"/>
+          <a:xfrm>
+            <a:off x="3643306" y="4143380"/>
+            <a:ext cx="714380" cy="1588"/>
           </a:xfrm>
           <a:prstGeom prst="bentConnector3">
             <a:avLst>
@@ -12462,9 +12465,9 @@
           <p:nvPr/>
         </p:nvCxnSpPr>
         <p:spPr>
-          <a:xfrm flipV="1">
+          <a:xfrm>
             <a:off x="3500430" y="5429264"/>
-            <a:ext cx="857256" cy="214314"/>
+            <a:ext cx="857256" cy="1588"/>
           </a:xfrm>
           <a:prstGeom prst="bentConnector3">
             <a:avLst>
@@ -13488,12 +13491,4323 @@
           </a:graphicData>
         </a:graphic>
       </p:graphicFrame>
+      <p:graphicFrame>
+        <p:nvGraphicFramePr>
+          <p:cNvPr id="33" name="32 Tabla"/>
+          <p:cNvGraphicFramePr>
+            <a:graphicFrameLocks noGrp="1"/>
+          </p:cNvGraphicFramePr>
+          <p:nvPr/>
+        </p:nvGraphicFramePr>
+        <p:xfrm>
+          <a:off x="571472" y="6000768"/>
+          <a:ext cx="3071834" cy="548640"/>
+        </p:xfrm>
+        <a:graphic>
+          <a:graphicData uri="http://schemas.openxmlformats.org/drawingml/2006/table">
+            <a:tbl>
+              <a:tblPr firstRow="1">
+                <a:tableStyleId>{5C22544A-7EE6-4342-B048-85BDC9FD1C3A}</a:tableStyleId>
+              </a:tblPr>
+              <a:tblGrid>
+                <a:gridCol w="378071"/>
+                <a:gridCol w="1122127"/>
+                <a:gridCol w="1017700"/>
+                <a:gridCol w="553936"/>
+              </a:tblGrid>
+              <a:tr h="0">
+                <a:tc>
+                  <a:txBody>
+                    <a:bodyPr/>
+                    <a:lstStyle/>
+                    <a:p>
+                      <a:r>
+                        <a:rPr lang="es-PE" sz="1200" dirty="0" smtClean="0"/>
+                        <a:t>ID</a:t>
+                      </a:r>
+                      <a:endParaRPr lang="es-PE" sz="1200" dirty="0"/>
+                    </a:p>
+                  </a:txBody>
+                  <a:tcPr>
+                    <a:lnL w="12700" cap="flat" cmpd="sng" algn="ctr">
+                      <a:solidFill>
+                        <a:schemeClr val="bg1"/>
+                      </a:solidFill>
+                      <a:prstDash val="solid"/>
+                      <a:round/>
+                      <a:headEnd type="none" w="med" len="med"/>
+                      <a:tailEnd type="none" w="med" len="med"/>
+                    </a:lnL>
+                    <a:lnR w="12700" cap="flat" cmpd="sng" algn="ctr">
+                      <a:solidFill>
+                        <a:schemeClr val="bg1"/>
+                      </a:solidFill>
+                      <a:prstDash val="solid"/>
+                      <a:round/>
+                      <a:headEnd type="none" w="med" len="med"/>
+                      <a:tailEnd type="none" w="med" len="med"/>
+                    </a:lnR>
+                    <a:lnT w="12700" cap="flat" cmpd="sng" algn="ctr">
+                      <a:solidFill>
+                        <a:schemeClr val="bg1"/>
+                      </a:solidFill>
+                      <a:prstDash val="solid"/>
+                      <a:round/>
+                      <a:headEnd type="none" w="med" len="med"/>
+                      <a:tailEnd type="none" w="med" len="med"/>
+                    </a:lnT>
+                    <a:lnB w="12700" cap="flat" cmpd="sng" algn="ctr">
+                      <a:solidFill>
+                        <a:schemeClr val="bg1"/>
+                      </a:solidFill>
+                      <a:prstDash val="solid"/>
+                      <a:round/>
+                      <a:headEnd type="none" w="med" len="med"/>
+                      <a:tailEnd type="none" w="med" len="med"/>
+                    </a:lnB>
+                  </a:tcPr>
+                </a:tc>
+                <a:tc>
+                  <a:txBody>
+                    <a:bodyPr/>
+                    <a:lstStyle/>
+                    <a:p>
+                      <a:r>
+                        <a:rPr lang="es-PE" sz="1200" dirty="0" smtClean="0"/>
+                        <a:t>Palabra(w)</a:t>
+                      </a:r>
+                      <a:endParaRPr lang="es-PE" sz="1200" dirty="0"/>
+                    </a:p>
+                  </a:txBody>
+                  <a:tcPr>
+                    <a:lnL w="12700" cap="flat" cmpd="sng" algn="ctr">
+                      <a:solidFill>
+                        <a:schemeClr val="bg1"/>
+                      </a:solidFill>
+                      <a:prstDash val="solid"/>
+                      <a:round/>
+                      <a:headEnd type="none" w="med" len="med"/>
+                      <a:tailEnd type="none" w="med" len="med"/>
+                    </a:lnL>
+                    <a:lnR w="12700" cap="flat" cmpd="sng" algn="ctr">
+                      <a:solidFill>
+                        <a:schemeClr val="bg1"/>
+                      </a:solidFill>
+                      <a:prstDash val="solid"/>
+                      <a:round/>
+                      <a:headEnd type="none" w="med" len="med"/>
+                      <a:tailEnd type="none" w="med" len="med"/>
+                    </a:lnR>
+                    <a:lnT w="12700" cap="flat" cmpd="sng" algn="ctr">
+                      <a:solidFill>
+                        <a:schemeClr val="bg1"/>
+                      </a:solidFill>
+                      <a:prstDash val="solid"/>
+                      <a:round/>
+                      <a:headEnd type="none" w="med" len="med"/>
+                      <a:tailEnd type="none" w="med" len="med"/>
+                    </a:lnT>
+                    <a:lnB w="12700" cap="flat" cmpd="sng" algn="ctr">
+                      <a:solidFill>
+                        <a:schemeClr val="bg1"/>
+                      </a:solidFill>
+                      <a:prstDash val="solid"/>
+                      <a:round/>
+                      <a:headEnd type="none" w="med" len="med"/>
+                      <a:tailEnd type="none" w="med" len="med"/>
+                    </a:lnB>
+                  </a:tcPr>
+                </a:tc>
+                <a:tc>
+                  <a:txBody>
+                    <a:bodyPr/>
+                    <a:lstStyle/>
+                    <a:p>
+                      <a:r>
+                        <a:rPr lang="es-PE" sz="1200" dirty="0" smtClean="0"/>
+                        <a:t>Frecuencia</a:t>
+                      </a:r>
+                      <a:endParaRPr lang="es-PE" sz="1200" dirty="0"/>
+                    </a:p>
+                  </a:txBody>
+                  <a:tcPr>
+                    <a:lnL w="12700" cap="flat" cmpd="sng" algn="ctr">
+                      <a:solidFill>
+                        <a:schemeClr val="bg1"/>
+                      </a:solidFill>
+                      <a:prstDash val="solid"/>
+                      <a:round/>
+                      <a:headEnd type="none" w="med" len="med"/>
+                      <a:tailEnd type="none" w="med" len="med"/>
+                    </a:lnL>
+                    <a:lnR w="12700" cap="flat" cmpd="sng" algn="ctr">
+                      <a:solidFill>
+                        <a:schemeClr val="bg1"/>
+                      </a:solidFill>
+                      <a:prstDash val="solid"/>
+                      <a:round/>
+                      <a:headEnd type="none" w="med" len="med"/>
+                      <a:tailEnd type="none" w="med" len="med"/>
+                    </a:lnR>
+                    <a:lnT w="12700" cap="flat" cmpd="sng" algn="ctr">
+                      <a:solidFill>
+                        <a:schemeClr val="bg1"/>
+                      </a:solidFill>
+                      <a:prstDash val="solid"/>
+                      <a:round/>
+                      <a:headEnd type="none" w="med" len="med"/>
+                      <a:tailEnd type="none" w="med" len="med"/>
+                    </a:lnT>
+                    <a:lnB w="12700" cap="flat" cmpd="sng" algn="ctr">
+                      <a:solidFill>
+                        <a:schemeClr val="bg1"/>
+                      </a:solidFill>
+                      <a:prstDash val="solid"/>
+                      <a:round/>
+                      <a:headEnd type="none" w="med" len="med"/>
+                      <a:tailEnd type="none" w="med" len="med"/>
+                    </a:lnB>
+                  </a:tcPr>
+                </a:tc>
+                <a:tc>
+                  <a:txBody>
+                    <a:bodyPr/>
+                    <a:lstStyle/>
+                    <a:p>
+                      <a:r>
+                        <a:rPr lang="es-PE" sz="1200" dirty="0" smtClean="0"/>
+                        <a:t>Lista</a:t>
+                      </a:r>
+                      <a:endParaRPr lang="es-PE" sz="1200" dirty="0"/>
+                    </a:p>
+                  </a:txBody>
+                  <a:tcPr>
+                    <a:lnL w="12700" cap="flat" cmpd="sng" algn="ctr">
+                      <a:solidFill>
+                        <a:schemeClr val="bg1"/>
+                      </a:solidFill>
+                      <a:prstDash val="solid"/>
+                      <a:round/>
+                      <a:headEnd type="none" w="med" len="med"/>
+                      <a:tailEnd type="none" w="med" len="med"/>
+                    </a:lnL>
+                    <a:lnR w="12700" cap="flat" cmpd="sng" algn="ctr">
+                      <a:solidFill>
+                        <a:schemeClr val="bg1"/>
+                      </a:solidFill>
+                      <a:prstDash val="solid"/>
+                      <a:round/>
+                      <a:headEnd type="none" w="med" len="med"/>
+                      <a:tailEnd type="none" w="med" len="med"/>
+                    </a:lnR>
+                    <a:lnT w="12700" cap="flat" cmpd="sng" algn="ctr">
+                      <a:solidFill>
+                        <a:schemeClr val="bg1"/>
+                      </a:solidFill>
+                      <a:prstDash val="solid"/>
+                      <a:round/>
+                      <a:headEnd type="none" w="med" len="med"/>
+                      <a:tailEnd type="none" w="med" len="med"/>
+                    </a:lnT>
+                    <a:lnB w="12700" cap="flat" cmpd="sng" algn="ctr">
+                      <a:solidFill>
+                        <a:schemeClr val="bg1"/>
+                      </a:solidFill>
+                      <a:prstDash val="solid"/>
+                      <a:round/>
+                      <a:headEnd type="none" w="med" len="med"/>
+                      <a:tailEnd type="none" w="med" len="med"/>
+                    </a:lnB>
+                  </a:tcPr>
+                </a:tc>
+              </a:tr>
+              <a:tr h="250033">
+                <a:tc>
+                  <a:txBody>
+                    <a:bodyPr/>
+                    <a:lstStyle/>
+                    <a:p>
+                      <a:r>
+                        <a:rPr lang="es-PE" sz="1200" dirty="0" smtClean="0"/>
+                        <a:t>4</a:t>
+                      </a:r>
+                      <a:endParaRPr lang="es-PE" sz="1200" dirty="0"/>
+                    </a:p>
+                  </a:txBody>
+                  <a:tcPr>
+                    <a:lnL w="12700" cap="flat" cmpd="sng" algn="ctr">
+                      <a:solidFill>
+                        <a:schemeClr val="bg1"/>
+                      </a:solidFill>
+                      <a:prstDash val="solid"/>
+                      <a:round/>
+                      <a:headEnd type="none" w="med" len="med"/>
+                      <a:tailEnd type="none" w="med" len="med"/>
+                    </a:lnL>
+                    <a:lnR w="12700" cap="flat" cmpd="sng" algn="ctr">
+                      <a:solidFill>
+                        <a:schemeClr val="bg1"/>
+                      </a:solidFill>
+                      <a:prstDash val="solid"/>
+                      <a:round/>
+                      <a:headEnd type="none" w="med" len="med"/>
+                      <a:tailEnd type="none" w="med" len="med"/>
+                    </a:lnR>
+                    <a:lnT w="12700" cap="flat" cmpd="sng" algn="ctr">
+                      <a:solidFill>
+                        <a:schemeClr val="bg1"/>
+                      </a:solidFill>
+                      <a:prstDash val="solid"/>
+                      <a:round/>
+                      <a:headEnd type="none" w="med" len="med"/>
+                      <a:tailEnd type="none" w="med" len="med"/>
+                    </a:lnT>
+                    <a:lnB w="12700" cap="flat" cmpd="sng" algn="ctr">
+                      <a:solidFill>
+                        <a:schemeClr val="bg1"/>
+                      </a:solidFill>
+                      <a:prstDash val="solid"/>
+                      <a:round/>
+                      <a:headEnd type="none" w="med" len="med"/>
+                      <a:tailEnd type="none" w="med" len="med"/>
+                    </a:lnB>
+                  </a:tcPr>
+                </a:tc>
+                <a:tc>
+                  <a:txBody>
+                    <a:bodyPr/>
+                    <a:lstStyle/>
+                    <a:p>
+                      <a:r>
+                        <a:rPr lang="es-PE" sz="1200" dirty="0" smtClean="0"/>
+                        <a:t>Encontramos</a:t>
+                      </a:r>
+                      <a:endParaRPr lang="es-PE" sz="1200" dirty="0"/>
+                    </a:p>
+                  </a:txBody>
+                  <a:tcPr>
+                    <a:lnL w="12700" cap="flat" cmpd="sng" algn="ctr">
+                      <a:solidFill>
+                        <a:schemeClr val="bg1"/>
+                      </a:solidFill>
+                      <a:prstDash val="solid"/>
+                      <a:round/>
+                      <a:headEnd type="none" w="med" len="med"/>
+                      <a:tailEnd type="none" w="med" len="med"/>
+                    </a:lnL>
+                    <a:lnR w="12700" cap="flat" cmpd="sng" algn="ctr">
+                      <a:solidFill>
+                        <a:schemeClr val="bg1"/>
+                      </a:solidFill>
+                      <a:prstDash val="solid"/>
+                      <a:round/>
+                      <a:headEnd type="none" w="med" len="med"/>
+                      <a:tailEnd type="none" w="med" len="med"/>
+                    </a:lnR>
+                    <a:lnT w="12700" cap="flat" cmpd="sng" algn="ctr">
+                      <a:solidFill>
+                        <a:schemeClr val="bg1"/>
+                      </a:solidFill>
+                      <a:prstDash val="solid"/>
+                      <a:round/>
+                      <a:headEnd type="none" w="med" len="med"/>
+                      <a:tailEnd type="none" w="med" len="med"/>
+                    </a:lnT>
+                    <a:lnB w="12700" cap="flat" cmpd="sng" algn="ctr">
+                      <a:solidFill>
+                        <a:schemeClr val="bg1"/>
+                      </a:solidFill>
+                      <a:prstDash val="solid"/>
+                      <a:round/>
+                      <a:headEnd type="none" w="med" len="med"/>
+                      <a:tailEnd type="none" w="med" len="med"/>
+                    </a:lnB>
+                  </a:tcPr>
+                </a:tc>
+                <a:tc>
+                  <a:txBody>
+                    <a:bodyPr/>
+                    <a:lstStyle/>
+                    <a:p>
+                      <a:r>
+                        <a:rPr lang="es-PE" sz="1200" dirty="0" err="1" smtClean="0"/>
+                        <a:t>Wf</a:t>
+                      </a:r>
+                      <a:r>
+                        <a:rPr lang="es-PE" sz="1200" dirty="0" smtClean="0"/>
+                        <a:t> = 1</a:t>
+                      </a:r>
+                      <a:endParaRPr lang="es-PE" sz="1200" dirty="0"/>
+                    </a:p>
+                  </a:txBody>
+                  <a:tcPr>
+                    <a:lnL w="12700" cap="flat" cmpd="sng" algn="ctr">
+                      <a:solidFill>
+                        <a:schemeClr val="bg1"/>
+                      </a:solidFill>
+                      <a:prstDash val="solid"/>
+                      <a:round/>
+                      <a:headEnd type="none" w="med" len="med"/>
+                      <a:tailEnd type="none" w="med" len="med"/>
+                    </a:lnL>
+                    <a:lnR w="12700" cap="flat" cmpd="sng" algn="ctr">
+                      <a:solidFill>
+                        <a:schemeClr val="bg1"/>
+                      </a:solidFill>
+                      <a:prstDash val="solid"/>
+                      <a:round/>
+                      <a:headEnd type="none" w="med" len="med"/>
+                      <a:tailEnd type="none" w="med" len="med"/>
+                    </a:lnR>
+                    <a:lnT w="12700" cap="flat" cmpd="sng" algn="ctr">
+                      <a:solidFill>
+                        <a:schemeClr val="bg1"/>
+                      </a:solidFill>
+                      <a:prstDash val="solid"/>
+                      <a:round/>
+                      <a:headEnd type="none" w="med" len="med"/>
+                      <a:tailEnd type="none" w="med" len="med"/>
+                    </a:lnT>
+                    <a:lnB w="12700" cap="flat" cmpd="sng" algn="ctr">
+                      <a:solidFill>
+                        <a:schemeClr val="bg1"/>
+                      </a:solidFill>
+                      <a:prstDash val="solid"/>
+                      <a:round/>
+                      <a:headEnd type="none" w="med" len="med"/>
+                      <a:tailEnd type="none" w="med" len="med"/>
+                    </a:lnB>
+                  </a:tcPr>
+                </a:tc>
+                <a:tc>
+                  <a:txBody>
+                    <a:bodyPr/>
+                    <a:lstStyle/>
+                    <a:p>
+                      <a:endParaRPr lang="es-PE" sz="1200" dirty="0"/>
+                    </a:p>
+                  </a:txBody>
+                  <a:tcPr>
+                    <a:lnL w="12700" cap="flat" cmpd="sng" algn="ctr">
+                      <a:solidFill>
+                        <a:schemeClr val="bg1"/>
+                      </a:solidFill>
+                      <a:prstDash val="solid"/>
+                      <a:round/>
+                      <a:headEnd type="none" w="med" len="med"/>
+                      <a:tailEnd type="none" w="med" len="med"/>
+                    </a:lnL>
+                    <a:lnR w="12700" cap="flat" cmpd="sng" algn="ctr">
+                      <a:solidFill>
+                        <a:schemeClr val="bg1"/>
+                      </a:solidFill>
+                      <a:prstDash val="solid"/>
+                      <a:round/>
+                      <a:headEnd type="none" w="med" len="med"/>
+                      <a:tailEnd type="none" w="med" len="med"/>
+                    </a:lnR>
+                    <a:lnT w="12700" cap="flat" cmpd="sng" algn="ctr">
+                      <a:solidFill>
+                        <a:schemeClr val="bg1"/>
+                      </a:solidFill>
+                      <a:prstDash val="solid"/>
+                      <a:round/>
+                      <a:headEnd type="none" w="med" len="med"/>
+                      <a:tailEnd type="none" w="med" len="med"/>
+                    </a:lnT>
+                    <a:lnB w="12700" cap="flat" cmpd="sng" algn="ctr">
+                      <a:solidFill>
+                        <a:schemeClr val="bg1"/>
+                      </a:solidFill>
+                      <a:prstDash val="solid"/>
+                      <a:round/>
+                      <a:headEnd type="none" w="med" len="med"/>
+                      <a:tailEnd type="none" w="med" len="med"/>
+                    </a:lnB>
+                  </a:tcPr>
+                </a:tc>
+              </a:tr>
+            </a:tbl>
+          </a:graphicData>
+        </a:graphic>
+      </p:graphicFrame>
+      <p:cxnSp>
+        <p:nvCxnSpPr>
+          <p:cNvPr id="34" name="20 Conector recto de flecha"/>
+          <p:cNvCxnSpPr/>
+          <p:nvPr/>
+        </p:nvCxnSpPr>
+        <p:spPr>
+          <a:xfrm flipV="1">
+            <a:off x="3500430" y="4286256"/>
+            <a:ext cx="5072098" cy="2214578"/>
+          </a:xfrm>
+          <a:prstGeom prst="bentConnector3">
+            <a:avLst>
+              <a:gd name="adj1" fmla="val 106087"/>
+            </a:avLst>
+          </a:prstGeom>
+          <a:ln w="25400">
+            <a:solidFill>
+              <a:schemeClr val="accent2">
+                <a:lumMod val="40000"/>
+                <a:lumOff val="60000"/>
+              </a:schemeClr>
+            </a:solidFill>
+            <a:tailEnd type="arrow"/>
+          </a:ln>
+        </p:spPr>
+        <p:style>
+          <a:lnRef idx="1">
+            <a:schemeClr val="accent1"/>
+          </a:lnRef>
+          <a:fillRef idx="0">
+            <a:schemeClr val="accent1"/>
+          </a:fillRef>
+          <a:effectRef idx="0">
+            <a:schemeClr val="accent1"/>
+          </a:effectRef>
+          <a:fontRef idx="minor">
+            <a:schemeClr val="tx1"/>
+          </a:fontRef>
+        </p:style>
+      </p:cxnSp>
+      <p:cxnSp>
+        <p:nvCxnSpPr>
+          <p:cNvPr id="50" name="20 Conector recto de flecha"/>
+          <p:cNvCxnSpPr/>
+          <p:nvPr/>
+        </p:nvCxnSpPr>
+        <p:spPr>
+          <a:xfrm rot="5400000" flipH="1" flipV="1">
+            <a:off x="7143768" y="5715016"/>
+            <a:ext cx="1000132" cy="1588"/>
+          </a:xfrm>
+          <a:prstGeom prst="bentConnector3">
+            <a:avLst>
+              <a:gd name="adj1" fmla="val 50000"/>
+            </a:avLst>
+          </a:prstGeom>
+          <a:ln w="25400">
+            <a:solidFill>
+              <a:schemeClr val="accent2">
+                <a:lumMod val="40000"/>
+                <a:lumOff val="60000"/>
+              </a:schemeClr>
+            </a:solidFill>
+            <a:tailEnd type="arrow"/>
+          </a:ln>
+        </p:spPr>
+        <p:style>
+          <a:lnRef idx="1">
+            <a:schemeClr val="accent1"/>
+          </a:lnRef>
+          <a:fillRef idx="0">
+            <a:schemeClr val="accent1"/>
+          </a:fillRef>
+          <a:effectRef idx="0">
+            <a:schemeClr val="accent1"/>
+          </a:effectRef>
+          <a:fontRef idx="minor">
+            <a:schemeClr val="tx1"/>
+          </a:fontRef>
+        </p:style>
+      </p:cxnSp>
+      <p:cxnSp>
+        <p:nvCxnSpPr>
+          <p:cNvPr id="66" name="20 Conector recto de flecha"/>
+          <p:cNvCxnSpPr/>
+          <p:nvPr/>
+        </p:nvCxnSpPr>
+        <p:spPr>
+          <a:xfrm rot="5400000" flipH="1" flipV="1">
+            <a:off x="7144562" y="4428338"/>
+            <a:ext cx="1000132" cy="1588"/>
+          </a:xfrm>
+          <a:prstGeom prst="bentConnector3">
+            <a:avLst>
+              <a:gd name="adj1" fmla="val 50000"/>
+            </a:avLst>
+          </a:prstGeom>
+          <a:ln w="25400">
+            <a:solidFill>
+              <a:schemeClr val="accent2">
+                <a:lumMod val="40000"/>
+                <a:lumOff val="60000"/>
+              </a:schemeClr>
+            </a:solidFill>
+            <a:tailEnd type="arrow"/>
+          </a:ln>
+        </p:spPr>
+        <p:style>
+          <a:lnRef idx="1">
+            <a:schemeClr val="accent1"/>
+          </a:lnRef>
+          <a:fillRef idx="0">
+            <a:schemeClr val="accent1"/>
+          </a:fillRef>
+          <a:effectRef idx="0">
+            <a:schemeClr val="accent1"/>
+          </a:effectRef>
+          <a:fontRef idx="minor">
+            <a:schemeClr val="tx1"/>
+          </a:fontRef>
+        </p:style>
+      </p:cxnSp>
     </p:spTree>
   </p:cSld>
   <p:clrMapOvr>
     <a:masterClrMapping/>
   </p:clrMapOvr>
   <p:transition advTm="0"/>
+  <p:timing>
+    <p:tnLst>
+      <p:par>
+        <p:cTn id="1" dur="indefinite" restart="never" nodeType="tmRoot">
+          <p:childTnLst>
+            <p:seq concurrent="1" nextAc="seek">
+              <p:cTn id="2" dur="indefinite" nodeType="mainSeq">
+                <p:childTnLst>
+                  <p:par>
+                    <p:cTn id="3" fill="hold">
+                      <p:stCondLst>
+                        <p:cond delay="indefinite"/>
+                      </p:stCondLst>
+                      <p:childTnLst>
+                        <p:par>
+                          <p:cTn id="4" fill="hold">
+                            <p:stCondLst>
+                              <p:cond delay="0"/>
+                            </p:stCondLst>
+                            <p:childTnLst>
+                              <p:par>
+                                <p:cTn id="5" presetID="54" presetClass="entr" presetSubtype="0" accel="100000" fill="hold" nodeType="clickEffect">
+                                  <p:stCondLst>
+                                    <p:cond delay="0"/>
+                                  </p:stCondLst>
+                                  <p:childTnLst>
+                                    <p:set>
+                                      <p:cBhvr>
+                                        <p:cTn id="6" dur="1" fill="hold">
+                                          <p:stCondLst>
+                                            <p:cond delay="0"/>
+                                          </p:stCondLst>
+                                        </p:cTn>
+                                        <p:tgtEl>
+                                          <p:spTgt spid="4"/>
+                                        </p:tgtEl>
+                                        <p:attrNameLst>
+                                          <p:attrName>style.visibility</p:attrName>
+                                        </p:attrNameLst>
+                                      </p:cBhvr>
+                                      <p:to>
+                                        <p:strVal val="visible"/>
+                                      </p:to>
+                                    </p:set>
+                                    <p:anim calcmode="lin" valueType="num">
+                                      <p:cBhvr>
+                                        <p:cTn id="7" dur="500" fill="hold"/>
+                                        <p:tgtEl>
+                                          <p:spTgt spid="4"/>
+                                        </p:tgtEl>
+                                        <p:attrNameLst>
+                                          <p:attrName>ppt_w</p:attrName>
+                                        </p:attrNameLst>
+                                      </p:cBhvr>
+                                      <p:tavLst>
+                                        <p:tav tm="0">
+                                          <p:val>
+                                            <p:strVal val="#ppt_w*0.05"/>
+                                          </p:val>
+                                        </p:tav>
+                                        <p:tav tm="100000">
+                                          <p:val>
+                                            <p:strVal val="#ppt_w"/>
+                                          </p:val>
+                                        </p:tav>
+                                      </p:tavLst>
+                                    </p:anim>
+                                    <p:anim calcmode="lin" valueType="num">
+                                      <p:cBhvr>
+                                        <p:cTn id="8" dur="500" fill="hold"/>
+                                        <p:tgtEl>
+                                          <p:spTgt spid="4"/>
+                                        </p:tgtEl>
+                                        <p:attrNameLst>
+                                          <p:attrName>ppt_h</p:attrName>
+                                        </p:attrNameLst>
+                                      </p:cBhvr>
+                                      <p:tavLst>
+                                        <p:tav tm="0">
+                                          <p:val>
+                                            <p:strVal val="#ppt_h"/>
+                                          </p:val>
+                                        </p:tav>
+                                        <p:tav tm="100000">
+                                          <p:val>
+                                            <p:strVal val="#ppt_h"/>
+                                          </p:val>
+                                        </p:tav>
+                                      </p:tavLst>
+                                    </p:anim>
+                                    <p:anim calcmode="lin" valueType="num">
+                                      <p:cBhvr>
+                                        <p:cTn id="9" dur="500" fill="hold"/>
+                                        <p:tgtEl>
+                                          <p:spTgt spid="4"/>
+                                        </p:tgtEl>
+                                        <p:attrNameLst>
+                                          <p:attrName>ppt_x</p:attrName>
+                                        </p:attrNameLst>
+                                      </p:cBhvr>
+                                      <p:tavLst>
+                                        <p:tav tm="0">
+                                          <p:val>
+                                            <p:strVal val="#ppt_x-.2"/>
+                                          </p:val>
+                                        </p:tav>
+                                        <p:tav tm="100000">
+                                          <p:val>
+                                            <p:strVal val="#ppt_x"/>
+                                          </p:val>
+                                        </p:tav>
+                                      </p:tavLst>
+                                    </p:anim>
+                                    <p:anim calcmode="lin" valueType="num">
+                                      <p:cBhvr>
+                                        <p:cTn id="10" dur="500" fill="hold"/>
+                                        <p:tgtEl>
+                                          <p:spTgt spid="4"/>
+                                        </p:tgtEl>
+                                        <p:attrNameLst>
+                                          <p:attrName>ppt_y</p:attrName>
+                                        </p:attrNameLst>
+                                      </p:cBhvr>
+                                      <p:tavLst>
+                                        <p:tav tm="0">
+                                          <p:val>
+                                            <p:strVal val="#ppt_y"/>
+                                          </p:val>
+                                        </p:tav>
+                                        <p:tav tm="100000">
+                                          <p:val>
+                                            <p:strVal val="#ppt_y"/>
+                                          </p:val>
+                                        </p:tav>
+                                      </p:tavLst>
+                                    </p:anim>
+                                    <p:animEffect transition="in" filter="fade">
+                                      <p:cBhvr>
+                                        <p:cTn id="11" dur="500"/>
+                                        <p:tgtEl>
+                                          <p:spTgt spid="4"/>
+                                        </p:tgtEl>
+                                      </p:cBhvr>
+                                    </p:animEffect>
+                                  </p:childTnLst>
+                                </p:cTn>
+                              </p:par>
+                            </p:childTnLst>
+                          </p:cTn>
+                        </p:par>
+                      </p:childTnLst>
+                    </p:cTn>
+                  </p:par>
+                  <p:par>
+                    <p:cTn id="12" fill="hold">
+                      <p:stCondLst>
+                        <p:cond delay="indefinite"/>
+                      </p:stCondLst>
+                      <p:childTnLst>
+                        <p:par>
+                          <p:cTn id="13" fill="hold">
+                            <p:stCondLst>
+                              <p:cond delay="0"/>
+                            </p:stCondLst>
+                            <p:childTnLst>
+                              <p:par>
+                                <p:cTn id="14" presetID="54" presetClass="entr" presetSubtype="0" accel="100000" fill="hold" nodeType="clickEffect">
+                                  <p:stCondLst>
+                                    <p:cond delay="0"/>
+                                  </p:stCondLst>
+                                  <p:childTnLst>
+                                    <p:set>
+                                      <p:cBhvr>
+                                        <p:cTn id="15" dur="1" fill="hold">
+                                          <p:stCondLst>
+                                            <p:cond delay="0"/>
+                                          </p:stCondLst>
+                                        </p:cTn>
+                                        <p:tgtEl>
+                                          <p:spTgt spid="9"/>
+                                        </p:tgtEl>
+                                        <p:attrNameLst>
+                                          <p:attrName>style.visibility</p:attrName>
+                                        </p:attrNameLst>
+                                      </p:cBhvr>
+                                      <p:to>
+                                        <p:strVal val="visible"/>
+                                      </p:to>
+                                    </p:set>
+                                    <p:anim calcmode="lin" valueType="num">
+                                      <p:cBhvr>
+                                        <p:cTn id="16" dur="500" fill="hold"/>
+                                        <p:tgtEl>
+                                          <p:spTgt spid="9"/>
+                                        </p:tgtEl>
+                                        <p:attrNameLst>
+                                          <p:attrName>ppt_w</p:attrName>
+                                        </p:attrNameLst>
+                                      </p:cBhvr>
+                                      <p:tavLst>
+                                        <p:tav tm="0">
+                                          <p:val>
+                                            <p:strVal val="#ppt_w*0.05"/>
+                                          </p:val>
+                                        </p:tav>
+                                        <p:tav tm="100000">
+                                          <p:val>
+                                            <p:strVal val="#ppt_w"/>
+                                          </p:val>
+                                        </p:tav>
+                                      </p:tavLst>
+                                    </p:anim>
+                                    <p:anim calcmode="lin" valueType="num">
+                                      <p:cBhvr>
+                                        <p:cTn id="17" dur="500" fill="hold"/>
+                                        <p:tgtEl>
+                                          <p:spTgt spid="9"/>
+                                        </p:tgtEl>
+                                        <p:attrNameLst>
+                                          <p:attrName>ppt_h</p:attrName>
+                                        </p:attrNameLst>
+                                      </p:cBhvr>
+                                      <p:tavLst>
+                                        <p:tav tm="0">
+                                          <p:val>
+                                            <p:strVal val="#ppt_h"/>
+                                          </p:val>
+                                        </p:tav>
+                                        <p:tav tm="100000">
+                                          <p:val>
+                                            <p:strVal val="#ppt_h"/>
+                                          </p:val>
+                                        </p:tav>
+                                      </p:tavLst>
+                                    </p:anim>
+                                    <p:anim calcmode="lin" valueType="num">
+                                      <p:cBhvr>
+                                        <p:cTn id="18" dur="500" fill="hold"/>
+                                        <p:tgtEl>
+                                          <p:spTgt spid="9"/>
+                                        </p:tgtEl>
+                                        <p:attrNameLst>
+                                          <p:attrName>ppt_x</p:attrName>
+                                        </p:attrNameLst>
+                                      </p:cBhvr>
+                                      <p:tavLst>
+                                        <p:tav tm="0">
+                                          <p:val>
+                                            <p:strVal val="#ppt_x-.2"/>
+                                          </p:val>
+                                        </p:tav>
+                                        <p:tav tm="100000">
+                                          <p:val>
+                                            <p:strVal val="#ppt_x"/>
+                                          </p:val>
+                                        </p:tav>
+                                      </p:tavLst>
+                                    </p:anim>
+                                    <p:anim calcmode="lin" valueType="num">
+                                      <p:cBhvr>
+                                        <p:cTn id="19" dur="500" fill="hold"/>
+                                        <p:tgtEl>
+                                          <p:spTgt spid="9"/>
+                                        </p:tgtEl>
+                                        <p:attrNameLst>
+                                          <p:attrName>ppt_y</p:attrName>
+                                        </p:attrNameLst>
+                                      </p:cBhvr>
+                                      <p:tavLst>
+                                        <p:tav tm="0">
+                                          <p:val>
+                                            <p:strVal val="#ppt_y"/>
+                                          </p:val>
+                                        </p:tav>
+                                        <p:tav tm="100000">
+                                          <p:val>
+                                            <p:strVal val="#ppt_y"/>
+                                          </p:val>
+                                        </p:tav>
+                                      </p:tavLst>
+                                    </p:anim>
+                                    <p:animEffect transition="in" filter="fade">
+                                      <p:cBhvr>
+                                        <p:cTn id="20" dur="500"/>
+                                        <p:tgtEl>
+                                          <p:spTgt spid="9"/>
+                                        </p:tgtEl>
+                                      </p:cBhvr>
+                                    </p:animEffect>
+                                  </p:childTnLst>
+                                </p:cTn>
+                              </p:par>
+                              <p:par>
+                                <p:cTn id="21" presetID="54" presetClass="entr" presetSubtype="0" accel="100000" fill="hold" nodeType="withEffect">
+                                  <p:stCondLst>
+                                    <p:cond delay="0"/>
+                                  </p:stCondLst>
+                                  <p:childTnLst>
+                                    <p:set>
+                                      <p:cBhvr>
+                                        <p:cTn id="22" dur="1" fill="hold">
+                                          <p:stCondLst>
+                                            <p:cond delay="0"/>
+                                          </p:stCondLst>
+                                        </p:cTn>
+                                        <p:tgtEl>
+                                          <p:spTgt spid="21"/>
+                                        </p:tgtEl>
+                                        <p:attrNameLst>
+                                          <p:attrName>style.visibility</p:attrName>
+                                        </p:attrNameLst>
+                                      </p:cBhvr>
+                                      <p:to>
+                                        <p:strVal val="visible"/>
+                                      </p:to>
+                                    </p:set>
+                                    <p:anim calcmode="lin" valueType="num">
+                                      <p:cBhvr>
+                                        <p:cTn id="23" dur="500" fill="hold"/>
+                                        <p:tgtEl>
+                                          <p:spTgt spid="21"/>
+                                        </p:tgtEl>
+                                        <p:attrNameLst>
+                                          <p:attrName>ppt_w</p:attrName>
+                                        </p:attrNameLst>
+                                      </p:cBhvr>
+                                      <p:tavLst>
+                                        <p:tav tm="0">
+                                          <p:val>
+                                            <p:strVal val="#ppt_w*0.05"/>
+                                          </p:val>
+                                        </p:tav>
+                                        <p:tav tm="100000">
+                                          <p:val>
+                                            <p:strVal val="#ppt_w"/>
+                                          </p:val>
+                                        </p:tav>
+                                      </p:tavLst>
+                                    </p:anim>
+                                    <p:anim calcmode="lin" valueType="num">
+                                      <p:cBhvr>
+                                        <p:cTn id="24" dur="500" fill="hold"/>
+                                        <p:tgtEl>
+                                          <p:spTgt spid="21"/>
+                                        </p:tgtEl>
+                                        <p:attrNameLst>
+                                          <p:attrName>ppt_h</p:attrName>
+                                        </p:attrNameLst>
+                                      </p:cBhvr>
+                                      <p:tavLst>
+                                        <p:tav tm="0">
+                                          <p:val>
+                                            <p:strVal val="#ppt_h"/>
+                                          </p:val>
+                                        </p:tav>
+                                        <p:tav tm="100000">
+                                          <p:val>
+                                            <p:strVal val="#ppt_h"/>
+                                          </p:val>
+                                        </p:tav>
+                                      </p:tavLst>
+                                    </p:anim>
+                                    <p:anim calcmode="lin" valueType="num">
+                                      <p:cBhvr>
+                                        <p:cTn id="25" dur="500" fill="hold"/>
+                                        <p:tgtEl>
+                                          <p:spTgt spid="21"/>
+                                        </p:tgtEl>
+                                        <p:attrNameLst>
+                                          <p:attrName>ppt_x</p:attrName>
+                                        </p:attrNameLst>
+                                      </p:cBhvr>
+                                      <p:tavLst>
+                                        <p:tav tm="0">
+                                          <p:val>
+                                            <p:strVal val="#ppt_x-.2"/>
+                                          </p:val>
+                                        </p:tav>
+                                        <p:tav tm="100000">
+                                          <p:val>
+                                            <p:strVal val="#ppt_x"/>
+                                          </p:val>
+                                        </p:tav>
+                                      </p:tavLst>
+                                    </p:anim>
+                                    <p:anim calcmode="lin" valueType="num">
+                                      <p:cBhvr>
+                                        <p:cTn id="26" dur="500" fill="hold"/>
+                                        <p:tgtEl>
+                                          <p:spTgt spid="21"/>
+                                        </p:tgtEl>
+                                        <p:attrNameLst>
+                                          <p:attrName>ppt_y</p:attrName>
+                                        </p:attrNameLst>
+                                      </p:cBhvr>
+                                      <p:tavLst>
+                                        <p:tav tm="0">
+                                          <p:val>
+                                            <p:strVal val="#ppt_y"/>
+                                          </p:val>
+                                        </p:tav>
+                                        <p:tav tm="100000">
+                                          <p:val>
+                                            <p:strVal val="#ppt_y"/>
+                                          </p:val>
+                                        </p:tav>
+                                      </p:tavLst>
+                                    </p:anim>
+                                    <p:animEffect transition="in" filter="fade">
+                                      <p:cBhvr>
+                                        <p:cTn id="27" dur="500"/>
+                                        <p:tgtEl>
+                                          <p:spTgt spid="21"/>
+                                        </p:tgtEl>
+                                      </p:cBhvr>
+                                    </p:animEffect>
+                                  </p:childTnLst>
+                                </p:cTn>
+                              </p:par>
+                            </p:childTnLst>
+                          </p:cTn>
+                        </p:par>
+                      </p:childTnLst>
+                    </p:cTn>
+                  </p:par>
+                  <p:par>
+                    <p:cTn id="28" fill="hold">
+                      <p:stCondLst>
+                        <p:cond delay="indefinite"/>
+                      </p:stCondLst>
+                      <p:childTnLst>
+                        <p:par>
+                          <p:cTn id="29" fill="hold">
+                            <p:stCondLst>
+                              <p:cond delay="0"/>
+                            </p:stCondLst>
+                            <p:childTnLst>
+                              <p:par>
+                                <p:cTn id="30" presetID="54" presetClass="entr" presetSubtype="0" accel="100000" fill="hold" nodeType="clickEffect">
+                                  <p:stCondLst>
+                                    <p:cond delay="0"/>
+                                  </p:stCondLst>
+                                  <p:childTnLst>
+                                    <p:set>
+                                      <p:cBhvr>
+                                        <p:cTn id="31" dur="1" fill="hold">
+                                          <p:stCondLst>
+                                            <p:cond delay="0"/>
+                                          </p:stCondLst>
+                                        </p:cTn>
+                                        <p:tgtEl>
+                                          <p:spTgt spid="10"/>
+                                        </p:tgtEl>
+                                        <p:attrNameLst>
+                                          <p:attrName>style.visibility</p:attrName>
+                                        </p:attrNameLst>
+                                      </p:cBhvr>
+                                      <p:to>
+                                        <p:strVal val="visible"/>
+                                      </p:to>
+                                    </p:set>
+                                    <p:anim calcmode="lin" valueType="num">
+                                      <p:cBhvr>
+                                        <p:cTn id="32" dur="500" fill="hold"/>
+                                        <p:tgtEl>
+                                          <p:spTgt spid="10"/>
+                                        </p:tgtEl>
+                                        <p:attrNameLst>
+                                          <p:attrName>ppt_w</p:attrName>
+                                        </p:attrNameLst>
+                                      </p:cBhvr>
+                                      <p:tavLst>
+                                        <p:tav tm="0">
+                                          <p:val>
+                                            <p:strVal val="#ppt_w*0.05"/>
+                                          </p:val>
+                                        </p:tav>
+                                        <p:tav tm="100000">
+                                          <p:val>
+                                            <p:strVal val="#ppt_w"/>
+                                          </p:val>
+                                        </p:tav>
+                                      </p:tavLst>
+                                    </p:anim>
+                                    <p:anim calcmode="lin" valueType="num">
+                                      <p:cBhvr>
+                                        <p:cTn id="33" dur="500" fill="hold"/>
+                                        <p:tgtEl>
+                                          <p:spTgt spid="10"/>
+                                        </p:tgtEl>
+                                        <p:attrNameLst>
+                                          <p:attrName>ppt_h</p:attrName>
+                                        </p:attrNameLst>
+                                      </p:cBhvr>
+                                      <p:tavLst>
+                                        <p:tav tm="0">
+                                          <p:val>
+                                            <p:strVal val="#ppt_h"/>
+                                          </p:val>
+                                        </p:tav>
+                                        <p:tav tm="100000">
+                                          <p:val>
+                                            <p:strVal val="#ppt_h"/>
+                                          </p:val>
+                                        </p:tav>
+                                      </p:tavLst>
+                                    </p:anim>
+                                    <p:anim calcmode="lin" valueType="num">
+                                      <p:cBhvr>
+                                        <p:cTn id="34" dur="500" fill="hold"/>
+                                        <p:tgtEl>
+                                          <p:spTgt spid="10"/>
+                                        </p:tgtEl>
+                                        <p:attrNameLst>
+                                          <p:attrName>ppt_x</p:attrName>
+                                        </p:attrNameLst>
+                                      </p:cBhvr>
+                                      <p:tavLst>
+                                        <p:tav tm="0">
+                                          <p:val>
+                                            <p:strVal val="#ppt_x-.2"/>
+                                          </p:val>
+                                        </p:tav>
+                                        <p:tav tm="100000">
+                                          <p:val>
+                                            <p:strVal val="#ppt_x"/>
+                                          </p:val>
+                                        </p:tav>
+                                      </p:tavLst>
+                                    </p:anim>
+                                    <p:anim calcmode="lin" valueType="num">
+                                      <p:cBhvr>
+                                        <p:cTn id="35" dur="500" fill="hold"/>
+                                        <p:tgtEl>
+                                          <p:spTgt spid="10"/>
+                                        </p:tgtEl>
+                                        <p:attrNameLst>
+                                          <p:attrName>ppt_y</p:attrName>
+                                        </p:attrNameLst>
+                                      </p:cBhvr>
+                                      <p:tavLst>
+                                        <p:tav tm="0">
+                                          <p:val>
+                                            <p:strVal val="#ppt_y"/>
+                                          </p:val>
+                                        </p:tav>
+                                        <p:tav tm="100000">
+                                          <p:val>
+                                            <p:strVal val="#ppt_y"/>
+                                          </p:val>
+                                        </p:tav>
+                                      </p:tavLst>
+                                    </p:anim>
+                                    <p:animEffect transition="in" filter="fade">
+                                      <p:cBhvr>
+                                        <p:cTn id="36" dur="500"/>
+                                        <p:tgtEl>
+                                          <p:spTgt spid="10"/>
+                                        </p:tgtEl>
+                                      </p:cBhvr>
+                                    </p:animEffect>
+                                  </p:childTnLst>
+                                </p:cTn>
+                              </p:par>
+                            </p:childTnLst>
+                          </p:cTn>
+                        </p:par>
+                      </p:childTnLst>
+                    </p:cTn>
+                  </p:par>
+                  <p:par>
+                    <p:cTn id="37" fill="hold">
+                      <p:stCondLst>
+                        <p:cond delay="indefinite"/>
+                      </p:stCondLst>
+                      <p:childTnLst>
+                        <p:par>
+                          <p:cTn id="38" fill="hold">
+                            <p:stCondLst>
+                              <p:cond delay="0"/>
+                            </p:stCondLst>
+                            <p:childTnLst>
+                              <p:par>
+                                <p:cTn id="39" presetID="54" presetClass="entr" presetSubtype="0" accel="100000" fill="hold" nodeType="clickEffect">
+                                  <p:stCondLst>
+                                    <p:cond delay="0"/>
+                                  </p:stCondLst>
+                                  <p:childTnLst>
+                                    <p:set>
+                                      <p:cBhvr>
+                                        <p:cTn id="40" dur="1" fill="hold">
+                                          <p:stCondLst>
+                                            <p:cond delay="0"/>
+                                          </p:stCondLst>
+                                        </p:cTn>
+                                        <p:tgtEl>
+                                          <p:spTgt spid="24"/>
+                                        </p:tgtEl>
+                                        <p:attrNameLst>
+                                          <p:attrName>style.visibility</p:attrName>
+                                        </p:attrNameLst>
+                                      </p:cBhvr>
+                                      <p:to>
+                                        <p:strVal val="visible"/>
+                                      </p:to>
+                                    </p:set>
+                                    <p:anim calcmode="lin" valueType="num">
+                                      <p:cBhvr>
+                                        <p:cTn id="41" dur="500" fill="hold"/>
+                                        <p:tgtEl>
+                                          <p:spTgt spid="24"/>
+                                        </p:tgtEl>
+                                        <p:attrNameLst>
+                                          <p:attrName>ppt_w</p:attrName>
+                                        </p:attrNameLst>
+                                      </p:cBhvr>
+                                      <p:tavLst>
+                                        <p:tav tm="0">
+                                          <p:val>
+                                            <p:strVal val="#ppt_w*0.05"/>
+                                          </p:val>
+                                        </p:tav>
+                                        <p:tav tm="100000">
+                                          <p:val>
+                                            <p:strVal val="#ppt_w"/>
+                                          </p:val>
+                                        </p:tav>
+                                      </p:tavLst>
+                                    </p:anim>
+                                    <p:anim calcmode="lin" valueType="num">
+                                      <p:cBhvr>
+                                        <p:cTn id="42" dur="500" fill="hold"/>
+                                        <p:tgtEl>
+                                          <p:spTgt spid="24"/>
+                                        </p:tgtEl>
+                                        <p:attrNameLst>
+                                          <p:attrName>ppt_h</p:attrName>
+                                        </p:attrNameLst>
+                                      </p:cBhvr>
+                                      <p:tavLst>
+                                        <p:tav tm="0">
+                                          <p:val>
+                                            <p:strVal val="#ppt_h"/>
+                                          </p:val>
+                                        </p:tav>
+                                        <p:tav tm="100000">
+                                          <p:val>
+                                            <p:strVal val="#ppt_h"/>
+                                          </p:val>
+                                        </p:tav>
+                                      </p:tavLst>
+                                    </p:anim>
+                                    <p:anim calcmode="lin" valueType="num">
+                                      <p:cBhvr>
+                                        <p:cTn id="43" dur="500" fill="hold"/>
+                                        <p:tgtEl>
+                                          <p:spTgt spid="24"/>
+                                        </p:tgtEl>
+                                        <p:attrNameLst>
+                                          <p:attrName>ppt_x</p:attrName>
+                                        </p:attrNameLst>
+                                      </p:cBhvr>
+                                      <p:tavLst>
+                                        <p:tav tm="0">
+                                          <p:val>
+                                            <p:strVal val="#ppt_x-.2"/>
+                                          </p:val>
+                                        </p:tav>
+                                        <p:tav tm="100000">
+                                          <p:val>
+                                            <p:strVal val="#ppt_x"/>
+                                          </p:val>
+                                        </p:tav>
+                                      </p:tavLst>
+                                    </p:anim>
+                                    <p:anim calcmode="lin" valueType="num">
+                                      <p:cBhvr>
+                                        <p:cTn id="44" dur="500" fill="hold"/>
+                                        <p:tgtEl>
+                                          <p:spTgt spid="24"/>
+                                        </p:tgtEl>
+                                        <p:attrNameLst>
+                                          <p:attrName>ppt_y</p:attrName>
+                                        </p:attrNameLst>
+                                      </p:cBhvr>
+                                      <p:tavLst>
+                                        <p:tav tm="0">
+                                          <p:val>
+                                            <p:strVal val="#ppt_y"/>
+                                          </p:val>
+                                        </p:tav>
+                                        <p:tav tm="100000">
+                                          <p:val>
+                                            <p:strVal val="#ppt_y"/>
+                                          </p:val>
+                                        </p:tav>
+                                      </p:tavLst>
+                                    </p:anim>
+                                    <p:animEffect transition="in" filter="fade">
+                                      <p:cBhvr>
+                                        <p:cTn id="45" dur="500"/>
+                                        <p:tgtEl>
+                                          <p:spTgt spid="24"/>
+                                        </p:tgtEl>
+                                      </p:cBhvr>
+                                    </p:animEffect>
+                                  </p:childTnLst>
+                                </p:cTn>
+                              </p:par>
+                              <p:par>
+                                <p:cTn id="46" presetID="54" presetClass="entr" presetSubtype="0" accel="100000" fill="hold" nodeType="withEffect">
+                                  <p:stCondLst>
+                                    <p:cond delay="0"/>
+                                  </p:stCondLst>
+                                  <p:childTnLst>
+                                    <p:set>
+                                      <p:cBhvr>
+                                        <p:cTn id="47" dur="1" fill="hold">
+                                          <p:stCondLst>
+                                            <p:cond delay="0"/>
+                                          </p:stCondLst>
+                                        </p:cTn>
+                                        <p:tgtEl>
+                                          <p:spTgt spid="35"/>
+                                        </p:tgtEl>
+                                        <p:attrNameLst>
+                                          <p:attrName>style.visibility</p:attrName>
+                                        </p:attrNameLst>
+                                      </p:cBhvr>
+                                      <p:to>
+                                        <p:strVal val="visible"/>
+                                      </p:to>
+                                    </p:set>
+                                    <p:anim calcmode="lin" valueType="num">
+                                      <p:cBhvr>
+                                        <p:cTn id="48" dur="500" fill="hold"/>
+                                        <p:tgtEl>
+                                          <p:spTgt spid="35"/>
+                                        </p:tgtEl>
+                                        <p:attrNameLst>
+                                          <p:attrName>ppt_w</p:attrName>
+                                        </p:attrNameLst>
+                                      </p:cBhvr>
+                                      <p:tavLst>
+                                        <p:tav tm="0">
+                                          <p:val>
+                                            <p:strVal val="#ppt_w*0.05"/>
+                                          </p:val>
+                                        </p:tav>
+                                        <p:tav tm="100000">
+                                          <p:val>
+                                            <p:strVal val="#ppt_w"/>
+                                          </p:val>
+                                        </p:tav>
+                                      </p:tavLst>
+                                    </p:anim>
+                                    <p:anim calcmode="lin" valueType="num">
+                                      <p:cBhvr>
+                                        <p:cTn id="49" dur="500" fill="hold"/>
+                                        <p:tgtEl>
+                                          <p:spTgt spid="35"/>
+                                        </p:tgtEl>
+                                        <p:attrNameLst>
+                                          <p:attrName>ppt_h</p:attrName>
+                                        </p:attrNameLst>
+                                      </p:cBhvr>
+                                      <p:tavLst>
+                                        <p:tav tm="0">
+                                          <p:val>
+                                            <p:strVal val="#ppt_h"/>
+                                          </p:val>
+                                        </p:tav>
+                                        <p:tav tm="100000">
+                                          <p:val>
+                                            <p:strVal val="#ppt_h"/>
+                                          </p:val>
+                                        </p:tav>
+                                      </p:tavLst>
+                                    </p:anim>
+                                    <p:anim calcmode="lin" valueType="num">
+                                      <p:cBhvr>
+                                        <p:cTn id="50" dur="500" fill="hold"/>
+                                        <p:tgtEl>
+                                          <p:spTgt spid="35"/>
+                                        </p:tgtEl>
+                                        <p:attrNameLst>
+                                          <p:attrName>ppt_x</p:attrName>
+                                        </p:attrNameLst>
+                                      </p:cBhvr>
+                                      <p:tavLst>
+                                        <p:tav tm="0">
+                                          <p:val>
+                                            <p:strVal val="#ppt_x-.2"/>
+                                          </p:val>
+                                        </p:tav>
+                                        <p:tav tm="100000">
+                                          <p:val>
+                                            <p:strVal val="#ppt_x"/>
+                                          </p:val>
+                                        </p:tav>
+                                      </p:tavLst>
+                                    </p:anim>
+                                    <p:anim calcmode="lin" valueType="num">
+                                      <p:cBhvr>
+                                        <p:cTn id="51" dur="500" fill="hold"/>
+                                        <p:tgtEl>
+                                          <p:spTgt spid="35"/>
+                                        </p:tgtEl>
+                                        <p:attrNameLst>
+                                          <p:attrName>ppt_y</p:attrName>
+                                        </p:attrNameLst>
+                                      </p:cBhvr>
+                                      <p:tavLst>
+                                        <p:tav tm="0">
+                                          <p:val>
+                                            <p:strVal val="#ppt_y"/>
+                                          </p:val>
+                                        </p:tav>
+                                        <p:tav tm="100000">
+                                          <p:val>
+                                            <p:strVal val="#ppt_y"/>
+                                          </p:val>
+                                        </p:tav>
+                                      </p:tavLst>
+                                    </p:anim>
+                                    <p:animEffect transition="in" filter="fade">
+                                      <p:cBhvr>
+                                        <p:cTn id="52" dur="500"/>
+                                        <p:tgtEl>
+                                          <p:spTgt spid="35"/>
+                                        </p:tgtEl>
+                                      </p:cBhvr>
+                                    </p:animEffect>
+                                  </p:childTnLst>
+                                </p:cTn>
+                              </p:par>
+                              <p:par>
+                                <p:cTn id="53" presetID="54" presetClass="entr" presetSubtype="0" accel="100000" fill="hold" nodeType="withEffect">
+                                  <p:stCondLst>
+                                    <p:cond delay="0"/>
+                                  </p:stCondLst>
+                                  <p:childTnLst>
+                                    <p:set>
+                                      <p:cBhvr>
+                                        <p:cTn id="54" dur="1" fill="hold">
+                                          <p:stCondLst>
+                                            <p:cond delay="0"/>
+                                          </p:stCondLst>
+                                        </p:cTn>
+                                        <p:tgtEl>
+                                          <p:spTgt spid="13"/>
+                                        </p:tgtEl>
+                                        <p:attrNameLst>
+                                          <p:attrName>style.visibility</p:attrName>
+                                        </p:attrNameLst>
+                                      </p:cBhvr>
+                                      <p:to>
+                                        <p:strVal val="visible"/>
+                                      </p:to>
+                                    </p:set>
+                                    <p:anim calcmode="lin" valueType="num">
+                                      <p:cBhvr>
+                                        <p:cTn id="55" dur="500" fill="hold"/>
+                                        <p:tgtEl>
+                                          <p:spTgt spid="13"/>
+                                        </p:tgtEl>
+                                        <p:attrNameLst>
+                                          <p:attrName>ppt_w</p:attrName>
+                                        </p:attrNameLst>
+                                      </p:cBhvr>
+                                      <p:tavLst>
+                                        <p:tav tm="0">
+                                          <p:val>
+                                            <p:strVal val="#ppt_w*0.05"/>
+                                          </p:val>
+                                        </p:tav>
+                                        <p:tav tm="100000">
+                                          <p:val>
+                                            <p:strVal val="#ppt_w"/>
+                                          </p:val>
+                                        </p:tav>
+                                      </p:tavLst>
+                                    </p:anim>
+                                    <p:anim calcmode="lin" valueType="num">
+                                      <p:cBhvr>
+                                        <p:cTn id="56" dur="500" fill="hold"/>
+                                        <p:tgtEl>
+                                          <p:spTgt spid="13"/>
+                                        </p:tgtEl>
+                                        <p:attrNameLst>
+                                          <p:attrName>ppt_h</p:attrName>
+                                        </p:attrNameLst>
+                                      </p:cBhvr>
+                                      <p:tavLst>
+                                        <p:tav tm="0">
+                                          <p:val>
+                                            <p:strVal val="#ppt_h"/>
+                                          </p:val>
+                                        </p:tav>
+                                        <p:tav tm="100000">
+                                          <p:val>
+                                            <p:strVal val="#ppt_h"/>
+                                          </p:val>
+                                        </p:tav>
+                                      </p:tavLst>
+                                    </p:anim>
+                                    <p:anim calcmode="lin" valueType="num">
+                                      <p:cBhvr>
+                                        <p:cTn id="57" dur="500" fill="hold"/>
+                                        <p:tgtEl>
+                                          <p:spTgt spid="13"/>
+                                        </p:tgtEl>
+                                        <p:attrNameLst>
+                                          <p:attrName>ppt_x</p:attrName>
+                                        </p:attrNameLst>
+                                      </p:cBhvr>
+                                      <p:tavLst>
+                                        <p:tav tm="0">
+                                          <p:val>
+                                            <p:strVal val="#ppt_x-.2"/>
+                                          </p:val>
+                                        </p:tav>
+                                        <p:tav tm="100000">
+                                          <p:val>
+                                            <p:strVal val="#ppt_x"/>
+                                          </p:val>
+                                        </p:tav>
+                                      </p:tavLst>
+                                    </p:anim>
+                                    <p:anim calcmode="lin" valueType="num">
+                                      <p:cBhvr>
+                                        <p:cTn id="58" dur="500" fill="hold"/>
+                                        <p:tgtEl>
+                                          <p:spTgt spid="13"/>
+                                        </p:tgtEl>
+                                        <p:attrNameLst>
+                                          <p:attrName>ppt_y</p:attrName>
+                                        </p:attrNameLst>
+                                      </p:cBhvr>
+                                      <p:tavLst>
+                                        <p:tav tm="0">
+                                          <p:val>
+                                            <p:strVal val="#ppt_y"/>
+                                          </p:val>
+                                        </p:tav>
+                                        <p:tav tm="100000">
+                                          <p:val>
+                                            <p:strVal val="#ppt_y"/>
+                                          </p:val>
+                                        </p:tav>
+                                      </p:tavLst>
+                                    </p:anim>
+                                    <p:animEffect transition="in" filter="fade">
+                                      <p:cBhvr>
+                                        <p:cTn id="59" dur="500"/>
+                                        <p:tgtEl>
+                                          <p:spTgt spid="13"/>
+                                        </p:tgtEl>
+                                      </p:cBhvr>
+                                    </p:animEffect>
+                                  </p:childTnLst>
+                                </p:cTn>
+                              </p:par>
+                            </p:childTnLst>
+                          </p:cTn>
+                        </p:par>
+                      </p:childTnLst>
+                    </p:cTn>
+                  </p:par>
+                  <p:par>
+                    <p:cTn id="60" fill="hold">
+                      <p:stCondLst>
+                        <p:cond delay="indefinite"/>
+                      </p:stCondLst>
+                      <p:childTnLst>
+                        <p:par>
+                          <p:cTn id="61" fill="hold">
+                            <p:stCondLst>
+                              <p:cond delay="0"/>
+                            </p:stCondLst>
+                            <p:childTnLst>
+                              <p:par>
+                                <p:cTn id="62" presetID="54" presetClass="entr" presetSubtype="0" accel="100000" fill="hold" nodeType="clickEffect">
+                                  <p:stCondLst>
+                                    <p:cond delay="0"/>
+                                  </p:stCondLst>
+                                  <p:childTnLst>
+                                    <p:set>
+                                      <p:cBhvr>
+                                        <p:cTn id="63" dur="1" fill="hold">
+                                          <p:stCondLst>
+                                            <p:cond delay="0"/>
+                                          </p:stCondLst>
+                                        </p:cTn>
+                                        <p:tgtEl>
+                                          <p:spTgt spid="11"/>
+                                        </p:tgtEl>
+                                        <p:attrNameLst>
+                                          <p:attrName>style.visibility</p:attrName>
+                                        </p:attrNameLst>
+                                      </p:cBhvr>
+                                      <p:to>
+                                        <p:strVal val="visible"/>
+                                      </p:to>
+                                    </p:set>
+                                    <p:anim calcmode="lin" valueType="num">
+                                      <p:cBhvr>
+                                        <p:cTn id="64" dur="500" fill="hold"/>
+                                        <p:tgtEl>
+                                          <p:spTgt spid="11"/>
+                                        </p:tgtEl>
+                                        <p:attrNameLst>
+                                          <p:attrName>ppt_w</p:attrName>
+                                        </p:attrNameLst>
+                                      </p:cBhvr>
+                                      <p:tavLst>
+                                        <p:tav tm="0">
+                                          <p:val>
+                                            <p:strVal val="#ppt_w*0.05"/>
+                                          </p:val>
+                                        </p:tav>
+                                        <p:tav tm="100000">
+                                          <p:val>
+                                            <p:strVal val="#ppt_w"/>
+                                          </p:val>
+                                        </p:tav>
+                                      </p:tavLst>
+                                    </p:anim>
+                                    <p:anim calcmode="lin" valueType="num">
+                                      <p:cBhvr>
+                                        <p:cTn id="65" dur="500" fill="hold"/>
+                                        <p:tgtEl>
+                                          <p:spTgt spid="11"/>
+                                        </p:tgtEl>
+                                        <p:attrNameLst>
+                                          <p:attrName>ppt_h</p:attrName>
+                                        </p:attrNameLst>
+                                      </p:cBhvr>
+                                      <p:tavLst>
+                                        <p:tav tm="0">
+                                          <p:val>
+                                            <p:strVal val="#ppt_h"/>
+                                          </p:val>
+                                        </p:tav>
+                                        <p:tav tm="100000">
+                                          <p:val>
+                                            <p:strVal val="#ppt_h"/>
+                                          </p:val>
+                                        </p:tav>
+                                      </p:tavLst>
+                                    </p:anim>
+                                    <p:anim calcmode="lin" valueType="num">
+                                      <p:cBhvr>
+                                        <p:cTn id="66" dur="500" fill="hold"/>
+                                        <p:tgtEl>
+                                          <p:spTgt spid="11"/>
+                                        </p:tgtEl>
+                                        <p:attrNameLst>
+                                          <p:attrName>ppt_x</p:attrName>
+                                        </p:attrNameLst>
+                                      </p:cBhvr>
+                                      <p:tavLst>
+                                        <p:tav tm="0">
+                                          <p:val>
+                                            <p:strVal val="#ppt_x-.2"/>
+                                          </p:val>
+                                        </p:tav>
+                                        <p:tav tm="100000">
+                                          <p:val>
+                                            <p:strVal val="#ppt_x"/>
+                                          </p:val>
+                                        </p:tav>
+                                      </p:tavLst>
+                                    </p:anim>
+                                    <p:anim calcmode="lin" valueType="num">
+                                      <p:cBhvr>
+                                        <p:cTn id="67" dur="500" fill="hold"/>
+                                        <p:tgtEl>
+                                          <p:spTgt spid="11"/>
+                                        </p:tgtEl>
+                                        <p:attrNameLst>
+                                          <p:attrName>ppt_y</p:attrName>
+                                        </p:attrNameLst>
+                                      </p:cBhvr>
+                                      <p:tavLst>
+                                        <p:tav tm="0">
+                                          <p:val>
+                                            <p:strVal val="#ppt_y"/>
+                                          </p:val>
+                                        </p:tav>
+                                        <p:tav tm="100000">
+                                          <p:val>
+                                            <p:strVal val="#ppt_y"/>
+                                          </p:val>
+                                        </p:tav>
+                                      </p:tavLst>
+                                    </p:anim>
+                                    <p:animEffect transition="in" filter="fade">
+                                      <p:cBhvr>
+                                        <p:cTn id="68" dur="500"/>
+                                        <p:tgtEl>
+                                          <p:spTgt spid="11"/>
+                                        </p:tgtEl>
+                                      </p:cBhvr>
+                                    </p:animEffect>
+                                  </p:childTnLst>
+                                </p:cTn>
+                              </p:par>
+                            </p:childTnLst>
+                          </p:cTn>
+                        </p:par>
+                      </p:childTnLst>
+                    </p:cTn>
+                  </p:par>
+                  <p:par>
+                    <p:cTn id="69" fill="hold">
+                      <p:stCondLst>
+                        <p:cond delay="indefinite"/>
+                      </p:stCondLst>
+                      <p:childTnLst>
+                        <p:par>
+                          <p:cTn id="70" fill="hold">
+                            <p:stCondLst>
+                              <p:cond delay="0"/>
+                            </p:stCondLst>
+                            <p:childTnLst>
+                              <p:par>
+                                <p:cTn id="71" presetID="54" presetClass="entr" presetSubtype="0" accel="100000" fill="hold" nodeType="clickEffect">
+                                  <p:stCondLst>
+                                    <p:cond delay="0"/>
+                                  </p:stCondLst>
+                                  <p:childTnLst>
+                                    <p:set>
+                                      <p:cBhvr>
+                                        <p:cTn id="72" dur="1" fill="hold">
+                                          <p:stCondLst>
+                                            <p:cond delay="0"/>
+                                          </p:stCondLst>
+                                        </p:cTn>
+                                        <p:tgtEl>
+                                          <p:spTgt spid="25"/>
+                                        </p:tgtEl>
+                                        <p:attrNameLst>
+                                          <p:attrName>style.visibility</p:attrName>
+                                        </p:attrNameLst>
+                                      </p:cBhvr>
+                                      <p:to>
+                                        <p:strVal val="visible"/>
+                                      </p:to>
+                                    </p:set>
+                                    <p:anim calcmode="lin" valueType="num">
+                                      <p:cBhvr>
+                                        <p:cTn id="73" dur="500" fill="hold"/>
+                                        <p:tgtEl>
+                                          <p:spTgt spid="25"/>
+                                        </p:tgtEl>
+                                        <p:attrNameLst>
+                                          <p:attrName>ppt_w</p:attrName>
+                                        </p:attrNameLst>
+                                      </p:cBhvr>
+                                      <p:tavLst>
+                                        <p:tav tm="0">
+                                          <p:val>
+                                            <p:strVal val="#ppt_w*0.05"/>
+                                          </p:val>
+                                        </p:tav>
+                                        <p:tav tm="100000">
+                                          <p:val>
+                                            <p:strVal val="#ppt_w"/>
+                                          </p:val>
+                                        </p:tav>
+                                      </p:tavLst>
+                                    </p:anim>
+                                    <p:anim calcmode="lin" valueType="num">
+                                      <p:cBhvr>
+                                        <p:cTn id="74" dur="500" fill="hold"/>
+                                        <p:tgtEl>
+                                          <p:spTgt spid="25"/>
+                                        </p:tgtEl>
+                                        <p:attrNameLst>
+                                          <p:attrName>ppt_h</p:attrName>
+                                        </p:attrNameLst>
+                                      </p:cBhvr>
+                                      <p:tavLst>
+                                        <p:tav tm="0">
+                                          <p:val>
+                                            <p:strVal val="#ppt_h"/>
+                                          </p:val>
+                                        </p:tav>
+                                        <p:tav tm="100000">
+                                          <p:val>
+                                            <p:strVal val="#ppt_h"/>
+                                          </p:val>
+                                        </p:tav>
+                                      </p:tavLst>
+                                    </p:anim>
+                                    <p:anim calcmode="lin" valueType="num">
+                                      <p:cBhvr>
+                                        <p:cTn id="75" dur="500" fill="hold"/>
+                                        <p:tgtEl>
+                                          <p:spTgt spid="25"/>
+                                        </p:tgtEl>
+                                        <p:attrNameLst>
+                                          <p:attrName>ppt_x</p:attrName>
+                                        </p:attrNameLst>
+                                      </p:cBhvr>
+                                      <p:tavLst>
+                                        <p:tav tm="0">
+                                          <p:val>
+                                            <p:strVal val="#ppt_x-.2"/>
+                                          </p:val>
+                                        </p:tav>
+                                        <p:tav tm="100000">
+                                          <p:val>
+                                            <p:strVal val="#ppt_x"/>
+                                          </p:val>
+                                        </p:tav>
+                                      </p:tavLst>
+                                    </p:anim>
+                                    <p:anim calcmode="lin" valueType="num">
+                                      <p:cBhvr>
+                                        <p:cTn id="76" dur="500" fill="hold"/>
+                                        <p:tgtEl>
+                                          <p:spTgt spid="25"/>
+                                        </p:tgtEl>
+                                        <p:attrNameLst>
+                                          <p:attrName>ppt_y</p:attrName>
+                                        </p:attrNameLst>
+                                      </p:cBhvr>
+                                      <p:tavLst>
+                                        <p:tav tm="0">
+                                          <p:val>
+                                            <p:strVal val="#ppt_y"/>
+                                          </p:val>
+                                        </p:tav>
+                                        <p:tav tm="100000">
+                                          <p:val>
+                                            <p:strVal val="#ppt_y"/>
+                                          </p:val>
+                                        </p:tav>
+                                      </p:tavLst>
+                                    </p:anim>
+                                    <p:animEffect transition="in" filter="fade">
+                                      <p:cBhvr>
+                                        <p:cTn id="77" dur="500"/>
+                                        <p:tgtEl>
+                                          <p:spTgt spid="25"/>
+                                        </p:tgtEl>
+                                      </p:cBhvr>
+                                    </p:animEffect>
+                                  </p:childTnLst>
+                                </p:cTn>
+                              </p:par>
+                              <p:par>
+                                <p:cTn id="78" presetID="54" presetClass="entr" presetSubtype="0" accel="100000" fill="hold" nodeType="withEffect">
+                                  <p:stCondLst>
+                                    <p:cond delay="0"/>
+                                  </p:stCondLst>
+                                  <p:childTnLst>
+                                    <p:set>
+                                      <p:cBhvr>
+                                        <p:cTn id="79" dur="1" fill="hold">
+                                          <p:stCondLst>
+                                            <p:cond delay="0"/>
+                                          </p:stCondLst>
+                                        </p:cTn>
+                                        <p:tgtEl>
+                                          <p:spTgt spid="32"/>
+                                        </p:tgtEl>
+                                        <p:attrNameLst>
+                                          <p:attrName>style.visibility</p:attrName>
+                                        </p:attrNameLst>
+                                      </p:cBhvr>
+                                      <p:to>
+                                        <p:strVal val="visible"/>
+                                      </p:to>
+                                    </p:set>
+                                    <p:anim calcmode="lin" valueType="num">
+                                      <p:cBhvr>
+                                        <p:cTn id="80" dur="500" fill="hold"/>
+                                        <p:tgtEl>
+                                          <p:spTgt spid="32"/>
+                                        </p:tgtEl>
+                                        <p:attrNameLst>
+                                          <p:attrName>ppt_w</p:attrName>
+                                        </p:attrNameLst>
+                                      </p:cBhvr>
+                                      <p:tavLst>
+                                        <p:tav tm="0">
+                                          <p:val>
+                                            <p:strVal val="#ppt_w*0.05"/>
+                                          </p:val>
+                                        </p:tav>
+                                        <p:tav tm="100000">
+                                          <p:val>
+                                            <p:strVal val="#ppt_w"/>
+                                          </p:val>
+                                        </p:tav>
+                                      </p:tavLst>
+                                    </p:anim>
+                                    <p:anim calcmode="lin" valueType="num">
+                                      <p:cBhvr>
+                                        <p:cTn id="81" dur="500" fill="hold"/>
+                                        <p:tgtEl>
+                                          <p:spTgt spid="32"/>
+                                        </p:tgtEl>
+                                        <p:attrNameLst>
+                                          <p:attrName>ppt_h</p:attrName>
+                                        </p:attrNameLst>
+                                      </p:cBhvr>
+                                      <p:tavLst>
+                                        <p:tav tm="0">
+                                          <p:val>
+                                            <p:strVal val="#ppt_h"/>
+                                          </p:val>
+                                        </p:tav>
+                                        <p:tav tm="100000">
+                                          <p:val>
+                                            <p:strVal val="#ppt_h"/>
+                                          </p:val>
+                                        </p:tav>
+                                      </p:tavLst>
+                                    </p:anim>
+                                    <p:anim calcmode="lin" valueType="num">
+                                      <p:cBhvr>
+                                        <p:cTn id="82" dur="500" fill="hold"/>
+                                        <p:tgtEl>
+                                          <p:spTgt spid="32"/>
+                                        </p:tgtEl>
+                                        <p:attrNameLst>
+                                          <p:attrName>ppt_x</p:attrName>
+                                        </p:attrNameLst>
+                                      </p:cBhvr>
+                                      <p:tavLst>
+                                        <p:tav tm="0">
+                                          <p:val>
+                                            <p:strVal val="#ppt_x-.2"/>
+                                          </p:val>
+                                        </p:tav>
+                                        <p:tav tm="100000">
+                                          <p:val>
+                                            <p:strVal val="#ppt_x"/>
+                                          </p:val>
+                                        </p:tav>
+                                      </p:tavLst>
+                                    </p:anim>
+                                    <p:anim calcmode="lin" valueType="num">
+                                      <p:cBhvr>
+                                        <p:cTn id="83" dur="500" fill="hold"/>
+                                        <p:tgtEl>
+                                          <p:spTgt spid="32"/>
+                                        </p:tgtEl>
+                                        <p:attrNameLst>
+                                          <p:attrName>ppt_y</p:attrName>
+                                        </p:attrNameLst>
+                                      </p:cBhvr>
+                                      <p:tavLst>
+                                        <p:tav tm="0">
+                                          <p:val>
+                                            <p:strVal val="#ppt_y"/>
+                                          </p:val>
+                                        </p:tav>
+                                        <p:tav tm="100000">
+                                          <p:val>
+                                            <p:strVal val="#ppt_y"/>
+                                          </p:val>
+                                        </p:tav>
+                                      </p:tavLst>
+                                    </p:anim>
+                                    <p:animEffect transition="in" filter="fade">
+                                      <p:cBhvr>
+                                        <p:cTn id="84" dur="500"/>
+                                        <p:tgtEl>
+                                          <p:spTgt spid="32"/>
+                                        </p:tgtEl>
+                                      </p:cBhvr>
+                                    </p:animEffect>
+                                  </p:childTnLst>
+                                </p:cTn>
+                              </p:par>
+                              <p:par>
+                                <p:cTn id="85" presetID="54" presetClass="entr" presetSubtype="0" accel="100000" fill="hold" nodeType="withEffect">
+                                  <p:stCondLst>
+                                    <p:cond delay="0"/>
+                                  </p:stCondLst>
+                                  <p:childTnLst>
+                                    <p:set>
+                                      <p:cBhvr>
+                                        <p:cTn id="86" dur="1" fill="hold">
+                                          <p:stCondLst>
+                                            <p:cond delay="0"/>
+                                          </p:stCondLst>
+                                        </p:cTn>
+                                        <p:tgtEl>
+                                          <p:spTgt spid="14"/>
+                                        </p:tgtEl>
+                                        <p:attrNameLst>
+                                          <p:attrName>style.visibility</p:attrName>
+                                        </p:attrNameLst>
+                                      </p:cBhvr>
+                                      <p:to>
+                                        <p:strVal val="visible"/>
+                                      </p:to>
+                                    </p:set>
+                                    <p:anim calcmode="lin" valueType="num">
+                                      <p:cBhvr>
+                                        <p:cTn id="87" dur="500" fill="hold"/>
+                                        <p:tgtEl>
+                                          <p:spTgt spid="14"/>
+                                        </p:tgtEl>
+                                        <p:attrNameLst>
+                                          <p:attrName>ppt_w</p:attrName>
+                                        </p:attrNameLst>
+                                      </p:cBhvr>
+                                      <p:tavLst>
+                                        <p:tav tm="0">
+                                          <p:val>
+                                            <p:strVal val="#ppt_w*0.05"/>
+                                          </p:val>
+                                        </p:tav>
+                                        <p:tav tm="100000">
+                                          <p:val>
+                                            <p:strVal val="#ppt_w"/>
+                                          </p:val>
+                                        </p:tav>
+                                      </p:tavLst>
+                                    </p:anim>
+                                    <p:anim calcmode="lin" valueType="num">
+                                      <p:cBhvr>
+                                        <p:cTn id="88" dur="500" fill="hold"/>
+                                        <p:tgtEl>
+                                          <p:spTgt spid="14"/>
+                                        </p:tgtEl>
+                                        <p:attrNameLst>
+                                          <p:attrName>ppt_h</p:attrName>
+                                        </p:attrNameLst>
+                                      </p:cBhvr>
+                                      <p:tavLst>
+                                        <p:tav tm="0">
+                                          <p:val>
+                                            <p:strVal val="#ppt_h"/>
+                                          </p:val>
+                                        </p:tav>
+                                        <p:tav tm="100000">
+                                          <p:val>
+                                            <p:strVal val="#ppt_h"/>
+                                          </p:val>
+                                        </p:tav>
+                                      </p:tavLst>
+                                    </p:anim>
+                                    <p:anim calcmode="lin" valueType="num">
+                                      <p:cBhvr>
+                                        <p:cTn id="89" dur="500" fill="hold"/>
+                                        <p:tgtEl>
+                                          <p:spTgt spid="14"/>
+                                        </p:tgtEl>
+                                        <p:attrNameLst>
+                                          <p:attrName>ppt_x</p:attrName>
+                                        </p:attrNameLst>
+                                      </p:cBhvr>
+                                      <p:tavLst>
+                                        <p:tav tm="0">
+                                          <p:val>
+                                            <p:strVal val="#ppt_x-.2"/>
+                                          </p:val>
+                                        </p:tav>
+                                        <p:tav tm="100000">
+                                          <p:val>
+                                            <p:strVal val="#ppt_x"/>
+                                          </p:val>
+                                        </p:tav>
+                                      </p:tavLst>
+                                    </p:anim>
+                                    <p:anim calcmode="lin" valueType="num">
+                                      <p:cBhvr>
+                                        <p:cTn id="90" dur="500" fill="hold"/>
+                                        <p:tgtEl>
+                                          <p:spTgt spid="14"/>
+                                        </p:tgtEl>
+                                        <p:attrNameLst>
+                                          <p:attrName>ppt_y</p:attrName>
+                                        </p:attrNameLst>
+                                      </p:cBhvr>
+                                      <p:tavLst>
+                                        <p:tav tm="0">
+                                          <p:val>
+                                            <p:strVal val="#ppt_y"/>
+                                          </p:val>
+                                        </p:tav>
+                                        <p:tav tm="100000">
+                                          <p:val>
+                                            <p:strVal val="#ppt_y"/>
+                                          </p:val>
+                                        </p:tav>
+                                      </p:tavLst>
+                                    </p:anim>
+                                    <p:animEffect transition="in" filter="fade">
+                                      <p:cBhvr>
+                                        <p:cTn id="91" dur="500"/>
+                                        <p:tgtEl>
+                                          <p:spTgt spid="14"/>
+                                        </p:tgtEl>
+                                      </p:cBhvr>
+                                    </p:animEffect>
+                                  </p:childTnLst>
+                                </p:cTn>
+                              </p:par>
+                            </p:childTnLst>
+                          </p:cTn>
+                        </p:par>
+                      </p:childTnLst>
+                    </p:cTn>
+                  </p:par>
+                  <p:par>
+                    <p:cTn id="92" fill="hold">
+                      <p:stCondLst>
+                        <p:cond delay="indefinite"/>
+                      </p:stCondLst>
+                      <p:childTnLst>
+                        <p:par>
+                          <p:cTn id="93" fill="hold">
+                            <p:stCondLst>
+                              <p:cond delay="0"/>
+                            </p:stCondLst>
+                            <p:childTnLst>
+                              <p:par>
+                                <p:cTn id="94" presetID="54" presetClass="entr" presetSubtype="0" accel="100000" fill="hold" nodeType="clickEffect">
+                                  <p:stCondLst>
+                                    <p:cond delay="0"/>
+                                  </p:stCondLst>
+                                  <p:childTnLst>
+                                    <p:set>
+                                      <p:cBhvr>
+                                        <p:cTn id="95" dur="1" fill="hold">
+                                          <p:stCondLst>
+                                            <p:cond delay="0"/>
+                                          </p:stCondLst>
+                                        </p:cTn>
+                                        <p:tgtEl>
+                                          <p:spTgt spid="12"/>
+                                        </p:tgtEl>
+                                        <p:attrNameLst>
+                                          <p:attrName>style.visibility</p:attrName>
+                                        </p:attrNameLst>
+                                      </p:cBhvr>
+                                      <p:to>
+                                        <p:strVal val="visible"/>
+                                      </p:to>
+                                    </p:set>
+                                    <p:anim calcmode="lin" valueType="num">
+                                      <p:cBhvr>
+                                        <p:cTn id="96" dur="500" fill="hold"/>
+                                        <p:tgtEl>
+                                          <p:spTgt spid="12"/>
+                                        </p:tgtEl>
+                                        <p:attrNameLst>
+                                          <p:attrName>ppt_w</p:attrName>
+                                        </p:attrNameLst>
+                                      </p:cBhvr>
+                                      <p:tavLst>
+                                        <p:tav tm="0">
+                                          <p:val>
+                                            <p:strVal val="#ppt_w*0.05"/>
+                                          </p:val>
+                                        </p:tav>
+                                        <p:tav tm="100000">
+                                          <p:val>
+                                            <p:strVal val="#ppt_w"/>
+                                          </p:val>
+                                        </p:tav>
+                                      </p:tavLst>
+                                    </p:anim>
+                                    <p:anim calcmode="lin" valueType="num">
+                                      <p:cBhvr>
+                                        <p:cTn id="97" dur="500" fill="hold"/>
+                                        <p:tgtEl>
+                                          <p:spTgt spid="12"/>
+                                        </p:tgtEl>
+                                        <p:attrNameLst>
+                                          <p:attrName>ppt_h</p:attrName>
+                                        </p:attrNameLst>
+                                      </p:cBhvr>
+                                      <p:tavLst>
+                                        <p:tav tm="0">
+                                          <p:val>
+                                            <p:strVal val="#ppt_h"/>
+                                          </p:val>
+                                        </p:tav>
+                                        <p:tav tm="100000">
+                                          <p:val>
+                                            <p:strVal val="#ppt_h"/>
+                                          </p:val>
+                                        </p:tav>
+                                      </p:tavLst>
+                                    </p:anim>
+                                    <p:anim calcmode="lin" valueType="num">
+                                      <p:cBhvr>
+                                        <p:cTn id="98" dur="500" fill="hold"/>
+                                        <p:tgtEl>
+                                          <p:spTgt spid="12"/>
+                                        </p:tgtEl>
+                                        <p:attrNameLst>
+                                          <p:attrName>ppt_x</p:attrName>
+                                        </p:attrNameLst>
+                                      </p:cBhvr>
+                                      <p:tavLst>
+                                        <p:tav tm="0">
+                                          <p:val>
+                                            <p:strVal val="#ppt_x-.2"/>
+                                          </p:val>
+                                        </p:tav>
+                                        <p:tav tm="100000">
+                                          <p:val>
+                                            <p:strVal val="#ppt_x"/>
+                                          </p:val>
+                                        </p:tav>
+                                      </p:tavLst>
+                                    </p:anim>
+                                    <p:anim calcmode="lin" valueType="num">
+                                      <p:cBhvr>
+                                        <p:cTn id="99" dur="500" fill="hold"/>
+                                        <p:tgtEl>
+                                          <p:spTgt spid="12"/>
+                                        </p:tgtEl>
+                                        <p:attrNameLst>
+                                          <p:attrName>ppt_y</p:attrName>
+                                        </p:attrNameLst>
+                                      </p:cBhvr>
+                                      <p:tavLst>
+                                        <p:tav tm="0">
+                                          <p:val>
+                                            <p:strVal val="#ppt_y"/>
+                                          </p:val>
+                                        </p:tav>
+                                        <p:tav tm="100000">
+                                          <p:val>
+                                            <p:strVal val="#ppt_y"/>
+                                          </p:val>
+                                        </p:tav>
+                                      </p:tavLst>
+                                    </p:anim>
+                                    <p:animEffect transition="in" filter="fade">
+                                      <p:cBhvr>
+                                        <p:cTn id="100" dur="500"/>
+                                        <p:tgtEl>
+                                          <p:spTgt spid="12"/>
+                                        </p:tgtEl>
+                                      </p:cBhvr>
+                                    </p:animEffect>
+                                  </p:childTnLst>
+                                </p:cTn>
+                              </p:par>
+                            </p:childTnLst>
+                          </p:cTn>
+                        </p:par>
+                      </p:childTnLst>
+                    </p:cTn>
+                  </p:par>
+                  <p:par>
+                    <p:cTn id="101" fill="hold">
+                      <p:stCondLst>
+                        <p:cond delay="indefinite"/>
+                      </p:stCondLst>
+                      <p:childTnLst>
+                        <p:par>
+                          <p:cTn id="102" fill="hold">
+                            <p:stCondLst>
+                              <p:cond delay="0"/>
+                            </p:stCondLst>
+                            <p:childTnLst>
+                              <p:par>
+                                <p:cTn id="103" presetID="54" presetClass="entr" presetSubtype="0" accel="100000" fill="hold" nodeType="clickEffect">
+                                  <p:stCondLst>
+                                    <p:cond delay="0"/>
+                                  </p:stCondLst>
+                                  <p:childTnLst>
+                                    <p:set>
+                                      <p:cBhvr>
+                                        <p:cTn id="104" dur="1" fill="hold">
+                                          <p:stCondLst>
+                                            <p:cond delay="0"/>
+                                          </p:stCondLst>
+                                        </p:cTn>
+                                        <p:tgtEl>
+                                          <p:spTgt spid="26"/>
+                                        </p:tgtEl>
+                                        <p:attrNameLst>
+                                          <p:attrName>style.visibility</p:attrName>
+                                        </p:attrNameLst>
+                                      </p:cBhvr>
+                                      <p:to>
+                                        <p:strVal val="visible"/>
+                                      </p:to>
+                                    </p:set>
+                                    <p:anim calcmode="lin" valueType="num">
+                                      <p:cBhvr>
+                                        <p:cTn id="105" dur="500" fill="hold"/>
+                                        <p:tgtEl>
+                                          <p:spTgt spid="26"/>
+                                        </p:tgtEl>
+                                        <p:attrNameLst>
+                                          <p:attrName>ppt_w</p:attrName>
+                                        </p:attrNameLst>
+                                      </p:cBhvr>
+                                      <p:tavLst>
+                                        <p:tav tm="0">
+                                          <p:val>
+                                            <p:strVal val="#ppt_w*0.05"/>
+                                          </p:val>
+                                        </p:tav>
+                                        <p:tav tm="100000">
+                                          <p:val>
+                                            <p:strVal val="#ppt_w"/>
+                                          </p:val>
+                                        </p:tav>
+                                      </p:tavLst>
+                                    </p:anim>
+                                    <p:anim calcmode="lin" valueType="num">
+                                      <p:cBhvr>
+                                        <p:cTn id="106" dur="500" fill="hold"/>
+                                        <p:tgtEl>
+                                          <p:spTgt spid="26"/>
+                                        </p:tgtEl>
+                                        <p:attrNameLst>
+                                          <p:attrName>ppt_h</p:attrName>
+                                        </p:attrNameLst>
+                                      </p:cBhvr>
+                                      <p:tavLst>
+                                        <p:tav tm="0">
+                                          <p:val>
+                                            <p:strVal val="#ppt_h"/>
+                                          </p:val>
+                                        </p:tav>
+                                        <p:tav tm="100000">
+                                          <p:val>
+                                            <p:strVal val="#ppt_h"/>
+                                          </p:val>
+                                        </p:tav>
+                                      </p:tavLst>
+                                    </p:anim>
+                                    <p:anim calcmode="lin" valueType="num">
+                                      <p:cBhvr>
+                                        <p:cTn id="107" dur="500" fill="hold"/>
+                                        <p:tgtEl>
+                                          <p:spTgt spid="26"/>
+                                        </p:tgtEl>
+                                        <p:attrNameLst>
+                                          <p:attrName>ppt_x</p:attrName>
+                                        </p:attrNameLst>
+                                      </p:cBhvr>
+                                      <p:tavLst>
+                                        <p:tav tm="0">
+                                          <p:val>
+                                            <p:strVal val="#ppt_x-.2"/>
+                                          </p:val>
+                                        </p:tav>
+                                        <p:tav tm="100000">
+                                          <p:val>
+                                            <p:strVal val="#ppt_x"/>
+                                          </p:val>
+                                        </p:tav>
+                                      </p:tavLst>
+                                    </p:anim>
+                                    <p:anim calcmode="lin" valueType="num">
+                                      <p:cBhvr>
+                                        <p:cTn id="108" dur="500" fill="hold"/>
+                                        <p:tgtEl>
+                                          <p:spTgt spid="26"/>
+                                        </p:tgtEl>
+                                        <p:attrNameLst>
+                                          <p:attrName>ppt_y</p:attrName>
+                                        </p:attrNameLst>
+                                      </p:cBhvr>
+                                      <p:tavLst>
+                                        <p:tav tm="0">
+                                          <p:val>
+                                            <p:strVal val="#ppt_y"/>
+                                          </p:val>
+                                        </p:tav>
+                                        <p:tav tm="100000">
+                                          <p:val>
+                                            <p:strVal val="#ppt_y"/>
+                                          </p:val>
+                                        </p:tav>
+                                      </p:tavLst>
+                                    </p:anim>
+                                    <p:animEffect transition="in" filter="fade">
+                                      <p:cBhvr>
+                                        <p:cTn id="109" dur="500"/>
+                                        <p:tgtEl>
+                                          <p:spTgt spid="26"/>
+                                        </p:tgtEl>
+                                      </p:cBhvr>
+                                    </p:animEffect>
+                                  </p:childTnLst>
+                                </p:cTn>
+                              </p:par>
+                              <p:par>
+                                <p:cTn id="110" presetID="54" presetClass="entr" presetSubtype="0" accel="100000" fill="hold" nodeType="withEffect">
+                                  <p:stCondLst>
+                                    <p:cond delay="0"/>
+                                  </p:stCondLst>
+                                  <p:childTnLst>
+                                    <p:set>
+                                      <p:cBhvr>
+                                        <p:cTn id="111" dur="1" fill="hold">
+                                          <p:stCondLst>
+                                            <p:cond delay="0"/>
+                                          </p:stCondLst>
+                                        </p:cTn>
+                                        <p:tgtEl>
+                                          <p:spTgt spid="15"/>
+                                        </p:tgtEl>
+                                        <p:attrNameLst>
+                                          <p:attrName>style.visibility</p:attrName>
+                                        </p:attrNameLst>
+                                      </p:cBhvr>
+                                      <p:to>
+                                        <p:strVal val="visible"/>
+                                      </p:to>
+                                    </p:set>
+                                    <p:anim calcmode="lin" valueType="num">
+                                      <p:cBhvr>
+                                        <p:cTn id="112" dur="500" fill="hold"/>
+                                        <p:tgtEl>
+                                          <p:spTgt spid="15"/>
+                                        </p:tgtEl>
+                                        <p:attrNameLst>
+                                          <p:attrName>ppt_w</p:attrName>
+                                        </p:attrNameLst>
+                                      </p:cBhvr>
+                                      <p:tavLst>
+                                        <p:tav tm="0">
+                                          <p:val>
+                                            <p:strVal val="#ppt_w*0.05"/>
+                                          </p:val>
+                                        </p:tav>
+                                        <p:tav tm="100000">
+                                          <p:val>
+                                            <p:strVal val="#ppt_w"/>
+                                          </p:val>
+                                        </p:tav>
+                                      </p:tavLst>
+                                    </p:anim>
+                                    <p:anim calcmode="lin" valueType="num">
+                                      <p:cBhvr>
+                                        <p:cTn id="113" dur="500" fill="hold"/>
+                                        <p:tgtEl>
+                                          <p:spTgt spid="15"/>
+                                        </p:tgtEl>
+                                        <p:attrNameLst>
+                                          <p:attrName>ppt_h</p:attrName>
+                                        </p:attrNameLst>
+                                      </p:cBhvr>
+                                      <p:tavLst>
+                                        <p:tav tm="0">
+                                          <p:val>
+                                            <p:strVal val="#ppt_h"/>
+                                          </p:val>
+                                        </p:tav>
+                                        <p:tav tm="100000">
+                                          <p:val>
+                                            <p:strVal val="#ppt_h"/>
+                                          </p:val>
+                                        </p:tav>
+                                      </p:tavLst>
+                                    </p:anim>
+                                    <p:anim calcmode="lin" valueType="num">
+                                      <p:cBhvr>
+                                        <p:cTn id="114" dur="500" fill="hold"/>
+                                        <p:tgtEl>
+                                          <p:spTgt spid="15"/>
+                                        </p:tgtEl>
+                                        <p:attrNameLst>
+                                          <p:attrName>ppt_x</p:attrName>
+                                        </p:attrNameLst>
+                                      </p:cBhvr>
+                                      <p:tavLst>
+                                        <p:tav tm="0">
+                                          <p:val>
+                                            <p:strVal val="#ppt_x-.2"/>
+                                          </p:val>
+                                        </p:tav>
+                                        <p:tav tm="100000">
+                                          <p:val>
+                                            <p:strVal val="#ppt_x"/>
+                                          </p:val>
+                                        </p:tav>
+                                      </p:tavLst>
+                                    </p:anim>
+                                    <p:anim calcmode="lin" valueType="num">
+                                      <p:cBhvr>
+                                        <p:cTn id="115" dur="500" fill="hold"/>
+                                        <p:tgtEl>
+                                          <p:spTgt spid="15"/>
+                                        </p:tgtEl>
+                                        <p:attrNameLst>
+                                          <p:attrName>ppt_y</p:attrName>
+                                        </p:attrNameLst>
+                                      </p:cBhvr>
+                                      <p:tavLst>
+                                        <p:tav tm="0">
+                                          <p:val>
+                                            <p:strVal val="#ppt_y"/>
+                                          </p:val>
+                                        </p:tav>
+                                        <p:tav tm="100000">
+                                          <p:val>
+                                            <p:strVal val="#ppt_y"/>
+                                          </p:val>
+                                        </p:tav>
+                                      </p:tavLst>
+                                    </p:anim>
+                                    <p:animEffect transition="in" filter="fade">
+                                      <p:cBhvr>
+                                        <p:cTn id="116" dur="500"/>
+                                        <p:tgtEl>
+                                          <p:spTgt spid="15"/>
+                                        </p:tgtEl>
+                                      </p:cBhvr>
+                                    </p:animEffect>
+                                  </p:childTnLst>
+                                </p:cTn>
+                              </p:par>
+                              <p:par>
+                                <p:cTn id="117" presetID="54" presetClass="entr" presetSubtype="0" accel="100000" fill="hold" nodeType="withEffect">
+                                  <p:stCondLst>
+                                    <p:cond delay="0"/>
+                                  </p:stCondLst>
+                                  <p:childTnLst>
+                                    <p:set>
+                                      <p:cBhvr>
+                                        <p:cTn id="118" dur="1" fill="hold">
+                                          <p:stCondLst>
+                                            <p:cond delay="0"/>
+                                          </p:stCondLst>
+                                        </p:cTn>
+                                        <p:tgtEl>
+                                          <p:spTgt spid="29"/>
+                                        </p:tgtEl>
+                                        <p:attrNameLst>
+                                          <p:attrName>style.visibility</p:attrName>
+                                        </p:attrNameLst>
+                                      </p:cBhvr>
+                                      <p:to>
+                                        <p:strVal val="visible"/>
+                                      </p:to>
+                                    </p:set>
+                                    <p:anim calcmode="lin" valueType="num">
+                                      <p:cBhvr>
+                                        <p:cTn id="119" dur="500" fill="hold"/>
+                                        <p:tgtEl>
+                                          <p:spTgt spid="29"/>
+                                        </p:tgtEl>
+                                        <p:attrNameLst>
+                                          <p:attrName>ppt_w</p:attrName>
+                                        </p:attrNameLst>
+                                      </p:cBhvr>
+                                      <p:tavLst>
+                                        <p:tav tm="0">
+                                          <p:val>
+                                            <p:strVal val="#ppt_w*0.05"/>
+                                          </p:val>
+                                        </p:tav>
+                                        <p:tav tm="100000">
+                                          <p:val>
+                                            <p:strVal val="#ppt_w"/>
+                                          </p:val>
+                                        </p:tav>
+                                      </p:tavLst>
+                                    </p:anim>
+                                    <p:anim calcmode="lin" valueType="num">
+                                      <p:cBhvr>
+                                        <p:cTn id="120" dur="500" fill="hold"/>
+                                        <p:tgtEl>
+                                          <p:spTgt spid="29"/>
+                                        </p:tgtEl>
+                                        <p:attrNameLst>
+                                          <p:attrName>ppt_h</p:attrName>
+                                        </p:attrNameLst>
+                                      </p:cBhvr>
+                                      <p:tavLst>
+                                        <p:tav tm="0">
+                                          <p:val>
+                                            <p:strVal val="#ppt_h"/>
+                                          </p:val>
+                                        </p:tav>
+                                        <p:tav tm="100000">
+                                          <p:val>
+                                            <p:strVal val="#ppt_h"/>
+                                          </p:val>
+                                        </p:tav>
+                                      </p:tavLst>
+                                    </p:anim>
+                                    <p:anim calcmode="lin" valueType="num">
+                                      <p:cBhvr>
+                                        <p:cTn id="121" dur="500" fill="hold"/>
+                                        <p:tgtEl>
+                                          <p:spTgt spid="29"/>
+                                        </p:tgtEl>
+                                        <p:attrNameLst>
+                                          <p:attrName>ppt_x</p:attrName>
+                                        </p:attrNameLst>
+                                      </p:cBhvr>
+                                      <p:tavLst>
+                                        <p:tav tm="0">
+                                          <p:val>
+                                            <p:strVal val="#ppt_x-.2"/>
+                                          </p:val>
+                                        </p:tav>
+                                        <p:tav tm="100000">
+                                          <p:val>
+                                            <p:strVal val="#ppt_x"/>
+                                          </p:val>
+                                        </p:tav>
+                                      </p:tavLst>
+                                    </p:anim>
+                                    <p:anim calcmode="lin" valueType="num">
+                                      <p:cBhvr>
+                                        <p:cTn id="122" dur="500" fill="hold"/>
+                                        <p:tgtEl>
+                                          <p:spTgt spid="29"/>
+                                        </p:tgtEl>
+                                        <p:attrNameLst>
+                                          <p:attrName>ppt_y</p:attrName>
+                                        </p:attrNameLst>
+                                      </p:cBhvr>
+                                      <p:tavLst>
+                                        <p:tav tm="0">
+                                          <p:val>
+                                            <p:strVal val="#ppt_y"/>
+                                          </p:val>
+                                        </p:tav>
+                                        <p:tav tm="100000">
+                                          <p:val>
+                                            <p:strVal val="#ppt_y"/>
+                                          </p:val>
+                                        </p:tav>
+                                      </p:tavLst>
+                                    </p:anim>
+                                    <p:animEffect transition="in" filter="fade">
+                                      <p:cBhvr>
+                                        <p:cTn id="123" dur="500"/>
+                                        <p:tgtEl>
+                                          <p:spTgt spid="29"/>
+                                        </p:tgtEl>
+                                      </p:cBhvr>
+                                    </p:animEffect>
+                                  </p:childTnLst>
+                                </p:cTn>
+                              </p:par>
+                            </p:childTnLst>
+                          </p:cTn>
+                        </p:par>
+                      </p:childTnLst>
+                    </p:cTn>
+                  </p:par>
+                  <p:par>
+                    <p:cTn id="124" fill="hold">
+                      <p:stCondLst>
+                        <p:cond delay="indefinite"/>
+                      </p:stCondLst>
+                      <p:childTnLst>
+                        <p:par>
+                          <p:cTn id="125" fill="hold">
+                            <p:stCondLst>
+                              <p:cond delay="0"/>
+                            </p:stCondLst>
+                            <p:childTnLst>
+                              <p:par>
+                                <p:cTn id="126" presetID="54" presetClass="entr" presetSubtype="0" accel="100000" fill="hold" nodeType="clickEffect">
+                                  <p:stCondLst>
+                                    <p:cond delay="0"/>
+                                  </p:stCondLst>
+                                  <p:childTnLst>
+                                    <p:set>
+                                      <p:cBhvr>
+                                        <p:cTn id="127" dur="1" fill="hold">
+                                          <p:stCondLst>
+                                            <p:cond delay="0"/>
+                                          </p:stCondLst>
+                                        </p:cTn>
+                                        <p:tgtEl>
+                                          <p:spTgt spid="39"/>
+                                        </p:tgtEl>
+                                        <p:attrNameLst>
+                                          <p:attrName>style.visibility</p:attrName>
+                                        </p:attrNameLst>
+                                      </p:cBhvr>
+                                      <p:to>
+                                        <p:strVal val="visible"/>
+                                      </p:to>
+                                    </p:set>
+                                    <p:anim calcmode="lin" valueType="num">
+                                      <p:cBhvr>
+                                        <p:cTn id="128" dur="500" fill="hold"/>
+                                        <p:tgtEl>
+                                          <p:spTgt spid="39"/>
+                                        </p:tgtEl>
+                                        <p:attrNameLst>
+                                          <p:attrName>ppt_w</p:attrName>
+                                        </p:attrNameLst>
+                                      </p:cBhvr>
+                                      <p:tavLst>
+                                        <p:tav tm="0">
+                                          <p:val>
+                                            <p:strVal val="#ppt_w*0.05"/>
+                                          </p:val>
+                                        </p:tav>
+                                        <p:tav tm="100000">
+                                          <p:val>
+                                            <p:strVal val="#ppt_w"/>
+                                          </p:val>
+                                        </p:tav>
+                                      </p:tavLst>
+                                    </p:anim>
+                                    <p:anim calcmode="lin" valueType="num">
+                                      <p:cBhvr>
+                                        <p:cTn id="129" dur="500" fill="hold"/>
+                                        <p:tgtEl>
+                                          <p:spTgt spid="39"/>
+                                        </p:tgtEl>
+                                        <p:attrNameLst>
+                                          <p:attrName>ppt_h</p:attrName>
+                                        </p:attrNameLst>
+                                      </p:cBhvr>
+                                      <p:tavLst>
+                                        <p:tav tm="0">
+                                          <p:val>
+                                            <p:strVal val="#ppt_h"/>
+                                          </p:val>
+                                        </p:tav>
+                                        <p:tav tm="100000">
+                                          <p:val>
+                                            <p:strVal val="#ppt_h"/>
+                                          </p:val>
+                                        </p:tav>
+                                      </p:tavLst>
+                                    </p:anim>
+                                    <p:anim calcmode="lin" valueType="num">
+                                      <p:cBhvr>
+                                        <p:cTn id="130" dur="500" fill="hold"/>
+                                        <p:tgtEl>
+                                          <p:spTgt spid="39"/>
+                                        </p:tgtEl>
+                                        <p:attrNameLst>
+                                          <p:attrName>ppt_x</p:attrName>
+                                        </p:attrNameLst>
+                                      </p:cBhvr>
+                                      <p:tavLst>
+                                        <p:tav tm="0">
+                                          <p:val>
+                                            <p:strVal val="#ppt_x-.2"/>
+                                          </p:val>
+                                        </p:tav>
+                                        <p:tav tm="100000">
+                                          <p:val>
+                                            <p:strVal val="#ppt_x"/>
+                                          </p:val>
+                                        </p:tav>
+                                      </p:tavLst>
+                                    </p:anim>
+                                    <p:anim calcmode="lin" valueType="num">
+                                      <p:cBhvr>
+                                        <p:cTn id="131" dur="500" fill="hold"/>
+                                        <p:tgtEl>
+                                          <p:spTgt spid="39"/>
+                                        </p:tgtEl>
+                                        <p:attrNameLst>
+                                          <p:attrName>ppt_y</p:attrName>
+                                        </p:attrNameLst>
+                                      </p:cBhvr>
+                                      <p:tavLst>
+                                        <p:tav tm="0">
+                                          <p:val>
+                                            <p:strVal val="#ppt_y"/>
+                                          </p:val>
+                                        </p:tav>
+                                        <p:tav tm="100000">
+                                          <p:val>
+                                            <p:strVal val="#ppt_y"/>
+                                          </p:val>
+                                        </p:tav>
+                                      </p:tavLst>
+                                    </p:anim>
+                                    <p:animEffect transition="in" filter="fade">
+                                      <p:cBhvr>
+                                        <p:cTn id="132" dur="500"/>
+                                        <p:tgtEl>
+                                          <p:spTgt spid="39"/>
+                                        </p:tgtEl>
+                                      </p:cBhvr>
+                                    </p:animEffect>
+                                  </p:childTnLst>
+                                </p:cTn>
+                              </p:par>
+                              <p:par>
+                                <p:cTn id="133" presetID="54" presetClass="entr" presetSubtype="0" accel="100000" fill="hold" nodeType="withEffect">
+                                  <p:stCondLst>
+                                    <p:cond delay="0"/>
+                                  </p:stCondLst>
+                                  <p:childTnLst>
+                                    <p:set>
+                                      <p:cBhvr>
+                                        <p:cTn id="134" dur="1" fill="hold">
+                                          <p:stCondLst>
+                                            <p:cond delay="0"/>
+                                          </p:stCondLst>
+                                        </p:cTn>
+                                        <p:tgtEl>
+                                          <p:spTgt spid="19"/>
+                                        </p:tgtEl>
+                                        <p:attrNameLst>
+                                          <p:attrName>style.visibility</p:attrName>
+                                        </p:attrNameLst>
+                                      </p:cBhvr>
+                                      <p:to>
+                                        <p:strVal val="visible"/>
+                                      </p:to>
+                                    </p:set>
+                                    <p:anim calcmode="lin" valueType="num">
+                                      <p:cBhvr>
+                                        <p:cTn id="135" dur="500" fill="hold"/>
+                                        <p:tgtEl>
+                                          <p:spTgt spid="19"/>
+                                        </p:tgtEl>
+                                        <p:attrNameLst>
+                                          <p:attrName>ppt_w</p:attrName>
+                                        </p:attrNameLst>
+                                      </p:cBhvr>
+                                      <p:tavLst>
+                                        <p:tav tm="0">
+                                          <p:val>
+                                            <p:strVal val="#ppt_w*0.05"/>
+                                          </p:val>
+                                        </p:tav>
+                                        <p:tav tm="100000">
+                                          <p:val>
+                                            <p:strVal val="#ppt_w"/>
+                                          </p:val>
+                                        </p:tav>
+                                      </p:tavLst>
+                                    </p:anim>
+                                    <p:anim calcmode="lin" valueType="num">
+                                      <p:cBhvr>
+                                        <p:cTn id="136" dur="500" fill="hold"/>
+                                        <p:tgtEl>
+                                          <p:spTgt spid="19"/>
+                                        </p:tgtEl>
+                                        <p:attrNameLst>
+                                          <p:attrName>ppt_h</p:attrName>
+                                        </p:attrNameLst>
+                                      </p:cBhvr>
+                                      <p:tavLst>
+                                        <p:tav tm="0">
+                                          <p:val>
+                                            <p:strVal val="#ppt_h"/>
+                                          </p:val>
+                                        </p:tav>
+                                        <p:tav tm="100000">
+                                          <p:val>
+                                            <p:strVal val="#ppt_h"/>
+                                          </p:val>
+                                        </p:tav>
+                                      </p:tavLst>
+                                    </p:anim>
+                                    <p:anim calcmode="lin" valueType="num">
+                                      <p:cBhvr>
+                                        <p:cTn id="137" dur="500" fill="hold"/>
+                                        <p:tgtEl>
+                                          <p:spTgt spid="19"/>
+                                        </p:tgtEl>
+                                        <p:attrNameLst>
+                                          <p:attrName>ppt_x</p:attrName>
+                                        </p:attrNameLst>
+                                      </p:cBhvr>
+                                      <p:tavLst>
+                                        <p:tav tm="0">
+                                          <p:val>
+                                            <p:strVal val="#ppt_x-.2"/>
+                                          </p:val>
+                                        </p:tav>
+                                        <p:tav tm="100000">
+                                          <p:val>
+                                            <p:strVal val="#ppt_x"/>
+                                          </p:val>
+                                        </p:tav>
+                                      </p:tavLst>
+                                    </p:anim>
+                                    <p:anim calcmode="lin" valueType="num">
+                                      <p:cBhvr>
+                                        <p:cTn id="138" dur="500" fill="hold"/>
+                                        <p:tgtEl>
+                                          <p:spTgt spid="19"/>
+                                        </p:tgtEl>
+                                        <p:attrNameLst>
+                                          <p:attrName>ppt_y</p:attrName>
+                                        </p:attrNameLst>
+                                      </p:cBhvr>
+                                      <p:tavLst>
+                                        <p:tav tm="0">
+                                          <p:val>
+                                            <p:strVal val="#ppt_y"/>
+                                          </p:val>
+                                        </p:tav>
+                                        <p:tav tm="100000">
+                                          <p:val>
+                                            <p:strVal val="#ppt_y"/>
+                                          </p:val>
+                                        </p:tav>
+                                      </p:tavLst>
+                                    </p:anim>
+                                    <p:animEffect transition="in" filter="fade">
+                                      <p:cBhvr>
+                                        <p:cTn id="139" dur="500"/>
+                                        <p:tgtEl>
+                                          <p:spTgt spid="19"/>
+                                        </p:tgtEl>
+                                      </p:cBhvr>
+                                    </p:animEffect>
+                                  </p:childTnLst>
+                                </p:cTn>
+                              </p:par>
+                            </p:childTnLst>
+                          </p:cTn>
+                        </p:par>
+                      </p:childTnLst>
+                    </p:cTn>
+                  </p:par>
+                  <p:par>
+                    <p:cTn id="140" fill="hold">
+                      <p:stCondLst>
+                        <p:cond delay="indefinite"/>
+                      </p:stCondLst>
+                      <p:childTnLst>
+                        <p:par>
+                          <p:cTn id="141" fill="hold">
+                            <p:stCondLst>
+                              <p:cond delay="0"/>
+                            </p:stCondLst>
+                            <p:childTnLst>
+                              <p:par>
+                                <p:cTn id="142" presetID="54" presetClass="entr" presetSubtype="0" accel="100000" fill="hold" nodeType="clickEffect">
+                                  <p:stCondLst>
+                                    <p:cond delay="0"/>
+                                  </p:stCondLst>
+                                  <p:childTnLst>
+                                    <p:set>
+                                      <p:cBhvr>
+                                        <p:cTn id="143" dur="1" fill="hold">
+                                          <p:stCondLst>
+                                            <p:cond delay="0"/>
+                                          </p:stCondLst>
+                                        </p:cTn>
+                                        <p:tgtEl>
+                                          <p:spTgt spid="33"/>
+                                        </p:tgtEl>
+                                        <p:attrNameLst>
+                                          <p:attrName>style.visibility</p:attrName>
+                                        </p:attrNameLst>
+                                      </p:cBhvr>
+                                      <p:to>
+                                        <p:strVal val="visible"/>
+                                      </p:to>
+                                    </p:set>
+                                    <p:anim calcmode="lin" valueType="num">
+                                      <p:cBhvr>
+                                        <p:cTn id="144" dur="500" fill="hold"/>
+                                        <p:tgtEl>
+                                          <p:spTgt spid="33"/>
+                                        </p:tgtEl>
+                                        <p:attrNameLst>
+                                          <p:attrName>ppt_w</p:attrName>
+                                        </p:attrNameLst>
+                                      </p:cBhvr>
+                                      <p:tavLst>
+                                        <p:tav tm="0">
+                                          <p:val>
+                                            <p:strVal val="#ppt_w*0.05"/>
+                                          </p:val>
+                                        </p:tav>
+                                        <p:tav tm="100000">
+                                          <p:val>
+                                            <p:strVal val="#ppt_w"/>
+                                          </p:val>
+                                        </p:tav>
+                                      </p:tavLst>
+                                    </p:anim>
+                                    <p:anim calcmode="lin" valueType="num">
+                                      <p:cBhvr>
+                                        <p:cTn id="145" dur="500" fill="hold"/>
+                                        <p:tgtEl>
+                                          <p:spTgt spid="33"/>
+                                        </p:tgtEl>
+                                        <p:attrNameLst>
+                                          <p:attrName>ppt_h</p:attrName>
+                                        </p:attrNameLst>
+                                      </p:cBhvr>
+                                      <p:tavLst>
+                                        <p:tav tm="0">
+                                          <p:val>
+                                            <p:strVal val="#ppt_h"/>
+                                          </p:val>
+                                        </p:tav>
+                                        <p:tav tm="100000">
+                                          <p:val>
+                                            <p:strVal val="#ppt_h"/>
+                                          </p:val>
+                                        </p:tav>
+                                      </p:tavLst>
+                                    </p:anim>
+                                    <p:anim calcmode="lin" valueType="num">
+                                      <p:cBhvr>
+                                        <p:cTn id="146" dur="500" fill="hold"/>
+                                        <p:tgtEl>
+                                          <p:spTgt spid="33"/>
+                                        </p:tgtEl>
+                                        <p:attrNameLst>
+                                          <p:attrName>ppt_x</p:attrName>
+                                        </p:attrNameLst>
+                                      </p:cBhvr>
+                                      <p:tavLst>
+                                        <p:tav tm="0">
+                                          <p:val>
+                                            <p:strVal val="#ppt_x-.2"/>
+                                          </p:val>
+                                        </p:tav>
+                                        <p:tav tm="100000">
+                                          <p:val>
+                                            <p:strVal val="#ppt_x"/>
+                                          </p:val>
+                                        </p:tav>
+                                      </p:tavLst>
+                                    </p:anim>
+                                    <p:anim calcmode="lin" valueType="num">
+                                      <p:cBhvr>
+                                        <p:cTn id="147" dur="500" fill="hold"/>
+                                        <p:tgtEl>
+                                          <p:spTgt spid="33"/>
+                                        </p:tgtEl>
+                                        <p:attrNameLst>
+                                          <p:attrName>ppt_y</p:attrName>
+                                        </p:attrNameLst>
+                                      </p:cBhvr>
+                                      <p:tavLst>
+                                        <p:tav tm="0">
+                                          <p:val>
+                                            <p:strVal val="#ppt_y"/>
+                                          </p:val>
+                                        </p:tav>
+                                        <p:tav tm="100000">
+                                          <p:val>
+                                            <p:strVal val="#ppt_y"/>
+                                          </p:val>
+                                        </p:tav>
+                                      </p:tavLst>
+                                    </p:anim>
+                                    <p:animEffect transition="in" filter="fade">
+                                      <p:cBhvr>
+                                        <p:cTn id="148" dur="500"/>
+                                        <p:tgtEl>
+                                          <p:spTgt spid="33"/>
+                                        </p:tgtEl>
+                                      </p:cBhvr>
+                                    </p:animEffect>
+                                  </p:childTnLst>
+                                </p:cTn>
+                              </p:par>
+                              <p:par>
+                                <p:cTn id="149" presetID="54" presetClass="entr" presetSubtype="0" accel="100000" fill="hold" nodeType="withEffect">
+                                  <p:stCondLst>
+                                    <p:cond delay="0"/>
+                                  </p:stCondLst>
+                                  <p:childTnLst>
+                                    <p:set>
+                                      <p:cBhvr>
+                                        <p:cTn id="150" dur="1" fill="hold">
+                                          <p:stCondLst>
+                                            <p:cond delay="0"/>
+                                          </p:stCondLst>
+                                        </p:cTn>
+                                        <p:tgtEl>
+                                          <p:spTgt spid="50"/>
+                                        </p:tgtEl>
+                                        <p:attrNameLst>
+                                          <p:attrName>style.visibility</p:attrName>
+                                        </p:attrNameLst>
+                                      </p:cBhvr>
+                                      <p:to>
+                                        <p:strVal val="visible"/>
+                                      </p:to>
+                                    </p:set>
+                                    <p:anim calcmode="lin" valueType="num">
+                                      <p:cBhvr>
+                                        <p:cTn id="151" dur="500" fill="hold"/>
+                                        <p:tgtEl>
+                                          <p:spTgt spid="50"/>
+                                        </p:tgtEl>
+                                        <p:attrNameLst>
+                                          <p:attrName>ppt_w</p:attrName>
+                                        </p:attrNameLst>
+                                      </p:cBhvr>
+                                      <p:tavLst>
+                                        <p:tav tm="0">
+                                          <p:val>
+                                            <p:strVal val="#ppt_w*0.05"/>
+                                          </p:val>
+                                        </p:tav>
+                                        <p:tav tm="100000">
+                                          <p:val>
+                                            <p:strVal val="#ppt_w"/>
+                                          </p:val>
+                                        </p:tav>
+                                      </p:tavLst>
+                                    </p:anim>
+                                    <p:anim calcmode="lin" valueType="num">
+                                      <p:cBhvr>
+                                        <p:cTn id="152" dur="500" fill="hold"/>
+                                        <p:tgtEl>
+                                          <p:spTgt spid="50"/>
+                                        </p:tgtEl>
+                                        <p:attrNameLst>
+                                          <p:attrName>ppt_h</p:attrName>
+                                        </p:attrNameLst>
+                                      </p:cBhvr>
+                                      <p:tavLst>
+                                        <p:tav tm="0">
+                                          <p:val>
+                                            <p:strVal val="#ppt_h"/>
+                                          </p:val>
+                                        </p:tav>
+                                        <p:tav tm="100000">
+                                          <p:val>
+                                            <p:strVal val="#ppt_h"/>
+                                          </p:val>
+                                        </p:tav>
+                                      </p:tavLst>
+                                    </p:anim>
+                                    <p:anim calcmode="lin" valueType="num">
+                                      <p:cBhvr>
+                                        <p:cTn id="153" dur="500" fill="hold"/>
+                                        <p:tgtEl>
+                                          <p:spTgt spid="50"/>
+                                        </p:tgtEl>
+                                        <p:attrNameLst>
+                                          <p:attrName>ppt_x</p:attrName>
+                                        </p:attrNameLst>
+                                      </p:cBhvr>
+                                      <p:tavLst>
+                                        <p:tav tm="0">
+                                          <p:val>
+                                            <p:strVal val="#ppt_x-.2"/>
+                                          </p:val>
+                                        </p:tav>
+                                        <p:tav tm="100000">
+                                          <p:val>
+                                            <p:strVal val="#ppt_x"/>
+                                          </p:val>
+                                        </p:tav>
+                                      </p:tavLst>
+                                    </p:anim>
+                                    <p:anim calcmode="lin" valueType="num">
+                                      <p:cBhvr>
+                                        <p:cTn id="154" dur="500" fill="hold"/>
+                                        <p:tgtEl>
+                                          <p:spTgt spid="50"/>
+                                        </p:tgtEl>
+                                        <p:attrNameLst>
+                                          <p:attrName>ppt_y</p:attrName>
+                                        </p:attrNameLst>
+                                      </p:cBhvr>
+                                      <p:tavLst>
+                                        <p:tav tm="0">
+                                          <p:val>
+                                            <p:strVal val="#ppt_y"/>
+                                          </p:val>
+                                        </p:tav>
+                                        <p:tav tm="100000">
+                                          <p:val>
+                                            <p:strVal val="#ppt_y"/>
+                                          </p:val>
+                                        </p:tav>
+                                      </p:tavLst>
+                                    </p:anim>
+                                    <p:animEffect transition="in" filter="fade">
+                                      <p:cBhvr>
+                                        <p:cTn id="155" dur="500"/>
+                                        <p:tgtEl>
+                                          <p:spTgt spid="50"/>
+                                        </p:tgtEl>
+                                      </p:cBhvr>
+                                    </p:animEffect>
+                                  </p:childTnLst>
+                                </p:cTn>
+                              </p:par>
+                            </p:childTnLst>
+                          </p:cTn>
+                        </p:par>
+                      </p:childTnLst>
+                    </p:cTn>
+                  </p:par>
+                  <p:par>
+                    <p:cTn id="156" fill="hold">
+                      <p:stCondLst>
+                        <p:cond delay="indefinite"/>
+                      </p:stCondLst>
+                      <p:childTnLst>
+                        <p:par>
+                          <p:cTn id="157" fill="hold">
+                            <p:stCondLst>
+                              <p:cond delay="0"/>
+                            </p:stCondLst>
+                            <p:childTnLst>
+                              <p:par>
+                                <p:cTn id="158" presetID="54" presetClass="entr" presetSubtype="0" accel="100000" fill="hold" nodeType="clickEffect">
+                                  <p:stCondLst>
+                                    <p:cond delay="0"/>
+                                  </p:stCondLst>
+                                  <p:childTnLst>
+                                    <p:set>
+                                      <p:cBhvr>
+                                        <p:cTn id="159" dur="1" fill="hold">
+                                          <p:stCondLst>
+                                            <p:cond delay="0"/>
+                                          </p:stCondLst>
+                                        </p:cTn>
+                                        <p:tgtEl>
+                                          <p:spTgt spid="34"/>
+                                        </p:tgtEl>
+                                        <p:attrNameLst>
+                                          <p:attrName>style.visibility</p:attrName>
+                                        </p:attrNameLst>
+                                      </p:cBhvr>
+                                      <p:to>
+                                        <p:strVal val="visible"/>
+                                      </p:to>
+                                    </p:set>
+                                    <p:anim calcmode="lin" valueType="num">
+                                      <p:cBhvr>
+                                        <p:cTn id="160" dur="500" fill="hold"/>
+                                        <p:tgtEl>
+                                          <p:spTgt spid="34"/>
+                                        </p:tgtEl>
+                                        <p:attrNameLst>
+                                          <p:attrName>ppt_w</p:attrName>
+                                        </p:attrNameLst>
+                                      </p:cBhvr>
+                                      <p:tavLst>
+                                        <p:tav tm="0">
+                                          <p:val>
+                                            <p:strVal val="#ppt_w*0.05"/>
+                                          </p:val>
+                                        </p:tav>
+                                        <p:tav tm="100000">
+                                          <p:val>
+                                            <p:strVal val="#ppt_w"/>
+                                          </p:val>
+                                        </p:tav>
+                                      </p:tavLst>
+                                    </p:anim>
+                                    <p:anim calcmode="lin" valueType="num">
+                                      <p:cBhvr>
+                                        <p:cTn id="161" dur="500" fill="hold"/>
+                                        <p:tgtEl>
+                                          <p:spTgt spid="34"/>
+                                        </p:tgtEl>
+                                        <p:attrNameLst>
+                                          <p:attrName>ppt_h</p:attrName>
+                                        </p:attrNameLst>
+                                      </p:cBhvr>
+                                      <p:tavLst>
+                                        <p:tav tm="0">
+                                          <p:val>
+                                            <p:strVal val="#ppt_h"/>
+                                          </p:val>
+                                        </p:tav>
+                                        <p:tav tm="100000">
+                                          <p:val>
+                                            <p:strVal val="#ppt_h"/>
+                                          </p:val>
+                                        </p:tav>
+                                      </p:tavLst>
+                                    </p:anim>
+                                    <p:anim calcmode="lin" valueType="num">
+                                      <p:cBhvr>
+                                        <p:cTn id="162" dur="500" fill="hold"/>
+                                        <p:tgtEl>
+                                          <p:spTgt spid="34"/>
+                                        </p:tgtEl>
+                                        <p:attrNameLst>
+                                          <p:attrName>ppt_x</p:attrName>
+                                        </p:attrNameLst>
+                                      </p:cBhvr>
+                                      <p:tavLst>
+                                        <p:tav tm="0">
+                                          <p:val>
+                                            <p:strVal val="#ppt_x-.2"/>
+                                          </p:val>
+                                        </p:tav>
+                                        <p:tav tm="100000">
+                                          <p:val>
+                                            <p:strVal val="#ppt_x"/>
+                                          </p:val>
+                                        </p:tav>
+                                      </p:tavLst>
+                                    </p:anim>
+                                    <p:anim calcmode="lin" valueType="num">
+                                      <p:cBhvr>
+                                        <p:cTn id="163" dur="500" fill="hold"/>
+                                        <p:tgtEl>
+                                          <p:spTgt spid="34"/>
+                                        </p:tgtEl>
+                                        <p:attrNameLst>
+                                          <p:attrName>ppt_y</p:attrName>
+                                        </p:attrNameLst>
+                                      </p:cBhvr>
+                                      <p:tavLst>
+                                        <p:tav tm="0">
+                                          <p:val>
+                                            <p:strVal val="#ppt_y"/>
+                                          </p:val>
+                                        </p:tav>
+                                        <p:tav tm="100000">
+                                          <p:val>
+                                            <p:strVal val="#ppt_y"/>
+                                          </p:val>
+                                        </p:tav>
+                                      </p:tavLst>
+                                    </p:anim>
+                                    <p:animEffect transition="in" filter="fade">
+                                      <p:cBhvr>
+                                        <p:cTn id="164" dur="500"/>
+                                        <p:tgtEl>
+                                          <p:spTgt spid="34"/>
+                                        </p:tgtEl>
+                                      </p:cBhvr>
+                                    </p:animEffect>
+                                  </p:childTnLst>
+                                </p:cTn>
+                              </p:par>
+                              <p:par>
+                                <p:cTn id="165" presetID="54" presetClass="entr" presetSubtype="0" accel="100000" fill="hold" nodeType="withEffect">
+                                  <p:stCondLst>
+                                    <p:cond delay="0"/>
+                                  </p:stCondLst>
+                                  <p:childTnLst>
+                                    <p:set>
+                                      <p:cBhvr>
+                                        <p:cTn id="166" dur="1" fill="hold">
+                                          <p:stCondLst>
+                                            <p:cond delay="0"/>
+                                          </p:stCondLst>
+                                        </p:cTn>
+                                        <p:tgtEl>
+                                          <p:spTgt spid="41"/>
+                                        </p:tgtEl>
+                                        <p:attrNameLst>
+                                          <p:attrName>style.visibility</p:attrName>
+                                        </p:attrNameLst>
+                                      </p:cBhvr>
+                                      <p:to>
+                                        <p:strVal val="visible"/>
+                                      </p:to>
+                                    </p:set>
+                                    <p:anim calcmode="lin" valueType="num">
+                                      <p:cBhvr>
+                                        <p:cTn id="167" dur="500" fill="hold"/>
+                                        <p:tgtEl>
+                                          <p:spTgt spid="41"/>
+                                        </p:tgtEl>
+                                        <p:attrNameLst>
+                                          <p:attrName>ppt_w</p:attrName>
+                                        </p:attrNameLst>
+                                      </p:cBhvr>
+                                      <p:tavLst>
+                                        <p:tav tm="0">
+                                          <p:val>
+                                            <p:strVal val="#ppt_w*0.05"/>
+                                          </p:val>
+                                        </p:tav>
+                                        <p:tav tm="100000">
+                                          <p:val>
+                                            <p:strVal val="#ppt_w"/>
+                                          </p:val>
+                                        </p:tav>
+                                      </p:tavLst>
+                                    </p:anim>
+                                    <p:anim calcmode="lin" valueType="num">
+                                      <p:cBhvr>
+                                        <p:cTn id="168" dur="500" fill="hold"/>
+                                        <p:tgtEl>
+                                          <p:spTgt spid="41"/>
+                                        </p:tgtEl>
+                                        <p:attrNameLst>
+                                          <p:attrName>ppt_h</p:attrName>
+                                        </p:attrNameLst>
+                                      </p:cBhvr>
+                                      <p:tavLst>
+                                        <p:tav tm="0">
+                                          <p:val>
+                                            <p:strVal val="#ppt_h"/>
+                                          </p:val>
+                                        </p:tav>
+                                        <p:tav tm="100000">
+                                          <p:val>
+                                            <p:strVal val="#ppt_h"/>
+                                          </p:val>
+                                        </p:tav>
+                                      </p:tavLst>
+                                    </p:anim>
+                                    <p:anim calcmode="lin" valueType="num">
+                                      <p:cBhvr>
+                                        <p:cTn id="169" dur="500" fill="hold"/>
+                                        <p:tgtEl>
+                                          <p:spTgt spid="41"/>
+                                        </p:tgtEl>
+                                        <p:attrNameLst>
+                                          <p:attrName>ppt_x</p:attrName>
+                                        </p:attrNameLst>
+                                      </p:cBhvr>
+                                      <p:tavLst>
+                                        <p:tav tm="0">
+                                          <p:val>
+                                            <p:strVal val="#ppt_x-.2"/>
+                                          </p:val>
+                                        </p:tav>
+                                        <p:tav tm="100000">
+                                          <p:val>
+                                            <p:strVal val="#ppt_x"/>
+                                          </p:val>
+                                        </p:tav>
+                                      </p:tavLst>
+                                    </p:anim>
+                                    <p:anim calcmode="lin" valueType="num">
+                                      <p:cBhvr>
+                                        <p:cTn id="170" dur="500" fill="hold"/>
+                                        <p:tgtEl>
+                                          <p:spTgt spid="41"/>
+                                        </p:tgtEl>
+                                        <p:attrNameLst>
+                                          <p:attrName>ppt_y</p:attrName>
+                                        </p:attrNameLst>
+                                      </p:cBhvr>
+                                      <p:tavLst>
+                                        <p:tav tm="0">
+                                          <p:val>
+                                            <p:strVal val="#ppt_y"/>
+                                          </p:val>
+                                        </p:tav>
+                                        <p:tav tm="100000">
+                                          <p:val>
+                                            <p:strVal val="#ppt_y"/>
+                                          </p:val>
+                                        </p:tav>
+                                      </p:tavLst>
+                                    </p:anim>
+                                    <p:animEffect transition="in" filter="fade">
+                                      <p:cBhvr>
+                                        <p:cTn id="171" dur="500"/>
+                                        <p:tgtEl>
+                                          <p:spTgt spid="41"/>
+                                        </p:tgtEl>
+                                      </p:cBhvr>
+                                    </p:animEffect>
+                                  </p:childTnLst>
+                                </p:cTn>
+                              </p:par>
+                              <p:par>
+                                <p:cTn id="172" presetID="54" presetClass="entr" presetSubtype="0" accel="100000" fill="hold" nodeType="withEffect">
+                                  <p:stCondLst>
+                                    <p:cond delay="0"/>
+                                  </p:stCondLst>
+                                  <p:childTnLst>
+                                    <p:set>
+                                      <p:cBhvr>
+                                        <p:cTn id="173" dur="1" fill="hold">
+                                          <p:stCondLst>
+                                            <p:cond delay="0"/>
+                                          </p:stCondLst>
+                                        </p:cTn>
+                                        <p:tgtEl>
+                                          <p:spTgt spid="50"/>
+                                        </p:tgtEl>
+                                        <p:attrNameLst>
+                                          <p:attrName>style.visibility</p:attrName>
+                                        </p:attrNameLst>
+                                      </p:cBhvr>
+                                      <p:to>
+                                        <p:strVal val="visible"/>
+                                      </p:to>
+                                    </p:set>
+                                    <p:anim calcmode="lin" valueType="num">
+                                      <p:cBhvr>
+                                        <p:cTn id="174" dur="500" fill="hold"/>
+                                        <p:tgtEl>
+                                          <p:spTgt spid="50"/>
+                                        </p:tgtEl>
+                                        <p:attrNameLst>
+                                          <p:attrName>ppt_w</p:attrName>
+                                        </p:attrNameLst>
+                                      </p:cBhvr>
+                                      <p:tavLst>
+                                        <p:tav tm="0">
+                                          <p:val>
+                                            <p:strVal val="#ppt_w*0.05"/>
+                                          </p:val>
+                                        </p:tav>
+                                        <p:tav tm="100000">
+                                          <p:val>
+                                            <p:strVal val="#ppt_w"/>
+                                          </p:val>
+                                        </p:tav>
+                                      </p:tavLst>
+                                    </p:anim>
+                                    <p:anim calcmode="lin" valueType="num">
+                                      <p:cBhvr>
+                                        <p:cTn id="175" dur="500" fill="hold"/>
+                                        <p:tgtEl>
+                                          <p:spTgt spid="50"/>
+                                        </p:tgtEl>
+                                        <p:attrNameLst>
+                                          <p:attrName>ppt_h</p:attrName>
+                                        </p:attrNameLst>
+                                      </p:cBhvr>
+                                      <p:tavLst>
+                                        <p:tav tm="0">
+                                          <p:val>
+                                            <p:strVal val="#ppt_h"/>
+                                          </p:val>
+                                        </p:tav>
+                                        <p:tav tm="100000">
+                                          <p:val>
+                                            <p:strVal val="#ppt_h"/>
+                                          </p:val>
+                                        </p:tav>
+                                      </p:tavLst>
+                                    </p:anim>
+                                    <p:anim calcmode="lin" valueType="num">
+                                      <p:cBhvr>
+                                        <p:cTn id="176" dur="500" fill="hold"/>
+                                        <p:tgtEl>
+                                          <p:spTgt spid="50"/>
+                                        </p:tgtEl>
+                                        <p:attrNameLst>
+                                          <p:attrName>ppt_x</p:attrName>
+                                        </p:attrNameLst>
+                                      </p:cBhvr>
+                                      <p:tavLst>
+                                        <p:tav tm="0">
+                                          <p:val>
+                                            <p:strVal val="#ppt_x-.2"/>
+                                          </p:val>
+                                        </p:tav>
+                                        <p:tav tm="100000">
+                                          <p:val>
+                                            <p:strVal val="#ppt_x"/>
+                                          </p:val>
+                                        </p:tav>
+                                      </p:tavLst>
+                                    </p:anim>
+                                    <p:anim calcmode="lin" valueType="num">
+                                      <p:cBhvr>
+                                        <p:cTn id="177" dur="500" fill="hold"/>
+                                        <p:tgtEl>
+                                          <p:spTgt spid="50"/>
+                                        </p:tgtEl>
+                                        <p:attrNameLst>
+                                          <p:attrName>ppt_y</p:attrName>
+                                        </p:attrNameLst>
+                                      </p:cBhvr>
+                                      <p:tavLst>
+                                        <p:tav tm="0">
+                                          <p:val>
+                                            <p:strVal val="#ppt_y"/>
+                                          </p:val>
+                                        </p:tav>
+                                        <p:tav tm="100000">
+                                          <p:val>
+                                            <p:strVal val="#ppt_y"/>
+                                          </p:val>
+                                        </p:tav>
+                                      </p:tavLst>
+                                    </p:anim>
+                                    <p:animEffect transition="in" filter="fade">
+                                      <p:cBhvr>
+                                        <p:cTn id="178" dur="500"/>
+                                        <p:tgtEl>
+                                          <p:spTgt spid="50"/>
+                                        </p:tgtEl>
+                                      </p:cBhvr>
+                                    </p:animEffect>
+                                  </p:childTnLst>
+                                </p:cTn>
+                              </p:par>
+                              <p:par>
+                                <p:cTn id="179" presetID="54" presetClass="entr" presetSubtype="0" accel="100000" fill="hold" nodeType="withEffect">
+                                  <p:stCondLst>
+                                    <p:cond delay="0"/>
+                                  </p:stCondLst>
+                                  <p:childTnLst>
+                                    <p:set>
+                                      <p:cBhvr>
+                                        <p:cTn id="180" dur="1" fill="hold">
+                                          <p:stCondLst>
+                                            <p:cond delay="0"/>
+                                          </p:stCondLst>
+                                        </p:cTn>
+                                        <p:tgtEl>
+                                          <p:spTgt spid="66"/>
+                                        </p:tgtEl>
+                                        <p:attrNameLst>
+                                          <p:attrName>style.visibility</p:attrName>
+                                        </p:attrNameLst>
+                                      </p:cBhvr>
+                                      <p:to>
+                                        <p:strVal val="visible"/>
+                                      </p:to>
+                                    </p:set>
+                                    <p:anim calcmode="lin" valueType="num">
+                                      <p:cBhvr>
+                                        <p:cTn id="181" dur="500" fill="hold"/>
+                                        <p:tgtEl>
+                                          <p:spTgt spid="66"/>
+                                        </p:tgtEl>
+                                        <p:attrNameLst>
+                                          <p:attrName>ppt_w</p:attrName>
+                                        </p:attrNameLst>
+                                      </p:cBhvr>
+                                      <p:tavLst>
+                                        <p:tav tm="0">
+                                          <p:val>
+                                            <p:strVal val="#ppt_w*0.05"/>
+                                          </p:val>
+                                        </p:tav>
+                                        <p:tav tm="100000">
+                                          <p:val>
+                                            <p:strVal val="#ppt_w"/>
+                                          </p:val>
+                                        </p:tav>
+                                      </p:tavLst>
+                                    </p:anim>
+                                    <p:anim calcmode="lin" valueType="num">
+                                      <p:cBhvr>
+                                        <p:cTn id="182" dur="500" fill="hold"/>
+                                        <p:tgtEl>
+                                          <p:spTgt spid="66"/>
+                                        </p:tgtEl>
+                                        <p:attrNameLst>
+                                          <p:attrName>ppt_h</p:attrName>
+                                        </p:attrNameLst>
+                                      </p:cBhvr>
+                                      <p:tavLst>
+                                        <p:tav tm="0">
+                                          <p:val>
+                                            <p:strVal val="#ppt_h"/>
+                                          </p:val>
+                                        </p:tav>
+                                        <p:tav tm="100000">
+                                          <p:val>
+                                            <p:strVal val="#ppt_h"/>
+                                          </p:val>
+                                        </p:tav>
+                                      </p:tavLst>
+                                    </p:anim>
+                                    <p:anim calcmode="lin" valueType="num">
+                                      <p:cBhvr>
+                                        <p:cTn id="183" dur="500" fill="hold"/>
+                                        <p:tgtEl>
+                                          <p:spTgt spid="66"/>
+                                        </p:tgtEl>
+                                        <p:attrNameLst>
+                                          <p:attrName>ppt_x</p:attrName>
+                                        </p:attrNameLst>
+                                      </p:cBhvr>
+                                      <p:tavLst>
+                                        <p:tav tm="0">
+                                          <p:val>
+                                            <p:strVal val="#ppt_x-.2"/>
+                                          </p:val>
+                                        </p:tav>
+                                        <p:tav tm="100000">
+                                          <p:val>
+                                            <p:strVal val="#ppt_x"/>
+                                          </p:val>
+                                        </p:tav>
+                                      </p:tavLst>
+                                    </p:anim>
+                                    <p:anim calcmode="lin" valueType="num">
+                                      <p:cBhvr>
+                                        <p:cTn id="184" dur="500" fill="hold"/>
+                                        <p:tgtEl>
+                                          <p:spTgt spid="66"/>
+                                        </p:tgtEl>
+                                        <p:attrNameLst>
+                                          <p:attrName>ppt_y</p:attrName>
+                                        </p:attrNameLst>
+                                      </p:cBhvr>
+                                      <p:tavLst>
+                                        <p:tav tm="0">
+                                          <p:val>
+                                            <p:strVal val="#ppt_y"/>
+                                          </p:val>
+                                        </p:tav>
+                                        <p:tav tm="100000">
+                                          <p:val>
+                                            <p:strVal val="#ppt_y"/>
+                                          </p:val>
+                                        </p:tav>
+                                      </p:tavLst>
+                                    </p:anim>
+                                    <p:animEffect transition="in" filter="fade">
+                                      <p:cBhvr>
+                                        <p:cTn id="185" dur="500"/>
+                                        <p:tgtEl>
+                                          <p:spTgt spid="66"/>
+                                        </p:tgtEl>
+                                      </p:cBhvr>
+                                    </p:animEffect>
+                                  </p:childTnLst>
+                                </p:cTn>
+                              </p:par>
+                              <p:par>
+                                <p:cTn id="186" presetID="54" presetClass="entr" presetSubtype="0" accel="100000" fill="hold" nodeType="withEffect">
+                                  <p:stCondLst>
+                                    <p:cond delay="0"/>
+                                  </p:stCondLst>
+                                  <p:childTnLst>
+                                    <p:set>
+                                      <p:cBhvr>
+                                        <p:cTn id="187" dur="1" fill="hold">
+                                          <p:stCondLst>
+                                            <p:cond delay="0"/>
+                                          </p:stCondLst>
+                                        </p:cTn>
+                                        <p:tgtEl>
+                                          <p:spTgt spid="66"/>
+                                        </p:tgtEl>
+                                        <p:attrNameLst>
+                                          <p:attrName>style.visibility</p:attrName>
+                                        </p:attrNameLst>
+                                      </p:cBhvr>
+                                      <p:to>
+                                        <p:strVal val="visible"/>
+                                      </p:to>
+                                    </p:set>
+                                    <p:anim calcmode="lin" valueType="num">
+                                      <p:cBhvr>
+                                        <p:cTn id="188" dur="500" fill="hold"/>
+                                        <p:tgtEl>
+                                          <p:spTgt spid="66"/>
+                                        </p:tgtEl>
+                                        <p:attrNameLst>
+                                          <p:attrName>ppt_w</p:attrName>
+                                        </p:attrNameLst>
+                                      </p:cBhvr>
+                                      <p:tavLst>
+                                        <p:tav tm="0">
+                                          <p:val>
+                                            <p:strVal val="#ppt_w*0.05"/>
+                                          </p:val>
+                                        </p:tav>
+                                        <p:tav tm="100000">
+                                          <p:val>
+                                            <p:strVal val="#ppt_w"/>
+                                          </p:val>
+                                        </p:tav>
+                                      </p:tavLst>
+                                    </p:anim>
+                                    <p:anim calcmode="lin" valueType="num">
+                                      <p:cBhvr>
+                                        <p:cTn id="189" dur="500" fill="hold"/>
+                                        <p:tgtEl>
+                                          <p:spTgt spid="66"/>
+                                        </p:tgtEl>
+                                        <p:attrNameLst>
+                                          <p:attrName>ppt_h</p:attrName>
+                                        </p:attrNameLst>
+                                      </p:cBhvr>
+                                      <p:tavLst>
+                                        <p:tav tm="0">
+                                          <p:val>
+                                            <p:strVal val="#ppt_h"/>
+                                          </p:val>
+                                        </p:tav>
+                                        <p:tav tm="100000">
+                                          <p:val>
+                                            <p:strVal val="#ppt_h"/>
+                                          </p:val>
+                                        </p:tav>
+                                      </p:tavLst>
+                                    </p:anim>
+                                    <p:anim calcmode="lin" valueType="num">
+                                      <p:cBhvr>
+                                        <p:cTn id="190" dur="500" fill="hold"/>
+                                        <p:tgtEl>
+                                          <p:spTgt spid="66"/>
+                                        </p:tgtEl>
+                                        <p:attrNameLst>
+                                          <p:attrName>ppt_x</p:attrName>
+                                        </p:attrNameLst>
+                                      </p:cBhvr>
+                                      <p:tavLst>
+                                        <p:tav tm="0">
+                                          <p:val>
+                                            <p:strVal val="#ppt_x-.2"/>
+                                          </p:val>
+                                        </p:tav>
+                                        <p:tav tm="100000">
+                                          <p:val>
+                                            <p:strVal val="#ppt_x"/>
+                                          </p:val>
+                                        </p:tav>
+                                      </p:tavLst>
+                                    </p:anim>
+                                    <p:anim calcmode="lin" valueType="num">
+                                      <p:cBhvr>
+                                        <p:cTn id="191" dur="500" fill="hold"/>
+                                        <p:tgtEl>
+                                          <p:spTgt spid="66"/>
+                                        </p:tgtEl>
+                                        <p:attrNameLst>
+                                          <p:attrName>ppt_y</p:attrName>
+                                        </p:attrNameLst>
+                                      </p:cBhvr>
+                                      <p:tavLst>
+                                        <p:tav tm="0">
+                                          <p:val>
+                                            <p:strVal val="#ppt_y"/>
+                                          </p:val>
+                                        </p:tav>
+                                        <p:tav tm="100000">
+                                          <p:val>
+                                            <p:strVal val="#ppt_y"/>
+                                          </p:val>
+                                        </p:tav>
+                                      </p:tavLst>
+                                    </p:anim>
+                                    <p:animEffect transition="in" filter="fade">
+                                      <p:cBhvr>
+                                        <p:cTn id="192" dur="500"/>
+                                        <p:tgtEl>
+                                          <p:spTgt spid="66"/>
+                                        </p:tgtEl>
+                                      </p:cBhvr>
+                                    </p:animEffect>
+                                  </p:childTnLst>
+                                </p:cTn>
+                              </p:par>
+                            </p:childTnLst>
+                          </p:cTn>
+                        </p:par>
+                      </p:childTnLst>
+                    </p:cTn>
+                  </p:par>
+                  <p:par>
+                    <p:cTn id="193" fill="hold">
+                      <p:stCondLst>
+                        <p:cond delay="indefinite"/>
+                      </p:stCondLst>
+                      <p:childTnLst>
+                        <p:par>
+                          <p:cTn id="194" fill="hold">
+                            <p:stCondLst>
+                              <p:cond delay="0"/>
+                            </p:stCondLst>
+                            <p:childTnLst>
+                              <p:par>
+                                <p:cTn id="195" presetID="54" presetClass="entr" presetSubtype="0" accel="100000" fill="hold" nodeType="clickEffect">
+                                  <p:stCondLst>
+                                    <p:cond delay="0"/>
+                                  </p:stCondLst>
+                                  <p:childTnLst>
+                                    <p:set>
+                                      <p:cBhvr>
+                                        <p:cTn id="196" dur="1" fill="hold">
+                                          <p:stCondLst>
+                                            <p:cond delay="0"/>
+                                          </p:stCondLst>
+                                        </p:cTn>
+                                        <p:tgtEl>
+                                          <p:spTgt spid="66"/>
+                                        </p:tgtEl>
+                                        <p:attrNameLst>
+                                          <p:attrName>style.visibility</p:attrName>
+                                        </p:attrNameLst>
+                                      </p:cBhvr>
+                                      <p:to>
+                                        <p:strVal val="visible"/>
+                                      </p:to>
+                                    </p:set>
+                                    <p:anim calcmode="lin" valueType="num">
+                                      <p:cBhvr>
+                                        <p:cTn id="197" dur="500" fill="hold"/>
+                                        <p:tgtEl>
+                                          <p:spTgt spid="66"/>
+                                        </p:tgtEl>
+                                        <p:attrNameLst>
+                                          <p:attrName>ppt_w</p:attrName>
+                                        </p:attrNameLst>
+                                      </p:cBhvr>
+                                      <p:tavLst>
+                                        <p:tav tm="0">
+                                          <p:val>
+                                            <p:strVal val="#ppt_w*0.05"/>
+                                          </p:val>
+                                        </p:tav>
+                                        <p:tav tm="100000">
+                                          <p:val>
+                                            <p:strVal val="#ppt_w"/>
+                                          </p:val>
+                                        </p:tav>
+                                      </p:tavLst>
+                                    </p:anim>
+                                    <p:anim calcmode="lin" valueType="num">
+                                      <p:cBhvr>
+                                        <p:cTn id="198" dur="500" fill="hold"/>
+                                        <p:tgtEl>
+                                          <p:spTgt spid="66"/>
+                                        </p:tgtEl>
+                                        <p:attrNameLst>
+                                          <p:attrName>ppt_h</p:attrName>
+                                        </p:attrNameLst>
+                                      </p:cBhvr>
+                                      <p:tavLst>
+                                        <p:tav tm="0">
+                                          <p:val>
+                                            <p:strVal val="#ppt_h"/>
+                                          </p:val>
+                                        </p:tav>
+                                        <p:tav tm="100000">
+                                          <p:val>
+                                            <p:strVal val="#ppt_h"/>
+                                          </p:val>
+                                        </p:tav>
+                                      </p:tavLst>
+                                    </p:anim>
+                                    <p:anim calcmode="lin" valueType="num">
+                                      <p:cBhvr>
+                                        <p:cTn id="199" dur="500" fill="hold"/>
+                                        <p:tgtEl>
+                                          <p:spTgt spid="66"/>
+                                        </p:tgtEl>
+                                        <p:attrNameLst>
+                                          <p:attrName>ppt_x</p:attrName>
+                                        </p:attrNameLst>
+                                      </p:cBhvr>
+                                      <p:tavLst>
+                                        <p:tav tm="0">
+                                          <p:val>
+                                            <p:strVal val="#ppt_x-.2"/>
+                                          </p:val>
+                                        </p:tav>
+                                        <p:tav tm="100000">
+                                          <p:val>
+                                            <p:strVal val="#ppt_x"/>
+                                          </p:val>
+                                        </p:tav>
+                                      </p:tavLst>
+                                    </p:anim>
+                                    <p:anim calcmode="lin" valueType="num">
+                                      <p:cBhvr>
+                                        <p:cTn id="200" dur="500" fill="hold"/>
+                                        <p:tgtEl>
+                                          <p:spTgt spid="66"/>
+                                        </p:tgtEl>
+                                        <p:attrNameLst>
+                                          <p:attrName>ppt_y</p:attrName>
+                                        </p:attrNameLst>
+                                      </p:cBhvr>
+                                      <p:tavLst>
+                                        <p:tav tm="0">
+                                          <p:val>
+                                            <p:strVal val="#ppt_y"/>
+                                          </p:val>
+                                        </p:tav>
+                                        <p:tav tm="100000">
+                                          <p:val>
+                                            <p:strVal val="#ppt_y"/>
+                                          </p:val>
+                                        </p:tav>
+                                      </p:tavLst>
+                                    </p:anim>
+                                    <p:animEffect transition="in" filter="fade">
+                                      <p:cBhvr>
+                                        <p:cTn id="201" dur="500"/>
+                                        <p:tgtEl>
+                                          <p:spTgt spid="66"/>
+                                        </p:tgtEl>
+                                      </p:cBhvr>
+                                    </p:animEffect>
+                                  </p:childTnLst>
+                                </p:cTn>
+                              </p:par>
+                              <p:par>
+                                <p:cTn id="202" presetID="54" presetClass="entr" presetSubtype="0" accel="100000" fill="hold" nodeType="withEffect">
+                                  <p:stCondLst>
+                                    <p:cond delay="0"/>
+                                  </p:stCondLst>
+                                  <p:childTnLst>
+                                    <p:set>
+                                      <p:cBhvr>
+                                        <p:cTn id="203" dur="1" fill="hold">
+                                          <p:stCondLst>
+                                            <p:cond delay="0"/>
+                                          </p:stCondLst>
+                                        </p:cTn>
+                                        <p:tgtEl>
+                                          <p:spTgt spid="16"/>
+                                        </p:tgtEl>
+                                        <p:attrNameLst>
+                                          <p:attrName>style.visibility</p:attrName>
+                                        </p:attrNameLst>
+                                      </p:cBhvr>
+                                      <p:to>
+                                        <p:strVal val="visible"/>
+                                      </p:to>
+                                    </p:set>
+                                    <p:anim calcmode="lin" valueType="num">
+                                      <p:cBhvr>
+                                        <p:cTn id="204" dur="500" fill="hold"/>
+                                        <p:tgtEl>
+                                          <p:spTgt spid="16"/>
+                                        </p:tgtEl>
+                                        <p:attrNameLst>
+                                          <p:attrName>ppt_w</p:attrName>
+                                        </p:attrNameLst>
+                                      </p:cBhvr>
+                                      <p:tavLst>
+                                        <p:tav tm="0">
+                                          <p:val>
+                                            <p:strVal val="#ppt_w*0.05"/>
+                                          </p:val>
+                                        </p:tav>
+                                        <p:tav tm="100000">
+                                          <p:val>
+                                            <p:strVal val="#ppt_w"/>
+                                          </p:val>
+                                        </p:tav>
+                                      </p:tavLst>
+                                    </p:anim>
+                                    <p:anim calcmode="lin" valueType="num">
+                                      <p:cBhvr>
+                                        <p:cTn id="205" dur="500" fill="hold"/>
+                                        <p:tgtEl>
+                                          <p:spTgt spid="16"/>
+                                        </p:tgtEl>
+                                        <p:attrNameLst>
+                                          <p:attrName>ppt_h</p:attrName>
+                                        </p:attrNameLst>
+                                      </p:cBhvr>
+                                      <p:tavLst>
+                                        <p:tav tm="0">
+                                          <p:val>
+                                            <p:strVal val="#ppt_h"/>
+                                          </p:val>
+                                        </p:tav>
+                                        <p:tav tm="100000">
+                                          <p:val>
+                                            <p:strVal val="#ppt_h"/>
+                                          </p:val>
+                                        </p:tav>
+                                      </p:tavLst>
+                                    </p:anim>
+                                    <p:anim calcmode="lin" valueType="num">
+                                      <p:cBhvr>
+                                        <p:cTn id="206" dur="500" fill="hold"/>
+                                        <p:tgtEl>
+                                          <p:spTgt spid="16"/>
+                                        </p:tgtEl>
+                                        <p:attrNameLst>
+                                          <p:attrName>ppt_x</p:attrName>
+                                        </p:attrNameLst>
+                                      </p:cBhvr>
+                                      <p:tavLst>
+                                        <p:tav tm="0">
+                                          <p:val>
+                                            <p:strVal val="#ppt_x-.2"/>
+                                          </p:val>
+                                        </p:tav>
+                                        <p:tav tm="100000">
+                                          <p:val>
+                                            <p:strVal val="#ppt_x"/>
+                                          </p:val>
+                                        </p:tav>
+                                      </p:tavLst>
+                                    </p:anim>
+                                    <p:anim calcmode="lin" valueType="num">
+                                      <p:cBhvr>
+                                        <p:cTn id="207" dur="500" fill="hold"/>
+                                        <p:tgtEl>
+                                          <p:spTgt spid="16"/>
+                                        </p:tgtEl>
+                                        <p:attrNameLst>
+                                          <p:attrName>ppt_y</p:attrName>
+                                        </p:attrNameLst>
+                                      </p:cBhvr>
+                                      <p:tavLst>
+                                        <p:tav tm="0">
+                                          <p:val>
+                                            <p:strVal val="#ppt_y"/>
+                                          </p:val>
+                                        </p:tav>
+                                        <p:tav tm="100000">
+                                          <p:val>
+                                            <p:strVal val="#ppt_y"/>
+                                          </p:val>
+                                        </p:tav>
+                                      </p:tavLst>
+                                    </p:anim>
+                                    <p:animEffect transition="in" filter="fade">
+                                      <p:cBhvr>
+                                        <p:cTn id="208" dur="500"/>
+                                        <p:tgtEl>
+                                          <p:spTgt spid="16"/>
+                                        </p:tgtEl>
+                                      </p:cBhvr>
+                                    </p:animEffect>
+                                  </p:childTnLst>
+                                </p:cTn>
+                              </p:par>
+                              <p:par>
+                                <p:cTn id="209" presetID="54" presetClass="entr" presetSubtype="0" accel="100000" fill="hold" nodeType="withEffect">
+                                  <p:stCondLst>
+                                    <p:cond delay="0"/>
+                                  </p:stCondLst>
+                                  <p:childTnLst>
+                                    <p:set>
+                                      <p:cBhvr>
+                                        <p:cTn id="210" dur="1" fill="hold">
+                                          <p:stCondLst>
+                                            <p:cond delay="0"/>
+                                          </p:stCondLst>
+                                        </p:cTn>
+                                        <p:tgtEl>
+                                          <p:spTgt spid="36"/>
+                                        </p:tgtEl>
+                                        <p:attrNameLst>
+                                          <p:attrName>style.visibility</p:attrName>
+                                        </p:attrNameLst>
+                                      </p:cBhvr>
+                                      <p:to>
+                                        <p:strVal val="visible"/>
+                                      </p:to>
+                                    </p:set>
+                                    <p:anim calcmode="lin" valueType="num">
+                                      <p:cBhvr>
+                                        <p:cTn id="211" dur="500" fill="hold"/>
+                                        <p:tgtEl>
+                                          <p:spTgt spid="36"/>
+                                        </p:tgtEl>
+                                        <p:attrNameLst>
+                                          <p:attrName>ppt_w</p:attrName>
+                                        </p:attrNameLst>
+                                      </p:cBhvr>
+                                      <p:tavLst>
+                                        <p:tav tm="0">
+                                          <p:val>
+                                            <p:strVal val="#ppt_w*0.05"/>
+                                          </p:val>
+                                        </p:tav>
+                                        <p:tav tm="100000">
+                                          <p:val>
+                                            <p:strVal val="#ppt_w"/>
+                                          </p:val>
+                                        </p:tav>
+                                      </p:tavLst>
+                                    </p:anim>
+                                    <p:anim calcmode="lin" valueType="num">
+                                      <p:cBhvr>
+                                        <p:cTn id="212" dur="500" fill="hold"/>
+                                        <p:tgtEl>
+                                          <p:spTgt spid="36"/>
+                                        </p:tgtEl>
+                                        <p:attrNameLst>
+                                          <p:attrName>ppt_h</p:attrName>
+                                        </p:attrNameLst>
+                                      </p:cBhvr>
+                                      <p:tavLst>
+                                        <p:tav tm="0">
+                                          <p:val>
+                                            <p:strVal val="#ppt_h"/>
+                                          </p:val>
+                                        </p:tav>
+                                        <p:tav tm="100000">
+                                          <p:val>
+                                            <p:strVal val="#ppt_h"/>
+                                          </p:val>
+                                        </p:tav>
+                                      </p:tavLst>
+                                    </p:anim>
+                                    <p:anim calcmode="lin" valueType="num">
+                                      <p:cBhvr>
+                                        <p:cTn id="213" dur="500" fill="hold"/>
+                                        <p:tgtEl>
+                                          <p:spTgt spid="36"/>
+                                        </p:tgtEl>
+                                        <p:attrNameLst>
+                                          <p:attrName>ppt_x</p:attrName>
+                                        </p:attrNameLst>
+                                      </p:cBhvr>
+                                      <p:tavLst>
+                                        <p:tav tm="0">
+                                          <p:val>
+                                            <p:strVal val="#ppt_x-.2"/>
+                                          </p:val>
+                                        </p:tav>
+                                        <p:tav tm="100000">
+                                          <p:val>
+                                            <p:strVal val="#ppt_x"/>
+                                          </p:val>
+                                        </p:tav>
+                                      </p:tavLst>
+                                    </p:anim>
+                                    <p:anim calcmode="lin" valueType="num">
+                                      <p:cBhvr>
+                                        <p:cTn id="214" dur="500" fill="hold"/>
+                                        <p:tgtEl>
+                                          <p:spTgt spid="36"/>
+                                        </p:tgtEl>
+                                        <p:attrNameLst>
+                                          <p:attrName>ppt_y</p:attrName>
+                                        </p:attrNameLst>
+                                      </p:cBhvr>
+                                      <p:tavLst>
+                                        <p:tav tm="0">
+                                          <p:val>
+                                            <p:strVal val="#ppt_y"/>
+                                          </p:val>
+                                        </p:tav>
+                                        <p:tav tm="100000">
+                                          <p:val>
+                                            <p:strVal val="#ppt_y"/>
+                                          </p:val>
+                                        </p:tav>
+                                      </p:tavLst>
+                                    </p:anim>
+                                    <p:animEffect transition="in" filter="fade">
+                                      <p:cBhvr>
+                                        <p:cTn id="215" dur="500"/>
+                                        <p:tgtEl>
+                                          <p:spTgt spid="36"/>
+                                        </p:tgtEl>
+                                      </p:cBhvr>
+                                    </p:animEffect>
+                                  </p:childTnLst>
+                                </p:cTn>
+                              </p:par>
+                            </p:childTnLst>
+                          </p:cTn>
+                        </p:par>
+                      </p:childTnLst>
+                    </p:cTn>
+                  </p:par>
+                </p:childTnLst>
+              </p:cTn>
+              <p:prevCondLst>
+                <p:cond evt="onPrev" delay="0">
+                  <p:tgtEl>
+                    <p:sldTgt/>
+                  </p:tgtEl>
+                </p:cond>
+              </p:prevCondLst>
+              <p:nextCondLst>
+                <p:cond evt="onNext" delay="0">
+                  <p:tgtEl>
+                    <p:sldTgt/>
+                  </p:tgtEl>
+                </p:cond>
+              </p:nextCondLst>
+            </p:seq>
+          </p:childTnLst>
+        </p:cTn>
+      </p:par>
+    </p:tnLst>
+  </p:timing>
+</p:sld>
+</file>
+
+<file path=ppt/slides/slide16.xml><?xml version="1.0" encoding="utf-8"?>
+<p:sld xmlns:a="http://schemas.openxmlformats.org/drawingml/2006/main" xmlns:r="http://schemas.openxmlformats.org/officeDocument/2006/relationships" xmlns:p="http://schemas.openxmlformats.org/presentationml/2006/main">
+  <p:cSld>
+    <p:spTree>
+      <p:nvGrpSpPr>
+        <p:cNvPr id="1" name=""/>
+        <p:cNvGrpSpPr/>
+        <p:nvPr/>
+      </p:nvGrpSpPr>
+      <p:grpSpPr>
+        <a:xfrm>
+          <a:off x="0" y="0"/>
+          <a:ext cx="0" cy="0"/>
+          <a:chOff x="0" y="0"/>
+          <a:chExt cx="0" cy="0"/>
+        </a:xfrm>
+      </p:grpSpPr>
+      <p:sp>
+        <p:nvSpPr>
+          <p:cNvPr id="2" name="1 Título"/>
+          <p:cNvSpPr>
+            <a:spLocks noGrp="1"/>
+          </p:cNvSpPr>
+          <p:nvPr>
+            <p:ph type="title"/>
+          </p:nvPr>
+        </p:nvSpPr>
+        <p:spPr>
+          <a:xfrm>
+            <a:off x="457200" y="274638"/>
+            <a:ext cx="8329642" cy="1143000"/>
+          </a:xfrm>
+        </p:spPr>
+        <p:txBody>
+          <a:bodyPr/>
+          <a:lstStyle/>
+          <a:p>
+            <a:endParaRPr lang="es-PE" dirty="0"/>
+          </a:p>
+        </p:txBody>
+      </p:sp>
+      <p:sp>
+        <p:nvSpPr>
+          <p:cNvPr id="3" name="2 Marcador de contenido"/>
+          <p:cNvSpPr>
+            <a:spLocks noGrp="1"/>
+          </p:cNvSpPr>
+          <p:nvPr>
+            <p:ph idx="1"/>
+          </p:nvPr>
+        </p:nvSpPr>
+        <p:spPr>
+          <a:xfrm>
+            <a:off x="457200" y="1600200"/>
+            <a:ext cx="8329642" cy="4972072"/>
+          </a:xfrm>
+        </p:spPr>
+        <p:txBody>
+          <a:bodyPr/>
+          <a:lstStyle/>
+          <a:p>
+            <a:endParaRPr lang="es-PE" dirty="0"/>
+          </a:p>
+        </p:txBody>
+      </p:sp>
+    </p:spTree>
+  </p:cSld>
+  <p:clrMapOvr>
+    <a:masterClrMapping/>
+  </p:clrMapOvr>
   <p:timing>
     <p:tnLst>
       <p:par>
@@ -13504,7 +17818,7 @@
 </p:sld>
 </file>
 
-<file path=ppt/slides/slide16.xml><?xml version="1.0" encoding="utf-8"?>
+<file path=ppt/slides/slide17.xml><?xml version="1.0" encoding="utf-8"?>
 <p:sld xmlns:a="http://schemas.openxmlformats.org/drawingml/2006/main" xmlns:r="http://schemas.openxmlformats.org/officeDocument/2006/relationships" xmlns:p="http://schemas.openxmlformats.org/presentationml/2006/main">
   <p:cSld>
     <p:spTree>
@@ -13561,7 +17875,7 @@
 </p:sld>
 </file>
 
-<file path=ppt/slides/slide17.xml><?xml version="1.0" encoding="utf-8"?>
+<file path=ppt/slides/slide18.xml><?xml version="1.0" encoding="utf-8"?>
 <p:sld xmlns:a="http://schemas.openxmlformats.org/drawingml/2006/main" xmlns:r="http://schemas.openxmlformats.org/officeDocument/2006/relationships" xmlns:p="http://schemas.openxmlformats.org/presentationml/2006/main">
   <p:cSld>
     <p:spTree>
